--- a/Conan_Jeff_Presentation.pptx
+++ b/Conan_Jeff_Presentation.pptx
@@ -5,7 +5,7 @@
     <p:sldMasterId id="2147483648" r:id="rId1"/>
   </p:sldMasterIdLst>
   <p:notesMasterIdLst>
-    <p:notesMasterId r:id="rId16"/>
+    <p:notesMasterId r:id="rId25"/>
   </p:notesMasterIdLst>
   <p:sldIdLst>
     <p:sldId id="264" r:id="rId2"/>
@@ -14,14 +14,23 @@
     <p:sldId id="263" r:id="rId5"/>
     <p:sldId id="262" r:id="rId6"/>
     <p:sldId id="260" r:id="rId7"/>
-    <p:sldId id="265" r:id="rId8"/>
-    <p:sldId id="266" r:id="rId9"/>
-    <p:sldId id="267" r:id="rId10"/>
-    <p:sldId id="268" r:id="rId11"/>
-    <p:sldId id="269" r:id="rId12"/>
-    <p:sldId id="270" r:id="rId13"/>
-    <p:sldId id="271" r:id="rId14"/>
-    <p:sldId id="272" r:id="rId15"/>
+    <p:sldId id="277" r:id="rId8"/>
+    <p:sldId id="278" r:id="rId9"/>
+    <p:sldId id="279" r:id="rId10"/>
+    <p:sldId id="280" r:id="rId11"/>
+    <p:sldId id="273" r:id="rId12"/>
+    <p:sldId id="274" r:id="rId13"/>
+    <p:sldId id="275" r:id="rId14"/>
+    <p:sldId id="276" r:id="rId15"/>
+    <p:sldId id="281" r:id="rId16"/>
+    <p:sldId id="265" r:id="rId17"/>
+    <p:sldId id="266" r:id="rId18"/>
+    <p:sldId id="267" r:id="rId19"/>
+    <p:sldId id="268" r:id="rId20"/>
+    <p:sldId id="269" r:id="rId21"/>
+    <p:sldId id="270" r:id="rId22"/>
+    <p:sldId id="271" r:id="rId23"/>
+    <p:sldId id="272" r:id="rId24"/>
   </p:sldIdLst>
   <p:sldSz cx="9144000" cy="6858000" type="screen4x3"/>
   <p:notesSz cx="6858000" cy="9144000"/>
@@ -122,7 +131,7 @@
   </p:defaultTextStyle>
   <p:extLst>
     <p:ext uri="{EFAFB233-063F-42B5-8137-9DF3F51BA10A}">
-      <p15:sldGuideLst xmlns:p15="http://schemas.microsoft.com/office/powerpoint/2012/main">
+      <p15:sldGuideLst xmlns:p15="http://schemas.microsoft.com/office/powerpoint/2012/main" xmlns="">
         <p15:guide id="1" orient="horz" pos="2160">
           <p15:clr>
             <a:srgbClr val="A4A3A4"/>
@@ -221,7 +230,7 @@
           <a:p>
             <a:fld id="{CCD3860B-93F4-41AB-B5C2-87CD1EFD6ABD}" type="datetimeFigureOut">
               <a:rPr lang="en-US" smtClean="0"/>
-              <a:t>5/14/2015</a:t>
+              <a:t>5/14/15</a:t>
             </a:fld>
             <a:endParaRPr lang="en-US"/>
           </a:p>
@@ -1397,7 +1406,7 @@
           <a:p>
             <a:fld id="{6F5A97A8-1B8A-4C42-99D0-400448E7C1C6}" type="datetimeFigureOut">
               <a:rPr lang="en-US" smtClean="0"/>
-              <a:t>5/14/2015</a:t>
+              <a:t>5/14/15</a:t>
             </a:fld>
             <a:endParaRPr lang="en-US"/>
           </a:p>
@@ -1567,7 +1576,7 @@
           <a:p>
             <a:fld id="{6F5A97A8-1B8A-4C42-99D0-400448E7C1C6}" type="datetimeFigureOut">
               <a:rPr lang="en-US" smtClean="0"/>
-              <a:t>5/14/2015</a:t>
+              <a:t>5/14/15</a:t>
             </a:fld>
             <a:endParaRPr lang="en-US"/>
           </a:p>
@@ -1747,7 +1756,7 @@
           <a:p>
             <a:fld id="{6F5A97A8-1B8A-4C42-99D0-400448E7C1C6}" type="datetimeFigureOut">
               <a:rPr lang="en-US" smtClean="0"/>
-              <a:t>5/14/2015</a:t>
+              <a:t>5/14/15</a:t>
             </a:fld>
             <a:endParaRPr lang="en-US"/>
           </a:p>
@@ -1917,7 +1926,7 @@
           <a:p>
             <a:fld id="{6F5A97A8-1B8A-4C42-99D0-400448E7C1C6}" type="datetimeFigureOut">
               <a:rPr lang="en-US" smtClean="0"/>
-              <a:t>5/14/2015</a:t>
+              <a:t>5/14/15</a:t>
             </a:fld>
             <a:endParaRPr lang="en-US"/>
           </a:p>
@@ -2163,7 +2172,7 @@
           <a:p>
             <a:fld id="{6F5A97A8-1B8A-4C42-99D0-400448E7C1C6}" type="datetimeFigureOut">
               <a:rPr lang="en-US" smtClean="0"/>
-              <a:t>5/14/2015</a:t>
+              <a:t>5/14/15</a:t>
             </a:fld>
             <a:endParaRPr lang="en-US"/>
           </a:p>
@@ -2451,7 +2460,7 @@
           <a:p>
             <a:fld id="{6F5A97A8-1B8A-4C42-99D0-400448E7C1C6}" type="datetimeFigureOut">
               <a:rPr lang="en-US" smtClean="0"/>
-              <a:t>5/14/2015</a:t>
+              <a:t>5/14/15</a:t>
             </a:fld>
             <a:endParaRPr lang="en-US"/>
           </a:p>
@@ -2873,7 +2882,7 @@
           <a:p>
             <a:fld id="{6F5A97A8-1B8A-4C42-99D0-400448E7C1C6}" type="datetimeFigureOut">
               <a:rPr lang="en-US" smtClean="0"/>
-              <a:t>5/14/2015</a:t>
+              <a:t>5/14/15</a:t>
             </a:fld>
             <a:endParaRPr lang="en-US"/>
           </a:p>
@@ -2991,7 +3000,7 @@
           <a:p>
             <a:fld id="{6F5A97A8-1B8A-4C42-99D0-400448E7C1C6}" type="datetimeFigureOut">
               <a:rPr lang="en-US" smtClean="0"/>
-              <a:t>5/14/2015</a:t>
+              <a:t>5/14/15</a:t>
             </a:fld>
             <a:endParaRPr lang="en-US"/>
           </a:p>
@@ -3086,7 +3095,7 @@
           <a:p>
             <a:fld id="{6F5A97A8-1B8A-4C42-99D0-400448E7C1C6}" type="datetimeFigureOut">
               <a:rPr lang="en-US" smtClean="0"/>
-              <a:t>5/14/2015</a:t>
+              <a:t>5/14/15</a:t>
             </a:fld>
             <a:endParaRPr lang="en-US"/>
           </a:p>
@@ -3363,7 +3372,7 @@
           <a:p>
             <a:fld id="{6F5A97A8-1B8A-4C42-99D0-400448E7C1C6}" type="datetimeFigureOut">
               <a:rPr lang="en-US" smtClean="0"/>
-              <a:t>5/14/2015</a:t>
+              <a:t>5/14/15</a:t>
             </a:fld>
             <a:endParaRPr lang="en-US"/>
           </a:p>
@@ -3616,7 +3625,7 @@
           <a:p>
             <a:fld id="{6F5A97A8-1B8A-4C42-99D0-400448E7C1C6}" type="datetimeFigureOut">
               <a:rPr lang="en-US" smtClean="0"/>
-              <a:t>5/14/2015</a:t>
+              <a:t>5/14/15</a:t>
             </a:fld>
             <a:endParaRPr lang="en-US"/>
           </a:p>
@@ -3829,7 +3838,7 @@
           <a:p>
             <a:fld id="{6F5A97A8-1B8A-4C42-99D0-400448E7C1C6}" type="datetimeFigureOut">
               <a:rPr lang="en-US" smtClean="0"/>
-              <a:t>5/14/2015</a:t>
+              <a:t>5/14/15</a:t>
             </a:fld>
             <a:endParaRPr lang="en-US"/>
           </a:p>
@@ -4263,14 +4272,14 @@
             <a:noFill/>
           </a:ln>
           <a:extLst>
-            <a:ext uri="{909E8E84-426E-40DD-AFC4-6F175D3DCCD1}">
+            <a:ext uri="{909E8E84-426E-40dd-AFC4-6F175D3DCCD1}">
               <a14:hiddenFill xmlns:a14="http://schemas.microsoft.com/office/drawing/2010/main">
                 <a:solidFill>
                   <a:schemeClr val="accent1"/>
                 </a:solidFill>
               </a14:hiddenFill>
             </a:ext>
-            <a:ext uri="{91240B29-F687-4F45-9708-019B960494DF}">
+            <a:ext uri="{91240B29-F687-4f45-9708-019B960494DF}">
               <a14:hiddenLine xmlns:a14="http://schemas.microsoft.com/office/drawing/2010/main" w="9525">
                 <a:solidFill>
                   <a:schemeClr val="tx1"/>
@@ -4317,14 +4326,14 @@
             <a:noFill/>
           </a:ln>
           <a:extLst>
-            <a:ext uri="{909E8E84-426E-40DD-AFC4-6F175D3DCCD1}">
+            <a:ext uri="{909E8E84-426E-40dd-AFC4-6F175D3DCCD1}">
               <a14:hiddenFill xmlns:a14="http://schemas.microsoft.com/office/drawing/2010/main">
                 <a:solidFill>
                   <a:schemeClr val="accent1"/>
                 </a:solidFill>
               </a14:hiddenFill>
             </a:ext>
-            <a:ext uri="{91240B29-F687-4F45-9708-019B960494DF}">
+            <a:ext uri="{91240B29-F687-4f45-9708-019B960494DF}">
               <a14:hiddenLine xmlns:a14="http://schemas.microsoft.com/office/drawing/2010/main" w="9525">
                 <a:solidFill>
                   <a:schemeClr val="tx1"/>
@@ -4367,31 +4376,6 @@
           <a:chExt cx="0" cy="0"/>
         </a:xfrm>
       </p:grpSpPr>
-      <p:sp>
-        <p:nvSpPr>
-          <p:cNvPr id="2" name="Title 1"/>
-          <p:cNvSpPr>
-            <a:spLocks noGrp="1"/>
-          </p:cNvSpPr>
-          <p:nvPr>
-            <p:ph type="title"/>
-          </p:nvPr>
-        </p:nvSpPr>
-        <p:spPr/>
-        <p:txBody>
-          <a:bodyPr>
-            <a:noAutofit/>
-          </a:bodyPr>
-          <a:lstStyle/>
-          <a:p>
-            <a:r>
-              <a:rPr lang="en-US" dirty="0" smtClean="0"/>
-              <a:t>Collaborative  Filtering / Matrix Factorization</a:t>
-            </a:r>
-            <a:endParaRPr lang="en-US" dirty="0"/>
-          </a:p>
-        </p:txBody>
-      </p:sp>
       <p:pic>
         <p:nvPicPr>
           <p:cNvPr id="4" name="Content Placeholder 3"/>
@@ -4402,26 +4386,259 @@
             <p:ph idx="1"/>
           </p:nvPr>
         </p:nvPicPr>
-        <p:blipFill>
-          <a:blip r:embed="rId2"/>
-          <a:stretch>
-            <a:fillRect/>
-          </a:stretch>
+        <p:blipFill rotWithShape="1">
+          <a:blip r:embed="rId2">
+            <a:alphaModFix/>
+          </a:blip>
+          <a:srcRect l="24857" t="7479" r="22794" b="12388"/>
+          <a:stretch/>
         </p:blipFill>
         <p:spPr>
           <a:xfrm>
-            <a:off x="628651" y="1904973"/>
-            <a:ext cx="8112884" cy="4018532"/>
+            <a:off x="1643585" y="1028571"/>
+            <a:ext cx="5864611" cy="5805476"/>
+          </a:xfrm>
+        </p:spPr>
+      </p:pic>
+      <p:sp>
+        <p:nvSpPr>
+          <p:cNvPr id="2" name="Title 1"/>
+          <p:cNvSpPr>
+            <a:spLocks noGrp="1"/>
+          </p:cNvSpPr>
+          <p:nvPr>
+            <p:ph type="title"/>
+          </p:nvPr>
+        </p:nvSpPr>
+        <p:spPr/>
+        <p:txBody>
+          <a:bodyPr/>
+          <a:lstStyle/>
+          <a:p>
+            <a:r>
+              <a:rPr lang="en-US" dirty="0" smtClean="0">
+                <a:solidFill>
+                  <a:srgbClr val="FF0000"/>
+                </a:solidFill>
+              </a:rPr>
+              <a:t>Network</a:t>
+            </a:r>
+            <a:r>
+              <a:rPr lang="en-US" dirty="0" smtClean="0"/>
+              <a:t> </a:t>
+            </a:r>
+            <a:r>
+              <a:rPr lang="en-US" dirty="0" smtClean="0">
+                <a:solidFill>
+                  <a:srgbClr val="FF0000"/>
+                </a:solidFill>
+              </a:rPr>
+              <a:t>Graph</a:t>
+            </a:r>
+            <a:endParaRPr lang="en-US" dirty="0">
+              <a:solidFill>
+                <a:srgbClr val="FF0000"/>
+              </a:solidFill>
+            </a:endParaRPr>
+          </a:p>
+        </p:txBody>
+      </p:sp>
+      <p:sp>
+        <p:nvSpPr>
+          <p:cNvPr id="5" name="TextBox 4"/>
+          <p:cNvSpPr txBox="1"/>
+          <p:nvPr/>
+        </p:nvSpPr>
+        <p:spPr>
+          <a:xfrm>
+            <a:off x="88328" y="1063695"/>
+            <a:ext cx="4394178" cy="707886"/>
           </a:xfrm>
           <a:prstGeom prst="rect">
             <a:avLst/>
           </a:prstGeom>
+          <a:noFill/>
         </p:spPr>
-      </p:pic>
+        <p:txBody>
+          <a:bodyPr wrap="square" rtlCol="0">
+            <a:spAutoFit/>
+          </a:bodyPr>
+          <a:lstStyle/>
+          <a:p>
+            <a:r>
+              <a:rPr lang="en-US" sz="1000" dirty="0" smtClean="0">
+                <a:latin typeface="Courier"/>
+                <a:cs typeface="Courier"/>
+              </a:rPr>
+              <a:t>&gt;library(</a:t>
+            </a:r>
+            <a:r>
+              <a:rPr lang="en-US" sz="1000" dirty="0" err="1" smtClean="0">
+                <a:latin typeface="Courier"/>
+                <a:cs typeface="Courier"/>
+              </a:rPr>
+              <a:t>igraph</a:t>
+            </a:r>
+            <a:r>
+              <a:rPr lang="en-US" sz="1000" dirty="0" smtClean="0">
+                <a:latin typeface="Courier"/>
+                <a:cs typeface="Courier"/>
+              </a:rPr>
+              <a:t>)</a:t>
+            </a:r>
+          </a:p>
+          <a:p>
+            <a:r>
+              <a:rPr lang="en-US" sz="1000" dirty="0" smtClean="0">
+                <a:latin typeface="Courier"/>
+                <a:cs typeface="Courier"/>
+              </a:rPr>
+              <a:t>&gt;</a:t>
+            </a:r>
+            <a:r>
+              <a:rPr lang="en-US" sz="1000" dirty="0" err="1" smtClean="0">
+                <a:latin typeface="Courier"/>
+                <a:cs typeface="Courier"/>
+              </a:rPr>
+              <a:t>layout_fr</a:t>
+            </a:r>
+            <a:r>
+              <a:rPr lang="en-US" sz="1000" dirty="0" smtClean="0">
+                <a:latin typeface="Courier"/>
+                <a:cs typeface="Courier"/>
+              </a:rPr>
+              <a:t> </a:t>
+            </a:r>
+            <a:r>
+              <a:rPr lang="en-US" sz="1000" dirty="0">
+                <a:latin typeface="Courier"/>
+                <a:cs typeface="Courier"/>
+              </a:rPr>
+              <a:t>&lt;- </a:t>
+            </a:r>
+            <a:r>
+              <a:rPr lang="en-US" sz="1000" dirty="0" smtClean="0">
+                <a:latin typeface="Courier"/>
+                <a:cs typeface="Courier"/>
+              </a:rPr>
+              <a:t>layout.fruchterman.reingold</a:t>
+            </a:r>
+            <a:r>
+              <a:rPr lang="en-US" sz="1000" dirty="0">
+                <a:latin typeface="Courier"/>
+                <a:cs typeface="Courier"/>
+              </a:rPr>
+              <a:t>(</a:t>
+            </a:r>
+            <a:r>
+              <a:rPr lang="en-US" sz="1000" dirty="0" err="1">
+                <a:latin typeface="Courier"/>
+                <a:cs typeface="Courier"/>
+              </a:rPr>
+              <a:t>graph.yelp</a:t>
+            </a:r>
+            <a:r>
+              <a:rPr lang="en-US" sz="1000" dirty="0" smtClean="0">
+                <a:latin typeface="Courier"/>
+                <a:cs typeface="Courier"/>
+              </a:rPr>
+              <a:t>)</a:t>
+            </a:r>
+          </a:p>
+          <a:p>
+            <a:r>
+              <a:rPr lang="en-US" sz="1000" dirty="0" smtClean="0">
+                <a:latin typeface="Courier"/>
+                <a:cs typeface="Courier"/>
+              </a:rPr>
+              <a:t>&gt;plot</a:t>
+            </a:r>
+            <a:r>
+              <a:rPr lang="en-US" sz="1000" dirty="0">
+                <a:latin typeface="Courier"/>
+                <a:cs typeface="Courier"/>
+              </a:rPr>
+              <a:t>(</a:t>
+            </a:r>
+            <a:r>
+              <a:rPr lang="en-US" sz="1000" dirty="0" err="1">
+                <a:latin typeface="Courier"/>
+                <a:cs typeface="Courier"/>
+              </a:rPr>
+              <a:t>graph.yelp,layout</a:t>
+            </a:r>
+            <a:r>
+              <a:rPr lang="en-US" sz="1000" dirty="0">
+                <a:latin typeface="Courier"/>
+                <a:cs typeface="Courier"/>
+              </a:rPr>
+              <a:t>=</a:t>
+            </a:r>
+            <a:r>
+              <a:rPr lang="en-US" sz="1000" dirty="0" err="1" smtClean="0">
+                <a:latin typeface="Courier"/>
+                <a:cs typeface="Courier"/>
+              </a:rPr>
+              <a:t>layout_fr</a:t>
+            </a:r>
+            <a:r>
+              <a:rPr lang="en-US" sz="1000" dirty="0" smtClean="0">
+                <a:latin typeface="Courier"/>
+                <a:cs typeface="Courier"/>
+              </a:rPr>
+              <a:t>,</a:t>
+            </a:r>
+          </a:p>
+          <a:p>
+            <a:r>
+              <a:rPr lang="en-US" sz="1000" dirty="0">
+                <a:latin typeface="Courier"/>
+                <a:cs typeface="Courier"/>
+              </a:rPr>
+              <a:t> </a:t>
+            </a:r>
+            <a:r>
+              <a:rPr lang="en-US" sz="1000" dirty="0" smtClean="0">
+                <a:latin typeface="Courier"/>
+                <a:cs typeface="Courier"/>
+              </a:rPr>
+              <a:t>     </a:t>
+            </a:r>
+            <a:r>
+              <a:rPr lang="en-US" sz="1000" dirty="0" err="1" smtClean="0">
+                <a:latin typeface="Courier"/>
+                <a:cs typeface="Courier"/>
+              </a:rPr>
+              <a:t>vertex.size</a:t>
+            </a:r>
+            <a:r>
+              <a:rPr lang="en-US" sz="1000" dirty="0">
+                <a:latin typeface="Courier"/>
+                <a:cs typeface="Courier"/>
+              </a:rPr>
+              <a:t>=0.1, </a:t>
+            </a:r>
+            <a:r>
+              <a:rPr lang="en-US" sz="1000" dirty="0" err="1">
+                <a:latin typeface="Courier"/>
+                <a:cs typeface="Courier"/>
+              </a:rPr>
+              <a:t>vertex.label</a:t>
+            </a:r>
+            <a:r>
+              <a:rPr lang="en-US" sz="1000" dirty="0">
+                <a:latin typeface="Courier"/>
+                <a:cs typeface="Courier"/>
+              </a:rPr>
+              <a:t>=NA)</a:t>
+            </a:r>
+          </a:p>
+        </p:txBody>
+      </p:sp>
     </p:spTree>
     <p:extLst>
       <p:ext uri="{BB962C8B-B14F-4D97-AF65-F5344CB8AC3E}">
-        <p14:creationId xmlns:p14="http://schemas.microsoft.com/office/powerpoint/2010/main" val="3094931956"/>
+        <p14:creationId xmlns:p14="http://schemas.microsoft.com/office/powerpoint/2010/main" val="948980550"/>
       </p:ext>
     </p:extLst>
   </p:cSld>
@@ -4464,16 +4681,24 @@
           <a:lstStyle/>
           <a:p>
             <a:r>
-              <a:rPr lang="en-US" sz="4500" dirty="0"/>
-              <a:t>Issues and Challenges</a:t>
-            </a:r>
-            <a:endParaRPr lang="en-US" dirty="0"/>
-          </a:p>
-        </p:txBody>
-      </p:sp>
-      <p:sp>
-        <p:nvSpPr>
-          <p:cNvPr id="3" name="Content Placeholder 2"/>
+              <a:rPr lang="en-US" dirty="0" smtClean="0">
+                <a:solidFill>
+                  <a:srgbClr val="FF0000"/>
+                </a:solidFill>
+              </a:rPr>
+              <a:t>Finding Your 2-hop Neighbors</a:t>
+            </a:r>
+            <a:endParaRPr lang="en-US" dirty="0">
+              <a:solidFill>
+                <a:srgbClr val="FF0000"/>
+              </a:solidFill>
+            </a:endParaRPr>
+          </a:p>
+        </p:txBody>
+      </p:sp>
+      <p:sp>
+        <p:nvSpPr>
+          <p:cNvPr id="6" name="Content Placeholder 5"/>
           <p:cNvSpPr>
             <a:spLocks noGrp="1"/>
           </p:cNvSpPr>
@@ -4481,92 +4706,318 @@
             <p:ph idx="1"/>
           </p:nvPr>
         </p:nvSpPr>
+        <p:spPr/>
+        <p:txBody>
+          <a:bodyPr numCol="2">
+            <a:noAutofit/>
+          </a:bodyPr>
+          <a:lstStyle/>
+          <a:p>
+            <a:pPr>
+              <a:buFont typeface="Lucida Grande"/>
+              <a:buChar char="&gt;"/>
+            </a:pPr>
+            <a:r>
+              <a:rPr lang="en-US" sz="1400" dirty="0" smtClean="0"/>
+              <a:t>Create Ad</a:t>
+            </a:r>
+          </a:p>
+          <a:p>
+            <a:pPr>
+              <a:buFont typeface="Lucida Grande"/>
+              <a:buChar char="&gt;"/>
+            </a:pPr>
+            <a:r>
+              <a:rPr lang="en-US" sz="1400" dirty="0" smtClean="0"/>
+              <a:t>library(</a:t>
+            </a:r>
+            <a:r>
+              <a:rPr lang="en-US" sz="1400" dirty="0" err="1" smtClean="0"/>
+              <a:t>igraph</a:t>
+            </a:r>
+            <a:r>
+              <a:rPr lang="en-US" sz="1400" dirty="0" smtClean="0"/>
+              <a:t>)</a:t>
+            </a:r>
+          </a:p>
+          <a:p>
+            <a:pPr>
+              <a:buFont typeface="Lucida Grande"/>
+              <a:buChar char="&gt;"/>
+            </a:pPr>
+            <a:r>
+              <a:rPr lang="en-US" sz="1400" dirty="0" smtClean="0"/>
+              <a:t>library(Matrix)</a:t>
+            </a:r>
+          </a:p>
+          <a:p>
+            <a:pPr>
+              <a:buFont typeface="Lucida Grande"/>
+              <a:buChar char="&gt;"/>
+            </a:pPr>
+            <a:r>
+              <a:rPr lang="en-US" sz="1400" dirty="0" err="1" smtClean="0"/>
+              <a:t>az_net</a:t>
+            </a:r>
+            <a:r>
+              <a:rPr lang="en-US" sz="1400" dirty="0" smtClean="0"/>
+              <a:t> &lt;- </a:t>
+            </a:r>
+            <a:r>
+              <a:rPr lang="en-US" sz="1400" dirty="0" err="1" smtClean="0"/>
+              <a:t>as.matrix</a:t>
+            </a:r>
+            <a:r>
+              <a:rPr lang="en-US" sz="1400" dirty="0" smtClean="0"/>
+              <a:t>(</a:t>
+            </a:r>
+            <a:r>
+              <a:rPr lang="en-US" sz="1400" dirty="0" err="1" smtClean="0"/>
+              <a:t>az.edgelist</a:t>
+            </a:r>
+            <a:r>
+              <a:rPr lang="en-US" sz="1400" dirty="0" smtClean="0"/>
+              <a:t>[,3:4]) #convert data frame into a matrix</a:t>
+            </a:r>
+          </a:p>
+          <a:p>
+            <a:pPr>
+              <a:buFont typeface="Lucida Grande"/>
+              <a:buChar char="&gt;"/>
+            </a:pPr>
+            <a:r>
+              <a:rPr lang="en-US" sz="1400" dirty="0" err="1" smtClean="0"/>
+              <a:t>graph.az</a:t>
+            </a:r>
+            <a:r>
+              <a:rPr lang="en-US" sz="1400" dirty="0" smtClean="0"/>
+              <a:t> &lt;- </a:t>
+            </a:r>
+            <a:r>
+              <a:rPr lang="en-US" sz="1400" dirty="0" err="1" smtClean="0"/>
+              <a:t>graph.edgelist</a:t>
+            </a:r>
+            <a:r>
+              <a:rPr lang="en-US" sz="1400" dirty="0" smtClean="0"/>
+              <a:t>(</a:t>
+            </a:r>
+            <a:r>
+              <a:rPr lang="en-US" sz="1400" dirty="0" err="1" smtClean="0"/>
+              <a:t>az_net,directed</a:t>
+            </a:r>
+            <a:r>
+              <a:rPr lang="en-US" sz="1400" dirty="0" smtClean="0"/>
+              <a:t>=FALSE) #create </a:t>
+            </a:r>
+            <a:r>
+              <a:rPr lang="en-US" sz="1400" dirty="0" err="1" smtClean="0"/>
+              <a:t>igraph</a:t>
+            </a:r>
+            <a:r>
+              <a:rPr lang="en-US" sz="1400" dirty="0" smtClean="0"/>
+              <a:t> object</a:t>
+            </a:r>
+            <a:endParaRPr lang="en-US" sz="1400" dirty="0"/>
+          </a:p>
+          <a:p>
+            <a:pPr>
+              <a:buFont typeface="Lucida Grande"/>
+              <a:buChar char="&gt;"/>
+            </a:pPr>
+            <a:r>
+              <a:rPr lang="en-US" sz="1400" dirty="0" err="1" smtClean="0"/>
+              <a:t>adj.az</a:t>
+            </a:r>
+            <a:r>
+              <a:rPr lang="en-US" sz="1400" dirty="0" smtClean="0"/>
+              <a:t> &lt;- Matrix(</a:t>
+            </a:r>
+            <a:r>
+              <a:rPr lang="en-US" sz="1400" dirty="0" err="1" smtClean="0"/>
+              <a:t>get.adjacency</a:t>
+            </a:r>
+            <a:r>
+              <a:rPr lang="en-US" sz="1400" dirty="0" smtClean="0"/>
+              <a:t>(</a:t>
+            </a:r>
+            <a:r>
+              <a:rPr lang="en-US" sz="1400" dirty="0" err="1" smtClean="0"/>
+              <a:t>graph.az</a:t>
+            </a:r>
+            <a:r>
+              <a:rPr lang="en-US" sz="1400" dirty="0" smtClean="0"/>
+              <a:t>),sparse=TRUE) #write out adjacency matrix</a:t>
+            </a:r>
+          </a:p>
+          <a:p>
+            <a:pPr>
+              <a:buFont typeface="Lucida Grande"/>
+              <a:buChar char="&gt;"/>
+            </a:pPr>
+            <a:r>
+              <a:rPr lang="en-US" sz="1400" dirty="0" smtClean="0"/>
+              <a:t>d2 &lt;- </a:t>
+            </a:r>
+            <a:r>
+              <a:rPr lang="en-US" sz="1400" dirty="0" err="1" smtClean="0"/>
+              <a:t>adj.az</a:t>
+            </a:r>
+            <a:r>
+              <a:rPr lang="en-US" sz="1400" dirty="0" smtClean="0"/>
+              <a:t> %*% </a:t>
+            </a:r>
+            <a:r>
+              <a:rPr lang="en-US" sz="1400" dirty="0" err="1" smtClean="0"/>
+              <a:t>adj.az</a:t>
+            </a:r>
+            <a:r>
+              <a:rPr lang="en-US" sz="1400" dirty="0" smtClean="0"/>
+              <a:t> # d2 contains 2-walks</a:t>
+            </a:r>
+          </a:p>
+          <a:p>
+            <a:pPr>
+              <a:buFont typeface="Lucida Grande"/>
+              <a:buChar char="&gt;"/>
+            </a:pPr>
+            <a:r>
+              <a:rPr lang="en-US" sz="1400" dirty="0" err="1" smtClean="0"/>
+              <a:t>diag</a:t>
+            </a:r>
+            <a:r>
+              <a:rPr lang="en-US" sz="1400" dirty="0" smtClean="0"/>
+              <a:t>(d2) &lt;- 0     # take out loops</a:t>
+            </a:r>
+          </a:p>
+          <a:p>
+            <a:pPr>
+              <a:buFont typeface="Lucida Grande"/>
+              <a:buChar char="&gt;"/>
+            </a:pPr>
+            <a:endParaRPr lang="en-US" sz="1400" dirty="0" smtClean="0"/>
+          </a:p>
+          <a:p>
+            <a:pPr>
+              <a:buFont typeface="Lucida Grande"/>
+              <a:buChar char="&gt;"/>
+            </a:pPr>
+            <a:endParaRPr lang="en-US" sz="1400" dirty="0" smtClean="0"/>
+          </a:p>
+          <a:p>
+            <a:pPr>
+              <a:buFont typeface="Lucida Grande"/>
+              <a:buChar char="&gt;"/>
+            </a:pPr>
+            <a:endParaRPr lang="en-US" sz="1400" dirty="0" smtClean="0"/>
+          </a:p>
+          <a:p>
+            <a:pPr>
+              <a:buFont typeface="Lucida Grande"/>
+              <a:buChar char="&gt;"/>
+            </a:pPr>
+            <a:endParaRPr lang="en-US" sz="1400" dirty="0"/>
+          </a:p>
+          <a:p>
+            <a:pPr>
+              <a:buFont typeface="Lucida Grande"/>
+              <a:buChar char="&gt;"/>
+            </a:pPr>
+            <a:endParaRPr lang="en-US" sz="1400" dirty="0" smtClean="0"/>
+          </a:p>
+          <a:p>
+            <a:pPr>
+              <a:buFont typeface="Lucida Grande"/>
+              <a:buChar char="&gt;"/>
+            </a:pPr>
+            <a:endParaRPr lang="en-US" sz="1400" dirty="0"/>
+          </a:p>
+          <a:p>
+            <a:pPr>
+              <a:buFont typeface="Lucida Grande"/>
+              <a:buChar char="&gt;"/>
+            </a:pPr>
+            <a:endParaRPr lang="en-US" sz="1400" dirty="0" smtClean="0"/>
+          </a:p>
+          <a:p>
+            <a:pPr>
+              <a:buFont typeface="Lucida Grande"/>
+              <a:buChar char="&gt;"/>
+            </a:pPr>
+            <a:r>
+              <a:rPr lang="en-US" sz="1400" dirty="0" smtClean="0"/>
+              <a:t>D2 &lt;- d2</a:t>
+            </a:r>
+          </a:p>
+          <a:p>
+            <a:pPr>
+              <a:buFont typeface="Lucida Grande"/>
+              <a:buChar char="&gt;"/>
+            </a:pPr>
+            <a:r>
+              <a:rPr lang="en-US" sz="1400" dirty="0" smtClean="0"/>
+              <a:t>D2[</a:t>
+            </a:r>
+            <a:r>
+              <a:rPr lang="en-US" sz="1400" dirty="0" err="1" smtClean="0"/>
+              <a:t>adj.az</a:t>
+            </a:r>
+            <a:r>
+              <a:rPr lang="en-US" sz="1400" dirty="0" smtClean="0"/>
+              <a:t>==1] &lt;- 0 # remove 1st degree connections</a:t>
+            </a:r>
+            <a:endParaRPr lang="en-US" sz="1400" dirty="0" smtClean="0"/>
+          </a:p>
+          <a:p>
+            <a:pPr>
+              <a:buFont typeface="Lucida Grande"/>
+              <a:buChar char="&gt;"/>
+            </a:pPr>
+            <a:r>
+              <a:rPr lang="en-US" sz="1400" dirty="0" smtClean="0"/>
+              <a:t>D2[D2!=0] &lt;- 1       # transform to remove multiplicity of walks</a:t>
+            </a:r>
+          </a:p>
+          <a:p>
+            <a:pPr>
+              <a:buFont typeface="Lucida Grande"/>
+              <a:buChar char="&gt;"/>
+            </a:pPr>
+            <a:r>
+              <a:rPr lang="en-US" sz="1400" dirty="0" smtClean="0"/>
+              <a:t>D2[D2&lt;0] &lt;- 0 # remove negative values created by above</a:t>
+            </a:r>
+            <a:endParaRPr lang="en-US" sz="1400" dirty="0"/>
+          </a:p>
+        </p:txBody>
+      </p:sp>
+      <p:pic>
+        <p:nvPicPr>
+          <p:cNvPr id="7" name="Picture 6"/>
+          <p:cNvPicPr>
+            <a:picLocks noChangeAspect="1"/>
+          </p:cNvPicPr>
+          <p:nvPr/>
+        </p:nvPicPr>
+        <p:blipFill>
+          <a:blip r:embed="rId2"/>
+          <a:stretch>
+            <a:fillRect/>
+          </a:stretch>
+        </p:blipFill>
         <p:spPr>
           <a:xfrm>
-            <a:off x="474103" y="2125267"/>
-            <a:ext cx="8499251" cy="3735425"/>
+            <a:off x="3278775" y="4371252"/>
+            <a:ext cx="5268221" cy="2124715"/>
           </a:xfrm>
+          <a:prstGeom prst="rect">
+            <a:avLst/>
+          </a:prstGeom>
         </p:spPr>
-        <p:txBody>
-          <a:bodyPr>
-            <a:normAutofit fontScale="92500" lnSpcReduction="10000"/>
-          </a:bodyPr>
-          <a:lstStyle/>
-          <a:p>
-            <a:r>
-              <a:rPr lang="en-US" sz="2400" dirty="0"/>
-              <a:t>Size of dataset / scalability</a:t>
-            </a:r>
-          </a:p>
-          <a:p>
-            <a:pPr lvl="1"/>
-            <a:r>
-              <a:rPr lang="en-US" sz="2100" dirty="0"/>
-              <a:t>1.6 million reviews; 61 thousand businesses; 3 million user friendships</a:t>
-            </a:r>
-          </a:p>
-          <a:p>
-            <a:pPr lvl="1"/>
-            <a:r>
-              <a:rPr lang="en-US" sz="2100" dirty="0"/>
-              <a:t>AZ data was still large: 6.8 thousand users and 7.7 thousand businesses (full ratings matrix would be a little over 53 million cells)</a:t>
-            </a:r>
-          </a:p>
-          <a:p>
-            <a:pPr lvl="1"/>
-            <a:r>
-              <a:rPr lang="en-US" sz="2100" dirty="0"/>
-              <a:t>Took several hours to run collaborative filtering for a single value of k (k=20)</a:t>
-            </a:r>
-          </a:p>
-          <a:p>
-            <a:pPr lvl="1"/>
-            <a:r>
-              <a:rPr lang="en-US" sz="2100" dirty="0"/>
-              <a:t>Took 1.5 hours to run </a:t>
-            </a:r>
-            <a:r>
-              <a:rPr lang="en-US" sz="2100" dirty="0" err="1"/>
-              <a:t>kNN</a:t>
-            </a:r>
-            <a:r>
-              <a:rPr lang="en-US" sz="2100" dirty="0"/>
-              <a:t> for all 18 thousand ratings in the test set</a:t>
-            </a:r>
-          </a:p>
-          <a:p>
-            <a:pPr lvl="1"/>
-            <a:r>
-              <a:rPr lang="en-US" sz="2100" dirty="0"/>
-              <a:t>Dealing with such data in the real world, it would be necessary to use </a:t>
-            </a:r>
-            <a:r>
-              <a:rPr lang="en-US" sz="2100" dirty="0" err="1"/>
-              <a:t>MapReduce</a:t>
-            </a:r>
-            <a:r>
-              <a:rPr lang="en-US" sz="2100" dirty="0"/>
-              <a:t> framework</a:t>
-            </a:r>
-          </a:p>
-          <a:p>
-            <a:r>
-              <a:rPr lang="en-US" sz="2400" dirty="0"/>
-              <a:t>Incompleteness of dataset – working with a small subset of total data led to inconsistencies (businesses with only 1 or 2 ratings had to be dropped)</a:t>
-            </a:r>
-          </a:p>
-          <a:p>
-            <a:endParaRPr lang="en-US" dirty="0" smtClean="0"/>
-          </a:p>
-          <a:p>
-            <a:endParaRPr lang="en-US" dirty="0"/>
-          </a:p>
-        </p:txBody>
-      </p:sp>
+      </p:pic>
     </p:spTree>
     <p:extLst>
       <p:ext uri="{BB962C8B-B14F-4D97-AF65-F5344CB8AC3E}">
-        <p14:creationId xmlns:p14="http://schemas.microsoft.com/office/powerpoint/2010/main" val="4273799294"/>
+        <p14:creationId xmlns:p14="http://schemas.microsoft.com/office/powerpoint/2010/main" val="1631747418"/>
       </p:ext>
     </p:extLst>
   </p:cSld>
@@ -4609,43 +5060,151 @@
           <a:lstStyle/>
           <a:p>
             <a:r>
-              <a:rPr lang="en-US" sz="4500" dirty="0"/>
-              <a:t>Results</a:t>
+              <a:rPr lang="en-US" dirty="0" smtClean="0"/>
+              <a:t>Connection Distribution</a:t>
             </a:r>
             <a:endParaRPr lang="en-US" dirty="0"/>
+          </a:p>
+        </p:txBody>
+      </p:sp>
+      <p:sp>
+        <p:nvSpPr>
+          <p:cNvPr id="3" name="Text Placeholder 2"/>
+          <p:cNvSpPr>
+            <a:spLocks noGrp="1"/>
+          </p:cNvSpPr>
+          <p:nvPr>
+            <p:ph type="body" idx="1"/>
+          </p:nvPr>
+        </p:nvSpPr>
+        <p:spPr/>
+        <p:txBody>
+          <a:bodyPr/>
+          <a:lstStyle/>
+          <a:p>
+            <a:pPr algn="ctr"/>
+            <a:r>
+              <a:rPr lang="en-US" dirty="0" smtClean="0">
+                <a:solidFill>
+                  <a:srgbClr val="FF0000"/>
+                </a:solidFill>
+              </a:rPr>
+              <a:t>1</a:t>
+            </a:r>
+            <a:r>
+              <a:rPr lang="en-US" baseline="30000" dirty="0" smtClean="0">
+                <a:solidFill>
+                  <a:srgbClr val="FF0000"/>
+                </a:solidFill>
+              </a:rPr>
+              <a:t>st</a:t>
+            </a:r>
+            <a:r>
+              <a:rPr lang="en-US" dirty="0" smtClean="0">
+                <a:solidFill>
+                  <a:srgbClr val="FF0000"/>
+                </a:solidFill>
+              </a:rPr>
+              <a:t> Degree</a:t>
+            </a:r>
+            <a:endParaRPr lang="en-US" dirty="0">
+              <a:solidFill>
+                <a:srgbClr val="FF0000"/>
+              </a:solidFill>
+            </a:endParaRPr>
           </a:p>
         </p:txBody>
       </p:sp>
       <p:pic>
         <p:nvPicPr>
-          <p:cNvPr id="6" name="Content Placeholder 5"/>
+          <p:cNvPr id="8" name="Content Placeholder 7"/>
           <p:cNvPicPr>
             <a:picLocks noGrp="1" noChangeAspect="1"/>
           </p:cNvPicPr>
           <p:nvPr>
-            <p:ph idx="1"/>
+            <p:ph sz="half" idx="2"/>
           </p:nvPr>
         </p:nvPicPr>
         <p:blipFill>
           <a:blip r:embed="rId2"/>
+          <a:srcRect t="-22103" b="-22103"/>
           <a:stretch>
             <a:fillRect/>
           </a:stretch>
         </p:blipFill>
-        <p:spPr>
-          <a:xfrm>
-            <a:off x="174519" y="1961061"/>
-            <a:ext cx="8599982" cy="3702365"/>
-          </a:xfrm>
-          <a:prstGeom prst="rect">
-            <a:avLst/>
-          </a:prstGeom>
-        </p:spPr>
+        <p:spPr/>
+      </p:pic>
+      <p:sp>
+        <p:nvSpPr>
+          <p:cNvPr id="5" name="Text Placeholder 4"/>
+          <p:cNvSpPr>
+            <a:spLocks noGrp="1"/>
+          </p:cNvSpPr>
+          <p:nvPr>
+            <p:ph type="body" sz="quarter" idx="3"/>
+          </p:nvPr>
+        </p:nvSpPr>
+        <p:spPr/>
+        <p:txBody>
+          <a:bodyPr/>
+          <a:lstStyle/>
+          <a:p>
+            <a:pPr algn="ctr"/>
+            <a:r>
+              <a:rPr lang="en-US" dirty="0" smtClean="0">
+                <a:solidFill>
+                  <a:srgbClr val="FF0000"/>
+                </a:solidFill>
+              </a:rPr>
+              <a:t>2</a:t>
+            </a:r>
+            <a:r>
+              <a:rPr lang="en-US" baseline="30000" dirty="0" smtClean="0">
+                <a:solidFill>
+                  <a:srgbClr val="FF0000"/>
+                </a:solidFill>
+              </a:rPr>
+              <a:t>nd</a:t>
+            </a:r>
+            <a:r>
+              <a:rPr lang="en-US" dirty="0" smtClean="0">
+                <a:solidFill>
+                  <a:srgbClr val="FF0000"/>
+                </a:solidFill>
+              </a:rPr>
+              <a:t> Degree</a:t>
+            </a:r>
+            <a:endParaRPr lang="en-US" dirty="0">
+              <a:solidFill>
+                <a:srgbClr val="FF0000"/>
+              </a:solidFill>
+            </a:endParaRPr>
+          </a:p>
+        </p:txBody>
+      </p:sp>
+      <p:pic>
+        <p:nvPicPr>
+          <p:cNvPr id="13" name="Content Placeholder 12"/>
+          <p:cNvPicPr>
+            <a:picLocks noGrp="1" noChangeAspect="1"/>
+          </p:cNvPicPr>
+          <p:nvPr>
+            <p:ph sz="quarter" idx="4"/>
+          </p:nvPr>
+        </p:nvPicPr>
+        <p:blipFill>
+          <a:blip r:embed="rId3"/>
+          <a:srcRect t="-21445" b="-21445"/>
+          <a:stretch>
+            <a:fillRect/>
+          </a:stretch>
+        </p:blipFill>
+        <p:spPr/>
       </p:pic>
     </p:spTree>
     <p:extLst>
       <p:ext uri="{BB962C8B-B14F-4D97-AF65-F5344CB8AC3E}">
-        <p14:creationId xmlns:p14="http://schemas.microsoft.com/office/powerpoint/2010/main" val="14257280"/>
+        <p14:creationId xmlns:p14="http://schemas.microsoft.com/office/powerpoint/2010/main" val="1987523150"/>
       </p:ext>
     </p:extLst>
   </p:cSld>
@@ -4684,87 +5243,48 @@
         </p:nvSpPr>
         <p:spPr/>
         <p:txBody>
-          <a:bodyPr>
-            <a:normAutofit/>
-          </a:bodyPr>
+          <a:bodyPr/>
           <a:lstStyle/>
           <a:p>
             <a:r>
-              <a:rPr lang="en-US" sz="4500" dirty="0"/>
-              <a:t>Results Summary</a:t>
-            </a:r>
-            <a:endParaRPr lang="en-US" sz="4500" dirty="0"/>
-          </a:p>
-        </p:txBody>
-      </p:sp>
-      <p:sp>
-        <p:nvSpPr>
-          <p:cNvPr id="3" name="Content Placeholder 2"/>
-          <p:cNvSpPr>
-            <a:spLocks noGrp="1"/>
-          </p:cNvSpPr>
+              <a:rPr lang="en-US" dirty="0" smtClean="0">
+                <a:solidFill>
+                  <a:srgbClr val="FF0000"/>
+                </a:solidFill>
+              </a:rPr>
+              <a:t>Friends and Friends-of-Friends</a:t>
+            </a:r>
+            <a:endParaRPr lang="en-US" dirty="0">
+              <a:solidFill>
+                <a:srgbClr val="FF0000"/>
+              </a:solidFill>
+            </a:endParaRPr>
+          </a:p>
+        </p:txBody>
+      </p:sp>
+      <p:pic>
+        <p:nvPicPr>
+          <p:cNvPr id="4" name="Content Placeholder 3"/>
+          <p:cNvPicPr>
+            <a:picLocks noGrp="1" noChangeAspect="1"/>
+          </p:cNvPicPr>
           <p:nvPr>
             <p:ph idx="1"/>
           </p:nvPr>
-        </p:nvSpPr>
+        </p:nvPicPr>
+        <p:blipFill>
+          <a:blip r:embed="rId2"/>
+          <a:srcRect l="-12201" r="-12201"/>
+          <a:stretch>
+            <a:fillRect/>
+          </a:stretch>
+        </p:blipFill>
         <p:spPr/>
-        <p:txBody>
-          <a:bodyPr>
-            <a:normAutofit/>
-          </a:bodyPr>
-          <a:lstStyle/>
-          <a:p>
-            <a:r>
-              <a:rPr lang="en-US" sz="2700" dirty="0"/>
-              <a:t>Across the board the log counts performed better than raw counts</a:t>
-            </a:r>
-          </a:p>
-          <a:p>
-            <a:endParaRPr lang="en-US" sz="2700" dirty="0"/>
-          </a:p>
-          <a:p>
-            <a:r>
-              <a:rPr lang="en-US" sz="2700" dirty="0"/>
-              <a:t>None of the weights performed better than the </a:t>
-            </a:r>
-            <a:r>
-              <a:rPr lang="en-US" sz="2700" dirty="0" err="1"/>
-              <a:t>unweighted</a:t>
-            </a:r>
-            <a:r>
-              <a:rPr lang="en-US" sz="2700" dirty="0"/>
-              <a:t> </a:t>
-            </a:r>
-            <a:r>
-              <a:rPr lang="en-US" sz="2700" dirty="0" err="1"/>
-              <a:t>kNN</a:t>
-            </a:r>
-            <a:r>
-              <a:rPr lang="en-US" sz="2700" dirty="0"/>
-              <a:t> algorithm</a:t>
-            </a:r>
-          </a:p>
-          <a:p>
-            <a:endParaRPr lang="en-US" sz="2700" dirty="0"/>
-          </a:p>
-          <a:p>
-            <a:r>
-              <a:rPr lang="en-US" sz="2700" dirty="0"/>
-              <a:t>Even the bad weighting schemes beat the matrix factorization recommender by about k=8</a:t>
-            </a:r>
-          </a:p>
-          <a:p>
-            <a:pPr marL="0" indent="0">
-              <a:buNone/>
-            </a:pPr>
-            <a:endParaRPr lang="en-US" dirty="0" smtClean="0"/>
-          </a:p>
-        </p:txBody>
-      </p:sp>
+      </p:pic>
     </p:spTree>
     <p:extLst>
       <p:ext uri="{BB962C8B-B14F-4D97-AF65-F5344CB8AC3E}">
-        <p14:creationId xmlns:p14="http://schemas.microsoft.com/office/powerpoint/2010/main" val="3367499311"/>
+        <p14:creationId xmlns:p14="http://schemas.microsoft.com/office/powerpoint/2010/main" val="321977309"/>
       </p:ext>
     </p:extLst>
   </p:cSld>
@@ -4803,16 +5323,1519 @@
         </p:nvSpPr>
         <p:spPr/>
         <p:txBody>
+          <a:bodyPr/>
+          <a:lstStyle/>
+          <a:p>
+            <a:r>
+              <a:rPr lang="en-US" dirty="0" smtClean="0">
+                <a:solidFill>
+                  <a:srgbClr val="FF0000"/>
+                </a:solidFill>
+              </a:rPr>
+              <a:t>Network Recommendations</a:t>
+            </a:r>
+            <a:endParaRPr lang="en-US" dirty="0">
+              <a:solidFill>
+                <a:srgbClr val="FF0000"/>
+              </a:solidFill>
+            </a:endParaRPr>
+          </a:p>
+        </p:txBody>
+      </p:sp>
+      <p:sp>
+        <p:nvSpPr>
+          <p:cNvPr id="3" name="Content Placeholder 2"/>
+          <p:cNvSpPr>
+            <a:spLocks noGrp="1"/>
+          </p:cNvSpPr>
+          <p:nvPr>
+            <p:ph idx="1"/>
+          </p:nvPr>
+        </p:nvSpPr>
+        <p:spPr>
+          <a:xfrm>
+            <a:off x="457200" y="1600200"/>
+            <a:ext cx="3930380" cy="4967574"/>
+          </a:xfrm>
+        </p:spPr>
+        <p:txBody>
+          <a:bodyPr>
+            <a:noAutofit/>
+          </a:bodyPr>
+          <a:lstStyle/>
+          <a:p>
+            <a:pPr>
+              <a:buFont typeface="Lucida Grande"/>
+              <a:buChar char="&gt;"/>
+            </a:pPr>
+            <a:r>
+              <a:rPr lang="en-US" sz="800" dirty="0" smtClean="0"/>
+              <a:t>ratings1 &lt;- Matrix(0,nrow=dim(</a:t>
+            </a:r>
+            <a:r>
+              <a:rPr lang="en-US" sz="800" dirty="0" err="1" smtClean="0"/>
+              <a:t>az.key</a:t>
+            </a:r>
+            <a:r>
+              <a:rPr lang="en-US" sz="800" dirty="0" smtClean="0"/>
+              <a:t>)[1],</a:t>
+            </a:r>
+            <a:r>
+              <a:rPr lang="en-US" sz="800" dirty="0" err="1" smtClean="0"/>
+              <a:t>ncol</a:t>
+            </a:r>
+            <a:r>
+              <a:rPr lang="en-US" sz="800" dirty="0" smtClean="0"/>
+              <a:t>=dim(</a:t>
+            </a:r>
+            <a:r>
+              <a:rPr lang="en-US" sz="800" dirty="0" err="1" smtClean="0"/>
+              <a:t>bizcount</a:t>
+            </a:r>
+            <a:r>
+              <a:rPr lang="en-US" sz="800" dirty="0" smtClean="0"/>
+              <a:t>)[1],sparse=TRUE)</a:t>
+            </a:r>
+          </a:p>
+          <a:p>
+            <a:pPr lvl="1">
+              <a:buFont typeface="Lucida Grande"/>
+              <a:buChar char="&gt;"/>
+            </a:pPr>
+            <a:r>
+              <a:rPr lang="en-US" sz="800" dirty="0" smtClean="0"/>
+              <a:t>…	</a:t>
+            </a:r>
+          </a:p>
+          <a:p>
+            <a:pPr>
+              <a:buFont typeface="Lucida Grande"/>
+              <a:buChar char="&gt;"/>
+            </a:pPr>
+            <a:r>
+              <a:rPr lang="en-US" sz="800" dirty="0" smtClean="0"/>
+              <a:t>for (</a:t>
+            </a:r>
+            <a:r>
+              <a:rPr lang="en-US" sz="800" dirty="0" err="1" smtClean="0"/>
+              <a:t>i</a:t>
+            </a:r>
+            <a:r>
+              <a:rPr lang="en-US" sz="800" dirty="0" smtClean="0"/>
+              <a:t> in 1:dim(</a:t>
+            </a:r>
+            <a:r>
+              <a:rPr lang="en-US" sz="800" dirty="0" err="1" smtClean="0"/>
+              <a:t>bizcount</a:t>
+            </a:r>
+            <a:r>
+              <a:rPr lang="en-US" sz="800" dirty="0" smtClean="0"/>
+              <a:t>)[1]){ #7941</a:t>
+            </a:r>
+          </a:p>
+          <a:p>
+            <a:pPr>
+              <a:buFont typeface="Lucida Grande"/>
+              <a:buChar char="&gt;"/>
+            </a:pPr>
+            <a:r>
+              <a:rPr lang="en-US" sz="800" dirty="0" smtClean="0"/>
+              <a:t>    </a:t>
+            </a:r>
+            <a:r>
+              <a:rPr lang="en-US" sz="800" dirty="0" err="1" smtClean="0"/>
+              <a:t>reviewbybiz</a:t>
+            </a:r>
+            <a:r>
+              <a:rPr lang="en-US" sz="800" dirty="0" smtClean="0"/>
+              <a:t> &lt;- </a:t>
+            </a:r>
+            <a:r>
+              <a:rPr lang="en-US" sz="800" dirty="0" err="1" smtClean="0"/>
+              <a:t>az.review</a:t>
+            </a:r>
+            <a:r>
+              <a:rPr lang="en-US" sz="800" dirty="0" smtClean="0"/>
+              <a:t>[</a:t>
+            </a:r>
+            <a:r>
+              <a:rPr lang="en-US" sz="800" dirty="0" err="1" smtClean="0"/>
+              <a:t>az.review$bizkey</a:t>
+            </a:r>
+            <a:r>
+              <a:rPr lang="en-US" sz="800" dirty="0" smtClean="0"/>
+              <a:t>==</a:t>
+            </a:r>
+            <a:r>
+              <a:rPr lang="en-US" sz="800" dirty="0" err="1" smtClean="0"/>
+              <a:t>bizcount$bizkey</a:t>
+            </a:r>
+            <a:r>
+              <a:rPr lang="en-US" sz="800" dirty="0" smtClean="0"/>
+              <a:t>[</a:t>
+            </a:r>
+            <a:r>
+              <a:rPr lang="en-US" sz="800" dirty="0" err="1" smtClean="0"/>
+              <a:t>i</a:t>
+            </a:r>
+            <a:r>
+              <a:rPr lang="en-US" sz="800" dirty="0" smtClean="0"/>
+              <a:t>],]</a:t>
+            </a:r>
+          </a:p>
+          <a:p>
+            <a:pPr>
+              <a:buFont typeface="Lucida Grande"/>
+              <a:buChar char="&gt;"/>
+            </a:pPr>
+            <a:r>
+              <a:rPr lang="en-US" sz="800" dirty="0" smtClean="0"/>
+              <a:t>  </a:t>
+            </a:r>
+            <a:r>
+              <a:rPr lang="en-US" sz="800" dirty="0" smtClean="0">
+                <a:solidFill>
+                  <a:srgbClr val="3366FF"/>
+                </a:solidFill>
+              </a:rPr>
+              <a:t>  # 1st Degree node</a:t>
+            </a:r>
+          </a:p>
+          <a:p>
+            <a:pPr>
+              <a:buFont typeface="Lucida Grande"/>
+              <a:buChar char="&gt;"/>
+            </a:pPr>
+            <a:r>
+              <a:rPr lang="en-US" sz="800" dirty="0" smtClean="0"/>
+              <a:t>    </a:t>
+            </a:r>
+            <a:r>
+              <a:rPr lang="en-US" sz="800" dirty="0" err="1" smtClean="0"/>
+              <a:t>cnxlist.N</a:t>
+            </a:r>
+            <a:r>
+              <a:rPr lang="en-US" sz="800" dirty="0" smtClean="0"/>
+              <a:t> &lt;- </a:t>
+            </a:r>
+            <a:r>
+              <a:rPr lang="en-US" sz="800" dirty="0" err="1" smtClean="0"/>
+              <a:t>reviewbybiz</a:t>
+            </a:r>
+            <a:r>
+              <a:rPr lang="en-US" sz="800" dirty="0" smtClean="0"/>
+              <a:t> %&gt;%</a:t>
+            </a:r>
+          </a:p>
+          <a:p>
+            <a:pPr>
+              <a:buFont typeface="Lucida Grande"/>
+              <a:buChar char="&gt;"/>
+            </a:pPr>
+            <a:r>
+              <a:rPr lang="en-US" sz="800" dirty="0" smtClean="0"/>
+              <a:t>      </a:t>
+            </a:r>
+            <a:r>
+              <a:rPr lang="en-US" sz="800" dirty="0" err="1" smtClean="0"/>
+              <a:t>rowwise</a:t>
+            </a:r>
+            <a:r>
+              <a:rPr lang="en-US" sz="800" dirty="0" smtClean="0"/>
+              <a:t>() %&gt;%</a:t>
+            </a:r>
+          </a:p>
+          <a:p>
+            <a:pPr>
+              <a:buFont typeface="Lucida Grande"/>
+              <a:buChar char="&gt;"/>
+            </a:pPr>
+            <a:r>
+              <a:rPr lang="en-US" sz="800" dirty="0" smtClean="0"/>
+              <a:t>      </a:t>
+            </a:r>
+            <a:r>
+              <a:rPr lang="en-US" sz="800" dirty="0" err="1" smtClean="0"/>
+              <a:t>left_join</a:t>
+            </a:r>
+            <a:r>
+              <a:rPr lang="en-US" sz="800" dirty="0" smtClean="0"/>
+              <a:t>(</a:t>
+            </a:r>
+            <a:r>
+              <a:rPr lang="en-US" sz="800" dirty="0" err="1" smtClean="0"/>
+              <a:t>az.edgelist</a:t>
+            </a:r>
+            <a:r>
+              <a:rPr lang="en-US" sz="800" dirty="0" smtClean="0"/>
+              <a:t>[,3:4],.,by=c("edge"="</a:t>
+            </a:r>
+            <a:r>
+              <a:rPr lang="en-US" sz="800" dirty="0" err="1" smtClean="0"/>
+              <a:t>u.node</a:t>
+            </a:r>
+            <a:r>
+              <a:rPr lang="en-US" sz="800" dirty="0" smtClean="0"/>
+              <a:t>")) %&gt;%</a:t>
+            </a:r>
+          </a:p>
+          <a:p>
+            <a:pPr>
+              <a:buFont typeface="Lucida Grande"/>
+              <a:buChar char="&gt;"/>
+            </a:pPr>
+            <a:r>
+              <a:rPr lang="en-US" sz="800" dirty="0" smtClean="0"/>
+              <a:t>      </a:t>
+            </a:r>
+            <a:r>
+              <a:rPr lang="en-US" sz="800" dirty="0" err="1" smtClean="0"/>
+              <a:t>na.omit</a:t>
+            </a:r>
+            <a:r>
+              <a:rPr lang="en-US" sz="800" dirty="0" smtClean="0"/>
+              <a:t>() %&gt;%</a:t>
+            </a:r>
+          </a:p>
+          <a:p>
+            <a:pPr>
+              <a:buFont typeface="Lucida Grande"/>
+              <a:buChar char="&gt;"/>
+            </a:pPr>
+            <a:r>
+              <a:rPr lang="en-US" sz="800" dirty="0" smtClean="0"/>
+              <a:t>      </a:t>
+            </a:r>
+            <a:r>
+              <a:rPr lang="en-US" sz="800" dirty="0" err="1" smtClean="0"/>
+              <a:t>rbind</a:t>
+            </a:r>
+            <a:r>
+              <a:rPr lang="en-US" sz="800" dirty="0" smtClean="0"/>
+              <a:t>() %&gt;%</a:t>
+            </a:r>
+          </a:p>
+          <a:p>
+            <a:pPr>
+              <a:buFont typeface="Lucida Grande"/>
+              <a:buChar char="&gt;"/>
+            </a:pPr>
+            <a:r>
+              <a:rPr lang="en-US" sz="800" dirty="0" smtClean="0"/>
+              <a:t>      rename(</a:t>
+            </a:r>
+            <a:r>
+              <a:rPr lang="en-US" sz="800" dirty="0" err="1" smtClean="0"/>
+              <a:t>u.node</a:t>
+            </a:r>
+            <a:r>
+              <a:rPr lang="en-US" sz="800" dirty="0" smtClean="0"/>
+              <a:t>=</a:t>
+            </a:r>
+            <a:r>
+              <a:rPr lang="en-US" sz="800" dirty="0" err="1" smtClean="0"/>
+              <a:t>edge,cnx</a:t>
+            </a:r>
+            <a:r>
+              <a:rPr lang="en-US" sz="800" dirty="0" smtClean="0"/>
+              <a:t>=node)</a:t>
+            </a:r>
+          </a:p>
+          <a:p>
+            <a:pPr>
+              <a:buFont typeface="Lucida Grande"/>
+              <a:buChar char="&gt;"/>
+            </a:pPr>
+            <a:r>
+              <a:rPr lang="en-US" sz="800" dirty="0" smtClean="0"/>
+              <a:t>   </a:t>
+            </a:r>
+            <a:r>
+              <a:rPr lang="en-US" sz="800" dirty="0" smtClean="0">
+                <a:solidFill>
+                  <a:srgbClr val="008000"/>
+                </a:solidFill>
+              </a:rPr>
+              <a:t> </a:t>
+            </a:r>
+            <a:r>
+              <a:rPr lang="en-US" sz="800" dirty="0" smtClean="0">
+                <a:solidFill>
+                  <a:srgbClr val="3366FF"/>
+                </a:solidFill>
+              </a:rPr>
+              <a:t># 1st Degree edge</a:t>
+            </a:r>
+          </a:p>
+          <a:p>
+            <a:pPr>
+              <a:buFont typeface="Lucida Grande"/>
+              <a:buChar char="&gt;"/>
+            </a:pPr>
+            <a:r>
+              <a:rPr lang="en-US" sz="800" dirty="0" smtClean="0"/>
+              <a:t>    </a:t>
+            </a:r>
+            <a:r>
+              <a:rPr lang="en-US" sz="800" dirty="0" err="1" smtClean="0"/>
+              <a:t>cnxlist.E</a:t>
+            </a:r>
+            <a:r>
+              <a:rPr lang="en-US" sz="800" dirty="0" smtClean="0"/>
+              <a:t> &lt;- </a:t>
+            </a:r>
+            <a:r>
+              <a:rPr lang="en-US" sz="800" dirty="0" err="1" smtClean="0"/>
+              <a:t>reviewbybiz</a:t>
+            </a:r>
+            <a:r>
+              <a:rPr lang="en-US" sz="800" dirty="0" smtClean="0"/>
+              <a:t> %&gt;%</a:t>
+            </a:r>
+          </a:p>
+          <a:p>
+            <a:pPr>
+              <a:buFont typeface="Lucida Grande"/>
+              <a:buChar char="&gt;"/>
+            </a:pPr>
+            <a:r>
+              <a:rPr lang="en-US" sz="800" dirty="0" smtClean="0"/>
+              <a:t>      </a:t>
+            </a:r>
+            <a:r>
+              <a:rPr lang="en-US" sz="800" dirty="0" err="1" smtClean="0"/>
+              <a:t>rowwise</a:t>
+            </a:r>
+            <a:r>
+              <a:rPr lang="en-US" sz="800" dirty="0" smtClean="0"/>
+              <a:t>() %&gt;%</a:t>
+            </a:r>
+          </a:p>
+          <a:p>
+            <a:pPr>
+              <a:buFont typeface="Lucida Grande"/>
+              <a:buChar char="&gt;"/>
+            </a:pPr>
+            <a:r>
+              <a:rPr lang="en-US" sz="800" dirty="0" smtClean="0"/>
+              <a:t>      </a:t>
+            </a:r>
+            <a:r>
+              <a:rPr lang="en-US" sz="800" dirty="0" err="1" smtClean="0"/>
+              <a:t>left_join</a:t>
+            </a:r>
+            <a:r>
+              <a:rPr lang="en-US" sz="800" dirty="0" smtClean="0"/>
+              <a:t>(</a:t>
+            </a:r>
+            <a:r>
+              <a:rPr lang="en-US" sz="800" dirty="0" err="1" smtClean="0"/>
+              <a:t>az.edgelist</a:t>
+            </a:r>
+            <a:r>
+              <a:rPr lang="en-US" sz="800" dirty="0" smtClean="0"/>
+              <a:t>[,3:4],.,by=c("node"="</a:t>
+            </a:r>
+            <a:r>
+              <a:rPr lang="en-US" sz="800" dirty="0" err="1" smtClean="0"/>
+              <a:t>u.node</a:t>
+            </a:r>
+            <a:r>
+              <a:rPr lang="en-US" sz="800" dirty="0" smtClean="0"/>
+              <a:t>")) %&gt;%</a:t>
+            </a:r>
+          </a:p>
+          <a:p>
+            <a:pPr>
+              <a:buFont typeface="Lucida Grande"/>
+              <a:buChar char="&gt;"/>
+            </a:pPr>
+            <a:r>
+              <a:rPr lang="en-US" sz="800" dirty="0" smtClean="0"/>
+              <a:t>      </a:t>
+            </a:r>
+            <a:r>
+              <a:rPr lang="en-US" sz="800" dirty="0" err="1" smtClean="0"/>
+              <a:t>na.omit</a:t>
+            </a:r>
+            <a:r>
+              <a:rPr lang="en-US" sz="800" dirty="0" smtClean="0"/>
+              <a:t>() %&gt;%</a:t>
+            </a:r>
+          </a:p>
+          <a:p>
+            <a:pPr>
+              <a:buFont typeface="Lucida Grande"/>
+              <a:buChar char="&gt;"/>
+            </a:pPr>
+            <a:r>
+              <a:rPr lang="en-US" sz="800" dirty="0" smtClean="0"/>
+              <a:t>      </a:t>
+            </a:r>
+            <a:r>
+              <a:rPr lang="en-US" sz="800" dirty="0" err="1" smtClean="0"/>
+              <a:t>rbind</a:t>
+            </a:r>
+            <a:r>
+              <a:rPr lang="en-US" sz="800" dirty="0" smtClean="0"/>
+              <a:t>() %&gt;%</a:t>
+            </a:r>
+          </a:p>
+          <a:p>
+            <a:pPr>
+              <a:buFont typeface="Lucida Grande"/>
+              <a:buChar char="&gt;"/>
+            </a:pPr>
+            <a:r>
+              <a:rPr lang="en-US" sz="800" dirty="0" smtClean="0"/>
+              <a:t>      rename(</a:t>
+            </a:r>
+            <a:r>
+              <a:rPr lang="en-US" sz="800" dirty="0" err="1" smtClean="0"/>
+              <a:t>u.node</a:t>
+            </a:r>
+            <a:r>
+              <a:rPr lang="en-US" sz="800" dirty="0" smtClean="0"/>
+              <a:t>=</a:t>
+            </a:r>
+            <a:r>
+              <a:rPr lang="en-US" sz="800" dirty="0" err="1" smtClean="0"/>
+              <a:t>node,cnx</a:t>
+            </a:r>
+            <a:r>
+              <a:rPr lang="en-US" sz="800" dirty="0" smtClean="0"/>
+              <a:t>=edge)</a:t>
+            </a:r>
+          </a:p>
+          <a:p>
+            <a:pPr>
+              <a:buFont typeface="Lucida Grande"/>
+              <a:buChar char="&gt;"/>
+            </a:pPr>
+            <a:r>
+              <a:rPr lang="en-US" sz="800" dirty="0" smtClean="0"/>
+              <a:t>    </a:t>
+            </a:r>
+            <a:r>
+              <a:rPr lang="en-US" sz="800" dirty="0" smtClean="0">
+                <a:solidFill>
+                  <a:srgbClr val="3366FF"/>
+                </a:solidFill>
+              </a:rPr>
+              <a:t># Join</a:t>
+            </a:r>
+          </a:p>
+          <a:p>
+            <a:pPr>
+              <a:buFont typeface="Lucida Grande"/>
+              <a:buChar char="&gt;"/>
+            </a:pPr>
+            <a:r>
+              <a:rPr lang="en-US" sz="800" dirty="0" smtClean="0"/>
+              <a:t>    cnxlist1 &lt;- </a:t>
+            </a:r>
+            <a:r>
+              <a:rPr lang="en-US" sz="800" dirty="0" err="1" smtClean="0"/>
+              <a:t>rbind</a:t>
+            </a:r>
+            <a:r>
+              <a:rPr lang="en-US" sz="800" dirty="0" smtClean="0"/>
+              <a:t>(</a:t>
+            </a:r>
+            <a:r>
+              <a:rPr lang="en-US" sz="800" dirty="0" err="1" smtClean="0"/>
+              <a:t>cnxlist.N,cnxlist.E</a:t>
+            </a:r>
+            <a:r>
+              <a:rPr lang="en-US" sz="800" dirty="0" smtClean="0"/>
+              <a:t>)</a:t>
+            </a:r>
+          </a:p>
+          <a:p>
+            <a:pPr>
+              <a:buFont typeface="Lucida Grande"/>
+              <a:buChar char="&gt;"/>
+            </a:pPr>
+            <a:r>
+              <a:rPr lang="en-US" sz="800" dirty="0" smtClean="0"/>
+              <a:t>    </a:t>
+            </a:r>
+            <a:r>
+              <a:rPr lang="en-US" sz="800" dirty="0" smtClean="0">
+                <a:solidFill>
+                  <a:srgbClr val="3366FF"/>
+                </a:solidFill>
+              </a:rPr>
+              <a:t># Summarize</a:t>
+            </a:r>
+          </a:p>
+          <a:p>
+            <a:pPr>
+              <a:buFont typeface="Lucida Grande"/>
+              <a:buChar char="&gt;"/>
+            </a:pPr>
+            <a:r>
+              <a:rPr lang="en-US" sz="800" dirty="0" smtClean="0"/>
+              <a:t>    </a:t>
+            </a:r>
+            <a:r>
+              <a:rPr lang="en-US" sz="800" dirty="0" err="1" smtClean="0"/>
+              <a:t>cnxlist</a:t>
+            </a:r>
+            <a:r>
+              <a:rPr lang="en-US" sz="800" dirty="0" smtClean="0"/>
+              <a:t> &lt;- cnxlist1 %&gt;%</a:t>
+            </a:r>
+          </a:p>
+          <a:p>
+            <a:pPr>
+              <a:buFont typeface="Lucida Grande"/>
+              <a:buChar char="&gt;"/>
+            </a:pPr>
+            <a:r>
+              <a:rPr lang="en-US" sz="800" dirty="0" smtClean="0"/>
+              <a:t>      </a:t>
+            </a:r>
+            <a:r>
+              <a:rPr lang="en-US" sz="800" dirty="0" err="1" smtClean="0"/>
+              <a:t>group_by</a:t>
+            </a:r>
+            <a:r>
+              <a:rPr lang="en-US" sz="800" dirty="0" smtClean="0"/>
+              <a:t>(</a:t>
+            </a:r>
+            <a:r>
+              <a:rPr lang="en-US" sz="800" dirty="0" err="1" smtClean="0"/>
+              <a:t>cnx</a:t>
+            </a:r>
+            <a:r>
+              <a:rPr lang="en-US" sz="800" dirty="0" smtClean="0"/>
+              <a:t>) %&gt;%</a:t>
+            </a:r>
+          </a:p>
+          <a:p>
+            <a:pPr>
+              <a:buFont typeface="Lucida Grande"/>
+              <a:buChar char="&gt;"/>
+            </a:pPr>
+            <a:r>
+              <a:rPr lang="en-US" sz="800" dirty="0" smtClean="0"/>
+              <a:t>      summarize(</a:t>
+            </a:r>
+            <a:r>
+              <a:rPr lang="en-US" sz="800" dirty="0" err="1" smtClean="0"/>
+              <a:t>net_rating</a:t>
+            </a:r>
+            <a:r>
+              <a:rPr lang="en-US" sz="800" dirty="0" smtClean="0"/>
+              <a:t>=sum(</a:t>
+            </a:r>
+            <a:r>
+              <a:rPr lang="en-US" sz="800" dirty="0" err="1" smtClean="0"/>
+              <a:t>r.stars</a:t>
+            </a:r>
+            <a:r>
+              <a:rPr lang="en-US" sz="800" dirty="0" smtClean="0"/>
+              <a:t>)/n(),count=n())</a:t>
+            </a:r>
+          </a:p>
+          <a:p>
+            <a:pPr>
+              <a:buFont typeface="Lucida Grande"/>
+              <a:buChar char="&gt;"/>
+            </a:pPr>
+            <a:r>
+              <a:rPr lang="en-US" sz="800" dirty="0" smtClean="0"/>
+              <a:t>    row &lt;- </a:t>
+            </a:r>
+            <a:r>
+              <a:rPr lang="en-US" sz="800" dirty="0" err="1" smtClean="0"/>
+              <a:t>as.vector</a:t>
+            </a:r>
+            <a:r>
+              <a:rPr lang="en-US" sz="800" dirty="0" smtClean="0"/>
+              <a:t>(</a:t>
+            </a:r>
+            <a:r>
+              <a:rPr lang="en-US" sz="800" dirty="0" err="1" smtClean="0"/>
+              <a:t>cnxlist$cnx</a:t>
+            </a:r>
+            <a:r>
+              <a:rPr lang="en-US" sz="800" dirty="0" smtClean="0"/>
+              <a:t>)</a:t>
+            </a:r>
+          </a:p>
+          <a:p>
+            <a:pPr>
+              <a:buFont typeface="Lucida Grande"/>
+              <a:buChar char="&gt;"/>
+            </a:pPr>
+            <a:r>
+              <a:rPr lang="en-US" sz="800" dirty="0" smtClean="0"/>
+              <a:t>    values &lt;- </a:t>
+            </a:r>
+            <a:r>
+              <a:rPr lang="en-US" sz="800" dirty="0" err="1" smtClean="0"/>
+              <a:t>as.vector</a:t>
+            </a:r>
+            <a:r>
+              <a:rPr lang="en-US" sz="800" dirty="0" smtClean="0"/>
+              <a:t>(</a:t>
+            </a:r>
+            <a:r>
+              <a:rPr lang="en-US" sz="800" dirty="0" err="1" smtClean="0"/>
+              <a:t>cnxlist$net_rating</a:t>
+            </a:r>
+            <a:r>
+              <a:rPr lang="en-US" sz="800" dirty="0" smtClean="0"/>
+              <a:t>)</a:t>
+            </a:r>
+          </a:p>
+          <a:p>
+            <a:pPr>
+              <a:buFont typeface="Lucida Grande"/>
+              <a:buChar char="&gt;"/>
+            </a:pPr>
+            <a:r>
+              <a:rPr lang="en-US" sz="800" dirty="0" smtClean="0"/>
+              <a:t>    count &lt;- </a:t>
+            </a:r>
+            <a:r>
+              <a:rPr lang="en-US" sz="800" dirty="0" err="1" smtClean="0"/>
+              <a:t>as.vector</a:t>
+            </a:r>
+            <a:r>
+              <a:rPr lang="en-US" sz="800" dirty="0" smtClean="0"/>
+              <a:t>(</a:t>
+            </a:r>
+            <a:r>
+              <a:rPr lang="en-US" sz="800" dirty="0" err="1" smtClean="0"/>
+              <a:t>cnxlist$count</a:t>
+            </a:r>
+            <a:r>
+              <a:rPr lang="en-US" sz="800" dirty="0" smtClean="0"/>
+              <a:t>)</a:t>
+            </a:r>
+          </a:p>
+          <a:p>
+            <a:pPr>
+              <a:buFont typeface="Lucida Grande"/>
+              <a:buChar char="&gt;"/>
+            </a:pPr>
+            <a:r>
+              <a:rPr lang="en-US" sz="800" dirty="0" smtClean="0"/>
+              <a:t>    ratings1[</a:t>
+            </a:r>
+            <a:r>
+              <a:rPr lang="en-US" sz="800" dirty="0" err="1" smtClean="0"/>
+              <a:t>row,i</a:t>
+            </a:r>
+            <a:r>
+              <a:rPr lang="en-US" sz="800" dirty="0" smtClean="0"/>
+              <a:t>] &lt;- values</a:t>
+            </a:r>
+          </a:p>
+          <a:p>
+            <a:pPr>
+              <a:buFont typeface="Lucida Grande"/>
+              <a:buChar char="&gt;"/>
+            </a:pPr>
+            <a:r>
+              <a:rPr lang="en-US" sz="800" dirty="0" smtClean="0"/>
+              <a:t>    counts1[</a:t>
+            </a:r>
+            <a:r>
+              <a:rPr lang="en-US" sz="800" dirty="0" err="1" smtClean="0"/>
+              <a:t>row,i</a:t>
+            </a:r>
+            <a:r>
+              <a:rPr lang="en-US" sz="800" dirty="0" smtClean="0"/>
+              <a:t>] &lt;- count</a:t>
+            </a:r>
+          </a:p>
+          <a:p>
+            <a:pPr lvl="1">
+              <a:buFont typeface="Lucida Grande"/>
+              <a:buChar char="&gt;"/>
+            </a:pPr>
+            <a:r>
+              <a:rPr lang="en-US" sz="800" dirty="0" smtClean="0"/>
+              <a:t>…</a:t>
+            </a:r>
+          </a:p>
+          <a:p>
+            <a:pPr>
+              <a:buFont typeface="Lucida Grande"/>
+              <a:buChar char="&gt;"/>
+            </a:pPr>
+            <a:r>
+              <a:rPr lang="en-US" sz="800" dirty="0" smtClean="0"/>
+              <a:t>}</a:t>
+            </a:r>
+            <a:endParaRPr lang="en-US" sz="800" dirty="0"/>
+          </a:p>
+        </p:txBody>
+      </p:sp>
+      <p:pic>
+        <p:nvPicPr>
+          <p:cNvPr id="5" name="Picture 4"/>
+          <p:cNvPicPr>
+            <a:picLocks noChangeAspect="1"/>
+          </p:cNvPicPr>
+          <p:nvPr/>
+        </p:nvPicPr>
+        <p:blipFill>
+          <a:blip r:embed="rId2"/>
+          <a:stretch>
+            <a:fillRect/>
+          </a:stretch>
+        </p:blipFill>
+        <p:spPr>
+          <a:xfrm>
+            <a:off x="4993176" y="4040720"/>
+            <a:ext cx="3693623" cy="2527054"/>
+          </a:xfrm>
+          <a:prstGeom prst="rect">
+            <a:avLst/>
+          </a:prstGeom>
+        </p:spPr>
+      </p:pic>
+      <p:pic>
+        <p:nvPicPr>
+          <p:cNvPr id="6" name="Picture 5"/>
+          <p:cNvPicPr>
+            <a:picLocks noChangeAspect="1"/>
+          </p:cNvPicPr>
+          <p:nvPr/>
+        </p:nvPicPr>
+        <p:blipFill>
+          <a:blip r:embed="rId3"/>
+          <a:stretch>
+            <a:fillRect/>
+          </a:stretch>
+        </p:blipFill>
+        <p:spPr>
+          <a:xfrm>
+            <a:off x="4993176" y="1285559"/>
+            <a:ext cx="3519848" cy="2408162"/>
+          </a:xfrm>
+          <a:prstGeom prst="rect">
+            <a:avLst/>
+          </a:prstGeom>
+        </p:spPr>
+      </p:pic>
+    </p:spTree>
+    <p:extLst>
+      <p:ext uri="{BB962C8B-B14F-4D97-AF65-F5344CB8AC3E}">
+        <p14:creationId xmlns:p14="http://schemas.microsoft.com/office/powerpoint/2010/main" val="1058202783"/>
+      </p:ext>
+    </p:extLst>
+  </p:cSld>
+  <p:clrMapOvr>
+    <a:masterClrMapping/>
+  </p:clrMapOvr>
+  <p:timing>
+    <p:tnLst>
+      <p:par>
+        <p:cTn xmlns:p14="http://schemas.microsoft.com/office/powerpoint/2010/main" id="1" dur="indefinite" restart="never" nodeType="tmRoot"/>
+      </p:par>
+    </p:tnLst>
+  </p:timing>
+</p:sld>
+</file>
+
+<file path=ppt/slides/slide15.xml><?xml version="1.0" encoding="utf-8"?>
+<p:sld xmlns:a="http://schemas.openxmlformats.org/drawingml/2006/main" xmlns:r="http://schemas.openxmlformats.org/officeDocument/2006/relationships" xmlns:p="http://schemas.openxmlformats.org/presentationml/2006/main">
+  <p:cSld>
+    <p:spTree>
+      <p:nvGrpSpPr>
+        <p:cNvPr id="1" name=""/>
+        <p:cNvGrpSpPr/>
+        <p:nvPr/>
+      </p:nvGrpSpPr>
+      <p:grpSpPr>
+        <a:xfrm>
+          <a:off x="0" y="0"/>
+          <a:ext cx="0" cy="0"/>
+          <a:chOff x="0" y="0"/>
+          <a:chExt cx="0" cy="0"/>
+        </a:xfrm>
+      </p:grpSpPr>
+      <p:sp>
+        <p:nvSpPr>
+          <p:cNvPr id="2" name="Title 1"/>
+          <p:cNvSpPr>
+            <a:spLocks noGrp="1"/>
+          </p:cNvSpPr>
+          <p:nvPr>
+            <p:ph type="title"/>
+          </p:nvPr>
+        </p:nvSpPr>
+        <p:spPr/>
+        <p:txBody>
+          <a:bodyPr/>
+          <a:lstStyle/>
+          <a:p>
+            <a:r>
+              <a:rPr lang="en-US" dirty="0" smtClean="0">
+                <a:solidFill>
+                  <a:srgbClr val="FF0000"/>
+                </a:solidFill>
+              </a:rPr>
+              <a:t>Predictions</a:t>
+            </a:r>
+            <a:endParaRPr lang="en-US" dirty="0">
+              <a:solidFill>
+                <a:srgbClr val="FF0000"/>
+              </a:solidFill>
+            </a:endParaRPr>
+          </a:p>
+        </p:txBody>
+      </p:sp>
+      <p:sp>
+        <p:nvSpPr>
+          <p:cNvPr id="4" name="Content Placeholder 3"/>
+          <p:cNvSpPr>
+            <a:spLocks noGrp="1"/>
+          </p:cNvSpPr>
+          <p:nvPr>
+            <p:ph sz="half" idx="2"/>
+          </p:nvPr>
+        </p:nvSpPr>
+        <p:spPr>
+          <a:xfrm>
+            <a:off x="457200" y="1289764"/>
+            <a:ext cx="8229600" cy="2096743"/>
+          </a:xfrm>
+        </p:spPr>
+        <p:txBody>
+          <a:bodyPr>
+            <a:normAutofit lnSpcReduction="10000"/>
+          </a:bodyPr>
+          <a:lstStyle/>
+          <a:p>
+            <a:pPr>
+              <a:buFont typeface="Lucida Grande"/>
+              <a:buChar char="&gt;"/>
+            </a:pPr>
+            <a:r>
+              <a:rPr lang="en-US" sz="800" dirty="0" smtClean="0">
+                <a:latin typeface="Courier"/>
+                <a:cs typeface="Courier"/>
+              </a:rPr>
+              <a:t>Inference for Stan model: yelp.</a:t>
+            </a:r>
+          </a:p>
+          <a:p>
+            <a:pPr>
+              <a:buFont typeface="Lucida Grande"/>
+              <a:buChar char="&gt;"/>
+            </a:pPr>
+            <a:r>
+              <a:rPr lang="en-US" sz="800" dirty="0" smtClean="0">
+                <a:latin typeface="Courier"/>
+                <a:cs typeface="Courier"/>
+              </a:rPr>
+              <a:t>4 chains, each with </a:t>
+            </a:r>
+            <a:r>
+              <a:rPr lang="en-US" sz="800" dirty="0" err="1" smtClean="0">
+                <a:latin typeface="Courier"/>
+                <a:cs typeface="Courier"/>
+              </a:rPr>
+              <a:t>iter</a:t>
+            </a:r>
+            <a:r>
+              <a:rPr lang="en-US" sz="800" dirty="0" smtClean="0">
+                <a:latin typeface="Courier"/>
+                <a:cs typeface="Courier"/>
+              </a:rPr>
+              <a:t>=100; </a:t>
+            </a:r>
+            <a:r>
+              <a:rPr lang="en-US" sz="800" dirty="0" err="1" smtClean="0">
+                <a:latin typeface="Courier"/>
+                <a:cs typeface="Courier"/>
+              </a:rPr>
+              <a:t>warmup</a:t>
+            </a:r>
+            <a:r>
+              <a:rPr lang="en-US" sz="800" dirty="0" smtClean="0">
+                <a:latin typeface="Courier"/>
+                <a:cs typeface="Courier"/>
+              </a:rPr>
+              <a:t>=50; thin=1; </a:t>
+            </a:r>
+          </a:p>
+          <a:p>
+            <a:pPr>
+              <a:buFont typeface="Lucida Grande"/>
+              <a:buChar char="&gt;"/>
+            </a:pPr>
+            <a:r>
+              <a:rPr lang="en-US" sz="800" dirty="0" smtClean="0">
+                <a:latin typeface="Courier"/>
+                <a:cs typeface="Courier"/>
+              </a:rPr>
+              <a:t>post-</a:t>
+            </a:r>
+            <a:r>
+              <a:rPr lang="en-US" sz="800" dirty="0" err="1" smtClean="0">
+                <a:latin typeface="Courier"/>
+                <a:cs typeface="Courier"/>
+              </a:rPr>
+              <a:t>warmup</a:t>
+            </a:r>
+            <a:r>
+              <a:rPr lang="en-US" sz="800" dirty="0" smtClean="0">
+                <a:latin typeface="Courier"/>
+                <a:cs typeface="Courier"/>
+              </a:rPr>
+              <a:t> draws per chain=50, total post-</a:t>
+            </a:r>
+            <a:r>
+              <a:rPr lang="en-US" sz="800" dirty="0" err="1" smtClean="0">
+                <a:latin typeface="Courier"/>
+                <a:cs typeface="Courier"/>
+              </a:rPr>
+              <a:t>warmup</a:t>
+            </a:r>
+            <a:r>
+              <a:rPr lang="en-US" sz="800" dirty="0" smtClean="0">
+                <a:latin typeface="Courier"/>
+                <a:cs typeface="Courier"/>
+              </a:rPr>
+              <a:t> draws=200.</a:t>
+            </a:r>
+          </a:p>
+          <a:p>
+            <a:pPr>
+              <a:buFont typeface="Lucida Grande"/>
+              <a:buChar char="&gt;"/>
+            </a:pPr>
+            <a:endParaRPr lang="en-US" sz="800" dirty="0" smtClean="0">
+              <a:latin typeface="Courier"/>
+              <a:cs typeface="Courier"/>
+            </a:endParaRPr>
+          </a:p>
+          <a:p>
+            <a:pPr>
+              <a:buFont typeface="Lucida Grande"/>
+              <a:buChar char="&gt;"/>
+            </a:pPr>
+            <a:r>
+              <a:rPr lang="en-US" sz="800" dirty="0" smtClean="0">
+                <a:latin typeface="Courier"/>
+                <a:cs typeface="Courier"/>
+              </a:rPr>
+              <a:t>              mean </a:t>
+            </a:r>
+            <a:r>
+              <a:rPr lang="en-US" sz="800" dirty="0" err="1" smtClean="0">
+                <a:latin typeface="Courier"/>
+                <a:cs typeface="Courier"/>
+              </a:rPr>
+              <a:t>se_mean</a:t>
+            </a:r>
+            <a:r>
+              <a:rPr lang="en-US" sz="800" dirty="0" smtClean="0">
+                <a:latin typeface="Courier"/>
+                <a:cs typeface="Courier"/>
+              </a:rPr>
+              <a:t>   </a:t>
+            </a:r>
+            <a:r>
+              <a:rPr lang="en-US" sz="800" dirty="0" err="1" smtClean="0">
+                <a:latin typeface="Courier"/>
+                <a:cs typeface="Courier"/>
+              </a:rPr>
+              <a:t>sd</a:t>
+            </a:r>
+            <a:r>
+              <a:rPr lang="en-US" sz="800" dirty="0" smtClean="0">
+                <a:latin typeface="Courier"/>
+                <a:cs typeface="Courier"/>
+              </a:rPr>
+              <a:t>       2.5%        25%        50%        75%      97.5% </a:t>
+            </a:r>
+            <a:r>
+              <a:rPr lang="en-US" sz="800" dirty="0" err="1" smtClean="0">
+                <a:latin typeface="Courier"/>
+                <a:cs typeface="Courier"/>
+              </a:rPr>
+              <a:t>n_eff</a:t>
+            </a:r>
+            <a:r>
+              <a:rPr lang="en-US" sz="800" dirty="0" smtClean="0">
+                <a:latin typeface="Courier"/>
+                <a:cs typeface="Courier"/>
+              </a:rPr>
+              <a:t> </a:t>
+            </a:r>
+            <a:r>
+              <a:rPr lang="en-US" sz="800" dirty="0" err="1" smtClean="0">
+                <a:latin typeface="Courier"/>
+                <a:cs typeface="Courier"/>
+              </a:rPr>
+              <a:t>Rhat</a:t>
+            </a:r>
+            <a:endParaRPr lang="en-US" sz="800" dirty="0" smtClean="0">
+              <a:latin typeface="Courier"/>
+              <a:cs typeface="Courier"/>
+            </a:endParaRPr>
+          </a:p>
+          <a:p>
+            <a:pPr>
+              <a:buFont typeface="Lucida Grande"/>
+              <a:buChar char="&gt;"/>
+            </a:pPr>
+            <a:r>
+              <a:rPr lang="en-US" sz="800" dirty="0" smtClean="0">
+                <a:latin typeface="Courier"/>
+                <a:cs typeface="Courier"/>
+              </a:rPr>
+              <a:t>beta[1]       0.02    0.00 0.00       0.02       0.02       0.02       0.03       0.03    35 1.11</a:t>
+            </a:r>
+          </a:p>
+          <a:p>
+            <a:pPr>
+              <a:buFont typeface="Lucida Grande"/>
+              <a:buChar char="&gt;"/>
+            </a:pPr>
+            <a:r>
+              <a:rPr lang="en-US" sz="800" dirty="0" smtClean="0">
+                <a:latin typeface="Courier"/>
+                <a:cs typeface="Courier"/>
+              </a:rPr>
+              <a:t>beta[2]       1.01    0.00 0.00       1.00       1.01       1.01       1.01       1.01    96 1.04</a:t>
+            </a:r>
+          </a:p>
+          <a:p>
+            <a:pPr>
+              <a:buFont typeface="Lucida Grande"/>
+              <a:buChar char="&gt;"/>
+            </a:pPr>
+            <a:r>
+              <a:rPr lang="en-US" sz="800" dirty="0" smtClean="0">
+                <a:latin typeface="Courier"/>
+                <a:cs typeface="Courier"/>
+              </a:rPr>
+              <a:t>sigma         2.89    0.00 0.00       2.88       2.89       2.89       2.89       2.90   200 1.00</a:t>
+            </a:r>
+          </a:p>
+          <a:p>
+            <a:pPr>
+              <a:buFont typeface="Lucida Grande"/>
+              <a:buChar char="&gt;"/>
+            </a:pPr>
+            <a:r>
+              <a:rPr lang="en-US" sz="800" dirty="0" err="1" smtClean="0">
+                <a:latin typeface="Courier"/>
+                <a:cs typeface="Courier"/>
+              </a:rPr>
+              <a:t>lp</a:t>
+            </a:r>
+            <a:r>
+              <a:rPr lang="en-US" sz="800" dirty="0" smtClean="0">
+                <a:latin typeface="Courier"/>
+                <a:cs typeface="Courier"/>
+              </a:rPr>
+              <a:t>__    -434087.99    0.12 1.23 -434091.33 -434088.50 -434087.61 -434087.20 -434086.70   109 1.01</a:t>
+            </a:r>
+          </a:p>
+          <a:p>
+            <a:pPr>
+              <a:buFont typeface="Lucida Grande"/>
+              <a:buChar char="&gt;"/>
+            </a:pPr>
+            <a:endParaRPr lang="en-US" sz="800" dirty="0" smtClean="0">
+              <a:latin typeface="Courier"/>
+              <a:cs typeface="Courier"/>
+            </a:endParaRPr>
+          </a:p>
+          <a:p>
+            <a:pPr>
+              <a:buFont typeface="Lucida Grande"/>
+              <a:buChar char="&gt;"/>
+            </a:pPr>
+            <a:r>
+              <a:rPr lang="en-US" sz="800" dirty="0" smtClean="0">
+                <a:latin typeface="Courier"/>
+                <a:cs typeface="Courier"/>
+              </a:rPr>
+              <a:t>Samples were drawn using NUTS(</a:t>
+            </a:r>
+            <a:r>
+              <a:rPr lang="en-US" sz="800" dirty="0" err="1" smtClean="0">
+                <a:latin typeface="Courier"/>
+                <a:cs typeface="Courier"/>
+              </a:rPr>
+              <a:t>diag_e</a:t>
+            </a:r>
+            <a:r>
+              <a:rPr lang="en-US" sz="800" dirty="0" smtClean="0">
+                <a:latin typeface="Courier"/>
+                <a:cs typeface="Courier"/>
+              </a:rPr>
+              <a:t>) at Thu May 14 23:13:23 2015.</a:t>
+            </a:r>
+          </a:p>
+          <a:p>
+            <a:pPr>
+              <a:buFont typeface="Lucida Grande"/>
+              <a:buChar char="&gt;"/>
+            </a:pPr>
+            <a:r>
+              <a:rPr lang="en-US" sz="800" dirty="0" smtClean="0">
+                <a:latin typeface="Courier"/>
+                <a:cs typeface="Courier"/>
+              </a:rPr>
+              <a:t>For each parameter, </a:t>
+            </a:r>
+            <a:r>
+              <a:rPr lang="en-US" sz="800" dirty="0" err="1" smtClean="0">
+                <a:latin typeface="Courier"/>
+                <a:cs typeface="Courier"/>
+              </a:rPr>
+              <a:t>n_eff</a:t>
+            </a:r>
+            <a:r>
+              <a:rPr lang="en-US" sz="800" dirty="0" smtClean="0">
+                <a:latin typeface="Courier"/>
+                <a:cs typeface="Courier"/>
+              </a:rPr>
+              <a:t> is a crude measure of effective sample size,</a:t>
+            </a:r>
+          </a:p>
+          <a:p>
+            <a:pPr>
+              <a:buFont typeface="Lucida Grande"/>
+              <a:buChar char="&gt;"/>
+            </a:pPr>
+            <a:r>
+              <a:rPr lang="en-US" sz="800" dirty="0" smtClean="0">
+                <a:latin typeface="Courier"/>
+                <a:cs typeface="Courier"/>
+              </a:rPr>
+              <a:t>and </a:t>
+            </a:r>
+            <a:r>
+              <a:rPr lang="en-US" sz="800" dirty="0" err="1" smtClean="0">
+                <a:latin typeface="Courier"/>
+                <a:cs typeface="Courier"/>
+              </a:rPr>
+              <a:t>Rhat</a:t>
+            </a:r>
+            <a:r>
+              <a:rPr lang="en-US" sz="800" dirty="0" smtClean="0">
+                <a:latin typeface="Courier"/>
+                <a:cs typeface="Courier"/>
+              </a:rPr>
+              <a:t> is the potential scale reduction factor on split chains (at </a:t>
+            </a:r>
+          </a:p>
+          <a:p>
+            <a:pPr>
+              <a:buFont typeface="Lucida Grande"/>
+              <a:buChar char="&gt;"/>
+            </a:pPr>
+            <a:r>
+              <a:rPr lang="en-US" sz="800" dirty="0" smtClean="0">
+                <a:latin typeface="Courier"/>
+                <a:cs typeface="Courier"/>
+              </a:rPr>
+              <a:t>convergence, </a:t>
+            </a:r>
+            <a:r>
+              <a:rPr lang="en-US" sz="800" dirty="0" err="1" smtClean="0">
+                <a:latin typeface="Courier"/>
+                <a:cs typeface="Courier"/>
+              </a:rPr>
+              <a:t>Rhat</a:t>
+            </a:r>
+            <a:r>
+              <a:rPr lang="en-US" sz="800" dirty="0" smtClean="0">
+                <a:latin typeface="Courier"/>
+                <a:cs typeface="Courier"/>
+              </a:rPr>
+              <a:t>=1).</a:t>
+            </a:r>
+            <a:endParaRPr lang="en-US" sz="800" dirty="0">
+              <a:latin typeface="Courier"/>
+              <a:cs typeface="Courier"/>
+            </a:endParaRPr>
+          </a:p>
+        </p:txBody>
+      </p:sp>
+      <p:pic>
+        <p:nvPicPr>
+          <p:cNvPr id="7" name="Content Placeholder 6"/>
+          <p:cNvPicPr>
+            <a:picLocks noGrp="1" noChangeAspect="1"/>
+          </p:cNvPicPr>
+          <p:nvPr>
+            <p:ph sz="quarter" idx="4"/>
+          </p:nvPr>
+        </p:nvPicPr>
+        <p:blipFill rotWithShape="1">
+          <a:blip r:embed="rId2"/>
+          <a:srcRect l="-92" r="853"/>
+          <a:stretch/>
+        </p:blipFill>
+        <p:spPr>
+          <a:xfrm>
+            <a:off x="707048" y="3232206"/>
+            <a:ext cx="7979752" cy="3297085"/>
+          </a:xfrm>
+        </p:spPr>
+      </p:pic>
+    </p:spTree>
+    <p:extLst>
+      <p:ext uri="{BB962C8B-B14F-4D97-AF65-F5344CB8AC3E}">
+        <p14:creationId xmlns:p14="http://schemas.microsoft.com/office/powerpoint/2010/main" val="3087827295"/>
+      </p:ext>
+    </p:extLst>
+  </p:cSld>
+  <p:clrMapOvr>
+    <a:masterClrMapping/>
+  </p:clrMapOvr>
+</p:sld>
+</file>
+
+<file path=ppt/slides/slide16.xml><?xml version="1.0" encoding="utf-8"?>
+<p:sld xmlns:a="http://schemas.openxmlformats.org/drawingml/2006/main" xmlns:r="http://schemas.openxmlformats.org/officeDocument/2006/relationships" xmlns:p="http://schemas.openxmlformats.org/presentationml/2006/main">
+  <p:cSld>
+    <p:spTree>
+      <p:nvGrpSpPr>
+        <p:cNvPr id="1" name=""/>
+        <p:cNvGrpSpPr/>
+        <p:nvPr/>
+      </p:nvGrpSpPr>
+      <p:grpSpPr>
+        <a:xfrm>
+          <a:off x="0" y="0"/>
+          <a:ext cx="0" cy="0"/>
+          <a:chOff x="0" y="0"/>
+          <a:chExt cx="0" cy="0"/>
+        </a:xfrm>
+      </p:grpSpPr>
+      <p:sp>
+        <p:nvSpPr>
+          <p:cNvPr id="2" name="Title 1"/>
+          <p:cNvSpPr>
+            <a:spLocks noGrp="1"/>
+          </p:cNvSpPr>
+          <p:nvPr>
+            <p:ph type="ctrTitle"/>
+          </p:nvPr>
+        </p:nvSpPr>
+        <p:spPr>
+          <a:xfrm>
+            <a:off x="1104364" y="2268912"/>
+            <a:ext cx="6858000" cy="1790700"/>
+          </a:xfrm>
+        </p:spPr>
+        <p:txBody>
+          <a:bodyPr/>
+          <a:lstStyle/>
+          <a:p>
+            <a:r>
+              <a:rPr lang="en-US" dirty="0" smtClean="0"/>
+              <a:t>Exploiting Social Networks to Improve Recommendations</a:t>
+            </a:r>
+            <a:endParaRPr lang="en-US" dirty="0"/>
+          </a:p>
+        </p:txBody>
+      </p:sp>
+    </p:spTree>
+    <p:extLst>
+      <p:ext uri="{BB962C8B-B14F-4D97-AF65-F5344CB8AC3E}">
+        <p14:creationId xmlns:p14="http://schemas.microsoft.com/office/powerpoint/2010/main" val="3277187908"/>
+      </p:ext>
+    </p:extLst>
+  </p:cSld>
+  <p:clrMapOvr>
+    <a:masterClrMapping/>
+  </p:clrMapOvr>
+</p:sld>
+</file>
+
+<file path=ppt/slides/slide17.xml><?xml version="1.0" encoding="utf-8"?>
+<p:sld xmlns:a="http://schemas.openxmlformats.org/drawingml/2006/main" xmlns:r="http://schemas.openxmlformats.org/officeDocument/2006/relationships" xmlns:p="http://schemas.openxmlformats.org/presentationml/2006/main">
+  <p:cSld>
+    <p:spTree>
+      <p:nvGrpSpPr>
+        <p:cNvPr id="1" name=""/>
+        <p:cNvGrpSpPr/>
+        <p:nvPr/>
+      </p:nvGrpSpPr>
+      <p:grpSpPr>
+        <a:xfrm>
+          <a:off x="0" y="0"/>
+          <a:ext cx="0" cy="0"/>
+          <a:chOff x="0" y="0"/>
+          <a:chExt cx="0" cy="0"/>
+        </a:xfrm>
+      </p:grpSpPr>
+      <p:sp>
+        <p:nvSpPr>
+          <p:cNvPr id="4" name="TextBox 3"/>
+          <p:cNvSpPr txBox="1"/>
+          <p:nvPr/>
+        </p:nvSpPr>
+        <p:spPr>
+          <a:xfrm>
+            <a:off x="396831" y="1033692"/>
+            <a:ext cx="8046076" cy="4685898"/>
+          </a:xfrm>
+          <a:prstGeom prst="rect">
+            <a:avLst/>
+          </a:prstGeom>
+          <a:noFill/>
+        </p:spPr>
+        <p:txBody>
+          <a:bodyPr wrap="square" rtlCol="0">
+            <a:spAutoFit/>
+          </a:bodyPr>
+          <a:lstStyle/>
+          <a:p>
+            <a:r>
+              <a:rPr lang="en-US" sz="4500" dirty="0">
+                <a:latin typeface="+mj-lt"/>
+                <a:ea typeface="+mj-ea"/>
+                <a:cs typeface="+mj-cs"/>
+              </a:rPr>
+              <a:t>Research Plan</a:t>
+            </a:r>
+            <a:endParaRPr lang="en-US" sz="4050" dirty="0">
+              <a:latin typeface="+mj-lt"/>
+              <a:ea typeface="+mj-ea"/>
+              <a:cs typeface="+mj-cs"/>
+            </a:endParaRPr>
+          </a:p>
+          <a:p>
+            <a:endParaRPr lang="en-US" sz="1350" dirty="0"/>
+          </a:p>
+          <a:p>
+            <a:pPr marL="342900" indent="-342900">
+              <a:buFont typeface="Arial" panose="020B0604020202020204" pitchFamily="34" charset="0"/>
+              <a:buChar char="•"/>
+            </a:pPr>
+            <a:r>
+              <a:rPr lang="en-US" sz="3000" i="1" dirty="0"/>
+              <a:t>Hypothesis</a:t>
+            </a:r>
+            <a:r>
+              <a:rPr lang="en-US" sz="3000" dirty="0"/>
+              <a:t>: </a:t>
+            </a:r>
+            <a:br>
+              <a:rPr lang="en-US" sz="3000" dirty="0"/>
+            </a:br>
+            <a:r>
+              <a:rPr lang="en-US" sz="3000" dirty="0"/>
+              <a:t>People with more friends are more influential</a:t>
+            </a:r>
+          </a:p>
+          <a:p>
+            <a:pPr marL="342900" indent="-342900">
+              <a:buFont typeface="Arial" panose="020B0604020202020204" pitchFamily="34" charset="0"/>
+              <a:buChar char="•"/>
+            </a:pPr>
+            <a:endParaRPr lang="en-US" sz="3000" dirty="0"/>
+          </a:p>
+          <a:p>
+            <a:pPr marL="342900" indent="-342900">
+              <a:buFont typeface="Arial" panose="020B0604020202020204" pitchFamily="34" charset="0"/>
+              <a:buChar char="•"/>
+            </a:pPr>
+            <a:r>
+              <a:rPr lang="en-US" sz="3000" dirty="0"/>
+              <a:t>Weight </a:t>
+            </a:r>
+            <a:r>
+              <a:rPr lang="en-US" sz="3000" dirty="0" err="1"/>
+              <a:t>kNN</a:t>
+            </a:r>
+            <a:r>
+              <a:rPr lang="en-US" sz="3000" dirty="0"/>
+              <a:t> votes by network degree so that predicted ratings/recommendations reflect this</a:t>
+            </a:r>
+          </a:p>
+          <a:p>
+            <a:pPr marL="342900" indent="-342900">
+              <a:buFont typeface="Arial" panose="020B0604020202020204" pitchFamily="34" charset="0"/>
+              <a:buChar char="•"/>
+            </a:pPr>
+            <a:endParaRPr lang="en-US" sz="3000" dirty="0"/>
+          </a:p>
+          <a:p>
+            <a:pPr marL="342900" indent="-342900">
+              <a:buFont typeface="Arial" panose="020B0604020202020204" pitchFamily="34" charset="0"/>
+              <a:buChar char="•"/>
+            </a:pPr>
+            <a:r>
+              <a:rPr lang="en-US" sz="3000" dirty="0"/>
+              <a:t>Compare to other recommenders using RMSE to measure accuracy</a:t>
+            </a:r>
+          </a:p>
+        </p:txBody>
+      </p:sp>
+    </p:spTree>
+    <p:extLst>
+      <p:ext uri="{BB962C8B-B14F-4D97-AF65-F5344CB8AC3E}">
+        <p14:creationId xmlns:p14="http://schemas.microsoft.com/office/powerpoint/2010/main" val="1562005089"/>
+      </p:ext>
+    </p:extLst>
+  </p:cSld>
+  <p:clrMapOvr>
+    <a:masterClrMapping/>
+  </p:clrMapOvr>
+</p:sld>
+</file>
+
+<file path=ppt/slides/slide18.xml><?xml version="1.0" encoding="utf-8"?>
+<p:sld xmlns:a="http://schemas.openxmlformats.org/drawingml/2006/main" xmlns:r="http://schemas.openxmlformats.org/officeDocument/2006/relationships" xmlns:p="http://schemas.openxmlformats.org/presentationml/2006/main">
+  <p:cSld>
+    <p:spTree>
+      <p:nvGrpSpPr>
+        <p:cNvPr id="1" name=""/>
+        <p:cNvGrpSpPr/>
+        <p:nvPr/>
+      </p:nvGrpSpPr>
+      <p:grpSpPr>
+        <a:xfrm>
+          <a:off x="0" y="0"/>
+          <a:ext cx="0" cy="0"/>
+          <a:chOff x="0" y="0"/>
+          <a:chExt cx="0" cy="0"/>
+        </a:xfrm>
+      </p:grpSpPr>
+      <p:sp>
+        <p:nvSpPr>
+          <p:cNvPr id="2" name="Title 1"/>
+          <p:cNvSpPr>
+            <a:spLocks noGrp="1"/>
+          </p:cNvSpPr>
+          <p:nvPr>
+            <p:ph type="title"/>
+          </p:nvPr>
+        </p:nvSpPr>
+        <p:spPr/>
+        <p:txBody>
           <a:bodyPr>
             <a:normAutofit/>
           </a:bodyPr>
           <a:lstStyle/>
           <a:p>
             <a:r>
+              <a:rPr lang="en-US" sz="4050" dirty="0" err="1"/>
+              <a:t>kNN</a:t>
+            </a:r>
+            <a:r>
               <a:rPr lang="en-US" sz="4050" dirty="0"/>
-              <a:t>The takeaway:</a:t>
-            </a:r>
-            <a:endParaRPr lang="en-US" sz="4050" dirty="0"/>
+              <a:t> Recommender</a:t>
+            </a:r>
           </a:p>
         </p:txBody>
       </p:sp>
@@ -4826,7 +6849,12 @@
             <p:ph idx="1"/>
           </p:nvPr>
         </p:nvSpPr>
-        <p:spPr/>
+        <p:spPr>
+          <a:xfrm>
+            <a:off x="628650" y="2721467"/>
+            <a:ext cx="7886700" cy="2768505"/>
+          </a:xfrm>
+        </p:spPr>
         <p:txBody>
           <a:bodyPr/>
           <a:lstStyle/>
@@ -4834,19 +6862,29 @@
             <a:pPr marL="0" indent="0" algn="ctr">
               <a:buNone/>
             </a:pPr>
-            <a:endParaRPr lang="en-US" sz="6600" dirty="0"/>
-          </a:p>
-          <a:p>
-            <a:pPr marL="0" indent="0" algn="ctr">
-              <a:buNone/>
-            </a:pPr>
-            <a:r>
-              <a:rPr lang="en-US" sz="6600" dirty="0"/>
-              <a:t>Keep </a:t>
-            </a:r>
-            <a:r>
-              <a:rPr lang="en-US" sz="6600" dirty="0"/>
-              <a:t>it simple!!</a:t>
+            <a:r>
+              <a:rPr lang="en-US" sz="3000" dirty="0"/>
+              <a:t>Each unobserved rating is predicted as the </a:t>
+            </a:r>
+            <a:r>
+              <a:rPr lang="en-US" sz="3000" dirty="0">
+                <a:solidFill>
+                  <a:srgbClr val="C00000"/>
+                </a:solidFill>
+              </a:rPr>
+              <a:t>(weighted)</a:t>
+            </a:r>
+            <a:r>
+              <a:rPr lang="en-US" sz="3000" dirty="0"/>
+              <a:t> average of the </a:t>
+            </a:r>
+            <a:r>
+              <a:rPr lang="en-US" sz="3000" i="1" dirty="0"/>
+              <a:t>k</a:t>
+            </a:r>
+            <a:r>
+              <a:rPr lang="en-US" sz="3000" dirty="0"/>
+              <a:t> nearest neighbors (using Euclidean distance)</a:t>
             </a:r>
           </a:p>
           <a:p>
@@ -4857,7 +6895,88 @@
     </p:spTree>
     <p:extLst>
       <p:ext uri="{BB962C8B-B14F-4D97-AF65-F5344CB8AC3E}">
-        <p14:creationId xmlns:p14="http://schemas.microsoft.com/office/powerpoint/2010/main" val="2878416231"/>
+        <p14:creationId xmlns:p14="http://schemas.microsoft.com/office/powerpoint/2010/main" val="1171659426"/>
+      </p:ext>
+    </p:extLst>
+  </p:cSld>
+  <p:clrMapOvr>
+    <a:masterClrMapping/>
+  </p:clrMapOvr>
+</p:sld>
+</file>
+
+<file path=ppt/slides/slide19.xml><?xml version="1.0" encoding="utf-8"?>
+<p:sld xmlns:a="http://schemas.openxmlformats.org/drawingml/2006/main" xmlns:r="http://schemas.openxmlformats.org/officeDocument/2006/relationships" xmlns:p="http://schemas.openxmlformats.org/presentationml/2006/main">
+  <p:cSld>
+    <p:spTree>
+      <p:nvGrpSpPr>
+        <p:cNvPr id="1" name=""/>
+        <p:cNvGrpSpPr/>
+        <p:nvPr/>
+      </p:nvGrpSpPr>
+      <p:grpSpPr>
+        <a:xfrm>
+          <a:off x="0" y="0"/>
+          <a:ext cx="0" cy="0"/>
+          <a:chOff x="0" y="0"/>
+          <a:chExt cx="0" cy="0"/>
+        </a:xfrm>
+      </p:grpSpPr>
+      <p:sp>
+        <p:nvSpPr>
+          <p:cNvPr id="2" name="Title 1"/>
+          <p:cNvSpPr>
+            <a:spLocks noGrp="1"/>
+          </p:cNvSpPr>
+          <p:nvPr>
+            <p:ph type="title"/>
+          </p:nvPr>
+        </p:nvSpPr>
+        <p:spPr/>
+        <p:txBody>
+          <a:bodyPr>
+            <a:noAutofit/>
+          </a:bodyPr>
+          <a:lstStyle/>
+          <a:p>
+            <a:r>
+              <a:rPr lang="en-US" dirty="0" smtClean="0"/>
+              <a:t>Collaborative  Filtering / Matrix Factorization</a:t>
+            </a:r>
+            <a:endParaRPr lang="en-US" dirty="0"/>
+          </a:p>
+        </p:txBody>
+      </p:sp>
+      <p:pic>
+        <p:nvPicPr>
+          <p:cNvPr id="4" name="Content Placeholder 3"/>
+          <p:cNvPicPr>
+            <a:picLocks noGrp="1" noChangeAspect="1"/>
+          </p:cNvPicPr>
+          <p:nvPr>
+            <p:ph idx="1"/>
+          </p:nvPr>
+        </p:nvPicPr>
+        <p:blipFill>
+          <a:blip r:embed="rId2"/>
+          <a:stretch>
+            <a:fillRect/>
+          </a:stretch>
+        </p:blipFill>
+        <p:spPr>
+          <a:xfrm>
+            <a:off x="628651" y="1904973"/>
+            <a:ext cx="8112884" cy="4018532"/>
+          </a:xfrm>
+          <a:prstGeom prst="rect">
+            <a:avLst/>
+          </a:prstGeom>
+        </p:spPr>
+      </p:pic>
+    </p:spTree>
+    <p:extLst>
+      <p:ext uri="{BB962C8B-B14F-4D97-AF65-F5344CB8AC3E}">
+        <p14:creationId xmlns:p14="http://schemas.microsoft.com/office/powerpoint/2010/main" val="3094931956"/>
       </p:ext>
     </p:extLst>
   </p:cSld>
@@ -4941,14 +7060,14 @@
             <a:noFill/>
           </a:ln>
           <a:extLst>
-            <a:ext uri="{909E8E84-426E-40DD-AFC4-6F175D3DCCD1}">
+            <a:ext uri="{909E8E84-426E-40dd-AFC4-6F175D3DCCD1}">
               <a14:hiddenFill xmlns:a14="http://schemas.microsoft.com/office/drawing/2010/main">
                 <a:solidFill>
                   <a:schemeClr val="accent1"/>
                 </a:solidFill>
               </a14:hiddenFill>
             </a:ext>
-            <a:ext uri="{91240B29-F687-4F45-9708-019B960494DF}">
+            <a:ext uri="{91240B29-F687-4f45-9708-019B960494DF}">
               <a14:hiddenLine xmlns:a14="http://schemas.microsoft.com/office/drawing/2010/main" w="9525">
                 <a:solidFill>
                   <a:schemeClr val="tx1"/>
@@ -4965,6 +7084,436 @@
     <p:extLst>
       <p:ext uri="{BB962C8B-B14F-4D97-AF65-F5344CB8AC3E}">
         <p14:creationId xmlns:p14="http://schemas.microsoft.com/office/powerpoint/2010/main" val="1186860312"/>
+      </p:ext>
+    </p:extLst>
+  </p:cSld>
+  <p:clrMapOvr>
+    <a:masterClrMapping/>
+  </p:clrMapOvr>
+</p:sld>
+</file>
+
+<file path=ppt/slides/slide20.xml><?xml version="1.0" encoding="utf-8"?>
+<p:sld xmlns:a="http://schemas.openxmlformats.org/drawingml/2006/main" xmlns:r="http://schemas.openxmlformats.org/officeDocument/2006/relationships" xmlns:p="http://schemas.openxmlformats.org/presentationml/2006/main">
+  <p:cSld>
+    <p:spTree>
+      <p:nvGrpSpPr>
+        <p:cNvPr id="1" name=""/>
+        <p:cNvGrpSpPr/>
+        <p:nvPr/>
+      </p:nvGrpSpPr>
+      <p:grpSpPr>
+        <a:xfrm>
+          <a:off x="0" y="0"/>
+          <a:ext cx="0" cy="0"/>
+          <a:chOff x="0" y="0"/>
+          <a:chExt cx="0" cy="0"/>
+        </a:xfrm>
+      </p:grpSpPr>
+      <p:sp>
+        <p:nvSpPr>
+          <p:cNvPr id="2" name="Title 1"/>
+          <p:cNvSpPr>
+            <a:spLocks noGrp="1"/>
+          </p:cNvSpPr>
+          <p:nvPr>
+            <p:ph type="title"/>
+          </p:nvPr>
+        </p:nvSpPr>
+        <p:spPr/>
+        <p:txBody>
+          <a:bodyPr/>
+          <a:lstStyle/>
+          <a:p>
+            <a:r>
+              <a:rPr lang="en-US" sz="4500" dirty="0"/>
+              <a:t>Issues and Challenges</a:t>
+            </a:r>
+            <a:endParaRPr lang="en-US" dirty="0"/>
+          </a:p>
+        </p:txBody>
+      </p:sp>
+      <p:sp>
+        <p:nvSpPr>
+          <p:cNvPr id="3" name="Content Placeholder 2"/>
+          <p:cNvSpPr>
+            <a:spLocks noGrp="1"/>
+          </p:cNvSpPr>
+          <p:nvPr>
+            <p:ph idx="1"/>
+          </p:nvPr>
+        </p:nvSpPr>
+        <p:spPr>
+          <a:xfrm>
+            <a:off x="474103" y="2125267"/>
+            <a:ext cx="8499251" cy="3735425"/>
+          </a:xfrm>
+        </p:spPr>
+        <p:txBody>
+          <a:bodyPr>
+            <a:normAutofit fontScale="92500" lnSpcReduction="10000"/>
+          </a:bodyPr>
+          <a:lstStyle/>
+          <a:p>
+            <a:r>
+              <a:rPr lang="en-US" sz="2400" dirty="0"/>
+              <a:t>Size of dataset / scalability</a:t>
+            </a:r>
+          </a:p>
+          <a:p>
+            <a:pPr lvl="1"/>
+            <a:r>
+              <a:rPr lang="en-US" sz="2100" dirty="0"/>
+              <a:t>1.6 million reviews; 61 thousand businesses; 3 million user friendships</a:t>
+            </a:r>
+          </a:p>
+          <a:p>
+            <a:pPr lvl="1"/>
+            <a:r>
+              <a:rPr lang="en-US" sz="2100" dirty="0"/>
+              <a:t>AZ data was still large: 6.8 thousand users and 7.7 thousand businesses (full ratings matrix would be a little over 53 million cells)</a:t>
+            </a:r>
+          </a:p>
+          <a:p>
+            <a:pPr lvl="1"/>
+            <a:r>
+              <a:rPr lang="en-US" sz="2100" dirty="0"/>
+              <a:t>Took several hours to run collaborative filtering for a single value of k (k=20)</a:t>
+            </a:r>
+          </a:p>
+          <a:p>
+            <a:pPr lvl="1"/>
+            <a:r>
+              <a:rPr lang="en-US" sz="2100" dirty="0"/>
+              <a:t>Took 1.5 hours to run </a:t>
+            </a:r>
+            <a:r>
+              <a:rPr lang="en-US" sz="2100" dirty="0" err="1"/>
+              <a:t>kNN</a:t>
+            </a:r>
+            <a:r>
+              <a:rPr lang="en-US" sz="2100" dirty="0"/>
+              <a:t> for all 18 thousand ratings in the test set</a:t>
+            </a:r>
+          </a:p>
+          <a:p>
+            <a:pPr lvl="1"/>
+            <a:r>
+              <a:rPr lang="en-US" sz="2100" dirty="0"/>
+              <a:t>Dealing with such data in the real world, it would be necessary to use </a:t>
+            </a:r>
+            <a:r>
+              <a:rPr lang="en-US" sz="2100" dirty="0" err="1"/>
+              <a:t>MapReduce</a:t>
+            </a:r>
+            <a:r>
+              <a:rPr lang="en-US" sz="2100" dirty="0"/>
+              <a:t> framework</a:t>
+            </a:r>
+          </a:p>
+          <a:p>
+            <a:r>
+              <a:rPr lang="en-US" sz="2400" dirty="0"/>
+              <a:t>Incompleteness of dataset – working with a small subset of total data led to inconsistencies (businesses with only 1 or 2 ratings had to be dropped)</a:t>
+            </a:r>
+          </a:p>
+          <a:p>
+            <a:endParaRPr lang="en-US" dirty="0" smtClean="0"/>
+          </a:p>
+          <a:p>
+            <a:endParaRPr lang="en-US" dirty="0"/>
+          </a:p>
+        </p:txBody>
+      </p:sp>
+    </p:spTree>
+    <p:extLst>
+      <p:ext uri="{BB962C8B-B14F-4D97-AF65-F5344CB8AC3E}">
+        <p14:creationId xmlns:p14="http://schemas.microsoft.com/office/powerpoint/2010/main" val="4273799294"/>
+      </p:ext>
+    </p:extLst>
+  </p:cSld>
+  <p:clrMapOvr>
+    <a:masterClrMapping/>
+  </p:clrMapOvr>
+</p:sld>
+</file>
+
+<file path=ppt/slides/slide21.xml><?xml version="1.0" encoding="utf-8"?>
+<p:sld xmlns:a="http://schemas.openxmlformats.org/drawingml/2006/main" xmlns:r="http://schemas.openxmlformats.org/officeDocument/2006/relationships" xmlns:p="http://schemas.openxmlformats.org/presentationml/2006/main">
+  <p:cSld>
+    <p:spTree>
+      <p:nvGrpSpPr>
+        <p:cNvPr id="1" name=""/>
+        <p:cNvGrpSpPr/>
+        <p:nvPr/>
+      </p:nvGrpSpPr>
+      <p:grpSpPr>
+        <a:xfrm>
+          <a:off x="0" y="0"/>
+          <a:ext cx="0" cy="0"/>
+          <a:chOff x="0" y="0"/>
+          <a:chExt cx="0" cy="0"/>
+        </a:xfrm>
+      </p:grpSpPr>
+      <p:sp>
+        <p:nvSpPr>
+          <p:cNvPr id="2" name="Title 1"/>
+          <p:cNvSpPr>
+            <a:spLocks noGrp="1"/>
+          </p:cNvSpPr>
+          <p:nvPr>
+            <p:ph type="title"/>
+          </p:nvPr>
+        </p:nvSpPr>
+        <p:spPr/>
+        <p:txBody>
+          <a:bodyPr/>
+          <a:lstStyle/>
+          <a:p>
+            <a:r>
+              <a:rPr lang="en-US" sz="4500" dirty="0"/>
+              <a:t>Results</a:t>
+            </a:r>
+            <a:endParaRPr lang="en-US" dirty="0"/>
+          </a:p>
+        </p:txBody>
+      </p:sp>
+      <p:pic>
+        <p:nvPicPr>
+          <p:cNvPr id="6" name="Content Placeholder 5"/>
+          <p:cNvPicPr>
+            <a:picLocks noGrp="1" noChangeAspect="1"/>
+          </p:cNvPicPr>
+          <p:nvPr>
+            <p:ph idx="1"/>
+          </p:nvPr>
+        </p:nvPicPr>
+        <p:blipFill>
+          <a:blip r:embed="rId2"/>
+          <a:stretch>
+            <a:fillRect/>
+          </a:stretch>
+        </p:blipFill>
+        <p:spPr>
+          <a:xfrm>
+            <a:off x="174519" y="1961061"/>
+            <a:ext cx="8599982" cy="3702365"/>
+          </a:xfrm>
+          <a:prstGeom prst="rect">
+            <a:avLst/>
+          </a:prstGeom>
+        </p:spPr>
+      </p:pic>
+    </p:spTree>
+    <p:extLst>
+      <p:ext uri="{BB962C8B-B14F-4D97-AF65-F5344CB8AC3E}">
+        <p14:creationId xmlns:p14="http://schemas.microsoft.com/office/powerpoint/2010/main" val="14257280"/>
+      </p:ext>
+    </p:extLst>
+  </p:cSld>
+  <p:clrMapOvr>
+    <a:masterClrMapping/>
+  </p:clrMapOvr>
+</p:sld>
+</file>
+
+<file path=ppt/slides/slide22.xml><?xml version="1.0" encoding="utf-8"?>
+<p:sld xmlns:a="http://schemas.openxmlformats.org/drawingml/2006/main" xmlns:r="http://schemas.openxmlformats.org/officeDocument/2006/relationships" xmlns:p="http://schemas.openxmlformats.org/presentationml/2006/main">
+  <p:cSld>
+    <p:spTree>
+      <p:nvGrpSpPr>
+        <p:cNvPr id="1" name=""/>
+        <p:cNvGrpSpPr/>
+        <p:nvPr/>
+      </p:nvGrpSpPr>
+      <p:grpSpPr>
+        <a:xfrm>
+          <a:off x="0" y="0"/>
+          <a:ext cx="0" cy="0"/>
+          <a:chOff x="0" y="0"/>
+          <a:chExt cx="0" cy="0"/>
+        </a:xfrm>
+      </p:grpSpPr>
+      <p:sp>
+        <p:nvSpPr>
+          <p:cNvPr id="2" name="Title 1"/>
+          <p:cNvSpPr>
+            <a:spLocks noGrp="1"/>
+          </p:cNvSpPr>
+          <p:nvPr>
+            <p:ph type="title"/>
+          </p:nvPr>
+        </p:nvSpPr>
+        <p:spPr/>
+        <p:txBody>
+          <a:bodyPr>
+            <a:normAutofit/>
+          </a:bodyPr>
+          <a:lstStyle/>
+          <a:p>
+            <a:r>
+              <a:rPr lang="en-US" sz="4500" dirty="0"/>
+              <a:t>Results Summary</a:t>
+            </a:r>
+          </a:p>
+        </p:txBody>
+      </p:sp>
+      <p:sp>
+        <p:nvSpPr>
+          <p:cNvPr id="3" name="Content Placeholder 2"/>
+          <p:cNvSpPr>
+            <a:spLocks noGrp="1"/>
+          </p:cNvSpPr>
+          <p:nvPr>
+            <p:ph idx="1"/>
+          </p:nvPr>
+        </p:nvSpPr>
+        <p:spPr/>
+        <p:txBody>
+          <a:bodyPr>
+            <a:normAutofit/>
+          </a:bodyPr>
+          <a:lstStyle/>
+          <a:p>
+            <a:r>
+              <a:rPr lang="en-US" sz="2700" dirty="0"/>
+              <a:t>Across the board the log counts performed better than raw counts</a:t>
+            </a:r>
+          </a:p>
+          <a:p>
+            <a:endParaRPr lang="en-US" sz="2700" dirty="0"/>
+          </a:p>
+          <a:p>
+            <a:r>
+              <a:rPr lang="en-US" sz="2700" dirty="0"/>
+              <a:t>None of the weights performed better than the </a:t>
+            </a:r>
+            <a:r>
+              <a:rPr lang="en-US" sz="2700" dirty="0" err="1"/>
+              <a:t>unweighted</a:t>
+            </a:r>
+            <a:r>
+              <a:rPr lang="en-US" sz="2700" dirty="0"/>
+              <a:t> </a:t>
+            </a:r>
+            <a:r>
+              <a:rPr lang="en-US" sz="2700" dirty="0" err="1"/>
+              <a:t>kNN</a:t>
+            </a:r>
+            <a:r>
+              <a:rPr lang="en-US" sz="2700" dirty="0"/>
+              <a:t> algorithm</a:t>
+            </a:r>
+          </a:p>
+          <a:p>
+            <a:endParaRPr lang="en-US" sz="2700" dirty="0"/>
+          </a:p>
+          <a:p>
+            <a:r>
+              <a:rPr lang="en-US" sz="2700" dirty="0"/>
+              <a:t>Even the bad weighting schemes beat the matrix factorization recommender by about k=8</a:t>
+            </a:r>
+          </a:p>
+          <a:p>
+            <a:pPr marL="0" indent="0">
+              <a:buNone/>
+            </a:pPr>
+            <a:endParaRPr lang="en-US" dirty="0" smtClean="0"/>
+          </a:p>
+        </p:txBody>
+      </p:sp>
+    </p:spTree>
+    <p:extLst>
+      <p:ext uri="{BB962C8B-B14F-4D97-AF65-F5344CB8AC3E}">
+        <p14:creationId xmlns:p14="http://schemas.microsoft.com/office/powerpoint/2010/main" val="3367499311"/>
+      </p:ext>
+    </p:extLst>
+  </p:cSld>
+  <p:clrMapOvr>
+    <a:masterClrMapping/>
+  </p:clrMapOvr>
+</p:sld>
+</file>
+
+<file path=ppt/slides/slide23.xml><?xml version="1.0" encoding="utf-8"?>
+<p:sld xmlns:a="http://schemas.openxmlformats.org/drawingml/2006/main" xmlns:r="http://schemas.openxmlformats.org/officeDocument/2006/relationships" xmlns:p="http://schemas.openxmlformats.org/presentationml/2006/main">
+  <p:cSld>
+    <p:spTree>
+      <p:nvGrpSpPr>
+        <p:cNvPr id="1" name=""/>
+        <p:cNvGrpSpPr/>
+        <p:nvPr/>
+      </p:nvGrpSpPr>
+      <p:grpSpPr>
+        <a:xfrm>
+          <a:off x="0" y="0"/>
+          <a:ext cx="0" cy="0"/>
+          <a:chOff x="0" y="0"/>
+          <a:chExt cx="0" cy="0"/>
+        </a:xfrm>
+      </p:grpSpPr>
+      <p:sp>
+        <p:nvSpPr>
+          <p:cNvPr id="2" name="Title 1"/>
+          <p:cNvSpPr>
+            <a:spLocks noGrp="1"/>
+          </p:cNvSpPr>
+          <p:nvPr>
+            <p:ph type="title"/>
+          </p:nvPr>
+        </p:nvSpPr>
+        <p:spPr/>
+        <p:txBody>
+          <a:bodyPr>
+            <a:normAutofit/>
+          </a:bodyPr>
+          <a:lstStyle/>
+          <a:p>
+            <a:r>
+              <a:rPr lang="en-US" sz="4050" dirty="0"/>
+              <a:t>The takeaway:</a:t>
+            </a:r>
+          </a:p>
+        </p:txBody>
+      </p:sp>
+      <p:sp>
+        <p:nvSpPr>
+          <p:cNvPr id="3" name="Content Placeholder 2"/>
+          <p:cNvSpPr>
+            <a:spLocks noGrp="1"/>
+          </p:cNvSpPr>
+          <p:nvPr>
+            <p:ph idx="1"/>
+          </p:nvPr>
+        </p:nvSpPr>
+        <p:spPr/>
+        <p:txBody>
+          <a:bodyPr/>
+          <a:lstStyle/>
+          <a:p>
+            <a:pPr marL="0" indent="0" algn="ctr">
+              <a:buNone/>
+            </a:pPr>
+            <a:endParaRPr lang="en-US" sz="6600" dirty="0"/>
+          </a:p>
+          <a:p>
+            <a:pPr marL="0" indent="0" algn="ctr">
+              <a:buNone/>
+            </a:pPr>
+            <a:r>
+              <a:rPr lang="en-US" sz="6600" dirty="0"/>
+              <a:t>Keep it simple!!</a:t>
+            </a:r>
+          </a:p>
+          <a:p>
+            <a:endParaRPr lang="en-US" dirty="0"/>
+          </a:p>
+        </p:txBody>
+      </p:sp>
+    </p:spTree>
+    <p:extLst>
+      <p:ext uri="{BB962C8B-B14F-4D97-AF65-F5344CB8AC3E}">
+        <p14:creationId xmlns:p14="http://schemas.microsoft.com/office/powerpoint/2010/main" val="2878416231"/>
       </p:ext>
     </p:extLst>
   </p:cSld>
@@ -5050,14 +7599,14 @@
             <a:noFill/>
           </a:ln>
           <a:extLst>
-            <a:ext uri="{909E8E84-426E-40DD-AFC4-6F175D3DCCD1}">
+            <a:ext uri="{909E8E84-426E-40dd-AFC4-6F175D3DCCD1}">
               <a14:hiddenFill xmlns:a14="http://schemas.microsoft.com/office/drawing/2010/main">
                 <a:solidFill>
                   <a:schemeClr val="accent1"/>
                 </a:solidFill>
               </a14:hiddenFill>
             </a:ext>
-            <a:ext uri="{91240B29-F687-4F45-9708-019B960494DF}">
+            <a:ext uri="{91240B29-F687-4f45-9708-019B960494DF}">
               <a14:hiddenLine xmlns:a14="http://schemas.microsoft.com/office/drawing/2010/main" w="9525">
                 <a:solidFill>
                   <a:schemeClr val="tx1"/>
@@ -5315,14 +7864,14 @@
             <a:noFill/>
           </a:ln>
           <a:extLst>
-            <a:ext uri="{909E8E84-426E-40DD-AFC4-6F175D3DCCD1}">
+            <a:ext uri="{909E8E84-426E-40dd-AFC4-6F175D3DCCD1}">
               <a14:hiddenFill xmlns:a14="http://schemas.microsoft.com/office/drawing/2010/main">
                 <a:solidFill>
                   <a:schemeClr val="accent1"/>
                 </a:solidFill>
               </a14:hiddenFill>
             </a:ext>
-            <a:ext uri="{91240B29-F687-4F45-9708-019B960494DF}">
+            <a:ext uri="{91240B29-F687-4f45-9708-019B960494DF}">
               <a14:hiddenLine xmlns:a14="http://schemas.microsoft.com/office/drawing/2010/main" w="9525">
                 <a:solidFill>
                   <a:schemeClr val="tx1"/>
@@ -5372,13 +7921,13 @@
             <a:spLocks noGrp="1"/>
           </p:cNvSpPr>
           <p:nvPr>
-            <p:ph type="ctrTitle"/>
+            <p:ph type="title"/>
           </p:nvPr>
         </p:nvSpPr>
         <p:spPr>
           <a:xfrm>
-            <a:off x="1104364" y="2268912"/>
-            <a:ext cx="6858000" cy="1790700"/>
+            <a:off x="457200" y="2514600"/>
+            <a:ext cx="8229600" cy="1143000"/>
           </a:xfrm>
         </p:spPr>
         <p:txBody>
@@ -5387,7 +7936,7 @@
           <a:p>
             <a:r>
               <a:rPr lang="en-US" dirty="0" smtClean="0"/>
-              <a:t>Exploiting Social Networks to Improve Recommendations</a:t>
+              <a:t>Yelp and Social Networking</a:t>
             </a:r>
             <a:endParaRPr lang="en-US" dirty="0"/>
           </a:p>
@@ -5396,7 +7945,7 @@
     </p:spTree>
     <p:extLst>
       <p:ext uri="{BB962C8B-B14F-4D97-AF65-F5344CB8AC3E}">
-        <p14:creationId xmlns:p14="http://schemas.microsoft.com/office/powerpoint/2010/main" val="3277187908"/>
+        <p14:creationId xmlns:p14="http://schemas.microsoft.com/office/powerpoint/2010/main" val="1967785219"/>
       </p:ext>
     </p:extLst>
   </p:cSld>
@@ -5425,112 +7974,73 @@
       </p:grpSpPr>
       <p:sp>
         <p:nvSpPr>
-          <p:cNvPr id="4" name="TextBox 3"/>
-          <p:cNvSpPr txBox="1"/>
-          <p:nvPr/>
-        </p:nvSpPr>
+          <p:cNvPr id="2" name="Title 1"/>
+          <p:cNvSpPr>
+            <a:spLocks noGrp="1"/>
+          </p:cNvSpPr>
+          <p:nvPr>
+            <p:ph type="title"/>
+          </p:nvPr>
+        </p:nvSpPr>
+        <p:spPr/>
+        <p:txBody>
+          <a:bodyPr/>
+          <a:lstStyle/>
+          <a:p>
+            <a:r>
+              <a:rPr lang="en-US" dirty="0" smtClean="0">
+                <a:solidFill>
+                  <a:srgbClr val="FF0000"/>
+                </a:solidFill>
+              </a:rPr>
+              <a:t>Data</a:t>
+            </a:r>
+            <a:r>
+              <a:rPr lang="en-US" dirty="0" smtClean="0"/>
+              <a:t> </a:t>
+            </a:r>
+            <a:r>
+              <a:rPr lang="en-US" dirty="0" smtClean="0">
+                <a:solidFill>
+                  <a:srgbClr val="FF0000"/>
+                </a:solidFill>
+              </a:rPr>
+              <a:t>Structure</a:t>
+            </a:r>
+            <a:endParaRPr lang="en-US" dirty="0">
+              <a:solidFill>
+                <a:srgbClr val="FF0000"/>
+              </a:solidFill>
+            </a:endParaRPr>
+          </a:p>
+        </p:txBody>
+      </p:sp>
+      <p:pic>
+        <p:nvPicPr>
+          <p:cNvPr id="4" name="Content Placeholder 3"/>
+          <p:cNvPicPr>
+            <a:picLocks noGrp="1" noChangeAspect="1"/>
+          </p:cNvPicPr>
+          <p:nvPr>
+            <p:ph idx="1"/>
+          </p:nvPr>
+        </p:nvPicPr>
+        <p:blipFill rotWithShape="1">
+          <a:blip r:embed="rId2"/>
+          <a:srcRect l="1" r="-19599"/>
+          <a:stretch/>
+        </p:blipFill>
         <p:spPr>
           <a:xfrm>
-            <a:off x="396831" y="1033692"/>
-            <a:ext cx="8046076" cy="4685898"/>
+            <a:off x="2116739" y="1417638"/>
+            <a:ext cx="5795610" cy="4541373"/>
           </a:xfrm>
-          <a:prstGeom prst="rect">
-            <a:avLst/>
-          </a:prstGeom>
-          <a:noFill/>
         </p:spPr>
-        <p:txBody>
-          <a:bodyPr wrap="square" rtlCol="0">
-            <a:spAutoFit/>
-          </a:bodyPr>
-          <a:lstStyle/>
-          <a:p>
-            <a:r>
-              <a:rPr lang="en-US" sz="4500" dirty="0">
-                <a:latin typeface="+mj-lt"/>
-                <a:ea typeface="+mj-ea"/>
-                <a:cs typeface="+mj-cs"/>
-              </a:rPr>
-              <a:t>Research Plan</a:t>
-            </a:r>
-            <a:endParaRPr lang="en-US" sz="4050" dirty="0">
-              <a:latin typeface="+mj-lt"/>
-              <a:ea typeface="+mj-ea"/>
-              <a:cs typeface="+mj-cs"/>
-            </a:endParaRPr>
-          </a:p>
-          <a:p>
-            <a:endParaRPr lang="en-US" sz="1350" dirty="0"/>
-          </a:p>
-          <a:p>
-            <a:pPr marL="342900" indent="-342900">
-              <a:buFont typeface="Arial" panose="020B0604020202020204" pitchFamily="34" charset="0"/>
-              <a:buChar char="•"/>
-            </a:pPr>
-            <a:r>
-              <a:rPr lang="en-US" sz="3000" i="1" dirty="0"/>
-              <a:t>Hypothesis</a:t>
-            </a:r>
-            <a:r>
-              <a:rPr lang="en-US" sz="3000" dirty="0"/>
-              <a:t>: </a:t>
-            </a:r>
-            <a:br>
-              <a:rPr lang="en-US" sz="3000" dirty="0"/>
-            </a:br>
-            <a:r>
-              <a:rPr lang="en-US" sz="3000" dirty="0"/>
-              <a:t>People with more friends are more influential</a:t>
-            </a:r>
-          </a:p>
-          <a:p>
-            <a:pPr marL="342900" indent="-342900">
-              <a:buFont typeface="Arial" panose="020B0604020202020204" pitchFamily="34" charset="0"/>
-              <a:buChar char="•"/>
-            </a:pPr>
-            <a:endParaRPr lang="en-US" sz="3000" dirty="0"/>
-          </a:p>
-          <a:p>
-            <a:pPr marL="342900" indent="-342900">
-              <a:buFont typeface="Arial" panose="020B0604020202020204" pitchFamily="34" charset="0"/>
-              <a:buChar char="•"/>
-            </a:pPr>
-            <a:r>
-              <a:rPr lang="en-US" sz="3000" dirty="0"/>
-              <a:t>Weight </a:t>
-            </a:r>
-            <a:r>
-              <a:rPr lang="en-US" sz="3000" dirty="0" err="1"/>
-              <a:t>kNN</a:t>
-            </a:r>
-            <a:r>
-              <a:rPr lang="en-US" sz="3000" dirty="0"/>
-              <a:t> votes by network degree so that predicted ratings/recommendations reflect this</a:t>
-            </a:r>
-          </a:p>
-          <a:p>
-            <a:pPr marL="342900" indent="-342900">
-              <a:buFont typeface="Arial" panose="020B0604020202020204" pitchFamily="34" charset="0"/>
-              <a:buChar char="•"/>
-            </a:pPr>
-            <a:endParaRPr lang="en-US" sz="3000" dirty="0"/>
-          </a:p>
-          <a:p>
-            <a:pPr marL="342900" indent="-342900">
-              <a:buFont typeface="Arial" panose="020B0604020202020204" pitchFamily="34" charset="0"/>
-              <a:buChar char="•"/>
-            </a:pPr>
-            <a:r>
-              <a:rPr lang="en-US" sz="3000" dirty="0"/>
-              <a:t>Compare to other recommenders using RMSE to measure accuracy</a:t>
-            </a:r>
-          </a:p>
-        </p:txBody>
-      </p:sp>
+      </p:pic>
     </p:spTree>
     <p:extLst>
       <p:ext uri="{BB962C8B-B14F-4D97-AF65-F5344CB8AC3E}">
-        <p14:creationId xmlns:p14="http://schemas.microsoft.com/office/powerpoint/2010/main" val="1562005089"/>
+        <p14:creationId xmlns:p14="http://schemas.microsoft.com/office/powerpoint/2010/main" val="3031189573"/>
       </p:ext>
     </p:extLst>
   </p:cSld>
@@ -5557,6 +8067,72 @@
           <a:chExt cx="0" cy="0"/>
         </a:xfrm>
       </p:grpSpPr>
+      <p:graphicFrame>
+        <p:nvGraphicFramePr>
+          <p:cNvPr id="8" name="Table 7"/>
+          <p:cNvGraphicFramePr>
+            <a:graphicFrameLocks noGrp="1"/>
+          </p:cNvGraphicFramePr>
+          <p:nvPr>
+            <p:extLst>
+              <p:ext uri="{D42A27DB-BD31-4B8C-83A1-F6EECF244321}">
+                <p14:modId xmlns:p14="http://schemas.microsoft.com/office/powerpoint/2010/main" val="2630716927"/>
+              </p:ext>
+            </p:extLst>
+          </p:nvPr>
+        </p:nvGraphicFramePr>
+        <p:xfrm>
+          <a:off x="485605" y="1593870"/>
+          <a:ext cx="3847484" cy="3648469"/>
+        </p:xfrm>
+        <a:graphic>
+          <a:graphicData uri="http://schemas.openxmlformats.org/drawingml/2006/table">
+            <a:tbl>
+              <a:tblPr/>
+              <a:tblGrid>
+                <a:gridCol w="3847484"/>
+              </a:tblGrid>
+              <a:tr h="3648469">
+                <a:tc>
+                  <a:txBody>
+                    <a:bodyPr/>
+                    <a:lstStyle/>
+                    <a:p>
+                      <a:endParaRPr lang="en-US" dirty="0"/>
+                    </a:p>
+                  </a:txBody>
+                  <a:tcPr>
+                    <a:lnL w="12700" cmpd="sng">
+                      <a:solidFill>
+                        <a:scrgbClr r="0" g="0" b="0"/>
+                      </a:solidFill>
+                      <a:prstDash val="solid"/>
+                    </a:lnL>
+                    <a:lnR w="12700" cmpd="sng">
+                      <a:solidFill>
+                        <a:scrgbClr r="0" g="0" b="0"/>
+                      </a:solidFill>
+                      <a:prstDash val="solid"/>
+                    </a:lnR>
+                    <a:lnT w="12700" cmpd="sng">
+                      <a:solidFill>
+                        <a:scrgbClr r="0" g="0" b="0"/>
+                      </a:solidFill>
+                      <a:prstDash val="solid"/>
+                    </a:lnT>
+                    <a:lnB w="12700" cmpd="sng">
+                      <a:solidFill>
+                        <a:scrgbClr r="0" g="0" b="0"/>
+                      </a:solidFill>
+                      <a:prstDash val="solid"/>
+                    </a:lnB>
+                  </a:tcPr>
+                </a:tc>
+              </a:tr>
+            </a:tbl>
+          </a:graphicData>
+        </a:graphic>
+      </p:graphicFrame>
       <p:sp>
         <p:nvSpPr>
           <p:cNvPr id="2" name="Title 1"/>
@@ -5568,90 +8144,527 @@
           </p:nvPr>
         </p:nvSpPr>
         <p:spPr/>
+        <p:txBody>
+          <a:bodyPr/>
+          <a:lstStyle/>
+          <a:p>
+            <a:r>
+              <a:rPr lang="en-US" dirty="0" smtClean="0">
+                <a:solidFill>
+                  <a:srgbClr val="FF0000"/>
+                </a:solidFill>
+              </a:rPr>
+              <a:t>Transformation</a:t>
+            </a:r>
+            <a:endParaRPr lang="en-US" dirty="0">
+              <a:solidFill>
+                <a:srgbClr val="FF0000"/>
+              </a:solidFill>
+            </a:endParaRPr>
+          </a:p>
+        </p:txBody>
+      </p:sp>
+      <p:sp>
+        <p:nvSpPr>
+          <p:cNvPr id="3" name="Content Placeholder 2"/>
+          <p:cNvSpPr>
+            <a:spLocks noGrp="1"/>
+          </p:cNvSpPr>
+          <p:nvPr>
+            <p:ph idx="1"/>
+          </p:nvPr>
+        </p:nvSpPr>
+        <p:spPr>
+          <a:xfrm>
+            <a:off x="457200" y="1600200"/>
+            <a:ext cx="3938146" cy="3654591"/>
+          </a:xfrm>
+        </p:spPr>
         <p:txBody>
           <a:bodyPr>
             <a:normAutofit/>
           </a:bodyPr>
           <a:lstStyle/>
           <a:p>
-            <a:r>
-              <a:rPr lang="en-US" sz="4050" dirty="0" err="1"/>
-              <a:t>kNN</a:t>
-            </a:r>
-            <a:r>
-              <a:rPr lang="en-US" sz="4050" dirty="0"/>
-              <a:t> Recommender</a:t>
-            </a:r>
-          </a:p>
-        </p:txBody>
-      </p:sp>
-      <p:sp>
-        <p:nvSpPr>
-          <p:cNvPr id="3" name="Content Placeholder 2"/>
-          <p:cNvSpPr>
-            <a:spLocks noGrp="1"/>
-          </p:cNvSpPr>
-          <p:nvPr>
-            <p:ph idx="1"/>
-          </p:nvPr>
-        </p:nvSpPr>
+            <a:pPr marL="0" indent="0">
+              <a:buNone/>
+            </a:pPr>
+            <a:r>
+              <a:rPr lang="en-US" sz="1200" dirty="0" err="1" smtClean="0"/>
+              <a:t>longedge</a:t>
+            </a:r>
+            <a:r>
+              <a:rPr lang="en-US" sz="1200" dirty="0" smtClean="0"/>
+              <a:t> &lt;- function(</a:t>
+            </a:r>
+            <a:r>
+              <a:rPr lang="en-US" sz="1200" dirty="0" err="1" smtClean="0"/>
+              <a:t>edgelist</a:t>
+            </a:r>
+            <a:r>
+              <a:rPr lang="en-US" sz="1200" dirty="0" smtClean="0"/>
+              <a:t>){</a:t>
+            </a:r>
+          </a:p>
+          <a:p>
+            <a:pPr marL="0" indent="0">
+              <a:buNone/>
+            </a:pPr>
+            <a:r>
+              <a:rPr lang="en-US" sz="1200" dirty="0" smtClean="0"/>
+              <a:t>  user &lt;- </a:t>
+            </a:r>
+            <a:r>
+              <a:rPr lang="en-US" sz="1200" dirty="0" err="1" smtClean="0"/>
+              <a:t>edgelist$user_id</a:t>
+            </a:r>
+            <a:endParaRPr lang="en-US" sz="1200" dirty="0" smtClean="0"/>
+          </a:p>
+          <a:p>
+            <a:pPr marL="0" indent="0">
+              <a:buNone/>
+            </a:pPr>
+            <a:r>
+              <a:rPr lang="en-US" sz="1200" dirty="0" smtClean="0"/>
+              <a:t>  </a:t>
+            </a:r>
+            <a:r>
+              <a:rPr lang="en-US" sz="1200" dirty="0" err="1" smtClean="0"/>
+              <a:t>cnx</a:t>
+            </a:r>
+            <a:r>
+              <a:rPr lang="en-US" sz="1200" dirty="0" smtClean="0"/>
+              <a:t> &lt;- </a:t>
+            </a:r>
+            <a:r>
+              <a:rPr lang="en-US" sz="1200" dirty="0" err="1" smtClean="0"/>
+              <a:t>edgelist$friends</a:t>
+            </a:r>
+            <a:endParaRPr lang="en-US" sz="1200" dirty="0" smtClean="0"/>
+          </a:p>
+          <a:p>
+            <a:pPr marL="0" indent="0">
+              <a:buNone/>
+            </a:pPr>
+            <a:r>
+              <a:rPr lang="en-US" sz="1200" dirty="0" smtClean="0"/>
+              <a:t>  split &lt;- </a:t>
+            </a:r>
+            <a:r>
+              <a:rPr lang="en-US" sz="1200" dirty="0" err="1" smtClean="0"/>
+              <a:t>as.data.frame</a:t>
+            </a:r>
+            <a:r>
+              <a:rPr lang="en-US" sz="1200" dirty="0" smtClean="0"/>
+              <a:t>(</a:t>
+            </a:r>
+            <a:r>
+              <a:rPr lang="en-US" sz="1200" dirty="0" err="1" smtClean="0"/>
+              <a:t>ifelse</a:t>
+            </a:r>
+            <a:r>
+              <a:rPr lang="en-US" sz="1200" dirty="0" smtClean="0"/>
+              <a:t>(</a:t>
+            </a:r>
+            <a:r>
+              <a:rPr lang="en-US" sz="1200" dirty="0" err="1" smtClean="0"/>
+              <a:t>cnx</a:t>
+            </a:r>
+            <a:r>
+              <a:rPr lang="en-US" sz="1200" dirty="0" smtClean="0"/>
+              <a:t>=="",</a:t>
+            </a:r>
+            <a:r>
+              <a:rPr lang="en-US" sz="1200" dirty="0" err="1" smtClean="0"/>
+              <a:t>NA,str_split</a:t>
+            </a:r>
+            <a:r>
+              <a:rPr lang="en-US" sz="1200" dirty="0" smtClean="0"/>
+              <a:t>(</a:t>
+            </a:r>
+            <a:r>
+              <a:rPr lang="en-US" sz="1200" dirty="0" err="1" smtClean="0"/>
+              <a:t>cnx</a:t>
+            </a:r>
+            <a:r>
+              <a:rPr lang="en-US" sz="1200" dirty="0" smtClean="0"/>
+              <a:t>,", ")))</a:t>
+            </a:r>
+          </a:p>
+          <a:p>
+            <a:pPr marL="0" indent="0">
+              <a:buNone/>
+            </a:pPr>
+            <a:r>
+              <a:rPr lang="en-US" sz="1200" dirty="0" smtClean="0"/>
+              <a:t>  combine &lt;- </a:t>
+            </a:r>
+            <a:r>
+              <a:rPr lang="en-US" sz="1200" dirty="0" err="1" smtClean="0"/>
+              <a:t>as.data.frame</a:t>
+            </a:r>
+            <a:r>
+              <a:rPr lang="en-US" sz="1200" dirty="0" smtClean="0"/>
+              <a:t>(</a:t>
+            </a:r>
+            <a:r>
+              <a:rPr lang="en-US" sz="1200" dirty="0" err="1" smtClean="0"/>
+              <a:t>cbind</a:t>
+            </a:r>
+            <a:r>
+              <a:rPr lang="en-US" sz="1200" dirty="0" smtClean="0"/>
+              <a:t>(</a:t>
+            </a:r>
+            <a:r>
+              <a:rPr lang="en-US" sz="1200" dirty="0" err="1" smtClean="0"/>
+              <a:t>user,split</a:t>
+            </a:r>
+            <a:r>
+              <a:rPr lang="en-US" sz="1200" dirty="0" smtClean="0"/>
+              <a:t>))</a:t>
+            </a:r>
+          </a:p>
+          <a:p>
+            <a:pPr marL="0" indent="0">
+              <a:buNone/>
+            </a:pPr>
+            <a:r>
+              <a:rPr lang="en-US" sz="1200" dirty="0" smtClean="0"/>
+              <a:t>  </a:t>
+            </a:r>
+            <a:r>
+              <a:rPr lang="en-US" sz="1200" dirty="0" err="1" smtClean="0"/>
+              <a:t>colnames</a:t>
+            </a:r>
+            <a:r>
+              <a:rPr lang="en-US" sz="1200" dirty="0" smtClean="0"/>
+              <a:t>(combine) &lt;- c("</a:t>
+            </a:r>
+            <a:r>
+              <a:rPr lang="en-US" sz="1200" dirty="0" err="1" smtClean="0"/>
+              <a:t>user_id</a:t>
+            </a:r>
+            <a:r>
+              <a:rPr lang="en-US" sz="1200" dirty="0" smtClean="0"/>
+              <a:t>", "friend")</a:t>
+            </a:r>
+          </a:p>
+          <a:p>
+            <a:pPr marL="0" indent="0">
+              <a:buNone/>
+            </a:pPr>
+            <a:r>
+              <a:rPr lang="en-US" sz="1200" dirty="0" smtClean="0"/>
+              <a:t>  </a:t>
+            </a:r>
+            <a:r>
+              <a:rPr lang="en-US" sz="1200" dirty="0" err="1" smtClean="0"/>
+              <a:t>combine$user_id</a:t>
+            </a:r>
+            <a:r>
+              <a:rPr lang="en-US" sz="1200" dirty="0" smtClean="0"/>
+              <a:t> &lt;- </a:t>
+            </a:r>
+            <a:r>
+              <a:rPr lang="en-US" sz="1200" dirty="0" err="1" smtClean="0"/>
+              <a:t>as.character</a:t>
+            </a:r>
+            <a:r>
+              <a:rPr lang="en-US" sz="1200" dirty="0" smtClean="0"/>
+              <a:t>(</a:t>
+            </a:r>
+            <a:r>
+              <a:rPr lang="en-US" sz="1200" dirty="0" err="1" smtClean="0"/>
+              <a:t>combine$user_id</a:t>
+            </a:r>
+            <a:r>
+              <a:rPr lang="en-US" sz="1200" dirty="0" smtClean="0"/>
+              <a:t>)</a:t>
+            </a:r>
+          </a:p>
+          <a:p>
+            <a:pPr marL="0" indent="0">
+              <a:buNone/>
+            </a:pPr>
+            <a:r>
+              <a:rPr lang="en-US" sz="1200" dirty="0" smtClean="0"/>
+              <a:t>  </a:t>
+            </a:r>
+            <a:r>
+              <a:rPr lang="en-US" sz="1200" dirty="0" err="1" smtClean="0"/>
+              <a:t>combine$friend</a:t>
+            </a:r>
+            <a:r>
+              <a:rPr lang="en-US" sz="1200" dirty="0" smtClean="0"/>
+              <a:t> &lt;- </a:t>
+            </a:r>
+            <a:r>
+              <a:rPr lang="en-US" sz="1200" dirty="0" err="1" smtClean="0"/>
+              <a:t>as.character</a:t>
+            </a:r>
+            <a:r>
+              <a:rPr lang="en-US" sz="1200" dirty="0" smtClean="0"/>
+              <a:t>(</a:t>
+            </a:r>
+            <a:r>
+              <a:rPr lang="en-US" sz="1200" dirty="0" err="1" smtClean="0"/>
+              <a:t>combine$friend</a:t>
+            </a:r>
+            <a:r>
+              <a:rPr lang="en-US" sz="1200" dirty="0" smtClean="0"/>
+              <a:t>)</a:t>
+            </a:r>
+          </a:p>
+          <a:p>
+            <a:pPr marL="0" indent="0">
+              <a:buNone/>
+            </a:pPr>
+            <a:r>
+              <a:rPr lang="en-US" sz="1200" dirty="0" smtClean="0"/>
+              <a:t>  return(combine)</a:t>
+            </a:r>
+          </a:p>
+          <a:p>
+            <a:pPr marL="0" indent="0">
+              <a:buNone/>
+            </a:pPr>
+            <a:r>
+              <a:rPr lang="en-US" sz="1200" dirty="0" smtClean="0"/>
+              <a:t>}</a:t>
+            </a:r>
+          </a:p>
+          <a:p>
+            <a:pPr marL="0" indent="0">
+              <a:buNone/>
+            </a:pPr>
+            <a:endParaRPr lang="en-US" sz="1200" dirty="0" smtClean="0"/>
+          </a:p>
+          <a:p>
+            <a:pPr marL="0" indent="0">
+              <a:buNone/>
+            </a:pPr>
+            <a:r>
+              <a:rPr lang="en-US" sz="1200" dirty="0" smtClean="0"/>
+              <a:t># Creating long </a:t>
+            </a:r>
+            <a:r>
+              <a:rPr lang="en-US" sz="1200" dirty="0" err="1" smtClean="0"/>
+              <a:t>edgelist</a:t>
+            </a:r>
+            <a:endParaRPr lang="en-US" sz="1200" dirty="0" smtClean="0"/>
+          </a:p>
+          <a:p>
+            <a:pPr marL="0" indent="0">
+              <a:buNone/>
+            </a:pPr>
+            <a:r>
+              <a:rPr lang="en-US" sz="1200" dirty="0" err="1" smtClean="0"/>
+              <a:t>az.edgelist</a:t>
+            </a:r>
+            <a:r>
+              <a:rPr lang="en-US" sz="1200" dirty="0" smtClean="0"/>
+              <a:t> &lt;- social_1 %&gt;%</a:t>
+            </a:r>
+          </a:p>
+          <a:p>
+            <a:pPr marL="0" indent="0">
+              <a:buNone/>
+            </a:pPr>
+            <a:r>
+              <a:rPr lang="en-US" sz="1200" dirty="0" smtClean="0"/>
+              <a:t>  </a:t>
+            </a:r>
+            <a:r>
+              <a:rPr lang="en-US" sz="1200" dirty="0" err="1" smtClean="0"/>
+              <a:t>rowwise</a:t>
+            </a:r>
+            <a:r>
+              <a:rPr lang="en-US" sz="1200" dirty="0" smtClean="0"/>
+              <a:t>() %&gt;%</a:t>
+            </a:r>
+          </a:p>
+          <a:p>
+            <a:pPr marL="0" indent="0">
+              <a:buNone/>
+            </a:pPr>
+            <a:r>
+              <a:rPr lang="en-US" sz="1200" dirty="0" smtClean="0"/>
+              <a:t>  do(</a:t>
+            </a:r>
+            <a:r>
+              <a:rPr lang="en-US" sz="1200" dirty="0" err="1" smtClean="0"/>
+              <a:t>longedge</a:t>
+            </a:r>
+            <a:r>
+              <a:rPr lang="en-US" sz="1200" dirty="0" smtClean="0"/>
+              <a:t>(.)) %&gt;%</a:t>
+            </a:r>
+          </a:p>
+          <a:p>
+            <a:pPr marL="0" indent="0">
+              <a:buNone/>
+            </a:pPr>
+            <a:r>
+              <a:rPr lang="en-US" sz="1200" dirty="0" smtClean="0"/>
+              <a:t>  </a:t>
+            </a:r>
+            <a:r>
+              <a:rPr lang="en-US" sz="1200" dirty="0" err="1" smtClean="0"/>
+              <a:t>rbind</a:t>
+            </a:r>
+            <a:r>
+              <a:rPr lang="en-US" sz="1200" dirty="0" smtClean="0"/>
+              <a:t>()</a:t>
+            </a:r>
+            <a:endParaRPr lang="en-US" sz="1200" dirty="0"/>
+          </a:p>
+        </p:txBody>
+      </p:sp>
+      <p:pic>
+        <p:nvPicPr>
+          <p:cNvPr id="7" name="Picture 6"/>
+          <p:cNvPicPr>
+            <a:picLocks noChangeAspect="1"/>
+          </p:cNvPicPr>
+          <p:nvPr/>
+        </p:nvPicPr>
+        <p:blipFill>
+          <a:blip r:embed="rId2"/>
+          <a:stretch>
+            <a:fillRect/>
+          </a:stretch>
+        </p:blipFill>
         <p:spPr>
           <a:xfrm>
-            <a:off x="628650" y="2721467"/>
-            <a:ext cx="7886700" cy="2768505"/>
+            <a:off x="4864523" y="1612652"/>
+            <a:ext cx="3822277" cy="3642139"/>
           </a:xfrm>
+          <a:prstGeom prst="rect">
+            <a:avLst/>
+          </a:prstGeom>
         </p:spPr>
+      </p:pic>
+      <p:graphicFrame>
+        <p:nvGraphicFramePr>
+          <p:cNvPr id="9" name="Table 8"/>
+          <p:cNvGraphicFramePr>
+            <a:graphicFrameLocks noGrp="1"/>
+          </p:cNvGraphicFramePr>
+          <p:nvPr>
+            <p:extLst>
+              <p:ext uri="{D42A27DB-BD31-4B8C-83A1-F6EECF244321}">
+                <p14:modId xmlns:p14="http://schemas.microsoft.com/office/powerpoint/2010/main" val="3210468082"/>
+              </p:ext>
+            </p:extLst>
+          </p:nvPr>
+        </p:nvGraphicFramePr>
+        <p:xfrm>
+          <a:off x="4829848" y="1593870"/>
+          <a:ext cx="3847484" cy="3648469"/>
+        </p:xfrm>
+        <a:graphic>
+          <a:graphicData uri="http://schemas.openxmlformats.org/drawingml/2006/table">
+            <a:tbl>
+              <a:tblPr/>
+              <a:tblGrid>
+                <a:gridCol w="3847484"/>
+              </a:tblGrid>
+              <a:tr h="3648469">
+                <a:tc>
+                  <a:txBody>
+                    <a:bodyPr/>
+                    <a:lstStyle/>
+                    <a:p>
+                      <a:endParaRPr lang="en-US" dirty="0"/>
+                    </a:p>
+                  </a:txBody>
+                  <a:tcPr>
+                    <a:lnL w="12700" cmpd="sng">
+                      <a:solidFill>
+                        <a:scrgbClr r="0" g="0" b="0"/>
+                      </a:solidFill>
+                      <a:prstDash val="solid"/>
+                    </a:lnL>
+                    <a:lnR w="12700" cmpd="sng">
+                      <a:solidFill>
+                        <a:scrgbClr r="0" g="0" b="0"/>
+                      </a:solidFill>
+                      <a:prstDash val="solid"/>
+                    </a:lnR>
+                    <a:lnT w="12700" cmpd="sng">
+                      <a:solidFill>
+                        <a:scrgbClr r="0" g="0" b="0"/>
+                      </a:solidFill>
+                      <a:prstDash val="solid"/>
+                    </a:lnT>
+                    <a:lnB w="12700" cmpd="sng">
+                      <a:solidFill>
+                        <a:scrgbClr r="0" g="0" b="0"/>
+                      </a:solidFill>
+                      <a:prstDash val="solid"/>
+                    </a:lnB>
+                  </a:tcPr>
+                </a:tc>
+              </a:tr>
+            </a:tbl>
+          </a:graphicData>
+        </a:graphic>
+      </p:graphicFrame>
+      <p:sp>
+        <p:nvSpPr>
+          <p:cNvPr id="5" name="Striped Right Arrow 4"/>
+          <p:cNvSpPr/>
+          <p:nvPr/>
+        </p:nvSpPr>
+        <p:spPr>
+          <a:xfrm>
+            <a:off x="4021218" y="2689096"/>
+            <a:ext cx="1046503" cy="1544622"/>
+          </a:xfrm>
+          <a:prstGeom prst="stripedRightArrow">
+            <a:avLst/>
+          </a:prstGeom>
+          <a:ln/>
+        </p:spPr>
+        <p:style>
+          <a:lnRef idx="1">
+            <a:schemeClr val="accent2"/>
+          </a:lnRef>
+          <a:fillRef idx="3">
+            <a:schemeClr val="accent2"/>
+          </a:fillRef>
+          <a:effectRef idx="2">
+            <a:schemeClr val="accent2"/>
+          </a:effectRef>
+          <a:fontRef idx="minor">
+            <a:schemeClr val="lt1"/>
+          </a:fontRef>
+        </p:style>
         <p:txBody>
           <a:bodyPr/>
           <a:lstStyle/>
           <a:p>
-            <a:pPr marL="0" indent="0" algn="ctr">
-              <a:buNone/>
-            </a:pPr>
-            <a:r>
-              <a:rPr lang="en-US" sz="3000" dirty="0"/>
-              <a:t>Each </a:t>
-            </a:r>
-            <a:r>
-              <a:rPr lang="en-US" sz="3000" dirty="0"/>
-              <a:t>unobserved rating is predicted as the </a:t>
-            </a:r>
-            <a:r>
-              <a:rPr lang="en-US" sz="3000" dirty="0">
-                <a:solidFill>
-                  <a:srgbClr val="C00000"/>
-                </a:solidFill>
-              </a:rPr>
-              <a:t>(weighted)</a:t>
-            </a:r>
-            <a:r>
-              <a:rPr lang="en-US" sz="3000" dirty="0"/>
-              <a:t> average of the </a:t>
-            </a:r>
-            <a:r>
-              <a:rPr lang="en-US" sz="3000" i="1" dirty="0"/>
-              <a:t>k</a:t>
-            </a:r>
-            <a:r>
-              <a:rPr lang="en-US" sz="3000" dirty="0"/>
-              <a:t> nearest neighbors (using Euclidean distance)</a:t>
-            </a:r>
-          </a:p>
-          <a:p>
-            <a:endParaRPr lang="en-US" dirty="0"/>
+            <a:endParaRPr lang="en-US"/>
           </a:p>
         </p:txBody>
       </p:sp>
     </p:spTree>
     <p:extLst>
       <p:ext uri="{BB962C8B-B14F-4D97-AF65-F5344CB8AC3E}">
-        <p14:creationId xmlns:p14="http://schemas.microsoft.com/office/powerpoint/2010/main" val="1171659426"/>
+        <p14:creationId xmlns:p14="http://schemas.microsoft.com/office/powerpoint/2010/main" val="2080838348"/>
       </p:ext>
     </p:extLst>
   </p:cSld>
   <p:clrMapOvr>
     <a:masterClrMapping/>
   </p:clrMapOvr>
+  <p:timing>
+    <p:tnLst>
+      <p:par>
+        <p:cTn xmlns:p14="http://schemas.microsoft.com/office/powerpoint/2010/main" id="1" dur="indefinite" restart="never" nodeType="tmRoot"/>
+      </p:par>
+    </p:tnLst>
+  </p:timing>
 </p:sld>
 </file>
 
@@ -5983,7 +8996,7 @@
     </a:clrScheme>
     <a:fontScheme name="Office">
       <a:majorFont>
-        <a:latin typeface="Calibri Light" panose="020F0302020204030204"/>
+        <a:latin typeface="Calibri Light"/>
         <a:ea typeface=""/>
         <a:cs typeface=""/>
         <a:font script="Jpan" typeface="ＭＳ Ｐゴシック"/>
@@ -6018,7 +9031,7 @@
         <a:font script="Geor" typeface="Sylfaen"/>
       </a:majorFont>
       <a:minorFont>
-        <a:latin typeface="Calibri" panose="020F0502020204030204"/>
+        <a:latin typeface="Calibri"/>
         <a:ea typeface=""/>
         <a:cs typeface=""/>
         <a:font script="Jpan" typeface="ＭＳ Ｐゴシック"/>
@@ -6195,7 +9208,7 @@
   <a:extraClrSchemeLst/>
   <a:extLst>
     <a:ext uri="{05A4C25C-085E-4340-85A3-A5531E510DB2}">
-      <thm15:themeFamily xmlns:thm15="http://schemas.microsoft.com/office/thememl/2012/main" name="Office Theme" id="{62F939B6-93AF-4DB8-9C6B-D6C7DFDC589F}" vid="{4A3C46E8-61CC-4603-A589-7422A47A8E4A}"/>
+      <thm15:themeFamily xmlns:thm15="http://schemas.microsoft.com/office/thememl/2012/main" xmlns="" name="Office Theme" id="{62F939B6-93AF-4DB8-9C6B-D6C7DFDC589F}" vid="{4A3C46E8-61CC-4603-A589-7422A47A8E4A}"/>
     </a:ext>
   </a:extLst>
 </a:theme>

--- a/Conan_Jeff_Presentation.pptx
+++ b/Conan_Jeff_Presentation.pptx
@@ -5,32 +5,33 @@
     <p:sldMasterId id="2147483648" r:id="rId1"/>
   </p:sldMasterIdLst>
   <p:notesMasterIdLst>
-    <p:notesMasterId r:id="rId25"/>
+    <p:notesMasterId r:id="rId26"/>
   </p:notesMasterIdLst>
   <p:sldIdLst>
-    <p:sldId id="264" r:id="rId2"/>
-    <p:sldId id="258" r:id="rId3"/>
-    <p:sldId id="259" r:id="rId4"/>
-    <p:sldId id="263" r:id="rId5"/>
-    <p:sldId id="262" r:id="rId6"/>
-    <p:sldId id="260" r:id="rId7"/>
-    <p:sldId id="277" r:id="rId8"/>
-    <p:sldId id="278" r:id="rId9"/>
-    <p:sldId id="279" r:id="rId10"/>
-    <p:sldId id="280" r:id="rId11"/>
-    <p:sldId id="273" r:id="rId12"/>
-    <p:sldId id="274" r:id="rId13"/>
-    <p:sldId id="275" r:id="rId14"/>
-    <p:sldId id="276" r:id="rId15"/>
-    <p:sldId id="281" r:id="rId16"/>
-    <p:sldId id="265" r:id="rId17"/>
-    <p:sldId id="266" r:id="rId18"/>
-    <p:sldId id="267" r:id="rId19"/>
-    <p:sldId id="268" r:id="rId20"/>
-    <p:sldId id="269" r:id="rId21"/>
-    <p:sldId id="270" r:id="rId22"/>
-    <p:sldId id="271" r:id="rId23"/>
-    <p:sldId id="272" r:id="rId24"/>
+    <p:sldId id="282" r:id="rId2"/>
+    <p:sldId id="264" r:id="rId3"/>
+    <p:sldId id="258" r:id="rId4"/>
+    <p:sldId id="259" r:id="rId5"/>
+    <p:sldId id="263" r:id="rId6"/>
+    <p:sldId id="262" r:id="rId7"/>
+    <p:sldId id="260" r:id="rId8"/>
+    <p:sldId id="277" r:id="rId9"/>
+    <p:sldId id="278" r:id="rId10"/>
+    <p:sldId id="279" r:id="rId11"/>
+    <p:sldId id="280" r:id="rId12"/>
+    <p:sldId id="273" r:id="rId13"/>
+    <p:sldId id="274" r:id="rId14"/>
+    <p:sldId id="275" r:id="rId15"/>
+    <p:sldId id="276" r:id="rId16"/>
+    <p:sldId id="281" r:id="rId17"/>
+    <p:sldId id="265" r:id="rId18"/>
+    <p:sldId id="266" r:id="rId19"/>
+    <p:sldId id="267" r:id="rId20"/>
+    <p:sldId id="268" r:id="rId21"/>
+    <p:sldId id="269" r:id="rId22"/>
+    <p:sldId id="270" r:id="rId23"/>
+    <p:sldId id="271" r:id="rId24"/>
+    <p:sldId id="272" r:id="rId25"/>
   </p:sldIdLst>
   <p:sldSz cx="9144000" cy="6858000" type="screen4x3"/>
   <p:notesSz cx="6858000" cy="9144000"/>
@@ -131,7 +132,7 @@
   </p:defaultTextStyle>
   <p:extLst>
     <p:ext uri="{EFAFB233-063F-42B5-8137-9DF3F51BA10A}">
-      <p15:sldGuideLst xmlns:p15="http://schemas.microsoft.com/office/powerpoint/2012/main" xmlns="">
+      <p15:sldGuideLst xmlns="" xmlns:p15="http://schemas.microsoft.com/office/powerpoint/2012/main">
         <p15:guide id="1" orient="horz" pos="2160">
           <p15:clr>
             <a:srgbClr val="A4A3A4"/>
@@ -230,7 +231,7 @@
           <a:p>
             <a:fld id="{CCD3860B-93F4-41AB-B5C2-87CD1EFD6ABD}" type="datetimeFigureOut">
               <a:rPr lang="en-US" smtClean="0"/>
-              <a:t>5/14/15</a:t>
+              <a:t>5/15/15</a:t>
             </a:fld>
             <a:endParaRPr lang="en-US"/>
           </a:p>
@@ -643,7 +644,7 @@
           <a:p>
             <a:fld id="{F446220B-379B-405B-A783-5F293EF1AFFE}" type="slidenum">
               <a:rPr lang="en-US" smtClean="0"/>
-              <a:t>1</a:t>
+              <a:t>2</a:t>
             </a:fld>
             <a:endParaRPr lang="en-US"/>
           </a:p>
@@ -786,7 +787,7 @@
           <a:p>
             <a:fld id="{F446220B-379B-405B-A783-5F293EF1AFFE}" type="slidenum">
               <a:rPr lang="en-US" smtClean="0"/>
-              <a:t>2</a:t>
+              <a:t>3</a:t>
             </a:fld>
             <a:endParaRPr lang="en-US"/>
           </a:p>
@@ -885,7 +886,7 @@
           <a:p>
             <a:fld id="{F446220B-379B-405B-A783-5F293EF1AFFE}" type="slidenum">
               <a:rPr lang="en-US" smtClean="0"/>
-              <a:t>3</a:t>
+              <a:t>4</a:t>
             </a:fld>
             <a:endParaRPr lang="en-US"/>
           </a:p>
@@ -981,7 +982,7 @@
           <a:p>
             <a:fld id="{F446220B-379B-405B-A783-5F293EF1AFFE}" type="slidenum">
               <a:rPr lang="en-US" smtClean="0"/>
-              <a:t>4</a:t>
+              <a:t>5</a:t>
             </a:fld>
             <a:endParaRPr lang="en-US"/>
           </a:p>
@@ -1089,7 +1090,7 @@
           <a:p>
             <a:fld id="{F446220B-379B-405B-A783-5F293EF1AFFE}" type="slidenum">
               <a:rPr lang="en-US" smtClean="0"/>
-              <a:t>5</a:t>
+              <a:t>6</a:t>
             </a:fld>
             <a:endParaRPr lang="en-US"/>
           </a:p>
@@ -1206,7 +1207,7 @@
           <a:p>
             <a:fld id="{F446220B-379B-405B-A783-5F293EF1AFFE}" type="slidenum">
               <a:rPr lang="en-US" smtClean="0"/>
-              <a:t>6</a:t>
+              <a:t>7</a:t>
             </a:fld>
             <a:endParaRPr lang="en-US"/>
           </a:p>
@@ -1406,7 +1407,7 @@
           <a:p>
             <a:fld id="{6F5A97A8-1B8A-4C42-99D0-400448E7C1C6}" type="datetimeFigureOut">
               <a:rPr lang="en-US" smtClean="0"/>
-              <a:t>5/14/15</a:t>
+              <a:t>5/15/15</a:t>
             </a:fld>
             <a:endParaRPr lang="en-US"/>
           </a:p>
@@ -1576,7 +1577,7 @@
           <a:p>
             <a:fld id="{6F5A97A8-1B8A-4C42-99D0-400448E7C1C6}" type="datetimeFigureOut">
               <a:rPr lang="en-US" smtClean="0"/>
-              <a:t>5/14/15</a:t>
+              <a:t>5/15/15</a:t>
             </a:fld>
             <a:endParaRPr lang="en-US"/>
           </a:p>
@@ -1756,7 +1757,7 @@
           <a:p>
             <a:fld id="{6F5A97A8-1B8A-4C42-99D0-400448E7C1C6}" type="datetimeFigureOut">
               <a:rPr lang="en-US" smtClean="0"/>
-              <a:t>5/14/15</a:t>
+              <a:t>5/15/15</a:t>
             </a:fld>
             <a:endParaRPr lang="en-US"/>
           </a:p>
@@ -1926,7 +1927,7 @@
           <a:p>
             <a:fld id="{6F5A97A8-1B8A-4C42-99D0-400448E7C1C6}" type="datetimeFigureOut">
               <a:rPr lang="en-US" smtClean="0"/>
-              <a:t>5/14/15</a:t>
+              <a:t>5/15/15</a:t>
             </a:fld>
             <a:endParaRPr lang="en-US"/>
           </a:p>
@@ -2172,7 +2173,7 @@
           <a:p>
             <a:fld id="{6F5A97A8-1B8A-4C42-99D0-400448E7C1C6}" type="datetimeFigureOut">
               <a:rPr lang="en-US" smtClean="0"/>
-              <a:t>5/14/15</a:t>
+              <a:t>5/15/15</a:t>
             </a:fld>
             <a:endParaRPr lang="en-US"/>
           </a:p>
@@ -2460,7 +2461,7 @@
           <a:p>
             <a:fld id="{6F5A97A8-1B8A-4C42-99D0-400448E7C1C6}" type="datetimeFigureOut">
               <a:rPr lang="en-US" smtClean="0"/>
-              <a:t>5/14/15</a:t>
+              <a:t>5/15/15</a:t>
             </a:fld>
             <a:endParaRPr lang="en-US"/>
           </a:p>
@@ -2882,7 +2883,7 @@
           <a:p>
             <a:fld id="{6F5A97A8-1B8A-4C42-99D0-400448E7C1C6}" type="datetimeFigureOut">
               <a:rPr lang="en-US" smtClean="0"/>
-              <a:t>5/14/15</a:t>
+              <a:t>5/15/15</a:t>
             </a:fld>
             <a:endParaRPr lang="en-US"/>
           </a:p>
@@ -3000,7 +3001,7 @@
           <a:p>
             <a:fld id="{6F5A97A8-1B8A-4C42-99D0-400448E7C1C6}" type="datetimeFigureOut">
               <a:rPr lang="en-US" smtClean="0"/>
-              <a:t>5/14/15</a:t>
+              <a:t>5/15/15</a:t>
             </a:fld>
             <a:endParaRPr lang="en-US"/>
           </a:p>
@@ -3095,7 +3096,7 @@
           <a:p>
             <a:fld id="{6F5A97A8-1B8A-4C42-99D0-400448E7C1C6}" type="datetimeFigureOut">
               <a:rPr lang="en-US" smtClean="0"/>
-              <a:t>5/14/15</a:t>
+              <a:t>5/15/15</a:t>
             </a:fld>
             <a:endParaRPr lang="en-US"/>
           </a:p>
@@ -3372,7 +3373,7 @@
           <a:p>
             <a:fld id="{6F5A97A8-1B8A-4C42-99D0-400448E7C1C6}" type="datetimeFigureOut">
               <a:rPr lang="en-US" smtClean="0"/>
-              <a:t>5/14/15</a:t>
+              <a:t>5/15/15</a:t>
             </a:fld>
             <a:endParaRPr lang="en-US"/>
           </a:p>
@@ -3625,7 +3626,7 @@
           <a:p>
             <a:fld id="{6F5A97A8-1B8A-4C42-99D0-400448E7C1C6}" type="datetimeFigureOut">
               <a:rPr lang="en-US" smtClean="0"/>
-              <a:t>5/14/15</a:t>
+              <a:t>5/15/15</a:t>
             </a:fld>
             <a:endParaRPr lang="en-US"/>
           </a:p>
@@ -3838,7 +3839,7 @@
           <a:p>
             <a:fld id="{6F5A97A8-1B8A-4C42-99D0-400448E7C1C6}" type="datetimeFigureOut">
               <a:rPr lang="en-US" smtClean="0"/>
-              <a:t>5/14/15</a:t>
+              <a:t>5/15/15</a:t>
             </a:fld>
             <a:endParaRPr lang="en-US"/>
           </a:p>
@@ -4220,6 +4221,3314 @@
             <a:spLocks noGrp="1"/>
           </p:cNvSpPr>
           <p:nvPr>
+            <p:ph type="ctrTitle"/>
+          </p:nvPr>
+        </p:nvSpPr>
+        <p:spPr/>
+        <p:txBody>
+          <a:bodyPr/>
+          <a:lstStyle/>
+          <a:p>
+            <a:r>
+              <a:rPr lang="en-US" dirty="0" smtClean="0"/>
+              <a:t>Yelp: Friendships and Recommendations</a:t>
+            </a:r>
+            <a:endParaRPr lang="en-US" dirty="0"/>
+          </a:p>
+        </p:txBody>
+      </p:sp>
+      <p:sp>
+        <p:nvSpPr>
+          <p:cNvPr id="3" name="Subtitle 2"/>
+          <p:cNvSpPr>
+            <a:spLocks noGrp="1"/>
+          </p:cNvSpPr>
+          <p:nvPr>
+            <p:ph type="subTitle" idx="1"/>
+          </p:nvPr>
+        </p:nvSpPr>
+        <p:spPr/>
+        <p:txBody>
+          <a:bodyPr/>
+          <a:lstStyle/>
+          <a:p>
+            <a:r>
+              <a:rPr lang="en-US" dirty="0" smtClean="0"/>
+              <a:t>Presented By: </a:t>
+            </a:r>
+          </a:p>
+          <a:p>
+            <a:r>
+              <a:rPr lang="en-US" dirty="0" smtClean="0"/>
+              <a:t>Jeff, Conan, and Jonathan</a:t>
+            </a:r>
+            <a:endParaRPr lang="en-US" dirty="0"/>
+          </a:p>
+        </p:txBody>
+      </p:sp>
+    </p:spTree>
+    <p:extLst>
+      <p:ext uri="{BB962C8B-B14F-4D97-AF65-F5344CB8AC3E}">
+        <p14:creationId xmlns:p14="http://schemas.microsoft.com/office/powerpoint/2010/main" val="4277196111"/>
+      </p:ext>
+    </p:extLst>
+  </p:cSld>
+  <p:clrMapOvr>
+    <a:masterClrMapping/>
+  </p:clrMapOvr>
+  <p:timing>
+    <p:tnLst>
+      <p:par>
+        <p:cTn xmlns:p14="http://schemas.microsoft.com/office/powerpoint/2010/main" id="1" dur="indefinite" restart="never" nodeType="tmRoot"/>
+      </p:par>
+    </p:tnLst>
+  </p:timing>
+</p:sld>
+</file>
+
+<file path=ppt/slides/slide10.xml><?xml version="1.0" encoding="utf-8"?>
+<p:sld xmlns:a="http://schemas.openxmlformats.org/drawingml/2006/main" xmlns:r="http://schemas.openxmlformats.org/officeDocument/2006/relationships" xmlns:p="http://schemas.openxmlformats.org/presentationml/2006/main">
+  <p:cSld>
+    <p:spTree>
+      <p:nvGrpSpPr>
+        <p:cNvPr id="1" name=""/>
+        <p:cNvGrpSpPr/>
+        <p:nvPr/>
+      </p:nvGrpSpPr>
+      <p:grpSpPr>
+        <a:xfrm>
+          <a:off x="0" y="0"/>
+          <a:ext cx="0" cy="0"/>
+          <a:chOff x="0" y="0"/>
+          <a:chExt cx="0" cy="0"/>
+        </a:xfrm>
+      </p:grpSpPr>
+      <p:graphicFrame>
+        <p:nvGraphicFramePr>
+          <p:cNvPr id="8" name="Table 7"/>
+          <p:cNvGraphicFramePr>
+            <a:graphicFrameLocks noGrp="1"/>
+          </p:cNvGraphicFramePr>
+          <p:nvPr>
+            <p:extLst>
+              <p:ext uri="{D42A27DB-BD31-4B8C-83A1-F6EECF244321}">
+                <p14:modId xmlns:p14="http://schemas.microsoft.com/office/powerpoint/2010/main" val="2630716927"/>
+              </p:ext>
+            </p:extLst>
+          </p:nvPr>
+        </p:nvGraphicFramePr>
+        <p:xfrm>
+          <a:off x="485605" y="1593870"/>
+          <a:ext cx="3847484" cy="3648469"/>
+        </p:xfrm>
+        <a:graphic>
+          <a:graphicData uri="http://schemas.openxmlformats.org/drawingml/2006/table">
+            <a:tbl>
+              <a:tblPr/>
+              <a:tblGrid>
+                <a:gridCol w="3847484"/>
+              </a:tblGrid>
+              <a:tr h="3648469">
+                <a:tc>
+                  <a:txBody>
+                    <a:bodyPr/>
+                    <a:lstStyle/>
+                    <a:p>
+                      <a:endParaRPr lang="en-US" dirty="0"/>
+                    </a:p>
+                  </a:txBody>
+                  <a:tcPr>
+                    <a:lnL w="12700" cmpd="sng">
+                      <a:solidFill>
+                        <a:scrgbClr r="0" g="0" b="0"/>
+                      </a:solidFill>
+                      <a:prstDash val="solid"/>
+                    </a:lnL>
+                    <a:lnR w="12700" cmpd="sng">
+                      <a:solidFill>
+                        <a:scrgbClr r="0" g="0" b="0"/>
+                      </a:solidFill>
+                      <a:prstDash val="solid"/>
+                    </a:lnR>
+                    <a:lnT w="12700" cmpd="sng">
+                      <a:solidFill>
+                        <a:scrgbClr r="0" g="0" b="0"/>
+                      </a:solidFill>
+                      <a:prstDash val="solid"/>
+                    </a:lnT>
+                    <a:lnB w="12700" cmpd="sng">
+                      <a:solidFill>
+                        <a:scrgbClr r="0" g="0" b="0"/>
+                      </a:solidFill>
+                      <a:prstDash val="solid"/>
+                    </a:lnB>
+                  </a:tcPr>
+                </a:tc>
+              </a:tr>
+            </a:tbl>
+          </a:graphicData>
+        </a:graphic>
+      </p:graphicFrame>
+      <p:sp>
+        <p:nvSpPr>
+          <p:cNvPr id="2" name="Title 1"/>
+          <p:cNvSpPr>
+            <a:spLocks noGrp="1"/>
+          </p:cNvSpPr>
+          <p:nvPr>
+            <p:ph type="title"/>
+          </p:nvPr>
+        </p:nvSpPr>
+        <p:spPr/>
+        <p:txBody>
+          <a:bodyPr/>
+          <a:lstStyle/>
+          <a:p>
+            <a:r>
+              <a:rPr lang="en-US" dirty="0" smtClean="0">
+                <a:solidFill>
+                  <a:srgbClr val="FF0000"/>
+                </a:solidFill>
+              </a:rPr>
+              <a:t>Transformation</a:t>
+            </a:r>
+            <a:endParaRPr lang="en-US" dirty="0">
+              <a:solidFill>
+                <a:srgbClr val="FF0000"/>
+              </a:solidFill>
+            </a:endParaRPr>
+          </a:p>
+        </p:txBody>
+      </p:sp>
+      <p:sp>
+        <p:nvSpPr>
+          <p:cNvPr id="3" name="Content Placeholder 2"/>
+          <p:cNvSpPr>
+            <a:spLocks noGrp="1"/>
+          </p:cNvSpPr>
+          <p:nvPr>
+            <p:ph idx="1"/>
+          </p:nvPr>
+        </p:nvSpPr>
+        <p:spPr>
+          <a:xfrm>
+            <a:off x="457200" y="1600200"/>
+            <a:ext cx="3938146" cy="3654591"/>
+          </a:xfrm>
+        </p:spPr>
+        <p:txBody>
+          <a:bodyPr>
+            <a:normAutofit/>
+          </a:bodyPr>
+          <a:lstStyle/>
+          <a:p>
+            <a:pPr marL="0" indent="0">
+              <a:buNone/>
+            </a:pPr>
+            <a:r>
+              <a:rPr lang="en-US" sz="1200" dirty="0" err="1" smtClean="0"/>
+              <a:t>longedge</a:t>
+            </a:r>
+            <a:r>
+              <a:rPr lang="en-US" sz="1200" dirty="0" smtClean="0"/>
+              <a:t> &lt;- function(</a:t>
+            </a:r>
+            <a:r>
+              <a:rPr lang="en-US" sz="1200" dirty="0" err="1" smtClean="0"/>
+              <a:t>edgelist</a:t>
+            </a:r>
+            <a:r>
+              <a:rPr lang="en-US" sz="1200" dirty="0" smtClean="0"/>
+              <a:t>){</a:t>
+            </a:r>
+          </a:p>
+          <a:p>
+            <a:pPr marL="0" indent="0">
+              <a:buNone/>
+            </a:pPr>
+            <a:r>
+              <a:rPr lang="en-US" sz="1200" dirty="0" smtClean="0"/>
+              <a:t>  user &lt;- </a:t>
+            </a:r>
+            <a:r>
+              <a:rPr lang="en-US" sz="1200" dirty="0" err="1" smtClean="0"/>
+              <a:t>edgelist$user_id</a:t>
+            </a:r>
+            <a:endParaRPr lang="en-US" sz="1200" dirty="0" smtClean="0"/>
+          </a:p>
+          <a:p>
+            <a:pPr marL="0" indent="0">
+              <a:buNone/>
+            </a:pPr>
+            <a:r>
+              <a:rPr lang="en-US" sz="1200" dirty="0" smtClean="0"/>
+              <a:t>  </a:t>
+            </a:r>
+            <a:r>
+              <a:rPr lang="en-US" sz="1200" dirty="0" err="1" smtClean="0"/>
+              <a:t>cnx</a:t>
+            </a:r>
+            <a:r>
+              <a:rPr lang="en-US" sz="1200" dirty="0" smtClean="0"/>
+              <a:t> &lt;- </a:t>
+            </a:r>
+            <a:r>
+              <a:rPr lang="en-US" sz="1200" dirty="0" err="1" smtClean="0"/>
+              <a:t>edgelist$friends</a:t>
+            </a:r>
+            <a:endParaRPr lang="en-US" sz="1200" dirty="0" smtClean="0"/>
+          </a:p>
+          <a:p>
+            <a:pPr marL="0" indent="0">
+              <a:buNone/>
+            </a:pPr>
+            <a:r>
+              <a:rPr lang="en-US" sz="1200" dirty="0" smtClean="0"/>
+              <a:t>  split &lt;- </a:t>
+            </a:r>
+            <a:r>
+              <a:rPr lang="en-US" sz="1200" dirty="0" err="1" smtClean="0"/>
+              <a:t>as.data.frame</a:t>
+            </a:r>
+            <a:r>
+              <a:rPr lang="en-US" sz="1200" dirty="0" smtClean="0"/>
+              <a:t>(</a:t>
+            </a:r>
+            <a:r>
+              <a:rPr lang="en-US" sz="1200" dirty="0" err="1" smtClean="0"/>
+              <a:t>ifelse</a:t>
+            </a:r>
+            <a:r>
+              <a:rPr lang="en-US" sz="1200" dirty="0" smtClean="0"/>
+              <a:t>(</a:t>
+            </a:r>
+            <a:r>
+              <a:rPr lang="en-US" sz="1200" dirty="0" err="1" smtClean="0"/>
+              <a:t>cnx</a:t>
+            </a:r>
+            <a:r>
+              <a:rPr lang="en-US" sz="1200" dirty="0" smtClean="0"/>
+              <a:t>=="",</a:t>
+            </a:r>
+            <a:r>
+              <a:rPr lang="en-US" sz="1200" dirty="0" err="1" smtClean="0"/>
+              <a:t>NA,str_split</a:t>
+            </a:r>
+            <a:r>
+              <a:rPr lang="en-US" sz="1200" dirty="0" smtClean="0"/>
+              <a:t>(</a:t>
+            </a:r>
+            <a:r>
+              <a:rPr lang="en-US" sz="1200" dirty="0" err="1" smtClean="0"/>
+              <a:t>cnx</a:t>
+            </a:r>
+            <a:r>
+              <a:rPr lang="en-US" sz="1200" dirty="0" smtClean="0"/>
+              <a:t>,", ")))</a:t>
+            </a:r>
+          </a:p>
+          <a:p>
+            <a:pPr marL="0" indent="0">
+              <a:buNone/>
+            </a:pPr>
+            <a:r>
+              <a:rPr lang="en-US" sz="1200" dirty="0" smtClean="0"/>
+              <a:t>  combine &lt;- </a:t>
+            </a:r>
+            <a:r>
+              <a:rPr lang="en-US" sz="1200" dirty="0" err="1" smtClean="0"/>
+              <a:t>as.data.frame</a:t>
+            </a:r>
+            <a:r>
+              <a:rPr lang="en-US" sz="1200" dirty="0" smtClean="0"/>
+              <a:t>(</a:t>
+            </a:r>
+            <a:r>
+              <a:rPr lang="en-US" sz="1200" dirty="0" err="1" smtClean="0"/>
+              <a:t>cbind</a:t>
+            </a:r>
+            <a:r>
+              <a:rPr lang="en-US" sz="1200" dirty="0" smtClean="0"/>
+              <a:t>(</a:t>
+            </a:r>
+            <a:r>
+              <a:rPr lang="en-US" sz="1200" dirty="0" err="1" smtClean="0"/>
+              <a:t>user,split</a:t>
+            </a:r>
+            <a:r>
+              <a:rPr lang="en-US" sz="1200" dirty="0" smtClean="0"/>
+              <a:t>))</a:t>
+            </a:r>
+          </a:p>
+          <a:p>
+            <a:pPr marL="0" indent="0">
+              <a:buNone/>
+            </a:pPr>
+            <a:r>
+              <a:rPr lang="en-US" sz="1200" dirty="0" smtClean="0"/>
+              <a:t>  </a:t>
+            </a:r>
+            <a:r>
+              <a:rPr lang="en-US" sz="1200" dirty="0" err="1" smtClean="0"/>
+              <a:t>colnames</a:t>
+            </a:r>
+            <a:r>
+              <a:rPr lang="en-US" sz="1200" dirty="0" smtClean="0"/>
+              <a:t>(combine) &lt;- c("</a:t>
+            </a:r>
+            <a:r>
+              <a:rPr lang="en-US" sz="1200" dirty="0" err="1" smtClean="0"/>
+              <a:t>user_id</a:t>
+            </a:r>
+            <a:r>
+              <a:rPr lang="en-US" sz="1200" dirty="0" smtClean="0"/>
+              <a:t>", "friend")</a:t>
+            </a:r>
+          </a:p>
+          <a:p>
+            <a:pPr marL="0" indent="0">
+              <a:buNone/>
+            </a:pPr>
+            <a:r>
+              <a:rPr lang="en-US" sz="1200" dirty="0" smtClean="0"/>
+              <a:t>  </a:t>
+            </a:r>
+            <a:r>
+              <a:rPr lang="en-US" sz="1200" dirty="0" err="1" smtClean="0"/>
+              <a:t>combine$user_id</a:t>
+            </a:r>
+            <a:r>
+              <a:rPr lang="en-US" sz="1200" dirty="0" smtClean="0"/>
+              <a:t> &lt;- </a:t>
+            </a:r>
+            <a:r>
+              <a:rPr lang="en-US" sz="1200" dirty="0" err="1" smtClean="0"/>
+              <a:t>as.character</a:t>
+            </a:r>
+            <a:r>
+              <a:rPr lang="en-US" sz="1200" dirty="0" smtClean="0"/>
+              <a:t>(</a:t>
+            </a:r>
+            <a:r>
+              <a:rPr lang="en-US" sz="1200" dirty="0" err="1" smtClean="0"/>
+              <a:t>combine$user_id</a:t>
+            </a:r>
+            <a:r>
+              <a:rPr lang="en-US" sz="1200" dirty="0" smtClean="0"/>
+              <a:t>)</a:t>
+            </a:r>
+          </a:p>
+          <a:p>
+            <a:pPr marL="0" indent="0">
+              <a:buNone/>
+            </a:pPr>
+            <a:r>
+              <a:rPr lang="en-US" sz="1200" dirty="0" smtClean="0"/>
+              <a:t>  </a:t>
+            </a:r>
+            <a:r>
+              <a:rPr lang="en-US" sz="1200" dirty="0" err="1" smtClean="0"/>
+              <a:t>combine$friend</a:t>
+            </a:r>
+            <a:r>
+              <a:rPr lang="en-US" sz="1200" dirty="0" smtClean="0"/>
+              <a:t> &lt;- </a:t>
+            </a:r>
+            <a:r>
+              <a:rPr lang="en-US" sz="1200" dirty="0" err="1" smtClean="0"/>
+              <a:t>as.character</a:t>
+            </a:r>
+            <a:r>
+              <a:rPr lang="en-US" sz="1200" dirty="0" smtClean="0"/>
+              <a:t>(</a:t>
+            </a:r>
+            <a:r>
+              <a:rPr lang="en-US" sz="1200" dirty="0" err="1" smtClean="0"/>
+              <a:t>combine$friend</a:t>
+            </a:r>
+            <a:r>
+              <a:rPr lang="en-US" sz="1200" dirty="0" smtClean="0"/>
+              <a:t>)</a:t>
+            </a:r>
+          </a:p>
+          <a:p>
+            <a:pPr marL="0" indent="0">
+              <a:buNone/>
+            </a:pPr>
+            <a:r>
+              <a:rPr lang="en-US" sz="1200" dirty="0" smtClean="0"/>
+              <a:t>  return(combine)</a:t>
+            </a:r>
+          </a:p>
+          <a:p>
+            <a:pPr marL="0" indent="0">
+              <a:buNone/>
+            </a:pPr>
+            <a:r>
+              <a:rPr lang="en-US" sz="1200" dirty="0" smtClean="0"/>
+              <a:t>}</a:t>
+            </a:r>
+          </a:p>
+          <a:p>
+            <a:pPr marL="0" indent="0">
+              <a:buNone/>
+            </a:pPr>
+            <a:endParaRPr lang="en-US" sz="1200" dirty="0" smtClean="0"/>
+          </a:p>
+          <a:p>
+            <a:pPr marL="0" indent="0">
+              <a:buNone/>
+            </a:pPr>
+            <a:r>
+              <a:rPr lang="en-US" sz="1200" dirty="0" smtClean="0"/>
+              <a:t># Creating long </a:t>
+            </a:r>
+            <a:r>
+              <a:rPr lang="en-US" sz="1200" dirty="0" err="1" smtClean="0"/>
+              <a:t>edgelist</a:t>
+            </a:r>
+            <a:endParaRPr lang="en-US" sz="1200" dirty="0" smtClean="0"/>
+          </a:p>
+          <a:p>
+            <a:pPr marL="0" indent="0">
+              <a:buNone/>
+            </a:pPr>
+            <a:r>
+              <a:rPr lang="en-US" sz="1200" dirty="0" err="1" smtClean="0"/>
+              <a:t>az.edgelist</a:t>
+            </a:r>
+            <a:r>
+              <a:rPr lang="en-US" sz="1200" dirty="0" smtClean="0"/>
+              <a:t> &lt;- social_1 %&gt;%</a:t>
+            </a:r>
+          </a:p>
+          <a:p>
+            <a:pPr marL="0" indent="0">
+              <a:buNone/>
+            </a:pPr>
+            <a:r>
+              <a:rPr lang="en-US" sz="1200" dirty="0" smtClean="0"/>
+              <a:t>  </a:t>
+            </a:r>
+            <a:r>
+              <a:rPr lang="en-US" sz="1200" dirty="0" err="1" smtClean="0"/>
+              <a:t>rowwise</a:t>
+            </a:r>
+            <a:r>
+              <a:rPr lang="en-US" sz="1200" dirty="0" smtClean="0"/>
+              <a:t>() %&gt;%</a:t>
+            </a:r>
+          </a:p>
+          <a:p>
+            <a:pPr marL="0" indent="0">
+              <a:buNone/>
+            </a:pPr>
+            <a:r>
+              <a:rPr lang="en-US" sz="1200" dirty="0" smtClean="0"/>
+              <a:t>  do(</a:t>
+            </a:r>
+            <a:r>
+              <a:rPr lang="en-US" sz="1200" dirty="0" err="1" smtClean="0"/>
+              <a:t>longedge</a:t>
+            </a:r>
+            <a:r>
+              <a:rPr lang="en-US" sz="1200" dirty="0" smtClean="0"/>
+              <a:t>(.)) %&gt;%</a:t>
+            </a:r>
+          </a:p>
+          <a:p>
+            <a:pPr marL="0" indent="0">
+              <a:buNone/>
+            </a:pPr>
+            <a:r>
+              <a:rPr lang="en-US" sz="1200" dirty="0" smtClean="0"/>
+              <a:t>  </a:t>
+            </a:r>
+            <a:r>
+              <a:rPr lang="en-US" sz="1200" dirty="0" err="1" smtClean="0"/>
+              <a:t>rbind</a:t>
+            </a:r>
+            <a:r>
+              <a:rPr lang="en-US" sz="1200" dirty="0" smtClean="0"/>
+              <a:t>()</a:t>
+            </a:r>
+            <a:endParaRPr lang="en-US" sz="1200" dirty="0"/>
+          </a:p>
+        </p:txBody>
+      </p:sp>
+      <p:pic>
+        <p:nvPicPr>
+          <p:cNvPr id="7" name="Picture 6"/>
+          <p:cNvPicPr>
+            <a:picLocks noChangeAspect="1"/>
+          </p:cNvPicPr>
+          <p:nvPr/>
+        </p:nvPicPr>
+        <p:blipFill>
+          <a:blip r:embed="rId2"/>
+          <a:stretch>
+            <a:fillRect/>
+          </a:stretch>
+        </p:blipFill>
+        <p:spPr>
+          <a:xfrm>
+            <a:off x="4864523" y="1612652"/>
+            <a:ext cx="3822277" cy="3642139"/>
+          </a:xfrm>
+          <a:prstGeom prst="rect">
+            <a:avLst/>
+          </a:prstGeom>
+        </p:spPr>
+      </p:pic>
+      <p:graphicFrame>
+        <p:nvGraphicFramePr>
+          <p:cNvPr id="9" name="Table 8"/>
+          <p:cNvGraphicFramePr>
+            <a:graphicFrameLocks noGrp="1"/>
+          </p:cNvGraphicFramePr>
+          <p:nvPr>
+            <p:extLst>
+              <p:ext uri="{D42A27DB-BD31-4B8C-83A1-F6EECF244321}">
+                <p14:modId xmlns:p14="http://schemas.microsoft.com/office/powerpoint/2010/main" val="3210468082"/>
+              </p:ext>
+            </p:extLst>
+          </p:nvPr>
+        </p:nvGraphicFramePr>
+        <p:xfrm>
+          <a:off x="4829848" y="1593870"/>
+          <a:ext cx="3847484" cy="3648469"/>
+        </p:xfrm>
+        <a:graphic>
+          <a:graphicData uri="http://schemas.openxmlformats.org/drawingml/2006/table">
+            <a:tbl>
+              <a:tblPr/>
+              <a:tblGrid>
+                <a:gridCol w="3847484"/>
+              </a:tblGrid>
+              <a:tr h="3648469">
+                <a:tc>
+                  <a:txBody>
+                    <a:bodyPr/>
+                    <a:lstStyle/>
+                    <a:p>
+                      <a:endParaRPr lang="en-US" dirty="0"/>
+                    </a:p>
+                  </a:txBody>
+                  <a:tcPr>
+                    <a:lnL w="12700" cmpd="sng">
+                      <a:solidFill>
+                        <a:scrgbClr r="0" g="0" b="0"/>
+                      </a:solidFill>
+                      <a:prstDash val="solid"/>
+                    </a:lnL>
+                    <a:lnR w="12700" cmpd="sng">
+                      <a:solidFill>
+                        <a:scrgbClr r="0" g="0" b="0"/>
+                      </a:solidFill>
+                      <a:prstDash val="solid"/>
+                    </a:lnR>
+                    <a:lnT w="12700" cmpd="sng">
+                      <a:solidFill>
+                        <a:scrgbClr r="0" g="0" b="0"/>
+                      </a:solidFill>
+                      <a:prstDash val="solid"/>
+                    </a:lnT>
+                    <a:lnB w="12700" cmpd="sng">
+                      <a:solidFill>
+                        <a:scrgbClr r="0" g="0" b="0"/>
+                      </a:solidFill>
+                      <a:prstDash val="solid"/>
+                    </a:lnB>
+                  </a:tcPr>
+                </a:tc>
+              </a:tr>
+            </a:tbl>
+          </a:graphicData>
+        </a:graphic>
+      </p:graphicFrame>
+      <p:sp>
+        <p:nvSpPr>
+          <p:cNvPr id="5" name="Striped Right Arrow 4"/>
+          <p:cNvSpPr/>
+          <p:nvPr/>
+        </p:nvSpPr>
+        <p:spPr>
+          <a:xfrm>
+            <a:off x="4021218" y="2689096"/>
+            <a:ext cx="1046503" cy="1544622"/>
+          </a:xfrm>
+          <a:prstGeom prst="stripedRightArrow">
+            <a:avLst/>
+          </a:prstGeom>
+          <a:ln/>
+        </p:spPr>
+        <p:style>
+          <a:lnRef idx="1">
+            <a:schemeClr val="accent2"/>
+          </a:lnRef>
+          <a:fillRef idx="3">
+            <a:schemeClr val="accent2"/>
+          </a:fillRef>
+          <a:effectRef idx="2">
+            <a:schemeClr val="accent2"/>
+          </a:effectRef>
+          <a:fontRef idx="minor">
+            <a:schemeClr val="lt1"/>
+          </a:fontRef>
+        </p:style>
+        <p:txBody>
+          <a:bodyPr/>
+          <a:lstStyle/>
+          <a:p>
+            <a:endParaRPr lang="en-US"/>
+          </a:p>
+        </p:txBody>
+      </p:sp>
+    </p:spTree>
+    <p:extLst>
+      <p:ext uri="{BB962C8B-B14F-4D97-AF65-F5344CB8AC3E}">
+        <p14:creationId xmlns:p14="http://schemas.microsoft.com/office/powerpoint/2010/main" val="2080838348"/>
+      </p:ext>
+    </p:extLst>
+  </p:cSld>
+  <p:clrMapOvr>
+    <a:masterClrMapping/>
+  </p:clrMapOvr>
+  <p:timing>
+    <p:tnLst>
+      <p:par>
+        <p:cTn xmlns:p14="http://schemas.microsoft.com/office/powerpoint/2010/main" id="1" dur="indefinite" restart="never" nodeType="tmRoot"/>
+      </p:par>
+    </p:tnLst>
+  </p:timing>
+</p:sld>
+</file>
+
+<file path=ppt/slides/slide11.xml><?xml version="1.0" encoding="utf-8"?>
+<p:sld xmlns:a="http://schemas.openxmlformats.org/drawingml/2006/main" xmlns:r="http://schemas.openxmlformats.org/officeDocument/2006/relationships" xmlns:p="http://schemas.openxmlformats.org/presentationml/2006/main">
+  <p:cSld>
+    <p:spTree>
+      <p:nvGrpSpPr>
+        <p:cNvPr id="1" name=""/>
+        <p:cNvGrpSpPr/>
+        <p:nvPr/>
+      </p:nvGrpSpPr>
+      <p:grpSpPr>
+        <a:xfrm>
+          <a:off x="0" y="0"/>
+          <a:ext cx="0" cy="0"/>
+          <a:chOff x="0" y="0"/>
+          <a:chExt cx="0" cy="0"/>
+        </a:xfrm>
+      </p:grpSpPr>
+      <p:pic>
+        <p:nvPicPr>
+          <p:cNvPr id="4" name="Content Placeholder 3"/>
+          <p:cNvPicPr>
+            <a:picLocks noGrp="1" noChangeAspect="1"/>
+          </p:cNvPicPr>
+          <p:nvPr>
+            <p:ph idx="1"/>
+          </p:nvPr>
+        </p:nvPicPr>
+        <p:blipFill rotWithShape="1">
+          <a:blip r:embed="rId2">
+            <a:alphaModFix/>
+          </a:blip>
+          <a:srcRect l="24857" t="7479" r="22794" b="12388"/>
+          <a:stretch/>
+        </p:blipFill>
+        <p:spPr>
+          <a:xfrm>
+            <a:off x="1643585" y="1028571"/>
+            <a:ext cx="5864611" cy="5805476"/>
+          </a:xfrm>
+        </p:spPr>
+      </p:pic>
+      <p:sp>
+        <p:nvSpPr>
+          <p:cNvPr id="2" name="Title 1"/>
+          <p:cNvSpPr>
+            <a:spLocks noGrp="1"/>
+          </p:cNvSpPr>
+          <p:nvPr>
+            <p:ph type="title"/>
+          </p:nvPr>
+        </p:nvSpPr>
+        <p:spPr/>
+        <p:txBody>
+          <a:bodyPr/>
+          <a:lstStyle/>
+          <a:p>
+            <a:r>
+              <a:rPr lang="en-US" dirty="0" smtClean="0">
+                <a:solidFill>
+                  <a:srgbClr val="FF0000"/>
+                </a:solidFill>
+              </a:rPr>
+              <a:t>Network</a:t>
+            </a:r>
+            <a:r>
+              <a:rPr lang="en-US" dirty="0" smtClean="0"/>
+              <a:t> </a:t>
+            </a:r>
+            <a:r>
+              <a:rPr lang="en-US" dirty="0" smtClean="0">
+                <a:solidFill>
+                  <a:srgbClr val="FF0000"/>
+                </a:solidFill>
+              </a:rPr>
+              <a:t>Graph</a:t>
+            </a:r>
+            <a:endParaRPr lang="en-US" dirty="0">
+              <a:solidFill>
+                <a:srgbClr val="FF0000"/>
+              </a:solidFill>
+            </a:endParaRPr>
+          </a:p>
+        </p:txBody>
+      </p:sp>
+      <p:sp>
+        <p:nvSpPr>
+          <p:cNvPr id="5" name="TextBox 4"/>
+          <p:cNvSpPr txBox="1"/>
+          <p:nvPr/>
+        </p:nvSpPr>
+        <p:spPr>
+          <a:xfrm>
+            <a:off x="88328" y="1063695"/>
+            <a:ext cx="4394178" cy="707886"/>
+          </a:xfrm>
+          <a:prstGeom prst="rect">
+            <a:avLst/>
+          </a:prstGeom>
+          <a:noFill/>
+        </p:spPr>
+        <p:txBody>
+          <a:bodyPr wrap="square" rtlCol="0">
+            <a:spAutoFit/>
+          </a:bodyPr>
+          <a:lstStyle/>
+          <a:p>
+            <a:r>
+              <a:rPr lang="en-US" sz="1000" dirty="0" smtClean="0">
+                <a:latin typeface="Courier"/>
+                <a:cs typeface="Courier"/>
+              </a:rPr>
+              <a:t>&gt;library(</a:t>
+            </a:r>
+            <a:r>
+              <a:rPr lang="en-US" sz="1000" dirty="0" err="1" smtClean="0">
+                <a:latin typeface="Courier"/>
+                <a:cs typeface="Courier"/>
+              </a:rPr>
+              <a:t>igraph</a:t>
+            </a:r>
+            <a:r>
+              <a:rPr lang="en-US" sz="1000" dirty="0" smtClean="0">
+                <a:latin typeface="Courier"/>
+                <a:cs typeface="Courier"/>
+              </a:rPr>
+              <a:t>)</a:t>
+            </a:r>
+          </a:p>
+          <a:p>
+            <a:r>
+              <a:rPr lang="en-US" sz="1000" dirty="0" smtClean="0">
+                <a:latin typeface="Courier"/>
+                <a:cs typeface="Courier"/>
+              </a:rPr>
+              <a:t>&gt;</a:t>
+            </a:r>
+            <a:r>
+              <a:rPr lang="en-US" sz="1000" dirty="0" err="1" smtClean="0">
+                <a:latin typeface="Courier"/>
+                <a:cs typeface="Courier"/>
+              </a:rPr>
+              <a:t>layout_fr</a:t>
+            </a:r>
+            <a:r>
+              <a:rPr lang="en-US" sz="1000" dirty="0" smtClean="0">
+                <a:latin typeface="Courier"/>
+                <a:cs typeface="Courier"/>
+              </a:rPr>
+              <a:t> </a:t>
+            </a:r>
+            <a:r>
+              <a:rPr lang="en-US" sz="1000" dirty="0">
+                <a:latin typeface="Courier"/>
+                <a:cs typeface="Courier"/>
+              </a:rPr>
+              <a:t>&lt;- </a:t>
+            </a:r>
+            <a:r>
+              <a:rPr lang="en-US" sz="1000" dirty="0" smtClean="0">
+                <a:latin typeface="Courier"/>
+                <a:cs typeface="Courier"/>
+              </a:rPr>
+              <a:t>layout.fruchterman.reingold</a:t>
+            </a:r>
+            <a:r>
+              <a:rPr lang="en-US" sz="1000" dirty="0">
+                <a:latin typeface="Courier"/>
+                <a:cs typeface="Courier"/>
+              </a:rPr>
+              <a:t>(</a:t>
+            </a:r>
+            <a:r>
+              <a:rPr lang="en-US" sz="1000" dirty="0" err="1">
+                <a:latin typeface="Courier"/>
+                <a:cs typeface="Courier"/>
+              </a:rPr>
+              <a:t>graph.yelp</a:t>
+            </a:r>
+            <a:r>
+              <a:rPr lang="en-US" sz="1000" dirty="0" smtClean="0">
+                <a:latin typeface="Courier"/>
+                <a:cs typeface="Courier"/>
+              </a:rPr>
+              <a:t>)</a:t>
+            </a:r>
+          </a:p>
+          <a:p>
+            <a:r>
+              <a:rPr lang="en-US" sz="1000" dirty="0" smtClean="0">
+                <a:latin typeface="Courier"/>
+                <a:cs typeface="Courier"/>
+              </a:rPr>
+              <a:t>&gt;plot</a:t>
+            </a:r>
+            <a:r>
+              <a:rPr lang="en-US" sz="1000" dirty="0">
+                <a:latin typeface="Courier"/>
+                <a:cs typeface="Courier"/>
+              </a:rPr>
+              <a:t>(</a:t>
+            </a:r>
+            <a:r>
+              <a:rPr lang="en-US" sz="1000" dirty="0" err="1">
+                <a:latin typeface="Courier"/>
+                <a:cs typeface="Courier"/>
+              </a:rPr>
+              <a:t>graph.yelp,layout</a:t>
+            </a:r>
+            <a:r>
+              <a:rPr lang="en-US" sz="1000" dirty="0">
+                <a:latin typeface="Courier"/>
+                <a:cs typeface="Courier"/>
+              </a:rPr>
+              <a:t>=</a:t>
+            </a:r>
+            <a:r>
+              <a:rPr lang="en-US" sz="1000" dirty="0" err="1" smtClean="0">
+                <a:latin typeface="Courier"/>
+                <a:cs typeface="Courier"/>
+              </a:rPr>
+              <a:t>layout_fr</a:t>
+            </a:r>
+            <a:r>
+              <a:rPr lang="en-US" sz="1000" dirty="0" smtClean="0">
+                <a:latin typeface="Courier"/>
+                <a:cs typeface="Courier"/>
+              </a:rPr>
+              <a:t>,</a:t>
+            </a:r>
+          </a:p>
+          <a:p>
+            <a:r>
+              <a:rPr lang="en-US" sz="1000" dirty="0">
+                <a:latin typeface="Courier"/>
+                <a:cs typeface="Courier"/>
+              </a:rPr>
+              <a:t> </a:t>
+            </a:r>
+            <a:r>
+              <a:rPr lang="en-US" sz="1000" dirty="0" smtClean="0">
+                <a:latin typeface="Courier"/>
+                <a:cs typeface="Courier"/>
+              </a:rPr>
+              <a:t>     </a:t>
+            </a:r>
+            <a:r>
+              <a:rPr lang="en-US" sz="1000" dirty="0" err="1" smtClean="0">
+                <a:latin typeface="Courier"/>
+                <a:cs typeface="Courier"/>
+              </a:rPr>
+              <a:t>vertex.size</a:t>
+            </a:r>
+            <a:r>
+              <a:rPr lang="en-US" sz="1000" dirty="0">
+                <a:latin typeface="Courier"/>
+                <a:cs typeface="Courier"/>
+              </a:rPr>
+              <a:t>=0.1, </a:t>
+            </a:r>
+            <a:r>
+              <a:rPr lang="en-US" sz="1000" dirty="0" err="1">
+                <a:latin typeface="Courier"/>
+                <a:cs typeface="Courier"/>
+              </a:rPr>
+              <a:t>vertex.label</a:t>
+            </a:r>
+            <a:r>
+              <a:rPr lang="en-US" sz="1000" dirty="0">
+                <a:latin typeface="Courier"/>
+                <a:cs typeface="Courier"/>
+              </a:rPr>
+              <a:t>=NA)</a:t>
+            </a:r>
+          </a:p>
+        </p:txBody>
+      </p:sp>
+    </p:spTree>
+    <p:extLst>
+      <p:ext uri="{BB962C8B-B14F-4D97-AF65-F5344CB8AC3E}">
+        <p14:creationId xmlns:p14="http://schemas.microsoft.com/office/powerpoint/2010/main" val="948980550"/>
+      </p:ext>
+    </p:extLst>
+  </p:cSld>
+  <p:clrMapOvr>
+    <a:masterClrMapping/>
+  </p:clrMapOvr>
+  <p:timing>
+    <p:tnLst>
+      <p:par>
+        <p:cTn xmlns:p14="http://schemas.microsoft.com/office/powerpoint/2010/main" id="1" dur="indefinite" restart="never" nodeType="tmRoot"/>
+      </p:par>
+    </p:tnLst>
+  </p:timing>
+</p:sld>
+</file>
+
+<file path=ppt/slides/slide12.xml><?xml version="1.0" encoding="utf-8"?>
+<p:sld xmlns:a="http://schemas.openxmlformats.org/drawingml/2006/main" xmlns:r="http://schemas.openxmlformats.org/officeDocument/2006/relationships" xmlns:p="http://schemas.openxmlformats.org/presentationml/2006/main">
+  <p:cSld>
+    <p:spTree>
+      <p:nvGrpSpPr>
+        <p:cNvPr id="1" name=""/>
+        <p:cNvGrpSpPr/>
+        <p:nvPr/>
+      </p:nvGrpSpPr>
+      <p:grpSpPr>
+        <a:xfrm>
+          <a:off x="0" y="0"/>
+          <a:ext cx="0" cy="0"/>
+          <a:chOff x="0" y="0"/>
+          <a:chExt cx="0" cy="0"/>
+        </a:xfrm>
+      </p:grpSpPr>
+      <p:sp>
+        <p:nvSpPr>
+          <p:cNvPr id="2" name="Title 1"/>
+          <p:cNvSpPr>
+            <a:spLocks noGrp="1"/>
+          </p:cNvSpPr>
+          <p:nvPr>
+            <p:ph type="title"/>
+          </p:nvPr>
+        </p:nvSpPr>
+        <p:spPr/>
+        <p:txBody>
+          <a:bodyPr/>
+          <a:lstStyle/>
+          <a:p>
+            <a:r>
+              <a:rPr lang="en-US" dirty="0" smtClean="0">
+                <a:solidFill>
+                  <a:srgbClr val="FF0000"/>
+                </a:solidFill>
+              </a:rPr>
+              <a:t>Finding Your 2-hop Neighbors</a:t>
+            </a:r>
+            <a:endParaRPr lang="en-US" dirty="0">
+              <a:solidFill>
+                <a:srgbClr val="FF0000"/>
+              </a:solidFill>
+            </a:endParaRPr>
+          </a:p>
+        </p:txBody>
+      </p:sp>
+      <p:sp>
+        <p:nvSpPr>
+          <p:cNvPr id="6" name="Content Placeholder 5"/>
+          <p:cNvSpPr>
+            <a:spLocks noGrp="1"/>
+          </p:cNvSpPr>
+          <p:nvPr>
+            <p:ph idx="1"/>
+          </p:nvPr>
+        </p:nvSpPr>
+        <p:spPr/>
+        <p:txBody>
+          <a:bodyPr numCol="2">
+            <a:noAutofit/>
+          </a:bodyPr>
+          <a:lstStyle/>
+          <a:p>
+            <a:pPr>
+              <a:buFont typeface="Lucida Grande"/>
+              <a:buChar char="&gt;"/>
+            </a:pPr>
+            <a:r>
+              <a:rPr lang="en-US" sz="1400" dirty="0" smtClean="0"/>
+              <a:t>Create Ad</a:t>
+            </a:r>
+          </a:p>
+          <a:p>
+            <a:pPr>
+              <a:buFont typeface="Lucida Grande"/>
+              <a:buChar char="&gt;"/>
+            </a:pPr>
+            <a:r>
+              <a:rPr lang="en-US" sz="1400" dirty="0" smtClean="0"/>
+              <a:t>library(</a:t>
+            </a:r>
+            <a:r>
+              <a:rPr lang="en-US" sz="1400" dirty="0" err="1" smtClean="0"/>
+              <a:t>igraph</a:t>
+            </a:r>
+            <a:r>
+              <a:rPr lang="en-US" sz="1400" dirty="0" smtClean="0"/>
+              <a:t>)</a:t>
+            </a:r>
+          </a:p>
+          <a:p>
+            <a:pPr>
+              <a:buFont typeface="Lucida Grande"/>
+              <a:buChar char="&gt;"/>
+            </a:pPr>
+            <a:r>
+              <a:rPr lang="en-US" sz="1400" dirty="0" smtClean="0"/>
+              <a:t>library(Matrix)</a:t>
+            </a:r>
+          </a:p>
+          <a:p>
+            <a:pPr>
+              <a:buFont typeface="Lucida Grande"/>
+              <a:buChar char="&gt;"/>
+            </a:pPr>
+            <a:r>
+              <a:rPr lang="en-US" sz="1400" dirty="0" err="1" smtClean="0"/>
+              <a:t>az_net</a:t>
+            </a:r>
+            <a:r>
+              <a:rPr lang="en-US" sz="1400" dirty="0" smtClean="0"/>
+              <a:t> &lt;- </a:t>
+            </a:r>
+            <a:r>
+              <a:rPr lang="en-US" sz="1400" dirty="0" err="1" smtClean="0"/>
+              <a:t>as.matrix</a:t>
+            </a:r>
+            <a:r>
+              <a:rPr lang="en-US" sz="1400" dirty="0" smtClean="0"/>
+              <a:t>(</a:t>
+            </a:r>
+            <a:r>
+              <a:rPr lang="en-US" sz="1400" dirty="0" err="1" smtClean="0"/>
+              <a:t>az.edgelist</a:t>
+            </a:r>
+            <a:r>
+              <a:rPr lang="en-US" sz="1400" dirty="0" smtClean="0"/>
+              <a:t>[,3:4]) #convert data frame into a matrix</a:t>
+            </a:r>
+          </a:p>
+          <a:p>
+            <a:pPr>
+              <a:buFont typeface="Lucida Grande"/>
+              <a:buChar char="&gt;"/>
+            </a:pPr>
+            <a:r>
+              <a:rPr lang="en-US" sz="1400" dirty="0" err="1" smtClean="0"/>
+              <a:t>graph.az</a:t>
+            </a:r>
+            <a:r>
+              <a:rPr lang="en-US" sz="1400" dirty="0" smtClean="0"/>
+              <a:t> &lt;- </a:t>
+            </a:r>
+            <a:r>
+              <a:rPr lang="en-US" sz="1400" dirty="0" err="1" smtClean="0"/>
+              <a:t>graph.edgelist</a:t>
+            </a:r>
+            <a:r>
+              <a:rPr lang="en-US" sz="1400" dirty="0" smtClean="0"/>
+              <a:t>(</a:t>
+            </a:r>
+            <a:r>
+              <a:rPr lang="en-US" sz="1400" dirty="0" err="1" smtClean="0"/>
+              <a:t>az_net,directed</a:t>
+            </a:r>
+            <a:r>
+              <a:rPr lang="en-US" sz="1400" dirty="0" smtClean="0"/>
+              <a:t>=FALSE) #create </a:t>
+            </a:r>
+            <a:r>
+              <a:rPr lang="en-US" sz="1400" dirty="0" err="1" smtClean="0"/>
+              <a:t>igraph</a:t>
+            </a:r>
+            <a:r>
+              <a:rPr lang="en-US" sz="1400" dirty="0" smtClean="0"/>
+              <a:t> object</a:t>
+            </a:r>
+            <a:endParaRPr lang="en-US" sz="1400" dirty="0"/>
+          </a:p>
+          <a:p>
+            <a:pPr>
+              <a:buFont typeface="Lucida Grande"/>
+              <a:buChar char="&gt;"/>
+            </a:pPr>
+            <a:r>
+              <a:rPr lang="en-US" sz="1400" dirty="0" err="1" smtClean="0"/>
+              <a:t>adj.az</a:t>
+            </a:r>
+            <a:r>
+              <a:rPr lang="en-US" sz="1400" dirty="0" smtClean="0"/>
+              <a:t> &lt;- Matrix(</a:t>
+            </a:r>
+            <a:r>
+              <a:rPr lang="en-US" sz="1400" dirty="0" err="1" smtClean="0"/>
+              <a:t>get.adjacency</a:t>
+            </a:r>
+            <a:r>
+              <a:rPr lang="en-US" sz="1400" dirty="0" smtClean="0"/>
+              <a:t>(</a:t>
+            </a:r>
+            <a:r>
+              <a:rPr lang="en-US" sz="1400" dirty="0" err="1" smtClean="0"/>
+              <a:t>graph.az</a:t>
+            </a:r>
+            <a:r>
+              <a:rPr lang="en-US" sz="1400" dirty="0" smtClean="0"/>
+              <a:t>),sparse=TRUE) #write out adjacency matrix</a:t>
+            </a:r>
+          </a:p>
+          <a:p>
+            <a:pPr>
+              <a:buFont typeface="Lucida Grande"/>
+              <a:buChar char="&gt;"/>
+            </a:pPr>
+            <a:r>
+              <a:rPr lang="en-US" sz="1400" dirty="0" smtClean="0"/>
+              <a:t>d2 &lt;- </a:t>
+            </a:r>
+            <a:r>
+              <a:rPr lang="en-US" sz="1400" dirty="0" err="1" smtClean="0"/>
+              <a:t>adj.az</a:t>
+            </a:r>
+            <a:r>
+              <a:rPr lang="en-US" sz="1400" dirty="0" smtClean="0"/>
+              <a:t> %*% </a:t>
+            </a:r>
+            <a:r>
+              <a:rPr lang="en-US" sz="1400" dirty="0" err="1" smtClean="0"/>
+              <a:t>adj.az</a:t>
+            </a:r>
+            <a:r>
+              <a:rPr lang="en-US" sz="1400" dirty="0" smtClean="0"/>
+              <a:t> # d2 contains 2-walks</a:t>
+            </a:r>
+          </a:p>
+          <a:p>
+            <a:pPr>
+              <a:buFont typeface="Lucida Grande"/>
+              <a:buChar char="&gt;"/>
+            </a:pPr>
+            <a:r>
+              <a:rPr lang="en-US" sz="1400" dirty="0" err="1" smtClean="0"/>
+              <a:t>diag</a:t>
+            </a:r>
+            <a:r>
+              <a:rPr lang="en-US" sz="1400" dirty="0" smtClean="0"/>
+              <a:t>(d2) &lt;- 0     # take out loops</a:t>
+            </a:r>
+          </a:p>
+          <a:p>
+            <a:pPr>
+              <a:buFont typeface="Lucida Grande"/>
+              <a:buChar char="&gt;"/>
+            </a:pPr>
+            <a:endParaRPr lang="en-US" sz="1400" dirty="0" smtClean="0"/>
+          </a:p>
+          <a:p>
+            <a:pPr>
+              <a:buFont typeface="Lucida Grande"/>
+              <a:buChar char="&gt;"/>
+            </a:pPr>
+            <a:endParaRPr lang="en-US" sz="1400" dirty="0" smtClean="0"/>
+          </a:p>
+          <a:p>
+            <a:pPr>
+              <a:buFont typeface="Lucida Grande"/>
+              <a:buChar char="&gt;"/>
+            </a:pPr>
+            <a:endParaRPr lang="en-US" sz="1400" dirty="0" smtClean="0"/>
+          </a:p>
+          <a:p>
+            <a:pPr>
+              <a:buFont typeface="Lucida Grande"/>
+              <a:buChar char="&gt;"/>
+            </a:pPr>
+            <a:endParaRPr lang="en-US" sz="1400" dirty="0"/>
+          </a:p>
+          <a:p>
+            <a:pPr>
+              <a:buFont typeface="Lucida Grande"/>
+              <a:buChar char="&gt;"/>
+            </a:pPr>
+            <a:endParaRPr lang="en-US" sz="1400" dirty="0" smtClean="0"/>
+          </a:p>
+          <a:p>
+            <a:pPr>
+              <a:buFont typeface="Lucida Grande"/>
+              <a:buChar char="&gt;"/>
+            </a:pPr>
+            <a:endParaRPr lang="en-US" sz="1400" dirty="0"/>
+          </a:p>
+          <a:p>
+            <a:pPr>
+              <a:buFont typeface="Lucida Grande"/>
+              <a:buChar char="&gt;"/>
+            </a:pPr>
+            <a:endParaRPr lang="en-US" sz="1400" dirty="0" smtClean="0"/>
+          </a:p>
+          <a:p>
+            <a:pPr>
+              <a:buFont typeface="Lucida Grande"/>
+              <a:buChar char="&gt;"/>
+            </a:pPr>
+            <a:r>
+              <a:rPr lang="en-US" sz="1400" dirty="0" smtClean="0"/>
+              <a:t>D2 &lt;- d2</a:t>
+            </a:r>
+          </a:p>
+          <a:p>
+            <a:pPr>
+              <a:buFont typeface="Lucida Grande"/>
+              <a:buChar char="&gt;"/>
+            </a:pPr>
+            <a:r>
+              <a:rPr lang="en-US" sz="1400" dirty="0" smtClean="0"/>
+              <a:t>D2[</a:t>
+            </a:r>
+            <a:r>
+              <a:rPr lang="en-US" sz="1400" dirty="0" err="1" smtClean="0"/>
+              <a:t>adj.az</a:t>
+            </a:r>
+            <a:r>
+              <a:rPr lang="en-US" sz="1400" dirty="0" smtClean="0"/>
+              <a:t>==1] &lt;- 0 # remove 1st degree connections</a:t>
+            </a:r>
+          </a:p>
+          <a:p>
+            <a:pPr>
+              <a:buFont typeface="Lucida Grande"/>
+              <a:buChar char="&gt;"/>
+            </a:pPr>
+            <a:r>
+              <a:rPr lang="en-US" sz="1400" dirty="0" smtClean="0"/>
+              <a:t>D2[D2!=0] &lt;- 1       # transform to remove multiplicity of walks</a:t>
+            </a:r>
+          </a:p>
+          <a:p>
+            <a:pPr>
+              <a:buFont typeface="Lucida Grande"/>
+              <a:buChar char="&gt;"/>
+            </a:pPr>
+            <a:r>
+              <a:rPr lang="en-US" sz="1400" dirty="0" smtClean="0"/>
+              <a:t>D2[D2&lt;0] &lt;- 0 # remove negative values created by above</a:t>
+            </a:r>
+            <a:endParaRPr lang="en-US" sz="1400" dirty="0"/>
+          </a:p>
+        </p:txBody>
+      </p:sp>
+      <p:pic>
+        <p:nvPicPr>
+          <p:cNvPr id="7" name="Picture 6"/>
+          <p:cNvPicPr>
+            <a:picLocks noChangeAspect="1"/>
+          </p:cNvPicPr>
+          <p:nvPr/>
+        </p:nvPicPr>
+        <p:blipFill>
+          <a:blip r:embed="rId2"/>
+          <a:stretch>
+            <a:fillRect/>
+          </a:stretch>
+        </p:blipFill>
+        <p:spPr>
+          <a:xfrm>
+            <a:off x="3278775" y="4371252"/>
+            <a:ext cx="5268221" cy="2124715"/>
+          </a:xfrm>
+          <a:prstGeom prst="rect">
+            <a:avLst/>
+          </a:prstGeom>
+        </p:spPr>
+      </p:pic>
+    </p:spTree>
+    <p:extLst>
+      <p:ext uri="{BB962C8B-B14F-4D97-AF65-F5344CB8AC3E}">
+        <p14:creationId xmlns:p14="http://schemas.microsoft.com/office/powerpoint/2010/main" val="1631747418"/>
+      </p:ext>
+    </p:extLst>
+  </p:cSld>
+  <p:clrMapOvr>
+    <a:masterClrMapping/>
+  </p:clrMapOvr>
+  <p:timing>
+    <p:tnLst>
+      <p:par>
+        <p:cTn xmlns:p14="http://schemas.microsoft.com/office/powerpoint/2010/main" id="1" dur="indefinite" restart="never" nodeType="tmRoot"/>
+      </p:par>
+    </p:tnLst>
+  </p:timing>
+</p:sld>
+</file>
+
+<file path=ppt/slides/slide13.xml><?xml version="1.0" encoding="utf-8"?>
+<p:sld xmlns:a="http://schemas.openxmlformats.org/drawingml/2006/main" xmlns:r="http://schemas.openxmlformats.org/officeDocument/2006/relationships" xmlns:p="http://schemas.openxmlformats.org/presentationml/2006/main">
+  <p:cSld>
+    <p:spTree>
+      <p:nvGrpSpPr>
+        <p:cNvPr id="1" name=""/>
+        <p:cNvGrpSpPr/>
+        <p:nvPr/>
+      </p:nvGrpSpPr>
+      <p:grpSpPr>
+        <a:xfrm>
+          <a:off x="0" y="0"/>
+          <a:ext cx="0" cy="0"/>
+          <a:chOff x="0" y="0"/>
+          <a:chExt cx="0" cy="0"/>
+        </a:xfrm>
+      </p:grpSpPr>
+      <p:sp>
+        <p:nvSpPr>
+          <p:cNvPr id="2" name="Title 1"/>
+          <p:cNvSpPr>
+            <a:spLocks noGrp="1"/>
+          </p:cNvSpPr>
+          <p:nvPr>
+            <p:ph type="title"/>
+          </p:nvPr>
+        </p:nvSpPr>
+        <p:spPr/>
+        <p:txBody>
+          <a:bodyPr/>
+          <a:lstStyle/>
+          <a:p>
+            <a:r>
+              <a:rPr lang="en-US" dirty="0" smtClean="0"/>
+              <a:t>Connection Distribution</a:t>
+            </a:r>
+            <a:endParaRPr lang="en-US" dirty="0"/>
+          </a:p>
+        </p:txBody>
+      </p:sp>
+      <p:sp>
+        <p:nvSpPr>
+          <p:cNvPr id="3" name="Text Placeholder 2"/>
+          <p:cNvSpPr>
+            <a:spLocks noGrp="1"/>
+          </p:cNvSpPr>
+          <p:nvPr>
+            <p:ph type="body" idx="1"/>
+          </p:nvPr>
+        </p:nvSpPr>
+        <p:spPr/>
+        <p:txBody>
+          <a:bodyPr/>
+          <a:lstStyle/>
+          <a:p>
+            <a:pPr algn="ctr"/>
+            <a:r>
+              <a:rPr lang="en-US" dirty="0" smtClean="0">
+                <a:solidFill>
+                  <a:srgbClr val="FF0000"/>
+                </a:solidFill>
+              </a:rPr>
+              <a:t>1</a:t>
+            </a:r>
+            <a:r>
+              <a:rPr lang="en-US" baseline="30000" dirty="0" smtClean="0">
+                <a:solidFill>
+                  <a:srgbClr val="FF0000"/>
+                </a:solidFill>
+              </a:rPr>
+              <a:t>st</a:t>
+            </a:r>
+            <a:r>
+              <a:rPr lang="en-US" dirty="0" smtClean="0">
+                <a:solidFill>
+                  <a:srgbClr val="FF0000"/>
+                </a:solidFill>
+              </a:rPr>
+              <a:t> Degree</a:t>
+            </a:r>
+            <a:endParaRPr lang="en-US" dirty="0">
+              <a:solidFill>
+                <a:srgbClr val="FF0000"/>
+              </a:solidFill>
+            </a:endParaRPr>
+          </a:p>
+        </p:txBody>
+      </p:sp>
+      <p:pic>
+        <p:nvPicPr>
+          <p:cNvPr id="8" name="Content Placeholder 7"/>
+          <p:cNvPicPr>
+            <a:picLocks noGrp="1" noChangeAspect="1"/>
+          </p:cNvPicPr>
+          <p:nvPr>
+            <p:ph sz="half" idx="2"/>
+          </p:nvPr>
+        </p:nvPicPr>
+        <p:blipFill>
+          <a:blip r:embed="rId2"/>
+          <a:srcRect t="-22103" b="-22103"/>
+          <a:stretch>
+            <a:fillRect/>
+          </a:stretch>
+        </p:blipFill>
+        <p:spPr/>
+      </p:pic>
+      <p:sp>
+        <p:nvSpPr>
+          <p:cNvPr id="5" name="Text Placeholder 4"/>
+          <p:cNvSpPr>
+            <a:spLocks noGrp="1"/>
+          </p:cNvSpPr>
+          <p:nvPr>
+            <p:ph type="body" sz="quarter" idx="3"/>
+          </p:nvPr>
+        </p:nvSpPr>
+        <p:spPr/>
+        <p:txBody>
+          <a:bodyPr/>
+          <a:lstStyle/>
+          <a:p>
+            <a:pPr algn="ctr"/>
+            <a:r>
+              <a:rPr lang="en-US" dirty="0" smtClean="0">
+                <a:solidFill>
+                  <a:srgbClr val="FF0000"/>
+                </a:solidFill>
+              </a:rPr>
+              <a:t>2</a:t>
+            </a:r>
+            <a:r>
+              <a:rPr lang="en-US" baseline="30000" dirty="0" smtClean="0">
+                <a:solidFill>
+                  <a:srgbClr val="FF0000"/>
+                </a:solidFill>
+              </a:rPr>
+              <a:t>nd</a:t>
+            </a:r>
+            <a:r>
+              <a:rPr lang="en-US" dirty="0" smtClean="0">
+                <a:solidFill>
+                  <a:srgbClr val="FF0000"/>
+                </a:solidFill>
+              </a:rPr>
+              <a:t> Degree</a:t>
+            </a:r>
+            <a:endParaRPr lang="en-US" dirty="0">
+              <a:solidFill>
+                <a:srgbClr val="FF0000"/>
+              </a:solidFill>
+            </a:endParaRPr>
+          </a:p>
+        </p:txBody>
+      </p:sp>
+      <p:pic>
+        <p:nvPicPr>
+          <p:cNvPr id="13" name="Content Placeholder 12"/>
+          <p:cNvPicPr>
+            <a:picLocks noGrp="1" noChangeAspect="1"/>
+          </p:cNvPicPr>
+          <p:nvPr>
+            <p:ph sz="quarter" idx="4"/>
+          </p:nvPr>
+        </p:nvPicPr>
+        <p:blipFill>
+          <a:blip r:embed="rId3"/>
+          <a:srcRect t="-21445" b="-21445"/>
+          <a:stretch>
+            <a:fillRect/>
+          </a:stretch>
+        </p:blipFill>
+        <p:spPr/>
+      </p:pic>
+    </p:spTree>
+    <p:extLst>
+      <p:ext uri="{BB962C8B-B14F-4D97-AF65-F5344CB8AC3E}">
+        <p14:creationId xmlns:p14="http://schemas.microsoft.com/office/powerpoint/2010/main" val="1987523150"/>
+      </p:ext>
+    </p:extLst>
+  </p:cSld>
+  <p:clrMapOvr>
+    <a:masterClrMapping/>
+  </p:clrMapOvr>
+  <p:timing>
+    <p:tnLst>
+      <p:par>
+        <p:cTn xmlns:p14="http://schemas.microsoft.com/office/powerpoint/2010/main" id="1" dur="indefinite" restart="never" nodeType="tmRoot"/>
+      </p:par>
+    </p:tnLst>
+  </p:timing>
+</p:sld>
+</file>
+
+<file path=ppt/slides/slide14.xml><?xml version="1.0" encoding="utf-8"?>
+<p:sld xmlns:a="http://schemas.openxmlformats.org/drawingml/2006/main" xmlns:r="http://schemas.openxmlformats.org/officeDocument/2006/relationships" xmlns:p="http://schemas.openxmlformats.org/presentationml/2006/main">
+  <p:cSld>
+    <p:spTree>
+      <p:nvGrpSpPr>
+        <p:cNvPr id="1" name=""/>
+        <p:cNvGrpSpPr/>
+        <p:nvPr/>
+      </p:nvGrpSpPr>
+      <p:grpSpPr>
+        <a:xfrm>
+          <a:off x="0" y="0"/>
+          <a:ext cx="0" cy="0"/>
+          <a:chOff x="0" y="0"/>
+          <a:chExt cx="0" cy="0"/>
+        </a:xfrm>
+      </p:grpSpPr>
+      <p:sp>
+        <p:nvSpPr>
+          <p:cNvPr id="2" name="Title 1"/>
+          <p:cNvSpPr>
+            <a:spLocks noGrp="1"/>
+          </p:cNvSpPr>
+          <p:nvPr>
+            <p:ph type="title"/>
+          </p:nvPr>
+        </p:nvSpPr>
+        <p:spPr/>
+        <p:txBody>
+          <a:bodyPr/>
+          <a:lstStyle/>
+          <a:p>
+            <a:r>
+              <a:rPr lang="en-US" dirty="0" smtClean="0">
+                <a:solidFill>
+                  <a:srgbClr val="FF0000"/>
+                </a:solidFill>
+              </a:rPr>
+              <a:t>Friends and Friends-of-Friends</a:t>
+            </a:r>
+            <a:endParaRPr lang="en-US" dirty="0">
+              <a:solidFill>
+                <a:srgbClr val="FF0000"/>
+              </a:solidFill>
+            </a:endParaRPr>
+          </a:p>
+        </p:txBody>
+      </p:sp>
+      <p:pic>
+        <p:nvPicPr>
+          <p:cNvPr id="4" name="Content Placeholder 3"/>
+          <p:cNvPicPr>
+            <a:picLocks noGrp="1" noChangeAspect="1"/>
+          </p:cNvPicPr>
+          <p:nvPr>
+            <p:ph idx="1"/>
+          </p:nvPr>
+        </p:nvPicPr>
+        <p:blipFill>
+          <a:blip r:embed="rId2"/>
+          <a:srcRect l="-12201" r="-12201"/>
+          <a:stretch>
+            <a:fillRect/>
+          </a:stretch>
+        </p:blipFill>
+        <p:spPr/>
+      </p:pic>
+    </p:spTree>
+    <p:extLst>
+      <p:ext uri="{BB962C8B-B14F-4D97-AF65-F5344CB8AC3E}">
+        <p14:creationId xmlns:p14="http://schemas.microsoft.com/office/powerpoint/2010/main" val="321977309"/>
+      </p:ext>
+    </p:extLst>
+  </p:cSld>
+  <p:clrMapOvr>
+    <a:masterClrMapping/>
+  </p:clrMapOvr>
+  <p:timing>
+    <p:tnLst>
+      <p:par>
+        <p:cTn xmlns:p14="http://schemas.microsoft.com/office/powerpoint/2010/main" id="1" dur="indefinite" restart="never" nodeType="tmRoot"/>
+      </p:par>
+    </p:tnLst>
+  </p:timing>
+</p:sld>
+</file>
+
+<file path=ppt/slides/slide15.xml><?xml version="1.0" encoding="utf-8"?>
+<p:sld xmlns:a="http://schemas.openxmlformats.org/drawingml/2006/main" xmlns:r="http://schemas.openxmlformats.org/officeDocument/2006/relationships" xmlns:p="http://schemas.openxmlformats.org/presentationml/2006/main">
+  <p:cSld>
+    <p:spTree>
+      <p:nvGrpSpPr>
+        <p:cNvPr id="1" name=""/>
+        <p:cNvGrpSpPr/>
+        <p:nvPr/>
+      </p:nvGrpSpPr>
+      <p:grpSpPr>
+        <a:xfrm>
+          <a:off x="0" y="0"/>
+          <a:ext cx="0" cy="0"/>
+          <a:chOff x="0" y="0"/>
+          <a:chExt cx="0" cy="0"/>
+        </a:xfrm>
+      </p:grpSpPr>
+      <p:sp>
+        <p:nvSpPr>
+          <p:cNvPr id="2" name="Title 1"/>
+          <p:cNvSpPr>
+            <a:spLocks noGrp="1"/>
+          </p:cNvSpPr>
+          <p:nvPr>
+            <p:ph type="title"/>
+          </p:nvPr>
+        </p:nvSpPr>
+        <p:spPr/>
+        <p:txBody>
+          <a:bodyPr/>
+          <a:lstStyle/>
+          <a:p>
+            <a:r>
+              <a:rPr lang="en-US" dirty="0" smtClean="0">
+                <a:solidFill>
+                  <a:srgbClr val="FF0000"/>
+                </a:solidFill>
+              </a:rPr>
+              <a:t>Network Recommendations</a:t>
+            </a:r>
+            <a:endParaRPr lang="en-US" dirty="0">
+              <a:solidFill>
+                <a:srgbClr val="FF0000"/>
+              </a:solidFill>
+            </a:endParaRPr>
+          </a:p>
+        </p:txBody>
+      </p:sp>
+      <p:sp>
+        <p:nvSpPr>
+          <p:cNvPr id="3" name="Content Placeholder 2"/>
+          <p:cNvSpPr>
+            <a:spLocks noGrp="1"/>
+          </p:cNvSpPr>
+          <p:nvPr>
+            <p:ph idx="1"/>
+          </p:nvPr>
+        </p:nvSpPr>
+        <p:spPr>
+          <a:xfrm>
+            <a:off x="457200" y="1600200"/>
+            <a:ext cx="3930380" cy="4967574"/>
+          </a:xfrm>
+        </p:spPr>
+        <p:txBody>
+          <a:bodyPr>
+            <a:noAutofit/>
+          </a:bodyPr>
+          <a:lstStyle/>
+          <a:p>
+            <a:pPr>
+              <a:buFont typeface="Lucida Grande"/>
+              <a:buChar char="&gt;"/>
+            </a:pPr>
+            <a:r>
+              <a:rPr lang="en-US" sz="800" dirty="0" smtClean="0"/>
+              <a:t>ratings1 &lt;- Matrix(0,nrow=dim(</a:t>
+            </a:r>
+            <a:r>
+              <a:rPr lang="en-US" sz="800" dirty="0" err="1" smtClean="0"/>
+              <a:t>az.key</a:t>
+            </a:r>
+            <a:r>
+              <a:rPr lang="en-US" sz="800" dirty="0" smtClean="0"/>
+              <a:t>)[1],</a:t>
+            </a:r>
+            <a:r>
+              <a:rPr lang="en-US" sz="800" dirty="0" err="1" smtClean="0"/>
+              <a:t>ncol</a:t>
+            </a:r>
+            <a:r>
+              <a:rPr lang="en-US" sz="800" dirty="0" smtClean="0"/>
+              <a:t>=dim(</a:t>
+            </a:r>
+            <a:r>
+              <a:rPr lang="en-US" sz="800" dirty="0" err="1" smtClean="0"/>
+              <a:t>bizcount</a:t>
+            </a:r>
+            <a:r>
+              <a:rPr lang="en-US" sz="800" dirty="0" smtClean="0"/>
+              <a:t>)[1],sparse=TRUE)</a:t>
+            </a:r>
+          </a:p>
+          <a:p>
+            <a:pPr lvl="1">
+              <a:buFont typeface="Lucida Grande"/>
+              <a:buChar char="&gt;"/>
+            </a:pPr>
+            <a:r>
+              <a:rPr lang="en-US" sz="800" dirty="0" smtClean="0"/>
+              <a:t>…	</a:t>
+            </a:r>
+          </a:p>
+          <a:p>
+            <a:pPr>
+              <a:buFont typeface="Lucida Grande"/>
+              <a:buChar char="&gt;"/>
+            </a:pPr>
+            <a:r>
+              <a:rPr lang="en-US" sz="800" dirty="0" smtClean="0"/>
+              <a:t>for (</a:t>
+            </a:r>
+            <a:r>
+              <a:rPr lang="en-US" sz="800" dirty="0" err="1" smtClean="0"/>
+              <a:t>i</a:t>
+            </a:r>
+            <a:r>
+              <a:rPr lang="en-US" sz="800" dirty="0" smtClean="0"/>
+              <a:t> in 1:dim(</a:t>
+            </a:r>
+            <a:r>
+              <a:rPr lang="en-US" sz="800" dirty="0" err="1" smtClean="0"/>
+              <a:t>bizcount</a:t>
+            </a:r>
+            <a:r>
+              <a:rPr lang="en-US" sz="800" dirty="0" smtClean="0"/>
+              <a:t>)[1]){ #7941</a:t>
+            </a:r>
+          </a:p>
+          <a:p>
+            <a:pPr>
+              <a:buFont typeface="Lucida Grande"/>
+              <a:buChar char="&gt;"/>
+            </a:pPr>
+            <a:r>
+              <a:rPr lang="en-US" sz="800" dirty="0" smtClean="0"/>
+              <a:t>    </a:t>
+            </a:r>
+            <a:r>
+              <a:rPr lang="en-US" sz="800" dirty="0" err="1" smtClean="0"/>
+              <a:t>reviewbybiz</a:t>
+            </a:r>
+            <a:r>
+              <a:rPr lang="en-US" sz="800" dirty="0" smtClean="0"/>
+              <a:t> &lt;- </a:t>
+            </a:r>
+            <a:r>
+              <a:rPr lang="en-US" sz="800" dirty="0" err="1" smtClean="0"/>
+              <a:t>az.review</a:t>
+            </a:r>
+            <a:r>
+              <a:rPr lang="en-US" sz="800" dirty="0" smtClean="0"/>
+              <a:t>[</a:t>
+            </a:r>
+            <a:r>
+              <a:rPr lang="en-US" sz="800" dirty="0" err="1" smtClean="0"/>
+              <a:t>az.review$bizkey</a:t>
+            </a:r>
+            <a:r>
+              <a:rPr lang="en-US" sz="800" dirty="0" smtClean="0"/>
+              <a:t>==</a:t>
+            </a:r>
+            <a:r>
+              <a:rPr lang="en-US" sz="800" dirty="0" err="1" smtClean="0"/>
+              <a:t>bizcount$bizkey</a:t>
+            </a:r>
+            <a:r>
+              <a:rPr lang="en-US" sz="800" dirty="0" smtClean="0"/>
+              <a:t>[</a:t>
+            </a:r>
+            <a:r>
+              <a:rPr lang="en-US" sz="800" dirty="0" err="1" smtClean="0"/>
+              <a:t>i</a:t>
+            </a:r>
+            <a:r>
+              <a:rPr lang="en-US" sz="800" dirty="0" smtClean="0"/>
+              <a:t>],]</a:t>
+            </a:r>
+          </a:p>
+          <a:p>
+            <a:pPr>
+              <a:buFont typeface="Lucida Grande"/>
+              <a:buChar char="&gt;"/>
+            </a:pPr>
+            <a:r>
+              <a:rPr lang="en-US" sz="800" dirty="0" smtClean="0"/>
+              <a:t>  </a:t>
+            </a:r>
+            <a:r>
+              <a:rPr lang="en-US" sz="800" dirty="0" smtClean="0">
+                <a:solidFill>
+                  <a:srgbClr val="3366FF"/>
+                </a:solidFill>
+              </a:rPr>
+              <a:t>  # 1st Degree node</a:t>
+            </a:r>
+          </a:p>
+          <a:p>
+            <a:pPr>
+              <a:buFont typeface="Lucida Grande"/>
+              <a:buChar char="&gt;"/>
+            </a:pPr>
+            <a:r>
+              <a:rPr lang="en-US" sz="800" dirty="0" smtClean="0"/>
+              <a:t>    </a:t>
+            </a:r>
+            <a:r>
+              <a:rPr lang="en-US" sz="800" dirty="0" err="1" smtClean="0"/>
+              <a:t>cnxlist.N</a:t>
+            </a:r>
+            <a:r>
+              <a:rPr lang="en-US" sz="800" dirty="0" smtClean="0"/>
+              <a:t> &lt;- </a:t>
+            </a:r>
+            <a:r>
+              <a:rPr lang="en-US" sz="800" dirty="0" err="1" smtClean="0"/>
+              <a:t>reviewbybiz</a:t>
+            </a:r>
+            <a:r>
+              <a:rPr lang="en-US" sz="800" dirty="0" smtClean="0"/>
+              <a:t> %&gt;%</a:t>
+            </a:r>
+          </a:p>
+          <a:p>
+            <a:pPr>
+              <a:buFont typeface="Lucida Grande"/>
+              <a:buChar char="&gt;"/>
+            </a:pPr>
+            <a:r>
+              <a:rPr lang="en-US" sz="800" dirty="0" smtClean="0"/>
+              <a:t>      </a:t>
+            </a:r>
+            <a:r>
+              <a:rPr lang="en-US" sz="800" dirty="0" err="1" smtClean="0"/>
+              <a:t>rowwise</a:t>
+            </a:r>
+            <a:r>
+              <a:rPr lang="en-US" sz="800" dirty="0" smtClean="0"/>
+              <a:t>() %&gt;%</a:t>
+            </a:r>
+          </a:p>
+          <a:p>
+            <a:pPr>
+              <a:buFont typeface="Lucida Grande"/>
+              <a:buChar char="&gt;"/>
+            </a:pPr>
+            <a:r>
+              <a:rPr lang="en-US" sz="800" dirty="0" smtClean="0"/>
+              <a:t>      </a:t>
+            </a:r>
+            <a:r>
+              <a:rPr lang="en-US" sz="800" dirty="0" err="1" smtClean="0"/>
+              <a:t>left_join</a:t>
+            </a:r>
+            <a:r>
+              <a:rPr lang="en-US" sz="800" dirty="0" smtClean="0"/>
+              <a:t>(</a:t>
+            </a:r>
+            <a:r>
+              <a:rPr lang="en-US" sz="800" dirty="0" err="1" smtClean="0"/>
+              <a:t>az.edgelist</a:t>
+            </a:r>
+            <a:r>
+              <a:rPr lang="en-US" sz="800" dirty="0" smtClean="0"/>
+              <a:t>[,3:4],.,by=c("edge"="</a:t>
+            </a:r>
+            <a:r>
+              <a:rPr lang="en-US" sz="800" dirty="0" err="1" smtClean="0"/>
+              <a:t>u.node</a:t>
+            </a:r>
+            <a:r>
+              <a:rPr lang="en-US" sz="800" dirty="0" smtClean="0"/>
+              <a:t>")) %&gt;%</a:t>
+            </a:r>
+          </a:p>
+          <a:p>
+            <a:pPr>
+              <a:buFont typeface="Lucida Grande"/>
+              <a:buChar char="&gt;"/>
+            </a:pPr>
+            <a:r>
+              <a:rPr lang="en-US" sz="800" dirty="0" smtClean="0"/>
+              <a:t>      </a:t>
+            </a:r>
+            <a:r>
+              <a:rPr lang="en-US" sz="800" dirty="0" err="1" smtClean="0"/>
+              <a:t>na.omit</a:t>
+            </a:r>
+            <a:r>
+              <a:rPr lang="en-US" sz="800" dirty="0" smtClean="0"/>
+              <a:t>() %&gt;%</a:t>
+            </a:r>
+          </a:p>
+          <a:p>
+            <a:pPr>
+              <a:buFont typeface="Lucida Grande"/>
+              <a:buChar char="&gt;"/>
+            </a:pPr>
+            <a:r>
+              <a:rPr lang="en-US" sz="800" dirty="0" smtClean="0"/>
+              <a:t>      </a:t>
+            </a:r>
+            <a:r>
+              <a:rPr lang="en-US" sz="800" dirty="0" err="1" smtClean="0"/>
+              <a:t>rbind</a:t>
+            </a:r>
+            <a:r>
+              <a:rPr lang="en-US" sz="800" dirty="0" smtClean="0"/>
+              <a:t>() %&gt;%</a:t>
+            </a:r>
+          </a:p>
+          <a:p>
+            <a:pPr>
+              <a:buFont typeface="Lucida Grande"/>
+              <a:buChar char="&gt;"/>
+            </a:pPr>
+            <a:r>
+              <a:rPr lang="en-US" sz="800" dirty="0" smtClean="0"/>
+              <a:t>      rename(</a:t>
+            </a:r>
+            <a:r>
+              <a:rPr lang="en-US" sz="800" dirty="0" err="1" smtClean="0"/>
+              <a:t>u.node</a:t>
+            </a:r>
+            <a:r>
+              <a:rPr lang="en-US" sz="800" dirty="0" smtClean="0"/>
+              <a:t>=</a:t>
+            </a:r>
+            <a:r>
+              <a:rPr lang="en-US" sz="800" dirty="0" err="1" smtClean="0"/>
+              <a:t>edge,cnx</a:t>
+            </a:r>
+            <a:r>
+              <a:rPr lang="en-US" sz="800" dirty="0" smtClean="0"/>
+              <a:t>=node)</a:t>
+            </a:r>
+          </a:p>
+          <a:p>
+            <a:pPr>
+              <a:buFont typeface="Lucida Grande"/>
+              <a:buChar char="&gt;"/>
+            </a:pPr>
+            <a:r>
+              <a:rPr lang="en-US" sz="800" dirty="0" smtClean="0"/>
+              <a:t>   </a:t>
+            </a:r>
+            <a:r>
+              <a:rPr lang="en-US" sz="800" dirty="0" smtClean="0">
+                <a:solidFill>
+                  <a:srgbClr val="008000"/>
+                </a:solidFill>
+              </a:rPr>
+              <a:t> </a:t>
+            </a:r>
+            <a:r>
+              <a:rPr lang="en-US" sz="800" dirty="0" smtClean="0">
+                <a:solidFill>
+                  <a:srgbClr val="3366FF"/>
+                </a:solidFill>
+              </a:rPr>
+              <a:t># 1st Degree edge</a:t>
+            </a:r>
+          </a:p>
+          <a:p>
+            <a:pPr>
+              <a:buFont typeface="Lucida Grande"/>
+              <a:buChar char="&gt;"/>
+            </a:pPr>
+            <a:r>
+              <a:rPr lang="en-US" sz="800" dirty="0" smtClean="0"/>
+              <a:t>    </a:t>
+            </a:r>
+            <a:r>
+              <a:rPr lang="en-US" sz="800" dirty="0" err="1" smtClean="0"/>
+              <a:t>cnxlist.E</a:t>
+            </a:r>
+            <a:r>
+              <a:rPr lang="en-US" sz="800" dirty="0" smtClean="0"/>
+              <a:t> &lt;- </a:t>
+            </a:r>
+            <a:r>
+              <a:rPr lang="en-US" sz="800" dirty="0" err="1" smtClean="0"/>
+              <a:t>reviewbybiz</a:t>
+            </a:r>
+            <a:r>
+              <a:rPr lang="en-US" sz="800" dirty="0" smtClean="0"/>
+              <a:t> %&gt;%</a:t>
+            </a:r>
+          </a:p>
+          <a:p>
+            <a:pPr>
+              <a:buFont typeface="Lucida Grande"/>
+              <a:buChar char="&gt;"/>
+            </a:pPr>
+            <a:r>
+              <a:rPr lang="en-US" sz="800" dirty="0" smtClean="0"/>
+              <a:t>      </a:t>
+            </a:r>
+            <a:r>
+              <a:rPr lang="en-US" sz="800" dirty="0" err="1" smtClean="0"/>
+              <a:t>rowwise</a:t>
+            </a:r>
+            <a:r>
+              <a:rPr lang="en-US" sz="800" dirty="0" smtClean="0"/>
+              <a:t>() %&gt;%</a:t>
+            </a:r>
+          </a:p>
+          <a:p>
+            <a:pPr>
+              <a:buFont typeface="Lucida Grande"/>
+              <a:buChar char="&gt;"/>
+            </a:pPr>
+            <a:r>
+              <a:rPr lang="en-US" sz="800" dirty="0" smtClean="0"/>
+              <a:t>      </a:t>
+            </a:r>
+            <a:r>
+              <a:rPr lang="en-US" sz="800" dirty="0" err="1" smtClean="0"/>
+              <a:t>left_join</a:t>
+            </a:r>
+            <a:r>
+              <a:rPr lang="en-US" sz="800" dirty="0" smtClean="0"/>
+              <a:t>(</a:t>
+            </a:r>
+            <a:r>
+              <a:rPr lang="en-US" sz="800" dirty="0" err="1" smtClean="0"/>
+              <a:t>az.edgelist</a:t>
+            </a:r>
+            <a:r>
+              <a:rPr lang="en-US" sz="800" dirty="0" smtClean="0"/>
+              <a:t>[,3:4],.,by=c("node"="</a:t>
+            </a:r>
+            <a:r>
+              <a:rPr lang="en-US" sz="800" dirty="0" err="1" smtClean="0"/>
+              <a:t>u.node</a:t>
+            </a:r>
+            <a:r>
+              <a:rPr lang="en-US" sz="800" dirty="0" smtClean="0"/>
+              <a:t>")) %&gt;%</a:t>
+            </a:r>
+          </a:p>
+          <a:p>
+            <a:pPr>
+              <a:buFont typeface="Lucida Grande"/>
+              <a:buChar char="&gt;"/>
+            </a:pPr>
+            <a:r>
+              <a:rPr lang="en-US" sz="800" dirty="0" smtClean="0"/>
+              <a:t>      </a:t>
+            </a:r>
+            <a:r>
+              <a:rPr lang="en-US" sz="800" dirty="0" err="1" smtClean="0"/>
+              <a:t>na.omit</a:t>
+            </a:r>
+            <a:r>
+              <a:rPr lang="en-US" sz="800" dirty="0" smtClean="0"/>
+              <a:t>() %&gt;%</a:t>
+            </a:r>
+          </a:p>
+          <a:p>
+            <a:pPr>
+              <a:buFont typeface="Lucida Grande"/>
+              <a:buChar char="&gt;"/>
+            </a:pPr>
+            <a:r>
+              <a:rPr lang="en-US" sz="800" dirty="0" smtClean="0"/>
+              <a:t>      </a:t>
+            </a:r>
+            <a:r>
+              <a:rPr lang="en-US" sz="800" dirty="0" err="1" smtClean="0"/>
+              <a:t>rbind</a:t>
+            </a:r>
+            <a:r>
+              <a:rPr lang="en-US" sz="800" dirty="0" smtClean="0"/>
+              <a:t>() %&gt;%</a:t>
+            </a:r>
+          </a:p>
+          <a:p>
+            <a:pPr>
+              <a:buFont typeface="Lucida Grande"/>
+              <a:buChar char="&gt;"/>
+            </a:pPr>
+            <a:r>
+              <a:rPr lang="en-US" sz="800" dirty="0" smtClean="0"/>
+              <a:t>      rename(</a:t>
+            </a:r>
+            <a:r>
+              <a:rPr lang="en-US" sz="800" dirty="0" err="1" smtClean="0"/>
+              <a:t>u.node</a:t>
+            </a:r>
+            <a:r>
+              <a:rPr lang="en-US" sz="800" dirty="0" smtClean="0"/>
+              <a:t>=</a:t>
+            </a:r>
+            <a:r>
+              <a:rPr lang="en-US" sz="800" dirty="0" err="1" smtClean="0"/>
+              <a:t>node,cnx</a:t>
+            </a:r>
+            <a:r>
+              <a:rPr lang="en-US" sz="800" dirty="0" smtClean="0"/>
+              <a:t>=edge)</a:t>
+            </a:r>
+          </a:p>
+          <a:p>
+            <a:pPr>
+              <a:buFont typeface="Lucida Grande"/>
+              <a:buChar char="&gt;"/>
+            </a:pPr>
+            <a:r>
+              <a:rPr lang="en-US" sz="800" dirty="0" smtClean="0"/>
+              <a:t>    </a:t>
+            </a:r>
+            <a:r>
+              <a:rPr lang="en-US" sz="800" dirty="0" smtClean="0">
+                <a:solidFill>
+                  <a:srgbClr val="3366FF"/>
+                </a:solidFill>
+              </a:rPr>
+              <a:t># Join</a:t>
+            </a:r>
+          </a:p>
+          <a:p>
+            <a:pPr>
+              <a:buFont typeface="Lucida Grande"/>
+              <a:buChar char="&gt;"/>
+            </a:pPr>
+            <a:r>
+              <a:rPr lang="en-US" sz="800" dirty="0" smtClean="0"/>
+              <a:t>    cnxlist1 &lt;- </a:t>
+            </a:r>
+            <a:r>
+              <a:rPr lang="en-US" sz="800" dirty="0" err="1" smtClean="0"/>
+              <a:t>rbind</a:t>
+            </a:r>
+            <a:r>
+              <a:rPr lang="en-US" sz="800" dirty="0" smtClean="0"/>
+              <a:t>(</a:t>
+            </a:r>
+            <a:r>
+              <a:rPr lang="en-US" sz="800" dirty="0" err="1" smtClean="0"/>
+              <a:t>cnxlist.N,cnxlist.E</a:t>
+            </a:r>
+            <a:r>
+              <a:rPr lang="en-US" sz="800" dirty="0" smtClean="0"/>
+              <a:t>)</a:t>
+            </a:r>
+          </a:p>
+          <a:p>
+            <a:pPr>
+              <a:buFont typeface="Lucida Grande"/>
+              <a:buChar char="&gt;"/>
+            </a:pPr>
+            <a:r>
+              <a:rPr lang="en-US" sz="800" dirty="0" smtClean="0"/>
+              <a:t>    </a:t>
+            </a:r>
+            <a:r>
+              <a:rPr lang="en-US" sz="800" dirty="0" smtClean="0">
+                <a:solidFill>
+                  <a:srgbClr val="3366FF"/>
+                </a:solidFill>
+              </a:rPr>
+              <a:t># Summarize</a:t>
+            </a:r>
+          </a:p>
+          <a:p>
+            <a:pPr>
+              <a:buFont typeface="Lucida Grande"/>
+              <a:buChar char="&gt;"/>
+            </a:pPr>
+            <a:r>
+              <a:rPr lang="en-US" sz="800" dirty="0" smtClean="0"/>
+              <a:t>    </a:t>
+            </a:r>
+            <a:r>
+              <a:rPr lang="en-US" sz="800" dirty="0" err="1" smtClean="0"/>
+              <a:t>cnxlist</a:t>
+            </a:r>
+            <a:r>
+              <a:rPr lang="en-US" sz="800" dirty="0" smtClean="0"/>
+              <a:t> &lt;- cnxlist1 %&gt;%</a:t>
+            </a:r>
+          </a:p>
+          <a:p>
+            <a:pPr>
+              <a:buFont typeface="Lucida Grande"/>
+              <a:buChar char="&gt;"/>
+            </a:pPr>
+            <a:r>
+              <a:rPr lang="en-US" sz="800" dirty="0" smtClean="0"/>
+              <a:t>      </a:t>
+            </a:r>
+            <a:r>
+              <a:rPr lang="en-US" sz="800" dirty="0" err="1" smtClean="0"/>
+              <a:t>group_by</a:t>
+            </a:r>
+            <a:r>
+              <a:rPr lang="en-US" sz="800" dirty="0" smtClean="0"/>
+              <a:t>(</a:t>
+            </a:r>
+            <a:r>
+              <a:rPr lang="en-US" sz="800" dirty="0" err="1" smtClean="0"/>
+              <a:t>cnx</a:t>
+            </a:r>
+            <a:r>
+              <a:rPr lang="en-US" sz="800" dirty="0" smtClean="0"/>
+              <a:t>) %&gt;%</a:t>
+            </a:r>
+          </a:p>
+          <a:p>
+            <a:pPr>
+              <a:buFont typeface="Lucida Grande"/>
+              <a:buChar char="&gt;"/>
+            </a:pPr>
+            <a:r>
+              <a:rPr lang="en-US" sz="800" dirty="0" smtClean="0"/>
+              <a:t>      summarize(</a:t>
+            </a:r>
+            <a:r>
+              <a:rPr lang="en-US" sz="800" dirty="0" err="1" smtClean="0"/>
+              <a:t>net_rating</a:t>
+            </a:r>
+            <a:r>
+              <a:rPr lang="en-US" sz="800" dirty="0" smtClean="0"/>
+              <a:t>=sum(</a:t>
+            </a:r>
+            <a:r>
+              <a:rPr lang="en-US" sz="800" dirty="0" err="1" smtClean="0"/>
+              <a:t>r.stars</a:t>
+            </a:r>
+            <a:r>
+              <a:rPr lang="en-US" sz="800" dirty="0" smtClean="0"/>
+              <a:t>)/n(),count=n())</a:t>
+            </a:r>
+          </a:p>
+          <a:p>
+            <a:pPr>
+              <a:buFont typeface="Lucida Grande"/>
+              <a:buChar char="&gt;"/>
+            </a:pPr>
+            <a:r>
+              <a:rPr lang="en-US" sz="800" dirty="0" smtClean="0"/>
+              <a:t>    row &lt;- </a:t>
+            </a:r>
+            <a:r>
+              <a:rPr lang="en-US" sz="800" dirty="0" err="1" smtClean="0"/>
+              <a:t>as.vector</a:t>
+            </a:r>
+            <a:r>
+              <a:rPr lang="en-US" sz="800" dirty="0" smtClean="0"/>
+              <a:t>(</a:t>
+            </a:r>
+            <a:r>
+              <a:rPr lang="en-US" sz="800" dirty="0" err="1" smtClean="0"/>
+              <a:t>cnxlist$cnx</a:t>
+            </a:r>
+            <a:r>
+              <a:rPr lang="en-US" sz="800" dirty="0" smtClean="0"/>
+              <a:t>)</a:t>
+            </a:r>
+          </a:p>
+          <a:p>
+            <a:pPr>
+              <a:buFont typeface="Lucida Grande"/>
+              <a:buChar char="&gt;"/>
+            </a:pPr>
+            <a:r>
+              <a:rPr lang="en-US" sz="800" dirty="0" smtClean="0"/>
+              <a:t>    values &lt;- </a:t>
+            </a:r>
+            <a:r>
+              <a:rPr lang="en-US" sz="800" dirty="0" err="1" smtClean="0"/>
+              <a:t>as.vector</a:t>
+            </a:r>
+            <a:r>
+              <a:rPr lang="en-US" sz="800" dirty="0" smtClean="0"/>
+              <a:t>(</a:t>
+            </a:r>
+            <a:r>
+              <a:rPr lang="en-US" sz="800" dirty="0" err="1" smtClean="0"/>
+              <a:t>cnxlist$net_rating</a:t>
+            </a:r>
+            <a:r>
+              <a:rPr lang="en-US" sz="800" dirty="0" smtClean="0"/>
+              <a:t>)</a:t>
+            </a:r>
+          </a:p>
+          <a:p>
+            <a:pPr>
+              <a:buFont typeface="Lucida Grande"/>
+              <a:buChar char="&gt;"/>
+            </a:pPr>
+            <a:r>
+              <a:rPr lang="en-US" sz="800" dirty="0" smtClean="0"/>
+              <a:t>    count &lt;- </a:t>
+            </a:r>
+            <a:r>
+              <a:rPr lang="en-US" sz="800" dirty="0" err="1" smtClean="0"/>
+              <a:t>as.vector</a:t>
+            </a:r>
+            <a:r>
+              <a:rPr lang="en-US" sz="800" dirty="0" smtClean="0"/>
+              <a:t>(</a:t>
+            </a:r>
+            <a:r>
+              <a:rPr lang="en-US" sz="800" dirty="0" err="1" smtClean="0"/>
+              <a:t>cnxlist$count</a:t>
+            </a:r>
+            <a:r>
+              <a:rPr lang="en-US" sz="800" dirty="0" smtClean="0"/>
+              <a:t>)</a:t>
+            </a:r>
+          </a:p>
+          <a:p>
+            <a:pPr>
+              <a:buFont typeface="Lucida Grande"/>
+              <a:buChar char="&gt;"/>
+            </a:pPr>
+            <a:r>
+              <a:rPr lang="en-US" sz="800" dirty="0" smtClean="0"/>
+              <a:t>    ratings1[</a:t>
+            </a:r>
+            <a:r>
+              <a:rPr lang="en-US" sz="800" dirty="0" err="1" smtClean="0"/>
+              <a:t>row,i</a:t>
+            </a:r>
+            <a:r>
+              <a:rPr lang="en-US" sz="800" dirty="0" smtClean="0"/>
+              <a:t>] &lt;- values</a:t>
+            </a:r>
+          </a:p>
+          <a:p>
+            <a:pPr>
+              <a:buFont typeface="Lucida Grande"/>
+              <a:buChar char="&gt;"/>
+            </a:pPr>
+            <a:r>
+              <a:rPr lang="en-US" sz="800" dirty="0" smtClean="0"/>
+              <a:t>    counts1[</a:t>
+            </a:r>
+            <a:r>
+              <a:rPr lang="en-US" sz="800" dirty="0" err="1" smtClean="0"/>
+              <a:t>row,i</a:t>
+            </a:r>
+            <a:r>
+              <a:rPr lang="en-US" sz="800" dirty="0" smtClean="0"/>
+              <a:t>] &lt;- count</a:t>
+            </a:r>
+          </a:p>
+          <a:p>
+            <a:pPr lvl="1">
+              <a:buFont typeface="Lucida Grande"/>
+              <a:buChar char="&gt;"/>
+            </a:pPr>
+            <a:r>
+              <a:rPr lang="en-US" sz="800" dirty="0" smtClean="0"/>
+              <a:t>…</a:t>
+            </a:r>
+          </a:p>
+          <a:p>
+            <a:pPr>
+              <a:buFont typeface="Lucida Grande"/>
+              <a:buChar char="&gt;"/>
+            </a:pPr>
+            <a:r>
+              <a:rPr lang="en-US" sz="800" dirty="0" smtClean="0"/>
+              <a:t>}</a:t>
+            </a:r>
+            <a:endParaRPr lang="en-US" sz="800" dirty="0"/>
+          </a:p>
+        </p:txBody>
+      </p:sp>
+      <p:pic>
+        <p:nvPicPr>
+          <p:cNvPr id="5" name="Picture 4"/>
+          <p:cNvPicPr>
+            <a:picLocks noChangeAspect="1"/>
+          </p:cNvPicPr>
+          <p:nvPr/>
+        </p:nvPicPr>
+        <p:blipFill>
+          <a:blip r:embed="rId2"/>
+          <a:stretch>
+            <a:fillRect/>
+          </a:stretch>
+        </p:blipFill>
+        <p:spPr>
+          <a:xfrm>
+            <a:off x="4993176" y="4040720"/>
+            <a:ext cx="3693623" cy="2527054"/>
+          </a:xfrm>
+          <a:prstGeom prst="rect">
+            <a:avLst/>
+          </a:prstGeom>
+        </p:spPr>
+      </p:pic>
+      <p:pic>
+        <p:nvPicPr>
+          <p:cNvPr id="6" name="Picture 5"/>
+          <p:cNvPicPr>
+            <a:picLocks noChangeAspect="1"/>
+          </p:cNvPicPr>
+          <p:nvPr/>
+        </p:nvPicPr>
+        <p:blipFill>
+          <a:blip r:embed="rId3"/>
+          <a:stretch>
+            <a:fillRect/>
+          </a:stretch>
+        </p:blipFill>
+        <p:spPr>
+          <a:xfrm>
+            <a:off x="4993176" y="1285559"/>
+            <a:ext cx="3519848" cy="2408162"/>
+          </a:xfrm>
+          <a:prstGeom prst="rect">
+            <a:avLst/>
+          </a:prstGeom>
+        </p:spPr>
+      </p:pic>
+    </p:spTree>
+    <p:extLst>
+      <p:ext uri="{BB962C8B-B14F-4D97-AF65-F5344CB8AC3E}">
+        <p14:creationId xmlns:p14="http://schemas.microsoft.com/office/powerpoint/2010/main" val="1058202783"/>
+      </p:ext>
+    </p:extLst>
+  </p:cSld>
+  <p:clrMapOvr>
+    <a:masterClrMapping/>
+  </p:clrMapOvr>
+  <p:timing>
+    <p:tnLst>
+      <p:par>
+        <p:cTn xmlns:p14="http://schemas.microsoft.com/office/powerpoint/2010/main" id="1" dur="indefinite" restart="never" nodeType="tmRoot"/>
+      </p:par>
+    </p:tnLst>
+  </p:timing>
+</p:sld>
+</file>
+
+<file path=ppt/slides/slide16.xml><?xml version="1.0" encoding="utf-8"?>
+<p:sld xmlns:a="http://schemas.openxmlformats.org/drawingml/2006/main" xmlns:r="http://schemas.openxmlformats.org/officeDocument/2006/relationships" xmlns:p="http://schemas.openxmlformats.org/presentationml/2006/main">
+  <p:cSld>
+    <p:spTree>
+      <p:nvGrpSpPr>
+        <p:cNvPr id="1" name=""/>
+        <p:cNvGrpSpPr/>
+        <p:nvPr/>
+      </p:nvGrpSpPr>
+      <p:grpSpPr>
+        <a:xfrm>
+          <a:off x="0" y="0"/>
+          <a:ext cx="0" cy="0"/>
+          <a:chOff x="0" y="0"/>
+          <a:chExt cx="0" cy="0"/>
+        </a:xfrm>
+      </p:grpSpPr>
+      <p:sp>
+        <p:nvSpPr>
+          <p:cNvPr id="2" name="Title 1"/>
+          <p:cNvSpPr>
+            <a:spLocks noGrp="1"/>
+          </p:cNvSpPr>
+          <p:nvPr>
+            <p:ph type="title"/>
+          </p:nvPr>
+        </p:nvSpPr>
+        <p:spPr/>
+        <p:txBody>
+          <a:bodyPr/>
+          <a:lstStyle/>
+          <a:p>
+            <a:r>
+              <a:rPr lang="en-US" dirty="0" smtClean="0">
+                <a:solidFill>
+                  <a:srgbClr val="FF0000"/>
+                </a:solidFill>
+              </a:rPr>
+              <a:t>Predictions</a:t>
+            </a:r>
+            <a:endParaRPr lang="en-US" dirty="0">
+              <a:solidFill>
+                <a:srgbClr val="FF0000"/>
+              </a:solidFill>
+            </a:endParaRPr>
+          </a:p>
+        </p:txBody>
+      </p:sp>
+      <p:sp>
+        <p:nvSpPr>
+          <p:cNvPr id="4" name="Content Placeholder 3"/>
+          <p:cNvSpPr>
+            <a:spLocks noGrp="1"/>
+          </p:cNvSpPr>
+          <p:nvPr>
+            <p:ph sz="half" idx="2"/>
+          </p:nvPr>
+        </p:nvSpPr>
+        <p:spPr>
+          <a:xfrm>
+            <a:off x="1371600" y="1143000"/>
+            <a:ext cx="6477000" cy="2096743"/>
+          </a:xfrm>
+        </p:spPr>
+        <p:txBody>
+          <a:bodyPr>
+            <a:normAutofit lnSpcReduction="10000"/>
+          </a:bodyPr>
+          <a:lstStyle/>
+          <a:p>
+            <a:pPr>
+              <a:buFont typeface="Lucida Grande"/>
+              <a:buChar char="&gt;"/>
+            </a:pPr>
+            <a:r>
+              <a:rPr lang="en-US" sz="800" dirty="0" smtClean="0">
+                <a:latin typeface="Courier"/>
+                <a:cs typeface="Courier"/>
+              </a:rPr>
+              <a:t>Inference for Stan model: yelp.</a:t>
+            </a:r>
+          </a:p>
+          <a:p>
+            <a:pPr>
+              <a:buFont typeface="Lucida Grande"/>
+              <a:buChar char="&gt;"/>
+            </a:pPr>
+            <a:r>
+              <a:rPr lang="en-US" sz="800" dirty="0" smtClean="0">
+                <a:latin typeface="Courier"/>
+                <a:cs typeface="Courier"/>
+              </a:rPr>
+              <a:t>4 chains, each with </a:t>
+            </a:r>
+            <a:r>
+              <a:rPr lang="en-US" sz="800" dirty="0" err="1" smtClean="0">
+                <a:latin typeface="Courier"/>
+                <a:cs typeface="Courier"/>
+              </a:rPr>
+              <a:t>iter</a:t>
+            </a:r>
+            <a:r>
+              <a:rPr lang="en-US" sz="800" dirty="0" smtClean="0">
+                <a:latin typeface="Courier"/>
+                <a:cs typeface="Courier"/>
+              </a:rPr>
+              <a:t>=100; </a:t>
+            </a:r>
+            <a:r>
+              <a:rPr lang="en-US" sz="800" dirty="0" err="1" smtClean="0">
+                <a:latin typeface="Courier"/>
+                <a:cs typeface="Courier"/>
+              </a:rPr>
+              <a:t>warmup</a:t>
+            </a:r>
+            <a:r>
+              <a:rPr lang="en-US" sz="800" dirty="0" smtClean="0">
+                <a:latin typeface="Courier"/>
+                <a:cs typeface="Courier"/>
+              </a:rPr>
+              <a:t>=50; thin=1; </a:t>
+            </a:r>
+          </a:p>
+          <a:p>
+            <a:pPr>
+              <a:buFont typeface="Lucida Grande"/>
+              <a:buChar char="&gt;"/>
+            </a:pPr>
+            <a:r>
+              <a:rPr lang="en-US" sz="800" dirty="0" smtClean="0">
+                <a:latin typeface="Courier"/>
+                <a:cs typeface="Courier"/>
+              </a:rPr>
+              <a:t>post-</a:t>
+            </a:r>
+            <a:r>
+              <a:rPr lang="en-US" sz="800" dirty="0" err="1" smtClean="0">
+                <a:latin typeface="Courier"/>
+                <a:cs typeface="Courier"/>
+              </a:rPr>
+              <a:t>warmup</a:t>
+            </a:r>
+            <a:r>
+              <a:rPr lang="en-US" sz="800" dirty="0" smtClean="0">
+                <a:latin typeface="Courier"/>
+                <a:cs typeface="Courier"/>
+              </a:rPr>
+              <a:t> draws per chain=50, total post-</a:t>
+            </a:r>
+            <a:r>
+              <a:rPr lang="en-US" sz="800" dirty="0" err="1" smtClean="0">
+                <a:latin typeface="Courier"/>
+                <a:cs typeface="Courier"/>
+              </a:rPr>
+              <a:t>warmup</a:t>
+            </a:r>
+            <a:r>
+              <a:rPr lang="en-US" sz="800" dirty="0" smtClean="0">
+                <a:latin typeface="Courier"/>
+                <a:cs typeface="Courier"/>
+              </a:rPr>
+              <a:t> draws=200.</a:t>
+            </a:r>
+          </a:p>
+          <a:p>
+            <a:pPr>
+              <a:buFont typeface="Lucida Grande"/>
+              <a:buChar char="&gt;"/>
+            </a:pPr>
+            <a:endParaRPr lang="en-US" sz="800" dirty="0" smtClean="0">
+              <a:latin typeface="Courier"/>
+              <a:cs typeface="Courier"/>
+            </a:endParaRPr>
+          </a:p>
+          <a:p>
+            <a:pPr>
+              <a:buFont typeface="Lucida Grande"/>
+              <a:buChar char="&gt;"/>
+            </a:pPr>
+            <a:r>
+              <a:rPr lang="en-US" sz="800" dirty="0" smtClean="0">
+                <a:latin typeface="Courier"/>
+                <a:cs typeface="Courier"/>
+              </a:rPr>
+              <a:t>              mean </a:t>
+            </a:r>
+            <a:r>
+              <a:rPr lang="en-US" sz="800" dirty="0" err="1" smtClean="0">
+                <a:latin typeface="Courier"/>
+                <a:cs typeface="Courier"/>
+              </a:rPr>
+              <a:t>se_mean</a:t>
+            </a:r>
+            <a:r>
+              <a:rPr lang="en-US" sz="800" dirty="0" smtClean="0">
+                <a:latin typeface="Courier"/>
+                <a:cs typeface="Courier"/>
+              </a:rPr>
+              <a:t>   </a:t>
+            </a:r>
+            <a:r>
+              <a:rPr lang="en-US" sz="800" dirty="0" err="1" smtClean="0">
+                <a:latin typeface="Courier"/>
+                <a:cs typeface="Courier"/>
+              </a:rPr>
+              <a:t>sd</a:t>
+            </a:r>
+            <a:r>
+              <a:rPr lang="en-US" sz="800" dirty="0" smtClean="0">
+                <a:latin typeface="Courier"/>
+                <a:cs typeface="Courier"/>
+              </a:rPr>
+              <a:t>       2.5%        25%        50%        75%      97.5% </a:t>
+            </a:r>
+            <a:r>
+              <a:rPr lang="en-US" sz="800" dirty="0" err="1" smtClean="0">
+                <a:latin typeface="Courier"/>
+                <a:cs typeface="Courier"/>
+              </a:rPr>
+              <a:t>n_eff</a:t>
+            </a:r>
+            <a:r>
+              <a:rPr lang="en-US" sz="800" dirty="0" smtClean="0">
+                <a:latin typeface="Courier"/>
+                <a:cs typeface="Courier"/>
+              </a:rPr>
+              <a:t> </a:t>
+            </a:r>
+            <a:r>
+              <a:rPr lang="en-US" sz="800" dirty="0" err="1" smtClean="0">
+                <a:latin typeface="Courier"/>
+                <a:cs typeface="Courier"/>
+              </a:rPr>
+              <a:t>Rhat</a:t>
+            </a:r>
+            <a:endParaRPr lang="en-US" sz="800" dirty="0" smtClean="0">
+              <a:latin typeface="Courier"/>
+              <a:cs typeface="Courier"/>
+            </a:endParaRPr>
+          </a:p>
+          <a:p>
+            <a:pPr>
+              <a:buFont typeface="Lucida Grande"/>
+              <a:buChar char="&gt;"/>
+            </a:pPr>
+            <a:r>
+              <a:rPr lang="en-US" sz="800" dirty="0" smtClean="0">
+                <a:latin typeface="Courier"/>
+                <a:cs typeface="Courier"/>
+              </a:rPr>
+              <a:t>beta[1]       0.02    0.00 0.00       0.02       0.02       0.02       0.03       0.03    35 1.11</a:t>
+            </a:r>
+          </a:p>
+          <a:p>
+            <a:pPr>
+              <a:buFont typeface="Lucida Grande"/>
+              <a:buChar char="&gt;"/>
+            </a:pPr>
+            <a:r>
+              <a:rPr lang="en-US" sz="800" dirty="0" smtClean="0">
+                <a:latin typeface="Courier"/>
+                <a:cs typeface="Courier"/>
+              </a:rPr>
+              <a:t>beta[2]       1.01    0.00 0.00       1.00       1.01       1.01       1.01       1.01    96 1.04</a:t>
+            </a:r>
+          </a:p>
+          <a:p>
+            <a:pPr>
+              <a:buFont typeface="Lucida Grande"/>
+              <a:buChar char="&gt;"/>
+            </a:pPr>
+            <a:r>
+              <a:rPr lang="en-US" sz="800" dirty="0" smtClean="0">
+                <a:latin typeface="Courier"/>
+                <a:cs typeface="Courier"/>
+              </a:rPr>
+              <a:t>sigma         2.89    0.00 0.00       2.88       2.89       2.89       2.89       2.90   200 1.00</a:t>
+            </a:r>
+          </a:p>
+          <a:p>
+            <a:pPr>
+              <a:buFont typeface="Lucida Grande"/>
+              <a:buChar char="&gt;"/>
+            </a:pPr>
+            <a:r>
+              <a:rPr lang="en-US" sz="800" dirty="0" err="1" smtClean="0">
+                <a:latin typeface="Courier"/>
+                <a:cs typeface="Courier"/>
+              </a:rPr>
+              <a:t>lp</a:t>
+            </a:r>
+            <a:r>
+              <a:rPr lang="en-US" sz="800" dirty="0" smtClean="0">
+                <a:latin typeface="Courier"/>
+                <a:cs typeface="Courier"/>
+              </a:rPr>
+              <a:t>__    -434087.99    0.12 1.23 -434091.33 -434088.50 -434087.61 -434087.20 -434086.70   109 1.01</a:t>
+            </a:r>
+          </a:p>
+          <a:p>
+            <a:pPr>
+              <a:buFont typeface="Lucida Grande"/>
+              <a:buChar char="&gt;"/>
+            </a:pPr>
+            <a:endParaRPr lang="en-US" sz="800" dirty="0" smtClean="0">
+              <a:latin typeface="Courier"/>
+              <a:cs typeface="Courier"/>
+            </a:endParaRPr>
+          </a:p>
+          <a:p>
+            <a:pPr>
+              <a:buFont typeface="Lucida Grande"/>
+              <a:buChar char="&gt;"/>
+            </a:pPr>
+            <a:r>
+              <a:rPr lang="en-US" sz="800" dirty="0" smtClean="0">
+                <a:latin typeface="Courier"/>
+                <a:cs typeface="Courier"/>
+              </a:rPr>
+              <a:t>Samples were drawn using NUTS(</a:t>
+            </a:r>
+            <a:r>
+              <a:rPr lang="en-US" sz="800" dirty="0" err="1" smtClean="0">
+                <a:latin typeface="Courier"/>
+                <a:cs typeface="Courier"/>
+              </a:rPr>
+              <a:t>diag_e</a:t>
+            </a:r>
+            <a:r>
+              <a:rPr lang="en-US" sz="800" dirty="0" smtClean="0">
+                <a:latin typeface="Courier"/>
+                <a:cs typeface="Courier"/>
+              </a:rPr>
+              <a:t>) at Thu May 14 23:13:23 2015.</a:t>
+            </a:r>
+          </a:p>
+          <a:p>
+            <a:pPr>
+              <a:buFont typeface="Lucida Grande"/>
+              <a:buChar char="&gt;"/>
+            </a:pPr>
+            <a:r>
+              <a:rPr lang="en-US" sz="800" dirty="0" smtClean="0">
+                <a:latin typeface="Courier"/>
+                <a:cs typeface="Courier"/>
+              </a:rPr>
+              <a:t>For each parameter, </a:t>
+            </a:r>
+            <a:r>
+              <a:rPr lang="en-US" sz="800" dirty="0" err="1" smtClean="0">
+                <a:latin typeface="Courier"/>
+                <a:cs typeface="Courier"/>
+              </a:rPr>
+              <a:t>n_eff</a:t>
+            </a:r>
+            <a:r>
+              <a:rPr lang="en-US" sz="800" dirty="0" smtClean="0">
+                <a:latin typeface="Courier"/>
+                <a:cs typeface="Courier"/>
+              </a:rPr>
+              <a:t> is a crude measure of effective sample size,</a:t>
+            </a:r>
+          </a:p>
+          <a:p>
+            <a:pPr>
+              <a:buFont typeface="Lucida Grande"/>
+              <a:buChar char="&gt;"/>
+            </a:pPr>
+            <a:r>
+              <a:rPr lang="en-US" sz="800" dirty="0" smtClean="0">
+                <a:latin typeface="Courier"/>
+                <a:cs typeface="Courier"/>
+              </a:rPr>
+              <a:t>and </a:t>
+            </a:r>
+            <a:r>
+              <a:rPr lang="en-US" sz="800" dirty="0" err="1" smtClean="0">
+                <a:latin typeface="Courier"/>
+                <a:cs typeface="Courier"/>
+              </a:rPr>
+              <a:t>Rhat</a:t>
+            </a:r>
+            <a:r>
+              <a:rPr lang="en-US" sz="800" dirty="0" smtClean="0">
+                <a:latin typeface="Courier"/>
+                <a:cs typeface="Courier"/>
+              </a:rPr>
+              <a:t> is the potential scale reduction factor on split chains (at </a:t>
+            </a:r>
+          </a:p>
+          <a:p>
+            <a:pPr>
+              <a:buFont typeface="Lucida Grande"/>
+              <a:buChar char="&gt;"/>
+            </a:pPr>
+            <a:r>
+              <a:rPr lang="en-US" sz="800" dirty="0" smtClean="0">
+                <a:latin typeface="Courier"/>
+                <a:cs typeface="Courier"/>
+              </a:rPr>
+              <a:t>convergence, </a:t>
+            </a:r>
+            <a:r>
+              <a:rPr lang="en-US" sz="800" dirty="0" err="1" smtClean="0">
+                <a:latin typeface="Courier"/>
+                <a:cs typeface="Courier"/>
+              </a:rPr>
+              <a:t>Rhat</a:t>
+            </a:r>
+            <a:r>
+              <a:rPr lang="en-US" sz="800" dirty="0" smtClean="0">
+                <a:latin typeface="Courier"/>
+                <a:cs typeface="Courier"/>
+              </a:rPr>
+              <a:t>=1).</a:t>
+            </a:r>
+            <a:endParaRPr lang="en-US" sz="800" dirty="0">
+              <a:latin typeface="Courier"/>
+              <a:cs typeface="Courier"/>
+            </a:endParaRPr>
+          </a:p>
+        </p:txBody>
+      </p:sp>
+      <p:pic>
+        <p:nvPicPr>
+          <p:cNvPr id="7" name="Content Placeholder 6"/>
+          <p:cNvPicPr>
+            <a:picLocks noGrp="1" noChangeAspect="1"/>
+          </p:cNvPicPr>
+          <p:nvPr>
+            <p:ph sz="quarter" idx="4"/>
+          </p:nvPr>
+        </p:nvPicPr>
+        <p:blipFill rotWithShape="1">
+          <a:blip r:embed="rId2"/>
+          <a:srcRect l="-92" r="853"/>
+          <a:stretch/>
+        </p:blipFill>
+        <p:spPr>
+          <a:xfrm>
+            <a:off x="609600" y="3232206"/>
+            <a:ext cx="7979752" cy="3297085"/>
+          </a:xfrm>
+        </p:spPr>
+      </p:pic>
+    </p:spTree>
+    <p:extLst>
+      <p:ext uri="{BB962C8B-B14F-4D97-AF65-F5344CB8AC3E}">
+        <p14:creationId xmlns:p14="http://schemas.microsoft.com/office/powerpoint/2010/main" val="3087827295"/>
+      </p:ext>
+    </p:extLst>
+  </p:cSld>
+  <p:clrMapOvr>
+    <a:masterClrMapping/>
+  </p:clrMapOvr>
+  <p:timing>
+    <p:tnLst>
+      <p:par>
+        <p:cTn xmlns:p14="http://schemas.microsoft.com/office/powerpoint/2010/main" id="1" dur="indefinite" restart="never" nodeType="tmRoot"/>
+      </p:par>
+    </p:tnLst>
+  </p:timing>
+</p:sld>
+</file>
+
+<file path=ppt/slides/slide17.xml><?xml version="1.0" encoding="utf-8"?>
+<p:sld xmlns:a="http://schemas.openxmlformats.org/drawingml/2006/main" xmlns:r="http://schemas.openxmlformats.org/officeDocument/2006/relationships" xmlns:p="http://schemas.openxmlformats.org/presentationml/2006/main">
+  <p:cSld>
+    <p:spTree>
+      <p:nvGrpSpPr>
+        <p:cNvPr id="1" name=""/>
+        <p:cNvGrpSpPr/>
+        <p:nvPr/>
+      </p:nvGrpSpPr>
+      <p:grpSpPr>
+        <a:xfrm>
+          <a:off x="0" y="0"/>
+          <a:ext cx="0" cy="0"/>
+          <a:chOff x="0" y="0"/>
+          <a:chExt cx="0" cy="0"/>
+        </a:xfrm>
+      </p:grpSpPr>
+      <p:sp>
+        <p:nvSpPr>
+          <p:cNvPr id="2" name="Title 1"/>
+          <p:cNvSpPr>
+            <a:spLocks noGrp="1"/>
+          </p:cNvSpPr>
+          <p:nvPr>
+            <p:ph type="ctrTitle"/>
+          </p:nvPr>
+        </p:nvSpPr>
+        <p:spPr>
+          <a:xfrm>
+            <a:off x="1104364" y="2268912"/>
+            <a:ext cx="6858000" cy="1790700"/>
+          </a:xfrm>
+        </p:spPr>
+        <p:txBody>
+          <a:bodyPr/>
+          <a:lstStyle/>
+          <a:p>
+            <a:r>
+              <a:rPr lang="en-US" dirty="0" smtClean="0"/>
+              <a:t>Exploiting Social Networks to Improve Recommendations</a:t>
+            </a:r>
+            <a:endParaRPr lang="en-US" dirty="0"/>
+          </a:p>
+        </p:txBody>
+      </p:sp>
+    </p:spTree>
+    <p:extLst>
+      <p:ext uri="{BB962C8B-B14F-4D97-AF65-F5344CB8AC3E}">
+        <p14:creationId xmlns:p14="http://schemas.microsoft.com/office/powerpoint/2010/main" val="3277187908"/>
+      </p:ext>
+    </p:extLst>
+  </p:cSld>
+  <p:clrMapOvr>
+    <a:masterClrMapping/>
+  </p:clrMapOvr>
+  <p:timing>
+    <p:tnLst>
+      <p:par>
+        <p:cTn xmlns:p14="http://schemas.microsoft.com/office/powerpoint/2010/main" id="1" dur="indefinite" restart="never" nodeType="tmRoot"/>
+      </p:par>
+    </p:tnLst>
+  </p:timing>
+</p:sld>
+</file>
+
+<file path=ppt/slides/slide18.xml><?xml version="1.0" encoding="utf-8"?>
+<p:sld xmlns:a="http://schemas.openxmlformats.org/drawingml/2006/main" xmlns:r="http://schemas.openxmlformats.org/officeDocument/2006/relationships" xmlns:p="http://schemas.openxmlformats.org/presentationml/2006/main">
+  <p:cSld>
+    <p:spTree>
+      <p:nvGrpSpPr>
+        <p:cNvPr id="1" name=""/>
+        <p:cNvGrpSpPr/>
+        <p:nvPr/>
+      </p:nvGrpSpPr>
+      <p:grpSpPr>
+        <a:xfrm>
+          <a:off x="0" y="0"/>
+          <a:ext cx="0" cy="0"/>
+          <a:chOff x="0" y="0"/>
+          <a:chExt cx="0" cy="0"/>
+        </a:xfrm>
+      </p:grpSpPr>
+      <p:sp>
+        <p:nvSpPr>
+          <p:cNvPr id="4" name="TextBox 3"/>
+          <p:cNvSpPr txBox="1"/>
+          <p:nvPr/>
+        </p:nvSpPr>
+        <p:spPr>
+          <a:xfrm>
+            <a:off x="396831" y="1033692"/>
+            <a:ext cx="8046076" cy="4685898"/>
+          </a:xfrm>
+          <a:prstGeom prst="rect">
+            <a:avLst/>
+          </a:prstGeom>
+          <a:noFill/>
+        </p:spPr>
+        <p:txBody>
+          <a:bodyPr wrap="square" rtlCol="0">
+            <a:spAutoFit/>
+          </a:bodyPr>
+          <a:lstStyle/>
+          <a:p>
+            <a:r>
+              <a:rPr lang="en-US" sz="4500" dirty="0">
+                <a:latin typeface="+mj-lt"/>
+                <a:ea typeface="+mj-ea"/>
+                <a:cs typeface="+mj-cs"/>
+              </a:rPr>
+              <a:t>Research Plan</a:t>
+            </a:r>
+            <a:endParaRPr lang="en-US" sz="4050" dirty="0">
+              <a:latin typeface="+mj-lt"/>
+              <a:ea typeface="+mj-ea"/>
+              <a:cs typeface="+mj-cs"/>
+            </a:endParaRPr>
+          </a:p>
+          <a:p>
+            <a:endParaRPr lang="en-US" sz="1350" dirty="0"/>
+          </a:p>
+          <a:p>
+            <a:pPr marL="342900" indent="-342900">
+              <a:buFont typeface="Arial" panose="020B0604020202020204" pitchFamily="34" charset="0"/>
+              <a:buChar char="•"/>
+            </a:pPr>
+            <a:r>
+              <a:rPr lang="en-US" sz="3000" i="1" dirty="0"/>
+              <a:t>Hypothesis</a:t>
+            </a:r>
+            <a:r>
+              <a:rPr lang="en-US" sz="3000" dirty="0"/>
+              <a:t>: </a:t>
+            </a:r>
+            <a:br>
+              <a:rPr lang="en-US" sz="3000" dirty="0"/>
+            </a:br>
+            <a:r>
+              <a:rPr lang="en-US" sz="3000" dirty="0"/>
+              <a:t>People with more friends are more influential</a:t>
+            </a:r>
+          </a:p>
+          <a:p>
+            <a:pPr marL="342900" indent="-342900">
+              <a:buFont typeface="Arial" panose="020B0604020202020204" pitchFamily="34" charset="0"/>
+              <a:buChar char="•"/>
+            </a:pPr>
+            <a:endParaRPr lang="en-US" sz="3000" dirty="0"/>
+          </a:p>
+          <a:p>
+            <a:pPr marL="342900" indent="-342900">
+              <a:buFont typeface="Arial" panose="020B0604020202020204" pitchFamily="34" charset="0"/>
+              <a:buChar char="•"/>
+            </a:pPr>
+            <a:r>
+              <a:rPr lang="en-US" sz="3000" dirty="0"/>
+              <a:t>Weight </a:t>
+            </a:r>
+            <a:r>
+              <a:rPr lang="en-US" sz="3000" dirty="0" err="1"/>
+              <a:t>kNN</a:t>
+            </a:r>
+            <a:r>
+              <a:rPr lang="en-US" sz="3000" dirty="0"/>
+              <a:t> votes by network degree so that predicted ratings/recommendations reflect this</a:t>
+            </a:r>
+          </a:p>
+          <a:p>
+            <a:pPr marL="342900" indent="-342900">
+              <a:buFont typeface="Arial" panose="020B0604020202020204" pitchFamily="34" charset="0"/>
+              <a:buChar char="•"/>
+            </a:pPr>
+            <a:endParaRPr lang="en-US" sz="3000" dirty="0"/>
+          </a:p>
+          <a:p>
+            <a:pPr marL="342900" indent="-342900">
+              <a:buFont typeface="Arial" panose="020B0604020202020204" pitchFamily="34" charset="0"/>
+              <a:buChar char="•"/>
+            </a:pPr>
+            <a:r>
+              <a:rPr lang="en-US" sz="3000" dirty="0"/>
+              <a:t>Compare to other recommenders using RMSE to measure accuracy</a:t>
+            </a:r>
+          </a:p>
+        </p:txBody>
+      </p:sp>
+    </p:spTree>
+    <p:extLst>
+      <p:ext uri="{BB962C8B-B14F-4D97-AF65-F5344CB8AC3E}">
+        <p14:creationId xmlns:p14="http://schemas.microsoft.com/office/powerpoint/2010/main" val="1562005089"/>
+      </p:ext>
+    </p:extLst>
+  </p:cSld>
+  <p:clrMapOvr>
+    <a:masterClrMapping/>
+  </p:clrMapOvr>
+  <p:timing>
+    <p:tnLst>
+      <p:par>
+        <p:cTn xmlns:p14="http://schemas.microsoft.com/office/powerpoint/2010/main" id="1" dur="indefinite" restart="never" nodeType="tmRoot"/>
+      </p:par>
+    </p:tnLst>
+  </p:timing>
+</p:sld>
+</file>
+
+<file path=ppt/slides/slide19.xml><?xml version="1.0" encoding="utf-8"?>
+<p:sld xmlns:a="http://schemas.openxmlformats.org/drawingml/2006/main" xmlns:r="http://schemas.openxmlformats.org/officeDocument/2006/relationships" xmlns:p="http://schemas.openxmlformats.org/presentationml/2006/main">
+  <p:cSld>
+    <p:spTree>
+      <p:nvGrpSpPr>
+        <p:cNvPr id="1" name=""/>
+        <p:cNvGrpSpPr/>
+        <p:nvPr/>
+      </p:nvGrpSpPr>
+      <p:grpSpPr>
+        <a:xfrm>
+          <a:off x="0" y="0"/>
+          <a:ext cx="0" cy="0"/>
+          <a:chOff x="0" y="0"/>
+          <a:chExt cx="0" cy="0"/>
+        </a:xfrm>
+      </p:grpSpPr>
+      <p:sp>
+        <p:nvSpPr>
+          <p:cNvPr id="2" name="Title 1"/>
+          <p:cNvSpPr>
+            <a:spLocks noGrp="1"/>
+          </p:cNvSpPr>
+          <p:nvPr>
+            <p:ph type="title"/>
+          </p:nvPr>
+        </p:nvSpPr>
+        <p:spPr/>
+        <p:txBody>
+          <a:bodyPr>
+            <a:normAutofit/>
+          </a:bodyPr>
+          <a:lstStyle/>
+          <a:p>
+            <a:r>
+              <a:rPr lang="en-US" sz="4050" dirty="0" err="1"/>
+              <a:t>kNN</a:t>
+            </a:r>
+            <a:r>
+              <a:rPr lang="en-US" sz="4050" dirty="0"/>
+              <a:t> Recommender</a:t>
+            </a:r>
+          </a:p>
+        </p:txBody>
+      </p:sp>
+      <p:sp>
+        <p:nvSpPr>
+          <p:cNvPr id="3" name="Content Placeholder 2"/>
+          <p:cNvSpPr>
+            <a:spLocks noGrp="1"/>
+          </p:cNvSpPr>
+          <p:nvPr>
+            <p:ph idx="1"/>
+          </p:nvPr>
+        </p:nvSpPr>
+        <p:spPr>
+          <a:xfrm>
+            <a:off x="628650" y="2721467"/>
+            <a:ext cx="7886700" cy="2768505"/>
+          </a:xfrm>
+        </p:spPr>
+        <p:txBody>
+          <a:bodyPr/>
+          <a:lstStyle/>
+          <a:p>
+            <a:pPr marL="0" indent="0" algn="ctr">
+              <a:buNone/>
+            </a:pPr>
+            <a:r>
+              <a:rPr lang="en-US" sz="3000" dirty="0"/>
+              <a:t>Each unobserved rating is predicted as the </a:t>
+            </a:r>
+            <a:r>
+              <a:rPr lang="en-US" sz="3000" dirty="0">
+                <a:solidFill>
+                  <a:srgbClr val="C00000"/>
+                </a:solidFill>
+              </a:rPr>
+              <a:t>(weighted)</a:t>
+            </a:r>
+            <a:r>
+              <a:rPr lang="en-US" sz="3000" dirty="0"/>
+              <a:t> average of the </a:t>
+            </a:r>
+            <a:r>
+              <a:rPr lang="en-US" sz="3000" i="1" dirty="0"/>
+              <a:t>k</a:t>
+            </a:r>
+            <a:r>
+              <a:rPr lang="en-US" sz="3000" dirty="0"/>
+              <a:t> nearest neighbors (using Euclidean distance)</a:t>
+            </a:r>
+          </a:p>
+          <a:p>
+            <a:endParaRPr lang="en-US" dirty="0"/>
+          </a:p>
+        </p:txBody>
+      </p:sp>
+    </p:spTree>
+    <p:extLst>
+      <p:ext uri="{BB962C8B-B14F-4D97-AF65-F5344CB8AC3E}">
+        <p14:creationId xmlns:p14="http://schemas.microsoft.com/office/powerpoint/2010/main" val="1171659426"/>
+      </p:ext>
+    </p:extLst>
+  </p:cSld>
+  <p:clrMapOvr>
+    <a:masterClrMapping/>
+  </p:clrMapOvr>
+  <p:timing>
+    <p:tnLst>
+      <p:par>
+        <p:cTn xmlns:p14="http://schemas.microsoft.com/office/powerpoint/2010/main" id="1" dur="indefinite" restart="never" nodeType="tmRoot"/>
+      </p:par>
+    </p:tnLst>
+  </p:timing>
+</p:sld>
+</file>
+
+<file path=ppt/slides/slide2.xml><?xml version="1.0" encoding="utf-8"?>
+<p:sld xmlns:a="http://schemas.openxmlformats.org/drawingml/2006/main" xmlns:r="http://schemas.openxmlformats.org/officeDocument/2006/relationships" xmlns:p="http://schemas.openxmlformats.org/presentationml/2006/main">
+  <p:cSld>
+    <p:spTree>
+      <p:nvGrpSpPr>
+        <p:cNvPr id="1" name=""/>
+        <p:cNvGrpSpPr/>
+        <p:nvPr/>
+      </p:nvGrpSpPr>
+      <p:grpSpPr>
+        <a:xfrm>
+          <a:off x="0" y="0"/>
+          <a:ext cx="0" cy="0"/>
+          <a:chOff x="0" y="0"/>
+          <a:chExt cx="0" cy="0"/>
+        </a:xfrm>
+      </p:grpSpPr>
+      <p:sp>
+        <p:nvSpPr>
+          <p:cNvPr id="2" name="Title 1"/>
+          <p:cNvSpPr>
+            <a:spLocks noGrp="1"/>
+          </p:cNvSpPr>
+          <p:nvPr>
             <p:ph type="title"/>
           </p:nvPr>
         </p:nvSpPr>
@@ -4356,1784 +7665,6 @@
   <p:clrMapOvr>
     <a:masterClrMapping/>
   </p:clrMapOvr>
-</p:sld>
-</file>
-
-<file path=ppt/slides/slide10.xml><?xml version="1.0" encoding="utf-8"?>
-<p:sld xmlns:a="http://schemas.openxmlformats.org/drawingml/2006/main" xmlns:r="http://schemas.openxmlformats.org/officeDocument/2006/relationships" xmlns:p="http://schemas.openxmlformats.org/presentationml/2006/main">
-  <p:cSld>
-    <p:spTree>
-      <p:nvGrpSpPr>
-        <p:cNvPr id="1" name=""/>
-        <p:cNvGrpSpPr/>
-        <p:nvPr/>
-      </p:nvGrpSpPr>
-      <p:grpSpPr>
-        <a:xfrm>
-          <a:off x="0" y="0"/>
-          <a:ext cx="0" cy="0"/>
-          <a:chOff x="0" y="0"/>
-          <a:chExt cx="0" cy="0"/>
-        </a:xfrm>
-      </p:grpSpPr>
-      <p:pic>
-        <p:nvPicPr>
-          <p:cNvPr id="4" name="Content Placeholder 3"/>
-          <p:cNvPicPr>
-            <a:picLocks noGrp="1" noChangeAspect="1"/>
-          </p:cNvPicPr>
-          <p:nvPr>
-            <p:ph idx="1"/>
-          </p:nvPr>
-        </p:nvPicPr>
-        <p:blipFill rotWithShape="1">
-          <a:blip r:embed="rId2">
-            <a:alphaModFix/>
-          </a:blip>
-          <a:srcRect l="24857" t="7479" r="22794" b="12388"/>
-          <a:stretch/>
-        </p:blipFill>
-        <p:spPr>
-          <a:xfrm>
-            <a:off x="1643585" y="1028571"/>
-            <a:ext cx="5864611" cy="5805476"/>
-          </a:xfrm>
-        </p:spPr>
-      </p:pic>
-      <p:sp>
-        <p:nvSpPr>
-          <p:cNvPr id="2" name="Title 1"/>
-          <p:cNvSpPr>
-            <a:spLocks noGrp="1"/>
-          </p:cNvSpPr>
-          <p:nvPr>
-            <p:ph type="title"/>
-          </p:nvPr>
-        </p:nvSpPr>
-        <p:spPr/>
-        <p:txBody>
-          <a:bodyPr/>
-          <a:lstStyle/>
-          <a:p>
-            <a:r>
-              <a:rPr lang="en-US" dirty="0" smtClean="0">
-                <a:solidFill>
-                  <a:srgbClr val="FF0000"/>
-                </a:solidFill>
-              </a:rPr>
-              <a:t>Network</a:t>
-            </a:r>
-            <a:r>
-              <a:rPr lang="en-US" dirty="0" smtClean="0"/>
-              <a:t> </a:t>
-            </a:r>
-            <a:r>
-              <a:rPr lang="en-US" dirty="0" smtClean="0">
-                <a:solidFill>
-                  <a:srgbClr val="FF0000"/>
-                </a:solidFill>
-              </a:rPr>
-              <a:t>Graph</a:t>
-            </a:r>
-            <a:endParaRPr lang="en-US" dirty="0">
-              <a:solidFill>
-                <a:srgbClr val="FF0000"/>
-              </a:solidFill>
-            </a:endParaRPr>
-          </a:p>
-        </p:txBody>
-      </p:sp>
-      <p:sp>
-        <p:nvSpPr>
-          <p:cNvPr id="5" name="TextBox 4"/>
-          <p:cNvSpPr txBox="1"/>
-          <p:nvPr/>
-        </p:nvSpPr>
-        <p:spPr>
-          <a:xfrm>
-            <a:off x="88328" y="1063695"/>
-            <a:ext cx="4394178" cy="707886"/>
-          </a:xfrm>
-          <a:prstGeom prst="rect">
-            <a:avLst/>
-          </a:prstGeom>
-          <a:noFill/>
-        </p:spPr>
-        <p:txBody>
-          <a:bodyPr wrap="square" rtlCol="0">
-            <a:spAutoFit/>
-          </a:bodyPr>
-          <a:lstStyle/>
-          <a:p>
-            <a:r>
-              <a:rPr lang="en-US" sz="1000" dirty="0" smtClean="0">
-                <a:latin typeface="Courier"/>
-                <a:cs typeface="Courier"/>
-              </a:rPr>
-              <a:t>&gt;library(</a:t>
-            </a:r>
-            <a:r>
-              <a:rPr lang="en-US" sz="1000" dirty="0" err="1" smtClean="0">
-                <a:latin typeface="Courier"/>
-                <a:cs typeface="Courier"/>
-              </a:rPr>
-              <a:t>igraph</a:t>
-            </a:r>
-            <a:r>
-              <a:rPr lang="en-US" sz="1000" dirty="0" smtClean="0">
-                <a:latin typeface="Courier"/>
-                <a:cs typeface="Courier"/>
-              </a:rPr>
-              <a:t>)</a:t>
-            </a:r>
-          </a:p>
-          <a:p>
-            <a:r>
-              <a:rPr lang="en-US" sz="1000" dirty="0" smtClean="0">
-                <a:latin typeface="Courier"/>
-                <a:cs typeface="Courier"/>
-              </a:rPr>
-              <a:t>&gt;</a:t>
-            </a:r>
-            <a:r>
-              <a:rPr lang="en-US" sz="1000" dirty="0" err="1" smtClean="0">
-                <a:latin typeface="Courier"/>
-                <a:cs typeface="Courier"/>
-              </a:rPr>
-              <a:t>layout_fr</a:t>
-            </a:r>
-            <a:r>
-              <a:rPr lang="en-US" sz="1000" dirty="0" smtClean="0">
-                <a:latin typeface="Courier"/>
-                <a:cs typeface="Courier"/>
-              </a:rPr>
-              <a:t> </a:t>
-            </a:r>
-            <a:r>
-              <a:rPr lang="en-US" sz="1000" dirty="0">
-                <a:latin typeface="Courier"/>
-                <a:cs typeface="Courier"/>
-              </a:rPr>
-              <a:t>&lt;- </a:t>
-            </a:r>
-            <a:r>
-              <a:rPr lang="en-US" sz="1000" dirty="0" smtClean="0">
-                <a:latin typeface="Courier"/>
-                <a:cs typeface="Courier"/>
-              </a:rPr>
-              <a:t>layout.fruchterman.reingold</a:t>
-            </a:r>
-            <a:r>
-              <a:rPr lang="en-US" sz="1000" dirty="0">
-                <a:latin typeface="Courier"/>
-                <a:cs typeface="Courier"/>
-              </a:rPr>
-              <a:t>(</a:t>
-            </a:r>
-            <a:r>
-              <a:rPr lang="en-US" sz="1000" dirty="0" err="1">
-                <a:latin typeface="Courier"/>
-                <a:cs typeface="Courier"/>
-              </a:rPr>
-              <a:t>graph.yelp</a:t>
-            </a:r>
-            <a:r>
-              <a:rPr lang="en-US" sz="1000" dirty="0" smtClean="0">
-                <a:latin typeface="Courier"/>
-                <a:cs typeface="Courier"/>
-              </a:rPr>
-              <a:t>)</a:t>
-            </a:r>
-          </a:p>
-          <a:p>
-            <a:r>
-              <a:rPr lang="en-US" sz="1000" dirty="0" smtClean="0">
-                <a:latin typeface="Courier"/>
-                <a:cs typeface="Courier"/>
-              </a:rPr>
-              <a:t>&gt;plot</a:t>
-            </a:r>
-            <a:r>
-              <a:rPr lang="en-US" sz="1000" dirty="0">
-                <a:latin typeface="Courier"/>
-                <a:cs typeface="Courier"/>
-              </a:rPr>
-              <a:t>(</a:t>
-            </a:r>
-            <a:r>
-              <a:rPr lang="en-US" sz="1000" dirty="0" err="1">
-                <a:latin typeface="Courier"/>
-                <a:cs typeface="Courier"/>
-              </a:rPr>
-              <a:t>graph.yelp,layout</a:t>
-            </a:r>
-            <a:r>
-              <a:rPr lang="en-US" sz="1000" dirty="0">
-                <a:latin typeface="Courier"/>
-                <a:cs typeface="Courier"/>
-              </a:rPr>
-              <a:t>=</a:t>
-            </a:r>
-            <a:r>
-              <a:rPr lang="en-US" sz="1000" dirty="0" err="1" smtClean="0">
-                <a:latin typeface="Courier"/>
-                <a:cs typeface="Courier"/>
-              </a:rPr>
-              <a:t>layout_fr</a:t>
-            </a:r>
-            <a:r>
-              <a:rPr lang="en-US" sz="1000" dirty="0" smtClean="0">
-                <a:latin typeface="Courier"/>
-                <a:cs typeface="Courier"/>
-              </a:rPr>
-              <a:t>,</a:t>
-            </a:r>
-          </a:p>
-          <a:p>
-            <a:r>
-              <a:rPr lang="en-US" sz="1000" dirty="0">
-                <a:latin typeface="Courier"/>
-                <a:cs typeface="Courier"/>
-              </a:rPr>
-              <a:t> </a:t>
-            </a:r>
-            <a:r>
-              <a:rPr lang="en-US" sz="1000" dirty="0" smtClean="0">
-                <a:latin typeface="Courier"/>
-                <a:cs typeface="Courier"/>
-              </a:rPr>
-              <a:t>     </a:t>
-            </a:r>
-            <a:r>
-              <a:rPr lang="en-US" sz="1000" dirty="0" err="1" smtClean="0">
-                <a:latin typeface="Courier"/>
-                <a:cs typeface="Courier"/>
-              </a:rPr>
-              <a:t>vertex.size</a:t>
-            </a:r>
-            <a:r>
-              <a:rPr lang="en-US" sz="1000" dirty="0">
-                <a:latin typeface="Courier"/>
-                <a:cs typeface="Courier"/>
-              </a:rPr>
-              <a:t>=0.1, </a:t>
-            </a:r>
-            <a:r>
-              <a:rPr lang="en-US" sz="1000" dirty="0" err="1">
-                <a:latin typeface="Courier"/>
-                <a:cs typeface="Courier"/>
-              </a:rPr>
-              <a:t>vertex.label</a:t>
-            </a:r>
-            <a:r>
-              <a:rPr lang="en-US" sz="1000" dirty="0">
-                <a:latin typeface="Courier"/>
-                <a:cs typeface="Courier"/>
-              </a:rPr>
-              <a:t>=NA)</a:t>
-            </a:r>
-          </a:p>
-        </p:txBody>
-      </p:sp>
-    </p:spTree>
-    <p:extLst>
-      <p:ext uri="{BB962C8B-B14F-4D97-AF65-F5344CB8AC3E}">
-        <p14:creationId xmlns:p14="http://schemas.microsoft.com/office/powerpoint/2010/main" val="948980550"/>
-      </p:ext>
-    </p:extLst>
-  </p:cSld>
-  <p:clrMapOvr>
-    <a:masterClrMapping/>
-  </p:clrMapOvr>
-</p:sld>
-</file>
-
-<file path=ppt/slides/slide11.xml><?xml version="1.0" encoding="utf-8"?>
-<p:sld xmlns:a="http://schemas.openxmlformats.org/drawingml/2006/main" xmlns:r="http://schemas.openxmlformats.org/officeDocument/2006/relationships" xmlns:p="http://schemas.openxmlformats.org/presentationml/2006/main">
-  <p:cSld>
-    <p:spTree>
-      <p:nvGrpSpPr>
-        <p:cNvPr id="1" name=""/>
-        <p:cNvGrpSpPr/>
-        <p:nvPr/>
-      </p:nvGrpSpPr>
-      <p:grpSpPr>
-        <a:xfrm>
-          <a:off x="0" y="0"/>
-          <a:ext cx="0" cy="0"/>
-          <a:chOff x="0" y="0"/>
-          <a:chExt cx="0" cy="0"/>
-        </a:xfrm>
-      </p:grpSpPr>
-      <p:sp>
-        <p:nvSpPr>
-          <p:cNvPr id="2" name="Title 1"/>
-          <p:cNvSpPr>
-            <a:spLocks noGrp="1"/>
-          </p:cNvSpPr>
-          <p:nvPr>
-            <p:ph type="title"/>
-          </p:nvPr>
-        </p:nvSpPr>
-        <p:spPr/>
-        <p:txBody>
-          <a:bodyPr/>
-          <a:lstStyle/>
-          <a:p>
-            <a:r>
-              <a:rPr lang="en-US" dirty="0" smtClean="0">
-                <a:solidFill>
-                  <a:srgbClr val="FF0000"/>
-                </a:solidFill>
-              </a:rPr>
-              <a:t>Finding Your 2-hop Neighbors</a:t>
-            </a:r>
-            <a:endParaRPr lang="en-US" dirty="0">
-              <a:solidFill>
-                <a:srgbClr val="FF0000"/>
-              </a:solidFill>
-            </a:endParaRPr>
-          </a:p>
-        </p:txBody>
-      </p:sp>
-      <p:sp>
-        <p:nvSpPr>
-          <p:cNvPr id="6" name="Content Placeholder 5"/>
-          <p:cNvSpPr>
-            <a:spLocks noGrp="1"/>
-          </p:cNvSpPr>
-          <p:nvPr>
-            <p:ph idx="1"/>
-          </p:nvPr>
-        </p:nvSpPr>
-        <p:spPr/>
-        <p:txBody>
-          <a:bodyPr numCol="2">
-            <a:noAutofit/>
-          </a:bodyPr>
-          <a:lstStyle/>
-          <a:p>
-            <a:pPr>
-              <a:buFont typeface="Lucida Grande"/>
-              <a:buChar char="&gt;"/>
-            </a:pPr>
-            <a:r>
-              <a:rPr lang="en-US" sz="1400" dirty="0" smtClean="0"/>
-              <a:t>Create Ad</a:t>
-            </a:r>
-          </a:p>
-          <a:p>
-            <a:pPr>
-              <a:buFont typeface="Lucida Grande"/>
-              <a:buChar char="&gt;"/>
-            </a:pPr>
-            <a:r>
-              <a:rPr lang="en-US" sz="1400" dirty="0" smtClean="0"/>
-              <a:t>library(</a:t>
-            </a:r>
-            <a:r>
-              <a:rPr lang="en-US" sz="1400" dirty="0" err="1" smtClean="0"/>
-              <a:t>igraph</a:t>
-            </a:r>
-            <a:r>
-              <a:rPr lang="en-US" sz="1400" dirty="0" smtClean="0"/>
-              <a:t>)</a:t>
-            </a:r>
-          </a:p>
-          <a:p>
-            <a:pPr>
-              <a:buFont typeface="Lucida Grande"/>
-              <a:buChar char="&gt;"/>
-            </a:pPr>
-            <a:r>
-              <a:rPr lang="en-US" sz="1400" dirty="0" smtClean="0"/>
-              <a:t>library(Matrix)</a:t>
-            </a:r>
-          </a:p>
-          <a:p>
-            <a:pPr>
-              <a:buFont typeface="Lucida Grande"/>
-              <a:buChar char="&gt;"/>
-            </a:pPr>
-            <a:r>
-              <a:rPr lang="en-US" sz="1400" dirty="0" err="1" smtClean="0"/>
-              <a:t>az_net</a:t>
-            </a:r>
-            <a:r>
-              <a:rPr lang="en-US" sz="1400" dirty="0" smtClean="0"/>
-              <a:t> &lt;- </a:t>
-            </a:r>
-            <a:r>
-              <a:rPr lang="en-US" sz="1400" dirty="0" err="1" smtClean="0"/>
-              <a:t>as.matrix</a:t>
-            </a:r>
-            <a:r>
-              <a:rPr lang="en-US" sz="1400" dirty="0" smtClean="0"/>
-              <a:t>(</a:t>
-            </a:r>
-            <a:r>
-              <a:rPr lang="en-US" sz="1400" dirty="0" err="1" smtClean="0"/>
-              <a:t>az.edgelist</a:t>
-            </a:r>
-            <a:r>
-              <a:rPr lang="en-US" sz="1400" dirty="0" smtClean="0"/>
-              <a:t>[,3:4]) #convert data frame into a matrix</a:t>
-            </a:r>
-          </a:p>
-          <a:p>
-            <a:pPr>
-              <a:buFont typeface="Lucida Grande"/>
-              <a:buChar char="&gt;"/>
-            </a:pPr>
-            <a:r>
-              <a:rPr lang="en-US" sz="1400" dirty="0" err="1" smtClean="0"/>
-              <a:t>graph.az</a:t>
-            </a:r>
-            <a:r>
-              <a:rPr lang="en-US" sz="1400" dirty="0" smtClean="0"/>
-              <a:t> &lt;- </a:t>
-            </a:r>
-            <a:r>
-              <a:rPr lang="en-US" sz="1400" dirty="0" err="1" smtClean="0"/>
-              <a:t>graph.edgelist</a:t>
-            </a:r>
-            <a:r>
-              <a:rPr lang="en-US" sz="1400" dirty="0" smtClean="0"/>
-              <a:t>(</a:t>
-            </a:r>
-            <a:r>
-              <a:rPr lang="en-US" sz="1400" dirty="0" err="1" smtClean="0"/>
-              <a:t>az_net,directed</a:t>
-            </a:r>
-            <a:r>
-              <a:rPr lang="en-US" sz="1400" dirty="0" smtClean="0"/>
-              <a:t>=FALSE) #create </a:t>
-            </a:r>
-            <a:r>
-              <a:rPr lang="en-US" sz="1400" dirty="0" err="1" smtClean="0"/>
-              <a:t>igraph</a:t>
-            </a:r>
-            <a:r>
-              <a:rPr lang="en-US" sz="1400" dirty="0" smtClean="0"/>
-              <a:t> object</a:t>
-            </a:r>
-            <a:endParaRPr lang="en-US" sz="1400" dirty="0"/>
-          </a:p>
-          <a:p>
-            <a:pPr>
-              <a:buFont typeface="Lucida Grande"/>
-              <a:buChar char="&gt;"/>
-            </a:pPr>
-            <a:r>
-              <a:rPr lang="en-US" sz="1400" dirty="0" err="1" smtClean="0"/>
-              <a:t>adj.az</a:t>
-            </a:r>
-            <a:r>
-              <a:rPr lang="en-US" sz="1400" dirty="0" smtClean="0"/>
-              <a:t> &lt;- Matrix(</a:t>
-            </a:r>
-            <a:r>
-              <a:rPr lang="en-US" sz="1400" dirty="0" err="1" smtClean="0"/>
-              <a:t>get.adjacency</a:t>
-            </a:r>
-            <a:r>
-              <a:rPr lang="en-US" sz="1400" dirty="0" smtClean="0"/>
-              <a:t>(</a:t>
-            </a:r>
-            <a:r>
-              <a:rPr lang="en-US" sz="1400" dirty="0" err="1" smtClean="0"/>
-              <a:t>graph.az</a:t>
-            </a:r>
-            <a:r>
-              <a:rPr lang="en-US" sz="1400" dirty="0" smtClean="0"/>
-              <a:t>),sparse=TRUE) #write out adjacency matrix</a:t>
-            </a:r>
-          </a:p>
-          <a:p>
-            <a:pPr>
-              <a:buFont typeface="Lucida Grande"/>
-              <a:buChar char="&gt;"/>
-            </a:pPr>
-            <a:r>
-              <a:rPr lang="en-US" sz="1400" dirty="0" smtClean="0"/>
-              <a:t>d2 &lt;- </a:t>
-            </a:r>
-            <a:r>
-              <a:rPr lang="en-US" sz="1400" dirty="0" err="1" smtClean="0"/>
-              <a:t>adj.az</a:t>
-            </a:r>
-            <a:r>
-              <a:rPr lang="en-US" sz="1400" dirty="0" smtClean="0"/>
-              <a:t> %*% </a:t>
-            </a:r>
-            <a:r>
-              <a:rPr lang="en-US" sz="1400" dirty="0" err="1" smtClean="0"/>
-              <a:t>adj.az</a:t>
-            </a:r>
-            <a:r>
-              <a:rPr lang="en-US" sz="1400" dirty="0" smtClean="0"/>
-              <a:t> # d2 contains 2-walks</a:t>
-            </a:r>
-          </a:p>
-          <a:p>
-            <a:pPr>
-              <a:buFont typeface="Lucida Grande"/>
-              <a:buChar char="&gt;"/>
-            </a:pPr>
-            <a:r>
-              <a:rPr lang="en-US" sz="1400" dirty="0" err="1" smtClean="0"/>
-              <a:t>diag</a:t>
-            </a:r>
-            <a:r>
-              <a:rPr lang="en-US" sz="1400" dirty="0" smtClean="0"/>
-              <a:t>(d2) &lt;- 0     # take out loops</a:t>
-            </a:r>
-          </a:p>
-          <a:p>
-            <a:pPr>
-              <a:buFont typeface="Lucida Grande"/>
-              <a:buChar char="&gt;"/>
-            </a:pPr>
-            <a:endParaRPr lang="en-US" sz="1400" dirty="0" smtClean="0"/>
-          </a:p>
-          <a:p>
-            <a:pPr>
-              <a:buFont typeface="Lucida Grande"/>
-              <a:buChar char="&gt;"/>
-            </a:pPr>
-            <a:endParaRPr lang="en-US" sz="1400" dirty="0" smtClean="0"/>
-          </a:p>
-          <a:p>
-            <a:pPr>
-              <a:buFont typeface="Lucida Grande"/>
-              <a:buChar char="&gt;"/>
-            </a:pPr>
-            <a:endParaRPr lang="en-US" sz="1400" dirty="0" smtClean="0"/>
-          </a:p>
-          <a:p>
-            <a:pPr>
-              <a:buFont typeface="Lucida Grande"/>
-              <a:buChar char="&gt;"/>
-            </a:pPr>
-            <a:endParaRPr lang="en-US" sz="1400" dirty="0"/>
-          </a:p>
-          <a:p>
-            <a:pPr>
-              <a:buFont typeface="Lucida Grande"/>
-              <a:buChar char="&gt;"/>
-            </a:pPr>
-            <a:endParaRPr lang="en-US" sz="1400" dirty="0" smtClean="0"/>
-          </a:p>
-          <a:p>
-            <a:pPr>
-              <a:buFont typeface="Lucida Grande"/>
-              <a:buChar char="&gt;"/>
-            </a:pPr>
-            <a:endParaRPr lang="en-US" sz="1400" dirty="0"/>
-          </a:p>
-          <a:p>
-            <a:pPr>
-              <a:buFont typeface="Lucida Grande"/>
-              <a:buChar char="&gt;"/>
-            </a:pPr>
-            <a:endParaRPr lang="en-US" sz="1400" dirty="0" smtClean="0"/>
-          </a:p>
-          <a:p>
-            <a:pPr>
-              <a:buFont typeface="Lucida Grande"/>
-              <a:buChar char="&gt;"/>
-            </a:pPr>
-            <a:r>
-              <a:rPr lang="en-US" sz="1400" dirty="0" smtClean="0"/>
-              <a:t>D2 &lt;- d2</a:t>
-            </a:r>
-          </a:p>
-          <a:p>
-            <a:pPr>
-              <a:buFont typeface="Lucida Grande"/>
-              <a:buChar char="&gt;"/>
-            </a:pPr>
-            <a:r>
-              <a:rPr lang="en-US" sz="1400" dirty="0" smtClean="0"/>
-              <a:t>D2[</a:t>
-            </a:r>
-            <a:r>
-              <a:rPr lang="en-US" sz="1400" dirty="0" err="1" smtClean="0"/>
-              <a:t>adj.az</a:t>
-            </a:r>
-            <a:r>
-              <a:rPr lang="en-US" sz="1400" dirty="0" smtClean="0"/>
-              <a:t>==1] &lt;- 0 # remove 1st degree connections</a:t>
-            </a:r>
-            <a:endParaRPr lang="en-US" sz="1400" dirty="0" smtClean="0"/>
-          </a:p>
-          <a:p>
-            <a:pPr>
-              <a:buFont typeface="Lucida Grande"/>
-              <a:buChar char="&gt;"/>
-            </a:pPr>
-            <a:r>
-              <a:rPr lang="en-US" sz="1400" dirty="0" smtClean="0"/>
-              <a:t>D2[D2!=0] &lt;- 1       # transform to remove multiplicity of walks</a:t>
-            </a:r>
-          </a:p>
-          <a:p>
-            <a:pPr>
-              <a:buFont typeface="Lucida Grande"/>
-              <a:buChar char="&gt;"/>
-            </a:pPr>
-            <a:r>
-              <a:rPr lang="en-US" sz="1400" dirty="0" smtClean="0"/>
-              <a:t>D2[D2&lt;0] &lt;- 0 # remove negative values created by above</a:t>
-            </a:r>
-            <a:endParaRPr lang="en-US" sz="1400" dirty="0"/>
-          </a:p>
-        </p:txBody>
-      </p:sp>
-      <p:pic>
-        <p:nvPicPr>
-          <p:cNvPr id="7" name="Picture 6"/>
-          <p:cNvPicPr>
-            <a:picLocks noChangeAspect="1"/>
-          </p:cNvPicPr>
-          <p:nvPr/>
-        </p:nvPicPr>
-        <p:blipFill>
-          <a:blip r:embed="rId2"/>
-          <a:stretch>
-            <a:fillRect/>
-          </a:stretch>
-        </p:blipFill>
-        <p:spPr>
-          <a:xfrm>
-            <a:off x="3278775" y="4371252"/>
-            <a:ext cx="5268221" cy="2124715"/>
-          </a:xfrm>
-          <a:prstGeom prst="rect">
-            <a:avLst/>
-          </a:prstGeom>
-        </p:spPr>
-      </p:pic>
-    </p:spTree>
-    <p:extLst>
-      <p:ext uri="{BB962C8B-B14F-4D97-AF65-F5344CB8AC3E}">
-        <p14:creationId xmlns:p14="http://schemas.microsoft.com/office/powerpoint/2010/main" val="1631747418"/>
-      </p:ext>
-    </p:extLst>
-  </p:cSld>
-  <p:clrMapOvr>
-    <a:masterClrMapping/>
-  </p:clrMapOvr>
-</p:sld>
-</file>
-
-<file path=ppt/slides/slide12.xml><?xml version="1.0" encoding="utf-8"?>
-<p:sld xmlns:a="http://schemas.openxmlformats.org/drawingml/2006/main" xmlns:r="http://schemas.openxmlformats.org/officeDocument/2006/relationships" xmlns:p="http://schemas.openxmlformats.org/presentationml/2006/main">
-  <p:cSld>
-    <p:spTree>
-      <p:nvGrpSpPr>
-        <p:cNvPr id="1" name=""/>
-        <p:cNvGrpSpPr/>
-        <p:nvPr/>
-      </p:nvGrpSpPr>
-      <p:grpSpPr>
-        <a:xfrm>
-          <a:off x="0" y="0"/>
-          <a:ext cx="0" cy="0"/>
-          <a:chOff x="0" y="0"/>
-          <a:chExt cx="0" cy="0"/>
-        </a:xfrm>
-      </p:grpSpPr>
-      <p:sp>
-        <p:nvSpPr>
-          <p:cNvPr id="2" name="Title 1"/>
-          <p:cNvSpPr>
-            <a:spLocks noGrp="1"/>
-          </p:cNvSpPr>
-          <p:nvPr>
-            <p:ph type="title"/>
-          </p:nvPr>
-        </p:nvSpPr>
-        <p:spPr/>
-        <p:txBody>
-          <a:bodyPr/>
-          <a:lstStyle/>
-          <a:p>
-            <a:r>
-              <a:rPr lang="en-US" dirty="0" smtClean="0"/>
-              <a:t>Connection Distribution</a:t>
-            </a:r>
-            <a:endParaRPr lang="en-US" dirty="0"/>
-          </a:p>
-        </p:txBody>
-      </p:sp>
-      <p:sp>
-        <p:nvSpPr>
-          <p:cNvPr id="3" name="Text Placeholder 2"/>
-          <p:cNvSpPr>
-            <a:spLocks noGrp="1"/>
-          </p:cNvSpPr>
-          <p:nvPr>
-            <p:ph type="body" idx="1"/>
-          </p:nvPr>
-        </p:nvSpPr>
-        <p:spPr/>
-        <p:txBody>
-          <a:bodyPr/>
-          <a:lstStyle/>
-          <a:p>
-            <a:pPr algn="ctr"/>
-            <a:r>
-              <a:rPr lang="en-US" dirty="0" smtClean="0">
-                <a:solidFill>
-                  <a:srgbClr val="FF0000"/>
-                </a:solidFill>
-              </a:rPr>
-              <a:t>1</a:t>
-            </a:r>
-            <a:r>
-              <a:rPr lang="en-US" baseline="30000" dirty="0" smtClean="0">
-                <a:solidFill>
-                  <a:srgbClr val="FF0000"/>
-                </a:solidFill>
-              </a:rPr>
-              <a:t>st</a:t>
-            </a:r>
-            <a:r>
-              <a:rPr lang="en-US" dirty="0" smtClean="0">
-                <a:solidFill>
-                  <a:srgbClr val="FF0000"/>
-                </a:solidFill>
-              </a:rPr>
-              <a:t> Degree</a:t>
-            </a:r>
-            <a:endParaRPr lang="en-US" dirty="0">
-              <a:solidFill>
-                <a:srgbClr val="FF0000"/>
-              </a:solidFill>
-            </a:endParaRPr>
-          </a:p>
-        </p:txBody>
-      </p:sp>
-      <p:pic>
-        <p:nvPicPr>
-          <p:cNvPr id="8" name="Content Placeholder 7"/>
-          <p:cNvPicPr>
-            <a:picLocks noGrp="1" noChangeAspect="1"/>
-          </p:cNvPicPr>
-          <p:nvPr>
-            <p:ph sz="half" idx="2"/>
-          </p:nvPr>
-        </p:nvPicPr>
-        <p:blipFill>
-          <a:blip r:embed="rId2"/>
-          <a:srcRect t="-22103" b="-22103"/>
-          <a:stretch>
-            <a:fillRect/>
-          </a:stretch>
-        </p:blipFill>
-        <p:spPr/>
-      </p:pic>
-      <p:sp>
-        <p:nvSpPr>
-          <p:cNvPr id="5" name="Text Placeholder 4"/>
-          <p:cNvSpPr>
-            <a:spLocks noGrp="1"/>
-          </p:cNvSpPr>
-          <p:nvPr>
-            <p:ph type="body" sz="quarter" idx="3"/>
-          </p:nvPr>
-        </p:nvSpPr>
-        <p:spPr/>
-        <p:txBody>
-          <a:bodyPr/>
-          <a:lstStyle/>
-          <a:p>
-            <a:pPr algn="ctr"/>
-            <a:r>
-              <a:rPr lang="en-US" dirty="0" smtClean="0">
-                <a:solidFill>
-                  <a:srgbClr val="FF0000"/>
-                </a:solidFill>
-              </a:rPr>
-              <a:t>2</a:t>
-            </a:r>
-            <a:r>
-              <a:rPr lang="en-US" baseline="30000" dirty="0" smtClean="0">
-                <a:solidFill>
-                  <a:srgbClr val="FF0000"/>
-                </a:solidFill>
-              </a:rPr>
-              <a:t>nd</a:t>
-            </a:r>
-            <a:r>
-              <a:rPr lang="en-US" dirty="0" smtClean="0">
-                <a:solidFill>
-                  <a:srgbClr val="FF0000"/>
-                </a:solidFill>
-              </a:rPr>
-              <a:t> Degree</a:t>
-            </a:r>
-            <a:endParaRPr lang="en-US" dirty="0">
-              <a:solidFill>
-                <a:srgbClr val="FF0000"/>
-              </a:solidFill>
-            </a:endParaRPr>
-          </a:p>
-        </p:txBody>
-      </p:sp>
-      <p:pic>
-        <p:nvPicPr>
-          <p:cNvPr id="13" name="Content Placeholder 12"/>
-          <p:cNvPicPr>
-            <a:picLocks noGrp="1" noChangeAspect="1"/>
-          </p:cNvPicPr>
-          <p:nvPr>
-            <p:ph sz="quarter" idx="4"/>
-          </p:nvPr>
-        </p:nvPicPr>
-        <p:blipFill>
-          <a:blip r:embed="rId3"/>
-          <a:srcRect t="-21445" b="-21445"/>
-          <a:stretch>
-            <a:fillRect/>
-          </a:stretch>
-        </p:blipFill>
-        <p:spPr/>
-      </p:pic>
-    </p:spTree>
-    <p:extLst>
-      <p:ext uri="{BB962C8B-B14F-4D97-AF65-F5344CB8AC3E}">
-        <p14:creationId xmlns:p14="http://schemas.microsoft.com/office/powerpoint/2010/main" val="1987523150"/>
-      </p:ext>
-    </p:extLst>
-  </p:cSld>
-  <p:clrMapOvr>
-    <a:masterClrMapping/>
-  </p:clrMapOvr>
-</p:sld>
-</file>
-
-<file path=ppt/slides/slide13.xml><?xml version="1.0" encoding="utf-8"?>
-<p:sld xmlns:a="http://schemas.openxmlformats.org/drawingml/2006/main" xmlns:r="http://schemas.openxmlformats.org/officeDocument/2006/relationships" xmlns:p="http://schemas.openxmlformats.org/presentationml/2006/main">
-  <p:cSld>
-    <p:spTree>
-      <p:nvGrpSpPr>
-        <p:cNvPr id="1" name=""/>
-        <p:cNvGrpSpPr/>
-        <p:nvPr/>
-      </p:nvGrpSpPr>
-      <p:grpSpPr>
-        <a:xfrm>
-          <a:off x="0" y="0"/>
-          <a:ext cx="0" cy="0"/>
-          <a:chOff x="0" y="0"/>
-          <a:chExt cx="0" cy="0"/>
-        </a:xfrm>
-      </p:grpSpPr>
-      <p:sp>
-        <p:nvSpPr>
-          <p:cNvPr id="2" name="Title 1"/>
-          <p:cNvSpPr>
-            <a:spLocks noGrp="1"/>
-          </p:cNvSpPr>
-          <p:nvPr>
-            <p:ph type="title"/>
-          </p:nvPr>
-        </p:nvSpPr>
-        <p:spPr/>
-        <p:txBody>
-          <a:bodyPr/>
-          <a:lstStyle/>
-          <a:p>
-            <a:r>
-              <a:rPr lang="en-US" dirty="0" smtClean="0">
-                <a:solidFill>
-                  <a:srgbClr val="FF0000"/>
-                </a:solidFill>
-              </a:rPr>
-              <a:t>Friends and Friends-of-Friends</a:t>
-            </a:r>
-            <a:endParaRPr lang="en-US" dirty="0">
-              <a:solidFill>
-                <a:srgbClr val="FF0000"/>
-              </a:solidFill>
-            </a:endParaRPr>
-          </a:p>
-        </p:txBody>
-      </p:sp>
-      <p:pic>
-        <p:nvPicPr>
-          <p:cNvPr id="4" name="Content Placeholder 3"/>
-          <p:cNvPicPr>
-            <a:picLocks noGrp="1" noChangeAspect="1"/>
-          </p:cNvPicPr>
-          <p:nvPr>
-            <p:ph idx="1"/>
-          </p:nvPr>
-        </p:nvPicPr>
-        <p:blipFill>
-          <a:blip r:embed="rId2"/>
-          <a:srcRect l="-12201" r="-12201"/>
-          <a:stretch>
-            <a:fillRect/>
-          </a:stretch>
-        </p:blipFill>
-        <p:spPr/>
-      </p:pic>
-    </p:spTree>
-    <p:extLst>
-      <p:ext uri="{BB962C8B-B14F-4D97-AF65-F5344CB8AC3E}">
-        <p14:creationId xmlns:p14="http://schemas.microsoft.com/office/powerpoint/2010/main" val="321977309"/>
-      </p:ext>
-    </p:extLst>
-  </p:cSld>
-  <p:clrMapOvr>
-    <a:masterClrMapping/>
-  </p:clrMapOvr>
-</p:sld>
-</file>
-
-<file path=ppt/slides/slide14.xml><?xml version="1.0" encoding="utf-8"?>
-<p:sld xmlns:a="http://schemas.openxmlformats.org/drawingml/2006/main" xmlns:r="http://schemas.openxmlformats.org/officeDocument/2006/relationships" xmlns:p="http://schemas.openxmlformats.org/presentationml/2006/main">
-  <p:cSld>
-    <p:spTree>
-      <p:nvGrpSpPr>
-        <p:cNvPr id="1" name=""/>
-        <p:cNvGrpSpPr/>
-        <p:nvPr/>
-      </p:nvGrpSpPr>
-      <p:grpSpPr>
-        <a:xfrm>
-          <a:off x="0" y="0"/>
-          <a:ext cx="0" cy="0"/>
-          <a:chOff x="0" y="0"/>
-          <a:chExt cx="0" cy="0"/>
-        </a:xfrm>
-      </p:grpSpPr>
-      <p:sp>
-        <p:nvSpPr>
-          <p:cNvPr id="2" name="Title 1"/>
-          <p:cNvSpPr>
-            <a:spLocks noGrp="1"/>
-          </p:cNvSpPr>
-          <p:nvPr>
-            <p:ph type="title"/>
-          </p:nvPr>
-        </p:nvSpPr>
-        <p:spPr/>
-        <p:txBody>
-          <a:bodyPr/>
-          <a:lstStyle/>
-          <a:p>
-            <a:r>
-              <a:rPr lang="en-US" dirty="0" smtClean="0">
-                <a:solidFill>
-                  <a:srgbClr val="FF0000"/>
-                </a:solidFill>
-              </a:rPr>
-              <a:t>Network Recommendations</a:t>
-            </a:r>
-            <a:endParaRPr lang="en-US" dirty="0">
-              <a:solidFill>
-                <a:srgbClr val="FF0000"/>
-              </a:solidFill>
-            </a:endParaRPr>
-          </a:p>
-        </p:txBody>
-      </p:sp>
-      <p:sp>
-        <p:nvSpPr>
-          <p:cNvPr id="3" name="Content Placeholder 2"/>
-          <p:cNvSpPr>
-            <a:spLocks noGrp="1"/>
-          </p:cNvSpPr>
-          <p:nvPr>
-            <p:ph idx="1"/>
-          </p:nvPr>
-        </p:nvSpPr>
-        <p:spPr>
-          <a:xfrm>
-            <a:off x="457200" y="1600200"/>
-            <a:ext cx="3930380" cy="4967574"/>
-          </a:xfrm>
-        </p:spPr>
-        <p:txBody>
-          <a:bodyPr>
-            <a:noAutofit/>
-          </a:bodyPr>
-          <a:lstStyle/>
-          <a:p>
-            <a:pPr>
-              <a:buFont typeface="Lucida Grande"/>
-              <a:buChar char="&gt;"/>
-            </a:pPr>
-            <a:r>
-              <a:rPr lang="en-US" sz="800" dirty="0" smtClean="0"/>
-              <a:t>ratings1 &lt;- Matrix(0,nrow=dim(</a:t>
-            </a:r>
-            <a:r>
-              <a:rPr lang="en-US" sz="800" dirty="0" err="1" smtClean="0"/>
-              <a:t>az.key</a:t>
-            </a:r>
-            <a:r>
-              <a:rPr lang="en-US" sz="800" dirty="0" smtClean="0"/>
-              <a:t>)[1],</a:t>
-            </a:r>
-            <a:r>
-              <a:rPr lang="en-US" sz="800" dirty="0" err="1" smtClean="0"/>
-              <a:t>ncol</a:t>
-            </a:r>
-            <a:r>
-              <a:rPr lang="en-US" sz="800" dirty="0" smtClean="0"/>
-              <a:t>=dim(</a:t>
-            </a:r>
-            <a:r>
-              <a:rPr lang="en-US" sz="800" dirty="0" err="1" smtClean="0"/>
-              <a:t>bizcount</a:t>
-            </a:r>
-            <a:r>
-              <a:rPr lang="en-US" sz="800" dirty="0" smtClean="0"/>
-              <a:t>)[1],sparse=TRUE)</a:t>
-            </a:r>
-          </a:p>
-          <a:p>
-            <a:pPr lvl="1">
-              <a:buFont typeface="Lucida Grande"/>
-              <a:buChar char="&gt;"/>
-            </a:pPr>
-            <a:r>
-              <a:rPr lang="en-US" sz="800" dirty="0" smtClean="0"/>
-              <a:t>…	</a:t>
-            </a:r>
-          </a:p>
-          <a:p>
-            <a:pPr>
-              <a:buFont typeface="Lucida Grande"/>
-              <a:buChar char="&gt;"/>
-            </a:pPr>
-            <a:r>
-              <a:rPr lang="en-US" sz="800" dirty="0" smtClean="0"/>
-              <a:t>for (</a:t>
-            </a:r>
-            <a:r>
-              <a:rPr lang="en-US" sz="800" dirty="0" err="1" smtClean="0"/>
-              <a:t>i</a:t>
-            </a:r>
-            <a:r>
-              <a:rPr lang="en-US" sz="800" dirty="0" smtClean="0"/>
-              <a:t> in 1:dim(</a:t>
-            </a:r>
-            <a:r>
-              <a:rPr lang="en-US" sz="800" dirty="0" err="1" smtClean="0"/>
-              <a:t>bizcount</a:t>
-            </a:r>
-            <a:r>
-              <a:rPr lang="en-US" sz="800" dirty="0" smtClean="0"/>
-              <a:t>)[1]){ #7941</a:t>
-            </a:r>
-          </a:p>
-          <a:p>
-            <a:pPr>
-              <a:buFont typeface="Lucida Grande"/>
-              <a:buChar char="&gt;"/>
-            </a:pPr>
-            <a:r>
-              <a:rPr lang="en-US" sz="800" dirty="0" smtClean="0"/>
-              <a:t>    </a:t>
-            </a:r>
-            <a:r>
-              <a:rPr lang="en-US" sz="800" dirty="0" err="1" smtClean="0"/>
-              <a:t>reviewbybiz</a:t>
-            </a:r>
-            <a:r>
-              <a:rPr lang="en-US" sz="800" dirty="0" smtClean="0"/>
-              <a:t> &lt;- </a:t>
-            </a:r>
-            <a:r>
-              <a:rPr lang="en-US" sz="800" dirty="0" err="1" smtClean="0"/>
-              <a:t>az.review</a:t>
-            </a:r>
-            <a:r>
-              <a:rPr lang="en-US" sz="800" dirty="0" smtClean="0"/>
-              <a:t>[</a:t>
-            </a:r>
-            <a:r>
-              <a:rPr lang="en-US" sz="800" dirty="0" err="1" smtClean="0"/>
-              <a:t>az.review$bizkey</a:t>
-            </a:r>
-            <a:r>
-              <a:rPr lang="en-US" sz="800" dirty="0" smtClean="0"/>
-              <a:t>==</a:t>
-            </a:r>
-            <a:r>
-              <a:rPr lang="en-US" sz="800" dirty="0" err="1" smtClean="0"/>
-              <a:t>bizcount$bizkey</a:t>
-            </a:r>
-            <a:r>
-              <a:rPr lang="en-US" sz="800" dirty="0" smtClean="0"/>
-              <a:t>[</a:t>
-            </a:r>
-            <a:r>
-              <a:rPr lang="en-US" sz="800" dirty="0" err="1" smtClean="0"/>
-              <a:t>i</a:t>
-            </a:r>
-            <a:r>
-              <a:rPr lang="en-US" sz="800" dirty="0" smtClean="0"/>
-              <a:t>],]</a:t>
-            </a:r>
-          </a:p>
-          <a:p>
-            <a:pPr>
-              <a:buFont typeface="Lucida Grande"/>
-              <a:buChar char="&gt;"/>
-            </a:pPr>
-            <a:r>
-              <a:rPr lang="en-US" sz="800" dirty="0" smtClean="0"/>
-              <a:t>  </a:t>
-            </a:r>
-            <a:r>
-              <a:rPr lang="en-US" sz="800" dirty="0" smtClean="0">
-                <a:solidFill>
-                  <a:srgbClr val="3366FF"/>
-                </a:solidFill>
-              </a:rPr>
-              <a:t>  # 1st Degree node</a:t>
-            </a:r>
-          </a:p>
-          <a:p>
-            <a:pPr>
-              <a:buFont typeface="Lucida Grande"/>
-              <a:buChar char="&gt;"/>
-            </a:pPr>
-            <a:r>
-              <a:rPr lang="en-US" sz="800" dirty="0" smtClean="0"/>
-              <a:t>    </a:t>
-            </a:r>
-            <a:r>
-              <a:rPr lang="en-US" sz="800" dirty="0" err="1" smtClean="0"/>
-              <a:t>cnxlist.N</a:t>
-            </a:r>
-            <a:r>
-              <a:rPr lang="en-US" sz="800" dirty="0" smtClean="0"/>
-              <a:t> &lt;- </a:t>
-            </a:r>
-            <a:r>
-              <a:rPr lang="en-US" sz="800" dirty="0" err="1" smtClean="0"/>
-              <a:t>reviewbybiz</a:t>
-            </a:r>
-            <a:r>
-              <a:rPr lang="en-US" sz="800" dirty="0" smtClean="0"/>
-              <a:t> %&gt;%</a:t>
-            </a:r>
-          </a:p>
-          <a:p>
-            <a:pPr>
-              <a:buFont typeface="Lucida Grande"/>
-              <a:buChar char="&gt;"/>
-            </a:pPr>
-            <a:r>
-              <a:rPr lang="en-US" sz="800" dirty="0" smtClean="0"/>
-              <a:t>      </a:t>
-            </a:r>
-            <a:r>
-              <a:rPr lang="en-US" sz="800" dirty="0" err="1" smtClean="0"/>
-              <a:t>rowwise</a:t>
-            </a:r>
-            <a:r>
-              <a:rPr lang="en-US" sz="800" dirty="0" smtClean="0"/>
-              <a:t>() %&gt;%</a:t>
-            </a:r>
-          </a:p>
-          <a:p>
-            <a:pPr>
-              <a:buFont typeface="Lucida Grande"/>
-              <a:buChar char="&gt;"/>
-            </a:pPr>
-            <a:r>
-              <a:rPr lang="en-US" sz="800" dirty="0" smtClean="0"/>
-              <a:t>      </a:t>
-            </a:r>
-            <a:r>
-              <a:rPr lang="en-US" sz="800" dirty="0" err="1" smtClean="0"/>
-              <a:t>left_join</a:t>
-            </a:r>
-            <a:r>
-              <a:rPr lang="en-US" sz="800" dirty="0" smtClean="0"/>
-              <a:t>(</a:t>
-            </a:r>
-            <a:r>
-              <a:rPr lang="en-US" sz="800" dirty="0" err="1" smtClean="0"/>
-              <a:t>az.edgelist</a:t>
-            </a:r>
-            <a:r>
-              <a:rPr lang="en-US" sz="800" dirty="0" smtClean="0"/>
-              <a:t>[,3:4],.,by=c("edge"="</a:t>
-            </a:r>
-            <a:r>
-              <a:rPr lang="en-US" sz="800" dirty="0" err="1" smtClean="0"/>
-              <a:t>u.node</a:t>
-            </a:r>
-            <a:r>
-              <a:rPr lang="en-US" sz="800" dirty="0" smtClean="0"/>
-              <a:t>")) %&gt;%</a:t>
-            </a:r>
-          </a:p>
-          <a:p>
-            <a:pPr>
-              <a:buFont typeface="Lucida Grande"/>
-              <a:buChar char="&gt;"/>
-            </a:pPr>
-            <a:r>
-              <a:rPr lang="en-US" sz="800" dirty="0" smtClean="0"/>
-              <a:t>      </a:t>
-            </a:r>
-            <a:r>
-              <a:rPr lang="en-US" sz="800" dirty="0" err="1" smtClean="0"/>
-              <a:t>na.omit</a:t>
-            </a:r>
-            <a:r>
-              <a:rPr lang="en-US" sz="800" dirty="0" smtClean="0"/>
-              <a:t>() %&gt;%</a:t>
-            </a:r>
-          </a:p>
-          <a:p>
-            <a:pPr>
-              <a:buFont typeface="Lucida Grande"/>
-              <a:buChar char="&gt;"/>
-            </a:pPr>
-            <a:r>
-              <a:rPr lang="en-US" sz="800" dirty="0" smtClean="0"/>
-              <a:t>      </a:t>
-            </a:r>
-            <a:r>
-              <a:rPr lang="en-US" sz="800" dirty="0" err="1" smtClean="0"/>
-              <a:t>rbind</a:t>
-            </a:r>
-            <a:r>
-              <a:rPr lang="en-US" sz="800" dirty="0" smtClean="0"/>
-              <a:t>() %&gt;%</a:t>
-            </a:r>
-          </a:p>
-          <a:p>
-            <a:pPr>
-              <a:buFont typeface="Lucida Grande"/>
-              <a:buChar char="&gt;"/>
-            </a:pPr>
-            <a:r>
-              <a:rPr lang="en-US" sz="800" dirty="0" smtClean="0"/>
-              <a:t>      rename(</a:t>
-            </a:r>
-            <a:r>
-              <a:rPr lang="en-US" sz="800" dirty="0" err="1" smtClean="0"/>
-              <a:t>u.node</a:t>
-            </a:r>
-            <a:r>
-              <a:rPr lang="en-US" sz="800" dirty="0" smtClean="0"/>
-              <a:t>=</a:t>
-            </a:r>
-            <a:r>
-              <a:rPr lang="en-US" sz="800" dirty="0" err="1" smtClean="0"/>
-              <a:t>edge,cnx</a:t>
-            </a:r>
-            <a:r>
-              <a:rPr lang="en-US" sz="800" dirty="0" smtClean="0"/>
-              <a:t>=node)</a:t>
-            </a:r>
-          </a:p>
-          <a:p>
-            <a:pPr>
-              <a:buFont typeface="Lucida Grande"/>
-              <a:buChar char="&gt;"/>
-            </a:pPr>
-            <a:r>
-              <a:rPr lang="en-US" sz="800" dirty="0" smtClean="0"/>
-              <a:t>   </a:t>
-            </a:r>
-            <a:r>
-              <a:rPr lang="en-US" sz="800" dirty="0" smtClean="0">
-                <a:solidFill>
-                  <a:srgbClr val="008000"/>
-                </a:solidFill>
-              </a:rPr>
-              <a:t> </a:t>
-            </a:r>
-            <a:r>
-              <a:rPr lang="en-US" sz="800" dirty="0" smtClean="0">
-                <a:solidFill>
-                  <a:srgbClr val="3366FF"/>
-                </a:solidFill>
-              </a:rPr>
-              <a:t># 1st Degree edge</a:t>
-            </a:r>
-          </a:p>
-          <a:p>
-            <a:pPr>
-              <a:buFont typeface="Lucida Grande"/>
-              <a:buChar char="&gt;"/>
-            </a:pPr>
-            <a:r>
-              <a:rPr lang="en-US" sz="800" dirty="0" smtClean="0"/>
-              <a:t>    </a:t>
-            </a:r>
-            <a:r>
-              <a:rPr lang="en-US" sz="800" dirty="0" err="1" smtClean="0"/>
-              <a:t>cnxlist.E</a:t>
-            </a:r>
-            <a:r>
-              <a:rPr lang="en-US" sz="800" dirty="0" smtClean="0"/>
-              <a:t> &lt;- </a:t>
-            </a:r>
-            <a:r>
-              <a:rPr lang="en-US" sz="800" dirty="0" err="1" smtClean="0"/>
-              <a:t>reviewbybiz</a:t>
-            </a:r>
-            <a:r>
-              <a:rPr lang="en-US" sz="800" dirty="0" smtClean="0"/>
-              <a:t> %&gt;%</a:t>
-            </a:r>
-          </a:p>
-          <a:p>
-            <a:pPr>
-              <a:buFont typeface="Lucida Grande"/>
-              <a:buChar char="&gt;"/>
-            </a:pPr>
-            <a:r>
-              <a:rPr lang="en-US" sz="800" dirty="0" smtClean="0"/>
-              <a:t>      </a:t>
-            </a:r>
-            <a:r>
-              <a:rPr lang="en-US" sz="800" dirty="0" err="1" smtClean="0"/>
-              <a:t>rowwise</a:t>
-            </a:r>
-            <a:r>
-              <a:rPr lang="en-US" sz="800" dirty="0" smtClean="0"/>
-              <a:t>() %&gt;%</a:t>
-            </a:r>
-          </a:p>
-          <a:p>
-            <a:pPr>
-              <a:buFont typeface="Lucida Grande"/>
-              <a:buChar char="&gt;"/>
-            </a:pPr>
-            <a:r>
-              <a:rPr lang="en-US" sz="800" dirty="0" smtClean="0"/>
-              <a:t>      </a:t>
-            </a:r>
-            <a:r>
-              <a:rPr lang="en-US" sz="800" dirty="0" err="1" smtClean="0"/>
-              <a:t>left_join</a:t>
-            </a:r>
-            <a:r>
-              <a:rPr lang="en-US" sz="800" dirty="0" smtClean="0"/>
-              <a:t>(</a:t>
-            </a:r>
-            <a:r>
-              <a:rPr lang="en-US" sz="800" dirty="0" err="1" smtClean="0"/>
-              <a:t>az.edgelist</a:t>
-            </a:r>
-            <a:r>
-              <a:rPr lang="en-US" sz="800" dirty="0" smtClean="0"/>
-              <a:t>[,3:4],.,by=c("node"="</a:t>
-            </a:r>
-            <a:r>
-              <a:rPr lang="en-US" sz="800" dirty="0" err="1" smtClean="0"/>
-              <a:t>u.node</a:t>
-            </a:r>
-            <a:r>
-              <a:rPr lang="en-US" sz="800" dirty="0" smtClean="0"/>
-              <a:t>")) %&gt;%</a:t>
-            </a:r>
-          </a:p>
-          <a:p>
-            <a:pPr>
-              <a:buFont typeface="Lucida Grande"/>
-              <a:buChar char="&gt;"/>
-            </a:pPr>
-            <a:r>
-              <a:rPr lang="en-US" sz="800" dirty="0" smtClean="0"/>
-              <a:t>      </a:t>
-            </a:r>
-            <a:r>
-              <a:rPr lang="en-US" sz="800" dirty="0" err="1" smtClean="0"/>
-              <a:t>na.omit</a:t>
-            </a:r>
-            <a:r>
-              <a:rPr lang="en-US" sz="800" dirty="0" smtClean="0"/>
-              <a:t>() %&gt;%</a:t>
-            </a:r>
-          </a:p>
-          <a:p>
-            <a:pPr>
-              <a:buFont typeface="Lucida Grande"/>
-              <a:buChar char="&gt;"/>
-            </a:pPr>
-            <a:r>
-              <a:rPr lang="en-US" sz="800" dirty="0" smtClean="0"/>
-              <a:t>      </a:t>
-            </a:r>
-            <a:r>
-              <a:rPr lang="en-US" sz="800" dirty="0" err="1" smtClean="0"/>
-              <a:t>rbind</a:t>
-            </a:r>
-            <a:r>
-              <a:rPr lang="en-US" sz="800" dirty="0" smtClean="0"/>
-              <a:t>() %&gt;%</a:t>
-            </a:r>
-          </a:p>
-          <a:p>
-            <a:pPr>
-              <a:buFont typeface="Lucida Grande"/>
-              <a:buChar char="&gt;"/>
-            </a:pPr>
-            <a:r>
-              <a:rPr lang="en-US" sz="800" dirty="0" smtClean="0"/>
-              <a:t>      rename(</a:t>
-            </a:r>
-            <a:r>
-              <a:rPr lang="en-US" sz="800" dirty="0" err="1" smtClean="0"/>
-              <a:t>u.node</a:t>
-            </a:r>
-            <a:r>
-              <a:rPr lang="en-US" sz="800" dirty="0" smtClean="0"/>
-              <a:t>=</a:t>
-            </a:r>
-            <a:r>
-              <a:rPr lang="en-US" sz="800" dirty="0" err="1" smtClean="0"/>
-              <a:t>node,cnx</a:t>
-            </a:r>
-            <a:r>
-              <a:rPr lang="en-US" sz="800" dirty="0" smtClean="0"/>
-              <a:t>=edge)</a:t>
-            </a:r>
-          </a:p>
-          <a:p>
-            <a:pPr>
-              <a:buFont typeface="Lucida Grande"/>
-              <a:buChar char="&gt;"/>
-            </a:pPr>
-            <a:r>
-              <a:rPr lang="en-US" sz="800" dirty="0" smtClean="0"/>
-              <a:t>    </a:t>
-            </a:r>
-            <a:r>
-              <a:rPr lang="en-US" sz="800" dirty="0" smtClean="0">
-                <a:solidFill>
-                  <a:srgbClr val="3366FF"/>
-                </a:solidFill>
-              </a:rPr>
-              <a:t># Join</a:t>
-            </a:r>
-          </a:p>
-          <a:p>
-            <a:pPr>
-              <a:buFont typeface="Lucida Grande"/>
-              <a:buChar char="&gt;"/>
-            </a:pPr>
-            <a:r>
-              <a:rPr lang="en-US" sz="800" dirty="0" smtClean="0"/>
-              <a:t>    cnxlist1 &lt;- </a:t>
-            </a:r>
-            <a:r>
-              <a:rPr lang="en-US" sz="800" dirty="0" err="1" smtClean="0"/>
-              <a:t>rbind</a:t>
-            </a:r>
-            <a:r>
-              <a:rPr lang="en-US" sz="800" dirty="0" smtClean="0"/>
-              <a:t>(</a:t>
-            </a:r>
-            <a:r>
-              <a:rPr lang="en-US" sz="800" dirty="0" err="1" smtClean="0"/>
-              <a:t>cnxlist.N,cnxlist.E</a:t>
-            </a:r>
-            <a:r>
-              <a:rPr lang="en-US" sz="800" dirty="0" smtClean="0"/>
-              <a:t>)</a:t>
-            </a:r>
-          </a:p>
-          <a:p>
-            <a:pPr>
-              <a:buFont typeface="Lucida Grande"/>
-              <a:buChar char="&gt;"/>
-            </a:pPr>
-            <a:r>
-              <a:rPr lang="en-US" sz="800" dirty="0" smtClean="0"/>
-              <a:t>    </a:t>
-            </a:r>
-            <a:r>
-              <a:rPr lang="en-US" sz="800" dirty="0" smtClean="0">
-                <a:solidFill>
-                  <a:srgbClr val="3366FF"/>
-                </a:solidFill>
-              </a:rPr>
-              <a:t># Summarize</a:t>
-            </a:r>
-          </a:p>
-          <a:p>
-            <a:pPr>
-              <a:buFont typeface="Lucida Grande"/>
-              <a:buChar char="&gt;"/>
-            </a:pPr>
-            <a:r>
-              <a:rPr lang="en-US" sz="800" dirty="0" smtClean="0"/>
-              <a:t>    </a:t>
-            </a:r>
-            <a:r>
-              <a:rPr lang="en-US" sz="800" dirty="0" err="1" smtClean="0"/>
-              <a:t>cnxlist</a:t>
-            </a:r>
-            <a:r>
-              <a:rPr lang="en-US" sz="800" dirty="0" smtClean="0"/>
-              <a:t> &lt;- cnxlist1 %&gt;%</a:t>
-            </a:r>
-          </a:p>
-          <a:p>
-            <a:pPr>
-              <a:buFont typeface="Lucida Grande"/>
-              <a:buChar char="&gt;"/>
-            </a:pPr>
-            <a:r>
-              <a:rPr lang="en-US" sz="800" dirty="0" smtClean="0"/>
-              <a:t>      </a:t>
-            </a:r>
-            <a:r>
-              <a:rPr lang="en-US" sz="800" dirty="0" err="1" smtClean="0"/>
-              <a:t>group_by</a:t>
-            </a:r>
-            <a:r>
-              <a:rPr lang="en-US" sz="800" dirty="0" smtClean="0"/>
-              <a:t>(</a:t>
-            </a:r>
-            <a:r>
-              <a:rPr lang="en-US" sz="800" dirty="0" err="1" smtClean="0"/>
-              <a:t>cnx</a:t>
-            </a:r>
-            <a:r>
-              <a:rPr lang="en-US" sz="800" dirty="0" smtClean="0"/>
-              <a:t>) %&gt;%</a:t>
-            </a:r>
-          </a:p>
-          <a:p>
-            <a:pPr>
-              <a:buFont typeface="Lucida Grande"/>
-              <a:buChar char="&gt;"/>
-            </a:pPr>
-            <a:r>
-              <a:rPr lang="en-US" sz="800" dirty="0" smtClean="0"/>
-              <a:t>      summarize(</a:t>
-            </a:r>
-            <a:r>
-              <a:rPr lang="en-US" sz="800" dirty="0" err="1" smtClean="0"/>
-              <a:t>net_rating</a:t>
-            </a:r>
-            <a:r>
-              <a:rPr lang="en-US" sz="800" dirty="0" smtClean="0"/>
-              <a:t>=sum(</a:t>
-            </a:r>
-            <a:r>
-              <a:rPr lang="en-US" sz="800" dirty="0" err="1" smtClean="0"/>
-              <a:t>r.stars</a:t>
-            </a:r>
-            <a:r>
-              <a:rPr lang="en-US" sz="800" dirty="0" smtClean="0"/>
-              <a:t>)/n(),count=n())</a:t>
-            </a:r>
-          </a:p>
-          <a:p>
-            <a:pPr>
-              <a:buFont typeface="Lucida Grande"/>
-              <a:buChar char="&gt;"/>
-            </a:pPr>
-            <a:r>
-              <a:rPr lang="en-US" sz="800" dirty="0" smtClean="0"/>
-              <a:t>    row &lt;- </a:t>
-            </a:r>
-            <a:r>
-              <a:rPr lang="en-US" sz="800" dirty="0" err="1" smtClean="0"/>
-              <a:t>as.vector</a:t>
-            </a:r>
-            <a:r>
-              <a:rPr lang="en-US" sz="800" dirty="0" smtClean="0"/>
-              <a:t>(</a:t>
-            </a:r>
-            <a:r>
-              <a:rPr lang="en-US" sz="800" dirty="0" err="1" smtClean="0"/>
-              <a:t>cnxlist$cnx</a:t>
-            </a:r>
-            <a:r>
-              <a:rPr lang="en-US" sz="800" dirty="0" smtClean="0"/>
-              <a:t>)</a:t>
-            </a:r>
-          </a:p>
-          <a:p>
-            <a:pPr>
-              <a:buFont typeface="Lucida Grande"/>
-              <a:buChar char="&gt;"/>
-            </a:pPr>
-            <a:r>
-              <a:rPr lang="en-US" sz="800" dirty="0" smtClean="0"/>
-              <a:t>    values &lt;- </a:t>
-            </a:r>
-            <a:r>
-              <a:rPr lang="en-US" sz="800" dirty="0" err="1" smtClean="0"/>
-              <a:t>as.vector</a:t>
-            </a:r>
-            <a:r>
-              <a:rPr lang="en-US" sz="800" dirty="0" smtClean="0"/>
-              <a:t>(</a:t>
-            </a:r>
-            <a:r>
-              <a:rPr lang="en-US" sz="800" dirty="0" err="1" smtClean="0"/>
-              <a:t>cnxlist$net_rating</a:t>
-            </a:r>
-            <a:r>
-              <a:rPr lang="en-US" sz="800" dirty="0" smtClean="0"/>
-              <a:t>)</a:t>
-            </a:r>
-          </a:p>
-          <a:p>
-            <a:pPr>
-              <a:buFont typeface="Lucida Grande"/>
-              <a:buChar char="&gt;"/>
-            </a:pPr>
-            <a:r>
-              <a:rPr lang="en-US" sz="800" dirty="0" smtClean="0"/>
-              <a:t>    count &lt;- </a:t>
-            </a:r>
-            <a:r>
-              <a:rPr lang="en-US" sz="800" dirty="0" err="1" smtClean="0"/>
-              <a:t>as.vector</a:t>
-            </a:r>
-            <a:r>
-              <a:rPr lang="en-US" sz="800" dirty="0" smtClean="0"/>
-              <a:t>(</a:t>
-            </a:r>
-            <a:r>
-              <a:rPr lang="en-US" sz="800" dirty="0" err="1" smtClean="0"/>
-              <a:t>cnxlist$count</a:t>
-            </a:r>
-            <a:r>
-              <a:rPr lang="en-US" sz="800" dirty="0" smtClean="0"/>
-              <a:t>)</a:t>
-            </a:r>
-          </a:p>
-          <a:p>
-            <a:pPr>
-              <a:buFont typeface="Lucida Grande"/>
-              <a:buChar char="&gt;"/>
-            </a:pPr>
-            <a:r>
-              <a:rPr lang="en-US" sz="800" dirty="0" smtClean="0"/>
-              <a:t>    ratings1[</a:t>
-            </a:r>
-            <a:r>
-              <a:rPr lang="en-US" sz="800" dirty="0" err="1" smtClean="0"/>
-              <a:t>row,i</a:t>
-            </a:r>
-            <a:r>
-              <a:rPr lang="en-US" sz="800" dirty="0" smtClean="0"/>
-              <a:t>] &lt;- values</a:t>
-            </a:r>
-          </a:p>
-          <a:p>
-            <a:pPr>
-              <a:buFont typeface="Lucida Grande"/>
-              <a:buChar char="&gt;"/>
-            </a:pPr>
-            <a:r>
-              <a:rPr lang="en-US" sz="800" dirty="0" smtClean="0"/>
-              <a:t>    counts1[</a:t>
-            </a:r>
-            <a:r>
-              <a:rPr lang="en-US" sz="800" dirty="0" err="1" smtClean="0"/>
-              <a:t>row,i</a:t>
-            </a:r>
-            <a:r>
-              <a:rPr lang="en-US" sz="800" dirty="0" smtClean="0"/>
-              <a:t>] &lt;- count</a:t>
-            </a:r>
-          </a:p>
-          <a:p>
-            <a:pPr lvl="1">
-              <a:buFont typeface="Lucida Grande"/>
-              <a:buChar char="&gt;"/>
-            </a:pPr>
-            <a:r>
-              <a:rPr lang="en-US" sz="800" dirty="0" smtClean="0"/>
-              <a:t>…</a:t>
-            </a:r>
-          </a:p>
-          <a:p>
-            <a:pPr>
-              <a:buFont typeface="Lucida Grande"/>
-              <a:buChar char="&gt;"/>
-            </a:pPr>
-            <a:r>
-              <a:rPr lang="en-US" sz="800" dirty="0" smtClean="0"/>
-              <a:t>}</a:t>
-            </a:r>
-            <a:endParaRPr lang="en-US" sz="800" dirty="0"/>
-          </a:p>
-        </p:txBody>
-      </p:sp>
-      <p:pic>
-        <p:nvPicPr>
-          <p:cNvPr id="5" name="Picture 4"/>
-          <p:cNvPicPr>
-            <a:picLocks noChangeAspect="1"/>
-          </p:cNvPicPr>
-          <p:nvPr/>
-        </p:nvPicPr>
-        <p:blipFill>
-          <a:blip r:embed="rId2"/>
-          <a:stretch>
-            <a:fillRect/>
-          </a:stretch>
-        </p:blipFill>
-        <p:spPr>
-          <a:xfrm>
-            <a:off x="4993176" y="4040720"/>
-            <a:ext cx="3693623" cy="2527054"/>
-          </a:xfrm>
-          <a:prstGeom prst="rect">
-            <a:avLst/>
-          </a:prstGeom>
-        </p:spPr>
-      </p:pic>
-      <p:pic>
-        <p:nvPicPr>
-          <p:cNvPr id="6" name="Picture 5"/>
-          <p:cNvPicPr>
-            <a:picLocks noChangeAspect="1"/>
-          </p:cNvPicPr>
-          <p:nvPr/>
-        </p:nvPicPr>
-        <p:blipFill>
-          <a:blip r:embed="rId3"/>
-          <a:stretch>
-            <a:fillRect/>
-          </a:stretch>
-        </p:blipFill>
-        <p:spPr>
-          <a:xfrm>
-            <a:off x="4993176" y="1285559"/>
-            <a:ext cx="3519848" cy="2408162"/>
-          </a:xfrm>
-          <a:prstGeom prst="rect">
-            <a:avLst/>
-          </a:prstGeom>
-        </p:spPr>
-      </p:pic>
-    </p:spTree>
-    <p:extLst>
-      <p:ext uri="{BB962C8B-B14F-4D97-AF65-F5344CB8AC3E}">
-        <p14:creationId xmlns:p14="http://schemas.microsoft.com/office/powerpoint/2010/main" val="1058202783"/>
-      </p:ext>
-    </p:extLst>
-  </p:cSld>
-  <p:clrMapOvr>
-    <a:masterClrMapping/>
-  </p:clrMapOvr>
   <p:timing>
     <p:tnLst>
       <p:par>
@@ -6144,768 +7675,7 @@
 </p:sld>
 </file>
 
-<file path=ppt/slides/slide15.xml><?xml version="1.0" encoding="utf-8"?>
-<p:sld xmlns:a="http://schemas.openxmlformats.org/drawingml/2006/main" xmlns:r="http://schemas.openxmlformats.org/officeDocument/2006/relationships" xmlns:p="http://schemas.openxmlformats.org/presentationml/2006/main">
-  <p:cSld>
-    <p:spTree>
-      <p:nvGrpSpPr>
-        <p:cNvPr id="1" name=""/>
-        <p:cNvGrpSpPr/>
-        <p:nvPr/>
-      </p:nvGrpSpPr>
-      <p:grpSpPr>
-        <a:xfrm>
-          <a:off x="0" y="0"/>
-          <a:ext cx="0" cy="0"/>
-          <a:chOff x="0" y="0"/>
-          <a:chExt cx="0" cy="0"/>
-        </a:xfrm>
-      </p:grpSpPr>
-      <p:sp>
-        <p:nvSpPr>
-          <p:cNvPr id="2" name="Title 1"/>
-          <p:cNvSpPr>
-            <a:spLocks noGrp="1"/>
-          </p:cNvSpPr>
-          <p:nvPr>
-            <p:ph type="title"/>
-          </p:nvPr>
-        </p:nvSpPr>
-        <p:spPr/>
-        <p:txBody>
-          <a:bodyPr/>
-          <a:lstStyle/>
-          <a:p>
-            <a:r>
-              <a:rPr lang="en-US" dirty="0" smtClean="0">
-                <a:solidFill>
-                  <a:srgbClr val="FF0000"/>
-                </a:solidFill>
-              </a:rPr>
-              <a:t>Predictions</a:t>
-            </a:r>
-            <a:endParaRPr lang="en-US" dirty="0">
-              <a:solidFill>
-                <a:srgbClr val="FF0000"/>
-              </a:solidFill>
-            </a:endParaRPr>
-          </a:p>
-        </p:txBody>
-      </p:sp>
-      <p:sp>
-        <p:nvSpPr>
-          <p:cNvPr id="4" name="Content Placeholder 3"/>
-          <p:cNvSpPr>
-            <a:spLocks noGrp="1"/>
-          </p:cNvSpPr>
-          <p:nvPr>
-            <p:ph sz="half" idx="2"/>
-          </p:nvPr>
-        </p:nvSpPr>
-        <p:spPr>
-          <a:xfrm>
-            <a:off x="457200" y="1289764"/>
-            <a:ext cx="8229600" cy="2096743"/>
-          </a:xfrm>
-        </p:spPr>
-        <p:txBody>
-          <a:bodyPr>
-            <a:normAutofit lnSpcReduction="10000"/>
-          </a:bodyPr>
-          <a:lstStyle/>
-          <a:p>
-            <a:pPr>
-              <a:buFont typeface="Lucida Grande"/>
-              <a:buChar char="&gt;"/>
-            </a:pPr>
-            <a:r>
-              <a:rPr lang="en-US" sz="800" dirty="0" smtClean="0">
-                <a:latin typeface="Courier"/>
-                <a:cs typeface="Courier"/>
-              </a:rPr>
-              <a:t>Inference for Stan model: yelp.</a:t>
-            </a:r>
-          </a:p>
-          <a:p>
-            <a:pPr>
-              <a:buFont typeface="Lucida Grande"/>
-              <a:buChar char="&gt;"/>
-            </a:pPr>
-            <a:r>
-              <a:rPr lang="en-US" sz="800" dirty="0" smtClean="0">
-                <a:latin typeface="Courier"/>
-                <a:cs typeface="Courier"/>
-              </a:rPr>
-              <a:t>4 chains, each with </a:t>
-            </a:r>
-            <a:r>
-              <a:rPr lang="en-US" sz="800" dirty="0" err="1" smtClean="0">
-                <a:latin typeface="Courier"/>
-                <a:cs typeface="Courier"/>
-              </a:rPr>
-              <a:t>iter</a:t>
-            </a:r>
-            <a:r>
-              <a:rPr lang="en-US" sz="800" dirty="0" smtClean="0">
-                <a:latin typeface="Courier"/>
-                <a:cs typeface="Courier"/>
-              </a:rPr>
-              <a:t>=100; </a:t>
-            </a:r>
-            <a:r>
-              <a:rPr lang="en-US" sz="800" dirty="0" err="1" smtClean="0">
-                <a:latin typeface="Courier"/>
-                <a:cs typeface="Courier"/>
-              </a:rPr>
-              <a:t>warmup</a:t>
-            </a:r>
-            <a:r>
-              <a:rPr lang="en-US" sz="800" dirty="0" smtClean="0">
-                <a:latin typeface="Courier"/>
-                <a:cs typeface="Courier"/>
-              </a:rPr>
-              <a:t>=50; thin=1; </a:t>
-            </a:r>
-          </a:p>
-          <a:p>
-            <a:pPr>
-              <a:buFont typeface="Lucida Grande"/>
-              <a:buChar char="&gt;"/>
-            </a:pPr>
-            <a:r>
-              <a:rPr lang="en-US" sz="800" dirty="0" smtClean="0">
-                <a:latin typeface="Courier"/>
-                <a:cs typeface="Courier"/>
-              </a:rPr>
-              <a:t>post-</a:t>
-            </a:r>
-            <a:r>
-              <a:rPr lang="en-US" sz="800" dirty="0" err="1" smtClean="0">
-                <a:latin typeface="Courier"/>
-                <a:cs typeface="Courier"/>
-              </a:rPr>
-              <a:t>warmup</a:t>
-            </a:r>
-            <a:r>
-              <a:rPr lang="en-US" sz="800" dirty="0" smtClean="0">
-                <a:latin typeface="Courier"/>
-                <a:cs typeface="Courier"/>
-              </a:rPr>
-              <a:t> draws per chain=50, total post-</a:t>
-            </a:r>
-            <a:r>
-              <a:rPr lang="en-US" sz="800" dirty="0" err="1" smtClean="0">
-                <a:latin typeface="Courier"/>
-                <a:cs typeface="Courier"/>
-              </a:rPr>
-              <a:t>warmup</a:t>
-            </a:r>
-            <a:r>
-              <a:rPr lang="en-US" sz="800" dirty="0" smtClean="0">
-                <a:latin typeface="Courier"/>
-                <a:cs typeface="Courier"/>
-              </a:rPr>
-              <a:t> draws=200.</a:t>
-            </a:r>
-          </a:p>
-          <a:p>
-            <a:pPr>
-              <a:buFont typeface="Lucida Grande"/>
-              <a:buChar char="&gt;"/>
-            </a:pPr>
-            <a:endParaRPr lang="en-US" sz="800" dirty="0" smtClean="0">
-              <a:latin typeface="Courier"/>
-              <a:cs typeface="Courier"/>
-            </a:endParaRPr>
-          </a:p>
-          <a:p>
-            <a:pPr>
-              <a:buFont typeface="Lucida Grande"/>
-              <a:buChar char="&gt;"/>
-            </a:pPr>
-            <a:r>
-              <a:rPr lang="en-US" sz="800" dirty="0" smtClean="0">
-                <a:latin typeface="Courier"/>
-                <a:cs typeface="Courier"/>
-              </a:rPr>
-              <a:t>              mean </a:t>
-            </a:r>
-            <a:r>
-              <a:rPr lang="en-US" sz="800" dirty="0" err="1" smtClean="0">
-                <a:latin typeface="Courier"/>
-                <a:cs typeface="Courier"/>
-              </a:rPr>
-              <a:t>se_mean</a:t>
-            </a:r>
-            <a:r>
-              <a:rPr lang="en-US" sz="800" dirty="0" smtClean="0">
-                <a:latin typeface="Courier"/>
-                <a:cs typeface="Courier"/>
-              </a:rPr>
-              <a:t>   </a:t>
-            </a:r>
-            <a:r>
-              <a:rPr lang="en-US" sz="800" dirty="0" err="1" smtClean="0">
-                <a:latin typeface="Courier"/>
-                <a:cs typeface="Courier"/>
-              </a:rPr>
-              <a:t>sd</a:t>
-            </a:r>
-            <a:r>
-              <a:rPr lang="en-US" sz="800" dirty="0" smtClean="0">
-                <a:latin typeface="Courier"/>
-                <a:cs typeface="Courier"/>
-              </a:rPr>
-              <a:t>       2.5%        25%        50%        75%      97.5% </a:t>
-            </a:r>
-            <a:r>
-              <a:rPr lang="en-US" sz="800" dirty="0" err="1" smtClean="0">
-                <a:latin typeface="Courier"/>
-                <a:cs typeface="Courier"/>
-              </a:rPr>
-              <a:t>n_eff</a:t>
-            </a:r>
-            <a:r>
-              <a:rPr lang="en-US" sz="800" dirty="0" smtClean="0">
-                <a:latin typeface="Courier"/>
-                <a:cs typeface="Courier"/>
-              </a:rPr>
-              <a:t> </a:t>
-            </a:r>
-            <a:r>
-              <a:rPr lang="en-US" sz="800" dirty="0" err="1" smtClean="0">
-                <a:latin typeface="Courier"/>
-                <a:cs typeface="Courier"/>
-              </a:rPr>
-              <a:t>Rhat</a:t>
-            </a:r>
-            <a:endParaRPr lang="en-US" sz="800" dirty="0" smtClean="0">
-              <a:latin typeface="Courier"/>
-              <a:cs typeface="Courier"/>
-            </a:endParaRPr>
-          </a:p>
-          <a:p>
-            <a:pPr>
-              <a:buFont typeface="Lucida Grande"/>
-              <a:buChar char="&gt;"/>
-            </a:pPr>
-            <a:r>
-              <a:rPr lang="en-US" sz="800" dirty="0" smtClean="0">
-                <a:latin typeface="Courier"/>
-                <a:cs typeface="Courier"/>
-              </a:rPr>
-              <a:t>beta[1]       0.02    0.00 0.00       0.02       0.02       0.02       0.03       0.03    35 1.11</a:t>
-            </a:r>
-          </a:p>
-          <a:p>
-            <a:pPr>
-              <a:buFont typeface="Lucida Grande"/>
-              <a:buChar char="&gt;"/>
-            </a:pPr>
-            <a:r>
-              <a:rPr lang="en-US" sz="800" dirty="0" smtClean="0">
-                <a:latin typeface="Courier"/>
-                <a:cs typeface="Courier"/>
-              </a:rPr>
-              <a:t>beta[2]       1.01    0.00 0.00       1.00       1.01       1.01       1.01       1.01    96 1.04</a:t>
-            </a:r>
-          </a:p>
-          <a:p>
-            <a:pPr>
-              <a:buFont typeface="Lucida Grande"/>
-              <a:buChar char="&gt;"/>
-            </a:pPr>
-            <a:r>
-              <a:rPr lang="en-US" sz="800" dirty="0" smtClean="0">
-                <a:latin typeface="Courier"/>
-                <a:cs typeface="Courier"/>
-              </a:rPr>
-              <a:t>sigma         2.89    0.00 0.00       2.88       2.89       2.89       2.89       2.90   200 1.00</a:t>
-            </a:r>
-          </a:p>
-          <a:p>
-            <a:pPr>
-              <a:buFont typeface="Lucida Grande"/>
-              <a:buChar char="&gt;"/>
-            </a:pPr>
-            <a:r>
-              <a:rPr lang="en-US" sz="800" dirty="0" err="1" smtClean="0">
-                <a:latin typeface="Courier"/>
-                <a:cs typeface="Courier"/>
-              </a:rPr>
-              <a:t>lp</a:t>
-            </a:r>
-            <a:r>
-              <a:rPr lang="en-US" sz="800" dirty="0" smtClean="0">
-                <a:latin typeface="Courier"/>
-                <a:cs typeface="Courier"/>
-              </a:rPr>
-              <a:t>__    -434087.99    0.12 1.23 -434091.33 -434088.50 -434087.61 -434087.20 -434086.70   109 1.01</a:t>
-            </a:r>
-          </a:p>
-          <a:p>
-            <a:pPr>
-              <a:buFont typeface="Lucida Grande"/>
-              <a:buChar char="&gt;"/>
-            </a:pPr>
-            <a:endParaRPr lang="en-US" sz="800" dirty="0" smtClean="0">
-              <a:latin typeface="Courier"/>
-              <a:cs typeface="Courier"/>
-            </a:endParaRPr>
-          </a:p>
-          <a:p>
-            <a:pPr>
-              <a:buFont typeface="Lucida Grande"/>
-              <a:buChar char="&gt;"/>
-            </a:pPr>
-            <a:r>
-              <a:rPr lang="en-US" sz="800" dirty="0" smtClean="0">
-                <a:latin typeface="Courier"/>
-                <a:cs typeface="Courier"/>
-              </a:rPr>
-              <a:t>Samples were drawn using NUTS(</a:t>
-            </a:r>
-            <a:r>
-              <a:rPr lang="en-US" sz="800" dirty="0" err="1" smtClean="0">
-                <a:latin typeface="Courier"/>
-                <a:cs typeface="Courier"/>
-              </a:rPr>
-              <a:t>diag_e</a:t>
-            </a:r>
-            <a:r>
-              <a:rPr lang="en-US" sz="800" dirty="0" smtClean="0">
-                <a:latin typeface="Courier"/>
-                <a:cs typeface="Courier"/>
-              </a:rPr>
-              <a:t>) at Thu May 14 23:13:23 2015.</a:t>
-            </a:r>
-          </a:p>
-          <a:p>
-            <a:pPr>
-              <a:buFont typeface="Lucida Grande"/>
-              <a:buChar char="&gt;"/>
-            </a:pPr>
-            <a:r>
-              <a:rPr lang="en-US" sz="800" dirty="0" smtClean="0">
-                <a:latin typeface="Courier"/>
-                <a:cs typeface="Courier"/>
-              </a:rPr>
-              <a:t>For each parameter, </a:t>
-            </a:r>
-            <a:r>
-              <a:rPr lang="en-US" sz="800" dirty="0" err="1" smtClean="0">
-                <a:latin typeface="Courier"/>
-                <a:cs typeface="Courier"/>
-              </a:rPr>
-              <a:t>n_eff</a:t>
-            </a:r>
-            <a:r>
-              <a:rPr lang="en-US" sz="800" dirty="0" smtClean="0">
-                <a:latin typeface="Courier"/>
-                <a:cs typeface="Courier"/>
-              </a:rPr>
-              <a:t> is a crude measure of effective sample size,</a:t>
-            </a:r>
-          </a:p>
-          <a:p>
-            <a:pPr>
-              <a:buFont typeface="Lucida Grande"/>
-              <a:buChar char="&gt;"/>
-            </a:pPr>
-            <a:r>
-              <a:rPr lang="en-US" sz="800" dirty="0" smtClean="0">
-                <a:latin typeface="Courier"/>
-                <a:cs typeface="Courier"/>
-              </a:rPr>
-              <a:t>and </a:t>
-            </a:r>
-            <a:r>
-              <a:rPr lang="en-US" sz="800" dirty="0" err="1" smtClean="0">
-                <a:latin typeface="Courier"/>
-                <a:cs typeface="Courier"/>
-              </a:rPr>
-              <a:t>Rhat</a:t>
-            </a:r>
-            <a:r>
-              <a:rPr lang="en-US" sz="800" dirty="0" smtClean="0">
-                <a:latin typeface="Courier"/>
-                <a:cs typeface="Courier"/>
-              </a:rPr>
-              <a:t> is the potential scale reduction factor on split chains (at </a:t>
-            </a:r>
-          </a:p>
-          <a:p>
-            <a:pPr>
-              <a:buFont typeface="Lucida Grande"/>
-              <a:buChar char="&gt;"/>
-            </a:pPr>
-            <a:r>
-              <a:rPr lang="en-US" sz="800" dirty="0" smtClean="0">
-                <a:latin typeface="Courier"/>
-                <a:cs typeface="Courier"/>
-              </a:rPr>
-              <a:t>convergence, </a:t>
-            </a:r>
-            <a:r>
-              <a:rPr lang="en-US" sz="800" dirty="0" err="1" smtClean="0">
-                <a:latin typeface="Courier"/>
-                <a:cs typeface="Courier"/>
-              </a:rPr>
-              <a:t>Rhat</a:t>
-            </a:r>
-            <a:r>
-              <a:rPr lang="en-US" sz="800" dirty="0" smtClean="0">
-                <a:latin typeface="Courier"/>
-                <a:cs typeface="Courier"/>
-              </a:rPr>
-              <a:t>=1).</a:t>
-            </a:r>
-            <a:endParaRPr lang="en-US" sz="800" dirty="0">
-              <a:latin typeface="Courier"/>
-              <a:cs typeface="Courier"/>
-            </a:endParaRPr>
-          </a:p>
-        </p:txBody>
-      </p:sp>
-      <p:pic>
-        <p:nvPicPr>
-          <p:cNvPr id="7" name="Content Placeholder 6"/>
-          <p:cNvPicPr>
-            <a:picLocks noGrp="1" noChangeAspect="1"/>
-          </p:cNvPicPr>
-          <p:nvPr>
-            <p:ph sz="quarter" idx="4"/>
-          </p:nvPr>
-        </p:nvPicPr>
-        <p:blipFill rotWithShape="1">
-          <a:blip r:embed="rId2"/>
-          <a:srcRect l="-92" r="853"/>
-          <a:stretch/>
-        </p:blipFill>
-        <p:spPr>
-          <a:xfrm>
-            <a:off x="707048" y="3232206"/>
-            <a:ext cx="7979752" cy="3297085"/>
-          </a:xfrm>
-        </p:spPr>
-      </p:pic>
-    </p:spTree>
-    <p:extLst>
-      <p:ext uri="{BB962C8B-B14F-4D97-AF65-F5344CB8AC3E}">
-        <p14:creationId xmlns:p14="http://schemas.microsoft.com/office/powerpoint/2010/main" val="3087827295"/>
-      </p:ext>
-    </p:extLst>
-  </p:cSld>
-  <p:clrMapOvr>
-    <a:masterClrMapping/>
-  </p:clrMapOvr>
-</p:sld>
-</file>
-
-<file path=ppt/slides/slide16.xml><?xml version="1.0" encoding="utf-8"?>
-<p:sld xmlns:a="http://schemas.openxmlformats.org/drawingml/2006/main" xmlns:r="http://schemas.openxmlformats.org/officeDocument/2006/relationships" xmlns:p="http://schemas.openxmlformats.org/presentationml/2006/main">
-  <p:cSld>
-    <p:spTree>
-      <p:nvGrpSpPr>
-        <p:cNvPr id="1" name=""/>
-        <p:cNvGrpSpPr/>
-        <p:nvPr/>
-      </p:nvGrpSpPr>
-      <p:grpSpPr>
-        <a:xfrm>
-          <a:off x="0" y="0"/>
-          <a:ext cx="0" cy="0"/>
-          <a:chOff x="0" y="0"/>
-          <a:chExt cx="0" cy="0"/>
-        </a:xfrm>
-      </p:grpSpPr>
-      <p:sp>
-        <p:nvSpPr>
-          <p:cNvPr id="2" name="Title 1"/>
-          <p:cNvSpPr>
-            <a:spLocks noGrp="1"/>
-          </p:cNvSpPr>
-          <p:nvPr>
-            <p:ph type="ctrTitle"/>
-          </p:nvPr>
-        </p:nvSpPr>
-        <p:spPr>
-          <a:xfrm>
-            <a:off x="1104364" y="2268912"/>
-            <a:ext cx="6858000" cy="1790700"/>
-          </a:xfrm>
-        </p:spPr>
-        <p:txBody>
-          <a:bodyPr/>
-          <a:lstStyle/>
-          <a:p>
-            <a:r>
-              <a:rPr lang="en-US" dirty="0" smtClean="0"/>
-              <a:t>Exploiting Social Networks to Improve Recommendations</a:t>
-            </a:r>
-            <a:endParaRPr lang="en-US" dirty="0"/>
-          </a:p>
-        </p:txBody>
-      </p:sp>
-    </p:spTree>
-    <p:extLst>
-      <p:ext uri="{BB962C8B-B14F-4D97-AF65-F5344CB8AC3E}">
-        <p14:creationId xmlns:p14="http://schemas.microsoft.com/office/powerpoint/2010/main" val="3277187908"/>
-      </p:ext>
-    </p:extLst>
-  </p:cSld>
-  <p:clrMapOvr>
-    <a:masterClrMapping/>
-  </p:clrMapOvr>
-</p:sld>
-</file>
-
-<file path=ppt/slides/slide17.xml><?xml version="1.0" encoding="utf-8"?>
-<p:sld xmlns:a="http://schemas.openxmlformats.org/drawingml/2006/main" xmlns:r="http://schemas.openxmlformats.org/officeDocument/2006/relationships" xmlns:p="http://schemas.openxmlformats.org/presentationml/2006/main">
-  <p:cSld>
-    <p:spTree>
-      <p:nvGrpSpPr>
-        <p:cNvPr id="1" name=""/>
-        <p:cNvGrpSpPr/>
-        <p:nvPr/>
-      </p:nvGrpSpPr>
-      <p:grpSpPr>
-        <a:xfrm>
-          <a:off x="0" y="0"/>
-          <a:ext cx="0" cy="0"/>
-          <a:chOff x="0" y="0"/>
-          <a:chExt cx="0" cy="0"/>
-        </a:xfrm>
-      </p:grpSpPr>
-      <p:sp>
-        <p:nvSpPr>
-          <p:cNvPr id="4" name="TextBox 3"/>
-          <p:cNvSpPr txBox="1"/>
-          <p:nvPr/>
-        </p:nvSpPr>
-        <p:spPr>
-          <a:xfrm>
-            <a:off x="396831" y="1033692"/>
-            <a:ext cx="8046076" cy="4685898"/>
-          </a:xfrm>
-          <a:prstGeom prst="rect">
-            <a:avLst/>
-          </a:prstGeom>
-          <a:noFill/>
-        </p:spPr>
-        <p:txBody>
-          <a:bodyPr wrap="square" rtlCol="0">
-            <a:spAutoFit/>
-          </a:bodyPr>
-          <a:lstStyle/>
-          <a:p>
-            <a:r>
-              <a:rPr lang="en-US" sz="4500" dirty="0">
-                <a:latin typeface="+mj-lt"/>
-                <a:ea typeface="+mj-ea"/>
-                <a:cs typeface="+mj-cs"/>
-              </a:rPr>
-              <a:t>Research Plan</a:t>
-            </a:r>
-            <a:endParaRPr lang="en-US" sz="4050" dirty="0">
-              <a:latin typeface="+mj-lt"/>
-              <a:ea typeface="+mj-ea"/>
-              <a:cs typeface="+mj-cs"/>
-            </a:endParaRPr>
-          </a:p>
-          <a:p>
-            <a:endParaRPr lang="en-US" sz="1350" dirty="0"/>
-          </a:p>
-          <a:p>
-            <a:pPr marL="342900" indent="-342900">
-              <a:buFont typeface="Arial" panose="020B0604020202020204" pitchFamily="34" charset="0"/>
-              <a:buChar char="•"/>
-            </a:pPr>
-            <a:r>
-              <a:rPr lang="en-US" sz="3000" i="1" dirty="0"/>
-              <a:t>Hypothesis</a:t>
-            </a:r>
-            <a:r>
-              <a:rPr lang="en-US" sz="3000" dirty="0"/>
-              <a:t>: </a:t>
-            </a:r>
-            <a:br>
-              <a:rPr lang="en-US" sz="3000" dirty="0"/>
-            </a:br>
-            <a:r>
-              <a:rPr lang="en-US" sz="3000" dirty="0"/>
-              <a:t>People with more friends are more influential</a:t>
-            </a:r>
-          </a:p>
-          <a:p>
-            <a:pPr marL="342900" indent="-342900">
-              <a:buFont typeface="Arial" panose="020B0604020202020204" pitchFamily="34" charset="0"/>
-              <a:buChar char="•"/>
-            </a:pPr>
-            <a:endParaRPr lang="en-US" sz="3000" dirty="0"/>
-          </a:p>
-          <a:p>
-            <a:pPr marL="342900" indent="-342900">
-              <a:buFont typeface="Arial" panose="020B0604020202020204" pitchFamily="34" charset="0"/>
-              <a:buChar char="•"/>
-            </a:pPr>
-            <a:r>
-              <a:rPr lang="en-US" sz="3000" dirty="0"/>
-              <a:t>Weight </a:t>
-            </a:r>
-            <a:r>
-              <a:rPr lang="en-US" sz="3000" dirty="0" err="1"/>
-              <a:t>kNN</a:t>
-            </a:r>
-            <a:r>
-              <a:rPr lang="en-US" sz="3000" dirty="0"/>
-              <a:t> votes by network degree so that predicted ratings/recommendations reflect this</a:t>
-            </a:r>
-          </a:p>
-          <a:p>
-            <a:pPr marL="342900" indent="-342900">
-              <a:buFont typeface="Arial" panose="020B0604020202020204" pitchFamily="34" charset="0"/>
-              <a:buChar char="•"/>
-            </a:pPr>
-            <a:endParaRPr lang="en-US" sz="3000" dirty="0"/>
-          </a:p>
-          <a:p>
-            <a:pPr marL="342900" indent="-342900">
-              <a:buFont typeface="Arial" panose="020B0604020202020204" pitchFamily="34" charset="0"/>
-              <a:buChar char="•"/>
-            </a:pPr>
-            <a:r>
-              <a:rPr lang="en-US" sz="3000" dirty="0"/>
-              <a:t>Compare to other recommenders using RMSE to measure accuracy</a:t>
-            </a:r>
-          </a:p>
-        </p:txBody>
-      </p:sp>
-    </p:spTree>
-    <p:extLst>
-      <p:ext uri="{BB962C8B-B14F-4D97-AF65-F5344CB8AC3E}">
-        <p14:creationId xmlns:p14="http://schemas.microsoft.com/office/powerpoint/2010/main" val="1562005089"/>
-      </p:ext>
-    </p:extLst>
-  </p:cSld>
-  <p:clrMapOvr>
-    <a:masterClrMapping/>
-  </p:clrMapOvr>
-</p:sld>
-</file>
-
-<file path=ppt/slides/slide18.xml><?xml version="1.0" encoding="utf-8"?>
-<p:sld xmlns:a="http://schemas.openxmlformats.org/drawingml/2006/main" xmlns:r="http://schemas.openxmlformats.org/officeDocument/2006/relationships" xmlns:p="http://schemas.openxmlformats.org/presentationml/2006/main">
-  <p:cSld>
-    <p:spTree>
-      <p:nvGrpSpPr>
-        <p:cNvPr id="1" name=""/>
-        <p:cNvGrpSpPr/>
-        <p:nvPr/>
-      </p:nvGrpSpPr>
-      <p:grpSpPr>
-        <a:xfrm>
-          <a:off x="0" y="0"/>
-          <a:ext cx="0" cy="0"/>
-          <a:chOff x="0" y="0"/>
-          <a:chExt cx="0" cy="0"/>
-        </a:xfrm>
-      </p:grpSpPr>
-      <p:sp>
-        <p:nvSpPr>
-          <p:cNvPr id="2" name="Title 1"/>
-          <p:cNvSpPr>
-            <a:spLocks noGrp="1"/>
-          </p:cNvSpPr>
-          <p:nvPr>
-            <p:ph type="title"/>
-          </p:nvPr>
-        </p:nvSpPr>
-        <p:spPr/>
-        <p:txBody>
-          <a:bodyPr>
-            <a:normAutofit/>
-          </a:bodyPr>
-          <a:lstStyle/>
-          <a:p>
-            <a:r>
-              <a:rPr lang="en-US" sz="4050" dirty="0" err="1"/>
-              <a:t>kNN</a:t>
-            </a:r>
-            <a:r>
-              <a:rPr lang="en-US" sz="4050" dirty="0"/>
-              <a:t> Recommender</a:t>
-            </a:r>
-          </a:p>
-        </p:txBody>
-      </p:sp>
-      <p:sp>
-        <p:nvSpPr>
-          <p:cNvPr id="3" name="Content Placeholder 2"/>
-          <p:cNvSpPr>
-            <a:spLocks noGrp="1"/>
-          </p:cNvSpPr>
-          <p:nvPr>
-            <p:ph idx="1"/>
-          </p:nvPr>
-        </p:nvSpPr>
-        <p:spPr>
-          <a:xfrm>
-            <a:off x="628650" y="2721467"/>
-            <a:ext cx="7886700" cy="2768505"/>
-          </a:xfrm>
-        </p:spPr>
-        <p:txBody>
-          <a:bodyPr/>
-          <a:lstStyle/>
-          <a:p>
-            <a:pPr marL="0" indent="0" algn="ctr">
-              <a:buNone/>
-            </a:pPr>
-            <a:r>
-              <a:rPr lang="en-US" sz="3000" dirty="0"/>
-              <a:t>Each unobserved rating is predicted as the </a:t>
-            </a:r>
-            <a:r>
-              <a:rPr lang="en-US" sz="3000" dirty="0">
-                <a:solidFill>
-                  <a:srgbClr val="C00000"/>
-                </a:solidFill>
-              </a:rPr>
-              <a:t>(weighted)</a:t>
-            </a:r>
-            <a:r>
-              <a:rPr lang="en-US" sz="3000" dirty="0"/>
-              <a:t> average of the </a:t>
-            </a:r>
-            <a:r>
-              <a:rPr lang="en-US" sz="3000" i="1" dirty="0"/>
-              <a:t>k</a:t>
-            </a:r>
-            <a:r>
-              <a:rPr lang="en-US" sz="3000" dirty="0"/>
-              <a:t> nearest neighbors (using Euclidean distance)</a:t>
-            </a:r>
-          </a:p>
-          <a:p>
-            <a:endParaRPr lang="en-US" dirty="0"/>
-          </a:p>
-        </p:txBody>
-      </p:sp>
-    </p:spTree>
-    <p:extLst>
-      <p:ext uri="{BB962C8B-B14F-4D97-AF65-F5344CB8AC3E}">
-        <p14:creationId xmlns:p14="http://schemas.microsoft.com/office/powerpoint/2010/main" val="1171659426"/>
-      </p:ext>
-    </p:extLst>
-  </p:cSld>
-  <p:clrMapOvr>
-    <a:masterClrMapping/>
-  </p:clrMapOvr>
-</p:sld>
-</file>
-
-<file path=ppt/slides/slide19.xml><?xml version="1.0" encoding="utf-8"?>
+<file path=ppt/slides/slide20.xml><?xml version="1.0" encoding="utf-8"?>
 <p:sld xmlns:a="http://schemas.openxmlformats.org/drawingml/2006/main" xmlns:r="http://schemas.openxmlformats.org/officeDocument/2006/relationships" xmlns:p="http://schemas.openxmlformats.org/presentationml/2006/main">
   <p:cSld>
     <p:spTree>
@@ -6983,10 +7753,475 @@
   <p:clrMapOvr>
     <a:masterClrMapping/>
   </p:clrMapOvr>
+  <p:timing>
+    <p:tnLst>
+      <p:par>
+        <p:cTn xmlns:p14="http://schemas.microsoft.com/office/powerpoint/2010/main" id="1" dur="indefinite" restart="never" nodeType="tmRoot"/>
+      </p:par>
+    </p:tnLst>
+  </p:timing>
 </p:sld>
 </file>
 
-<file path=ppt/slides/slide2.xml><?xml version="1.0" encoding="utf-8"?>
+<file path=ppt/slides/slide21.xml><?xml version="1.0" encoding="utf-8"?>
+<p:sld xmlns:a="http://schemas.openxmlformats.org/drawingml/2006/main" xmlns:r="http://schemas.openxmlformats.org/officeDocument/2006/relationships" xmlns:p="http://schemas.openxmlformats.org/presentationml/2006/main">
+  <p:cSld>
+    <p:spTree>
+      <p:nvGrpSpPr>
+        <p:cNvPr id="1" name=""/>
+        <p:cNvGrpSpPr/>
+        <p:nvPr/>
+      </p:nvGrpSpPr>
+      <p:grpSpPr>
+        <a:xfrm>
+          <a:off x="0" y="0"/>
+          <a:ext cx="0" cy="0"/>
+          <a:chOff x="0" y="0"/>
+          <a:chExt cx="0" cy="0"/>
+        </a:xfrm>
+      </p:grpSpPr>
+      <p:sp>
+        <p:nvSpPr>
+          <p:cNvPr id="2" name="Title 1"/>
+          <p:cNvSpPr>
+            <a:spLocks noGrp="1"/>
+          </p:cNvSpPr>
+          <p:nvPr>
+            <p:ph type="title"/>
+          </p:nvPr>
+        </p:nvSpPr>
+        <p:spPr/>
+        <p:txBody>
+          <a:bodyPr/>
+          <a:lstStyle/>
+          <a:p>
+            <a:r>
+              <a:rPr lang="en-US" sz="4500" dirty="0"/>
+              <a:t>Issues and Challenges</a:t>
+            </a:r>
+            <a:endParaRPr lang="en-US" dirty="0"/>
+          </a:p>
+        </p:txBody>
+      </p:sp>
+      <p:sp>
+        <p:nvSpPr>
+          <p:cNvPr id="3" name="Content Placeholder 2"/>
+          <p:cNvSpPr>
+            <a:spLocks noGrp="1"/>
+          </p:cNvSpPr>
+          <p:nvPr>
+            <p:ph idx="1"/>
+          </p:nvPr>
+        </p:nvSpPr>
+        <p:spPr>
+          <a:xfrm>
+            <a:off x="474103" y="2125267"/>
+            <a:ext cx="8499251" cy="3735425"/>
+          </a:xfrm>
+        </p:spPr>
+        <p:txBody>
+          <a:bodyPr>
+            <a:normAutofit fontScale="92500" lnSpcReduction="10000"/>
+          </a:bodyPr>
+          <a:lstStyle/>
+          <a:p>
+            <a:r>
+              <a:rPr lang="en-US" sz="2400" dirty="0"/>
+              <a:t>Size of dataset / scalability</a:t>
+            </a:r>
+          </a:p>
+          <a:p>
+            <a:pPr lvl="1"/>
+            <a:r>
+              <a:rPr lang="en-US" sz="2100" dirty="0"/>
+              <a:t>1.6 million reviews; 61 thousand businesses; 3 million user friendships</a:t>
+            </a:r>
+          </a:p>
+          <a:p>
+            <a:pPr lvl="1"/>
+            <a:r>
+              <a:rPr lang="en-US" sz="2100" dirty="0"/>
+              <a:t>AZ data was still large: 6.8 thousand users and 7.7 thousand businesses (full ratings matrix would be a little over 53 million cells)</a:t>
+            </a:r>
+          </a:p>
+          <a:p>
+            <a:pPr lvl="1"/>
+            <a:r>
+              <a:rPr lang="en-US" sz="2100" dirty="0"/>
+              <a:t>Took several hours to run collaborative filtering for a single value of k (k=20)</a:t>
+            </a:r>
+          </a:p>
+          <a:p>
+            <a:pPr lvl="1"/>
+            <a:r>
+              <a:rPr lang="en-US" sz="2100" dirty="0"/>
+              <a:t>Took 1.5 hours to run </a:t>
+            </a:r>
+            <a:r>
+              <a:rPr lang="en-US" sz="2100" dirty="0" err="1"/>
+              <a:t>kNN</a:t>
+            </a:r>
+            <a:r>
+              <a:rPr lang="en-US" sz="2100" dirty="0"/>
+              <a:t> for all 18 thousand ratings in the test set</a:t>
+            </a:r>
+          </a:p>
+          <a:p>
+            <a:pPr lvl="1"/>
+            <a:r>
+              <a:rPr lang="en-US" sz="2100" dirty="0"/>
+              <a:t>Dealing with such data in the real world, it would be necessary to use </a:t>
+            </a:r>
+            <a:r>
+              <a:rPr lang="en-US" sz="2100" dirty="0" err="1"/>
+              <a:t>MapReduce</a:t>
+            </a:r>
+            <a:r>
+              <a:rPr lang="en-US" sz="2100" dirty="0"/>
+              <a:t> framework</a:t>
+            </a:r>
+          </a:p>
+          <a:p>
+            <a:r>
+              <a:rPr lang="en-US" sz="2400" dirty="0"/>
+              <a:t>Incompleteness of dataset – working with a small subset of total data led to inconsistencies (businesses with only 1 or 2 ratings had to be dropped)</a:t>
+            </a:r>
+          </a:p>
+          <a:p>
+            <a:endParaRPr lang="en-US" dirty="0" smtClean="0"/>
+          </a:p>
+          <a:p>
+            <a:endParaRPr lang="en-US" dirty="0"/>
+          </a:p>
+        </p:txBody>
+      </p:sp>
+    </p:spTree>
+    <p:extLst>
+      <p:ext uri="{BB962C8B-B14F-4D97-AF65-F5344CB8AC3E}">
+        <p14:creationId xmlns:p14="http://schemas.microsoft.com/office/powerpoint/2010/main" val="4273799294"/>
+      </p:ext>
+    </p:extLst>
+  </p:cSld>
+  <p:clrMapOvr>
+    <a:masterClrMapping/>
+  </p:clrMapOvr>
+  <p:timing>
+    <p:tnLst>
+      <p:par>
+        <p:cTn xmlns:p14="http://schemas.microsoft.com/office/powerpoint/2010/main" id="1" dur="indefinite" restart="never" nodeType="tmRoot"/>
+      </p:par>
+    </p:tnLst>
+  </p:timing>
+</p:sld>
+</file>
+
+<file path=ppt/slides/slide22.xml><?xml version="1.0" encoding="utf-8"?>
+<p:sld xmlns:a="http://schemas.openxmlformats.org/drawingml/2006/main" xmlns:r="http://schemas.openxmlformats.org/officeDocument/2006/relationships" xmlns:p="http://schemas.openxmlformats.org/presentationml/2006/main">
+  <p:cSld>
+    <p:spTree>
+      <p:nvGrpSpPr>
+        <p:cNvPr id="1" name=""/>
+        <p:cNvGrpSpPr/>
+        <p:nvPr/>
+      </p:nvGrpSpPr>
+      <p:grpSpPr>
+        <a:xfrm>
+          <a:off x="0" y="0"/>
+          <a:ext cx="0" cy="0"/>
+          <a:chOff x="0" y="0"/>
+          <a:chExt cx="0" cy="0"/>
+        </a:xfrm>
+      </p:grpSpPr>
+      <p:sp>
+        <p:nvSpPr>
+          <p:cNvPr id="2" name="Title 1"/>
+          <p:cNvSpPr>
+            <a:spLocks noGrp="1"/>
+          </p:cNvSpPr>
+          <p:nvPr>
+            <p:ph type="title"/>
+          </p:nvPr>
+        </p:nvSpPr>
+        <p:spPr/>
+        <p:txBody>
+          <a:bodyPr/>
+          <a:lstStyle/>
+          <a:p>
+            <a:r>
+              <a:rPr lang="en-US" sz="4500" dirty="0"/>
+              <a:t>Results</a:t>
+            </a:r>
+            <a:endParaRPr lang="en-US" dirty="0"/>
+          </a:p>
+        </p:txBody>
+      </p:sp>
+      <p:pic>
+        <p:nvPicPr>
+          <p:cNvPr id="6" name="Content Placeholder 5"/>
+          <p:cNvPicPr>
+            <a:picLocks noGrp="1" noChangeAspect="1"/>
+          </p:cNvPicPr>
+          <p:nvPr>
+            <p:ph idx="1"/>
+          </p:nvPr>
+        </p:nvPicPr>
+        <p:blipFill>
+          <a:blip r:embed="rId2"/>
+          <a:stretch>
+            <a:fillRect/>
+          </a:stretch>
+        </p:blipFill>
+        <p:spPr>
+          <a:xfrm>
+            <a:off x="174519" y="1961061"/>
+            <a:ext cx="8599982" cy="3702365"/>
+          </a:xfrm>
+          <a:prstGeom prst="rect">
+            <a:avLst/>
+          </a:prstGeom>
+        </p:spPr>
+      </p:pic>
+    </p:spTree>
+    <p:extLst>
+      <p:ext uri="{BB962C8B-B14F-4D97-AF65-F5344CB8AC3E}">
+        <p14:creationId xmlns:p14="http://schemas.microsoft.com/office/powerpoint/2010/main" val="14257280"/>
+      </p:ext>
+    </p:extLst>
+  </p:cSld>
+  <p:clrMapOvr>
+    <a:masterClrMapping/>
+  </p:clrMapOvr>
+  <p:timing>
+    <p:tnLst>
+      <p:par>
+        <p:cTn xmlns:p14="http://schemas.microsoft.com/office/powerpoint/2010/main" id="1" dur="indefinite" restart="never" nodeType="tmRoot"/>
+      </p:par>
+    </p:tnLst>
+  </p:timing>
+</p:sld>
+</file>
+
+<file path=ppt/slides/slide23.xml><?xml version="1.0" encoding="utf-8"?>
+<p:sld xmlns:a="http://schemas.openxmlformats.org/drawingml/2006/main" xmlns:r="http://schemas.openxmlformats.org/officeDocument/2006/relationships" xmlns:p="http://schemas.openxmlformats.org/presentationml/2006/main">
+  <p:cSld>
+    <p:spTree>
+      <p:nvGrpSpPr>
+        <p:cNvPr id="1" name=""/>
+        <p:cNvGrpSpPr/>
+        <p:nvPr/>
+      </p:nvGrpSpPr>
+      <p:grpSpPr>
+        <a:xfrm>
+          <a:off x="0" y="0"/>
+          <a:ext cx="0" cy="0"/>
+          <a:chOff x="0" y="0"/>
+          <a:chExt cx="0" cy="0"/>
+        </a:xfrm>
+      </p:grpSpPr>
+      <p:sp>
+        <p:nvSpPr>
+          <p:cNvPr id="2" name="Title 1"/>
+          <p:cNvSpPr>
+            <a:spLocks noGrp="1"/>
+          </p:cNvSpPr>
+          <p:nvPr>
+            <p:ph type="title"/>
+          </p:nvPr>
+        </p:nvSpPr>
+        <p:spPr/>
+        <p:txBody>
+          <a:bodyPr>
+            <a:normAutofit/>
+          </a:bodyPr>
+          <a:lstStyle/>
+          <a:p>
+            <a:r>
+              <a:rPr lang="en-US" sz="4500" dirty="0"/>
+              <a:t>Results Summary</a:t>
+            </a:r>
+          </a:p>
+        </p:txBody>
+      </p:sp>
+      <p:sp>
+        <p:nvSpPr>
+          <p:cNvPr id="3" name="Content Placeholder 2"/>
+          <p:cNvSpPr>
+            <a:spLocks noGrp="1"/>
+          </p:cNvSpPr>
+          <p:nvPr>
+            <p:ph idx="1"/>
+          </p:nvPr>
+        </p:nvSpPr>
+        <p:spPr/>
+        <p:txBody>
+          <a:bodyPr>
+            <a:normAutofit/>
+          </a:bodyPr>
+          <a:lstStyle/>
+          <a:p>
+            <a:r>
+              <a:rPr lang="en-US" sz="2700" dirty="0"/>
+              <a:t>Across the board the log counts performed better than raw counts</a:t>
+            </a:r>
+          </a:p>
+          <a:p>
+            <a:endParaRPr lang="en-US" sz="2700" dirty="0"/>
+          </a:p>
+          <a:p>
+            <a:r>
+              <a:rPr lang="en-US" sz="2700" dirty="0"/>
+              <a:t>None of the weights performed better than the </a:t>
+            </a:r>
+            <a:r>
+              <a:rPr lang="en-US" sz="2700" dirty="0" err="1"/>
+              <a:t>unweighted</a:t>
+            </a:r>
+            <a:r>
+              <a:rPr lang="en-US" sz="2700" dirty="0"/>
+              <a:t> </a:t>
+            </a:r>
+            <a:r>
+              <a:rPr lang="en-US" sz="2700" dirty="0" err="1"/>
+              <a:t>kNN</a:t>
+            </a:r>
+            <a:r>
+              <a:rPr lang="en-US" sz="2700" dirty="0"/>
+              <a:t> algorithm</a:t>
+            </a:r>
+          </a:p>
+          <a:p>
+            <a:endParaRPr lang="en-US" sz="2700" dirty="0"/>
+          </a:p>
+          <a:p>
+            <a:r>
+              <a:rPr lang="en-US" sz="2700" dirty="0"/>
+              <a:t>Even the bad weighting schemes beat the matrix factorization recommender by about k=8</a:t>
+            </a:r>
+          </a:p>
+          <a:p>
+            <a:pPr marL="0" indent="0">
+              <a:buNone/>
+            </a:pPr>
+            <a:endParaRPr lang="en-US" dirty="0" smtClean="0"/>
+          </a:p>
+        </p:txBody>
+      </p:sp>
+    </p:spTree>
+    <p:extLst>
+      <p:ext uri="{BB962C8B-B14F-4D97-AF65-F5344CB8AC3E}">
+        <p14:creationId xmlns:p14="http://schemas.microsoft.com/office/powerpoint/2010/main" val="3367499311"/>
+      </p:ext>
+    </p:extLst>
+  </p:cSld>
+  <p:clrMapOvr>
+    <a:masterClrMapping/>
+  </p:clrMapOvr>
+  <p:timing>
+    <p:tnLst>
+      <p:par>
+        <p:cTn xmlns:p14="http://schemas.microsoft.com/office/powerpoint/2010/main" id="1" dur="indefinite" restart="never" nodeType="tmRoot"/>
+      </p:par>
+    </p:tnLst>
+  </p:timing>
+</p:sld>
+</file>
+
+<file path=ppt/slides/slide24.xml><?xml version="1.0" encoding="utf-8"?>
+<p:sld xmlns:a="http://schemas.openxmlformats.org/drawingml/2006/main" xmlns:r="http://schemas.openxmlformats.org/officeDocument/2006/relationships" xmlns:p="http://schemas.openxmlformats.org/presentationml/2006/main">
+  <p:cSld>
+    <p:spTree>
+      <p:nvGrpSpPr>
+        <p:cNvPr id="1" name=""/>
+        <p:cNvGrpSpPr/>
+        <p:nvPr/>
+      </p:nvGrpSpPr>
+      <p:grpSpPr>
+        <a:xfrm>
+          <a:off x="0" y="0"/>
+          <a:ext cx="0" cy="0"/>
+          <a:chOff x="0" y="0"/>
+          <a:chExt cx="0" cy="0"/>
+        </a:xfrm>
+      </p:grpSpPr>
+      <p:sp>
+        <p:nvSpPr>
+          <p:cNvPr id="2" name="Title 1"/>
+          <p:cNvSpPr>
+            <a:spLocks noGrp="1"/>
+          </p:cNvSpPr>
+          <p:nvPr>
+            <p:ph type="title"/>
+          </p:nvPr>
+        </p:nvSpPr>
+        <p:spPr/>
+        <p:txBody>
+          <a:bodyPr>
+            <a:normAutofit/>
+          </a:bodyPr>
+          <a:lstStyle/>
+          <a:p>
+            <a:r>
+              <a:rPr lang="en-US" sz="4050" dirty="0"/>
+              <a:t>The takeaway:</a:t>
+            </a:r>
+          </a:p>
+        </p:txBody>
+      </p:sp>
+      <p:sp>
+        <p:nvSpPr>
+          <p:cNvPr id="3" name="Content Placeholder 2"/>
+          <p:cNvSpPr>
+            <a:spLocks noGrp="1"/>
+          </p:cNvSpPr>
+          <p:nvPr>
+            <p:ph idx="1"/>
+          </p:nvPr>
+        </p:nvSpPr>
+        <p:spPr/>
+        <p:txBody>
+          <a:bodyPr/>
+          <a:lstStyle/>
+          <a:p>
+            <a:pPr marL="0" indent="0" algn="ctr">
+              <a:buNone/>
+            </a:pPr>
+            <a:endParaRPr lang="en-US" sz="6600" dirty="0"/>
+          </a:p>
+          <a:p>
+            <a:pPr marL="0" indent="0" algn="ctr">
+              <a:buNone/>
+            </a:pPr>
+            <a:r>
+              <a:rPr lang="en-US" sz="6600" dirty="0"/>
+              <a:t>Keep it simple!!</a:t>
+            </a:r>
+          </a:p>
+          <a:p>
+            <a:endParaRPr lang="en-US" dirty="0"/>
+          </a:p>
+        </p:txBody>
+      </p:sp>
+    </p:spTree>
+    <p:extLst>
+      <p:ext uri="{BB962C8B-B14F-4D97-AF65-F5344CB8AC3E}">
+        <p14:creationId xmlns:p14="http://schemas.microsoft.com/office/powerpoint/2010/main" val="2878416231"/>
+      </p:ext>
+    </p:extLst>
+  </p:cSld>
+  <p:clrMapOvr>
+    <a:masterClrMapping/>
+  </p:clrMapOvr>
+  <p:timing>
+    <p:tnLst>
+      <p:par>
+        <p:cTn xmlns:p14="http://schemas.microsoft.com/office/powerpoint/2010/main" id="1" dur="indefinite" restart="never" nodeType="tmRoot"/>
+      </p:par>
+    </p:tnLst>
+  </p:timing>
+</p:sld>
+</file>
+
+<file path=ppt/slides/slide3.xml><?xml version="1.0" encoding="utf-8"?>
 <p:sld xmlns:a="http://schemas.openxmlformats.org/drawingml/2006/main" xmlns:r="http://schemas.openxmlformats.org/officeDocument/2006/relationships" xmlns:p="http://schemas.openxmlformats.org/presentationml/2006/main">
   <p:cSld>
     <p:spTree>
@@ -7090,440 +8325,17 @@
   <p:clrMapOvr>
     <a:masterClrMapping/>
   </p:clrMapOvr>
+  <p:timing>
+    <p:tnLst>
+      <p:par>
+        <p:cTn xmlns:p14="http://schemas.microsoft.com/office/powerpoint/2010/main" id="1" dur="indefinite" restart="never" nodeType="tmRoot"/>
+      </p:par>
+    </p:tnLst>
+  </p:timing>
 </p:sld>
 </file>
 
-<file path=ppt/slides/slide20.xml><?xml version="1.0" encoding="utf-8"?>
-<p:sld xmlns:a="http://schemas.openxmlformats.org/drawingml/2006/main" xmlns:r="http://schemas.openxmlformats.org/officeDocument/2006/relationships" xmlns:p="http://schemas.openxmlformats.org/presentationml/2006/main">
-  <p:cSld>
-    <p:spTree>
-      <p:nvGrpSpPr>
-        <p:cNvPr id="1" name=""/>
-        <p:cNvGrpSpPr/>
-        <p:nvPr/>
-      </p:nvGrpSpPr>
-      <p:grpSpPr>
-        <a:xfrm>
-          <a:off x="0" y="0"/>
-          <a:ext cx="0" cy="0"/>
-          <a:chOff x="0" y="0"/>
-          <a:chExt cx="0" cy="0"/>
-        </a:xfrm>
-      </p:grpSpPr>
-      <p:sp>
-        <p:nvSpPr>
-          <p:cNvPr id="2" name="Title 1"/>
-          <p:cNvSpPr>
-            <a:spLocks noGrp="1"/>
-          </p:cNvSpPr>
-          <p:nvPr>
-            <p:ph type="title"/>
-          </p:nvPr>
-        </p:nvSpPr>
-        <p:spPr/>
-        <p:txBody>
-          <a:bodyPr/>
-          <a:lstStyle/>
-          <a:p>
-            <a:r>
-              <a:rPr lang="en-US" sz="4500" dirty="0"/>
-              <a:t>Issues and Challenges</a:t>
-            </a:r>
-            <a:endParaRPr lang="en-US" dirty="0"/>
-          </a:p>
-        </p:txBody>
-      </p:sp>
-      <p:sp>
-        <p:nvSpPr>
-          <p:cNvPr id="3" name="Content Placeholder 2"/>
-          <p:cNvSpPr>
-            <a:spLocks noGrp="1"/>
-          </p:cNvSpPr>
-          <p:nvPr>
-            <p:ph idx="1"/>
-          </p:nvPr>
-        </p:nvSpPr>
-        <p:spPr>
-          <a:xfrm>
-            <a:off x="474103" y="2125267"/>
-            <a:ext cx="8499251" cy="3735425"/>
-          </a:xfrm>
-        </p:spPr>
-        <p:txBody>
-          <a:bodyPr>
-            <a:normAutofit fontScale="92500" lnSpcReduction="10000"/>
-          </a:bodyPr>
-          <a:lstStyle/>
-          <a:p>
-            <a:r>
-              <a:rPr lang="en-US" sz="2400" dirty="0"/>
-              <a:t>Size of dataset / scalability</a:t>
-            </a:r>
-          </a:p>
-          <a:p>
-            <a:pPr lvl="1"/>
-            <a:r>
-              <a:rPr lang="en-US" sz="2100" dirty="0"/>
-              <a:t>1.6 million reviews; 61 thousand businesses; 3 million user friendships</a:t>
-            </a:r>
-          </a:p>
-          <a:p>
-            <a:pPr lvl="1"/>
-            <a:r>
-              <a:rPr lang="en-US" sz="2100" dirty="0"/>
-              <a:t>AZ data was still large: 6.8 thousand users and 7.7 thousand businesses (full ratings matrix would be a little over 53 million cells)</a:t>
-            </a:r>
-          </a:p>
-          <a:p>
-            <a:pPr lvl="1"/>
-            <a:r>
-              <a:rPr lang="en-US" sz="2100" dirty="0"/>
-              <a:t>Took several hours to run collaborative filtering for a single value of k (k=20)</a:t>
-            </a:r>
-          </a:p>
-          <a:p>
-            <a:pPr lvl="1"/>
-            <a:r>
-              <a:rPr lang="en-US" sz="2100" dirty="0"/>
-              <a:t>Took 1.5 hours to run </a:t>
-            </a:r>
-            <a:r>
-              <a:rPr lang="en-US" sz="2100" dirty="0" err="1"/>
-              <a:t>kNN</a:t>
-            </a:r>
-            <a:r>
-              <a:rPr lang="en-US" sz="2100" dirty="0"/>
-              <a:t> for all 18 thousand ratings in the test set</a:t>
-            </a:r>
-          </a:p>
-          <a:p>
-            <a:pPr lvl="1"/>
-            <a:r>
-              <a:rPr lang="en-US" sz="2100" dirty="0"/>
-              <a:t>Dealing with such data in the real world, it would be necessary to use </a:t>
-            </a:r>
-            <a:r>
-              <a:rPr lang="en-US" sz="2100" dirty="0" err="1"/>
-              <a:t>MapReduce</a:t>
-            </a:r>
-            <a:r>
-              <a:rPr lang="en-US" sz="2100" dirty="0"/>
-              <a:t> framework</a:t>
-            </a:r>
-          </a:p>
-          <a:p>
-            <a:r>
-              <a:rPr lang="en-US" sz="2400" dirty="0"/>
-              <a:t>Incompleteness of dataset – working with a small subset of total data led to inconsistencies (businesses with only 1 or 2 ratings had to be dropped)</a:t>
-            </a:r>
-          </a:p>
-          <a:p>
-            <a:endParaRPr lang="en-US" dirty="0" smtClean="0"/>
-          </a:p>
-          <a:p>
-            <a:endParaRPr lang="en-US" dirty="0"/>
-          </a:p>
-        </p:txBody>
-      </p:sp>
-    </p:spTree>
-    <p:extLst>
-      <p:ext uri="{BB962C8B-B14F-4D97-AF65-F5344CB8AC3E}">
-        <p14:creationId xmlns:p14="http://schemas.microsoft.com/office/powerpoint/2010/main" val="4273799294"/>
-      </p:ext>
-    </p:extLst>
-  </p:cSld>
-  <p:clrMapOvr>
-    <a:masterClrMapping/>
-  </p:clrMapOvr>
-</p:sld>
-</file>
-
-<file path=ppt/slides/slide21.xml><?xml version="1.0" encoding="utf-8"?>
-<p:sld xmlns:a="http://schemas.openxmlformats.org/drawingml/2006/main" xmlns:r="http://schemas.openxmlformats.org/officeDocument/2006/relationships" xmlns:p="http://schemas.openxmlformats.org/presentationml/2006/main">
-  <p:cSld>
-    <p:spTree>
-      <p:nvGrpSpPr>
-        <p:cNvPr id="1" name=""/>
-        <p:cNvGrpSpPr/>
-        <p:nvPr/>
-      </p:nvGrpSpPr>
-      <p:grpSpPr>
-        <a:xfrm>
-          <a:off x="0" y="0"/>
-          <a:ext cx="0" cy="0"/>
-          <a:chOff x="0" y="0"/>
-          <a:chExt cx="0" cy="0"/>
-        </a:xfrm>
-      </p:grpSpPr>
-      <p:sp>
-        <p:nvSpPr>
-          <p:cNvPr id="2" name="Title 1"/>
-          <p:cNvSpPr>
-            <a:spLocks noGrp="1"/>
-          </p:cNvSpPr>
-          <p:nvPr>
-            <p:ph type="title"/>
-          </p:nvPr>
-        </p:nvSpPr>
-        <p:spPr/>
-        <p:txBody>
-          <a:bodyPr/>
-          <a:lstStyle/>
-          <a:p>
-            <a:r>
-              <a:rPr lang="en-US" sz="4500" dirty="0"/>
-              <a:t>Results</a:t>
-            </a:r>
-            <a:endParaRPr lang="en-US" dirty="0"/>
-          </a:p>
-        </p:txBody>
-      </p:sp>
-      <p:pic>
-        <p:nvPicPr>
-          <p:cNvPr id="6" name="Content Placeholder 5"/>
-          <p:cNvPicPr>
-            <a:picLocks noGrp="1" noChangeAspect="1"/>
-          </p:cNvPicPr>
-          <p:nvPr>
-            <p:ph idx="1"/>
-          </p:nvPr>
-        </p:nvPicPr>
-        <p:blipFill>
-          <a:blip r:embed="rId2"/>
-          <a:stretch>
-            <a:fillRect/>
-          </a:stretch>
-        </p:blipFill>
-        <p:spPr>
-          <a:xfrm>
-            <a:off x="174519" y="1961061"/>
-            <a:ext cx="8599982" cy="3702365"/>
-          </a:xfrm>
-          <a:prstGeom prst="rect">
-            <a:avLst/>
-          </a:prstGeom>
-        </p:spPr>
-      </p:pic>
-    </p:spTree>
-    <p:extLst>
-      <p:ext uri="{BB962C8B-B14F-4D97-AF65-F5344CB8AC3E}">
-        <p14:creationId xmlns:p14="http://schemas.microsoft.com/office/powerpoint/2010/main" val="14257280"/>
-      </p:ext>
-    </p:extLst>
-  </p:cSld>
-  <p:clrMapOvr>
-    <a:masterClrMapping/>
-  </p:clrMapOvr>
-</p:sld>
-</file>
-
-<file path=ppt/slides/slide22.xml><?xml version="1.0" encoding="utf-8"?>
-<p:sld xmlns:a="http://schemas.openxmlformats.org/drawingml/2006/main" xmlns:r="http://schemas.openxmlformats.org/officeDocument/2006/relationships" xmlns:p="http://schemas.openxmlformats.org/presentationml/2006/main">
-  <p:cSld>
-    <p:spTree>
-      <p:nvGrpSpPr>
-        <p:cNvPr id="1" name=""/>
-        <p:cNvGrpSpPr/>
-        <p:nvPr/>
-      </p:nvGrpSpPr>
-      <p:grpSpPr>
-        <a:xfrm>
-          <a:off x="0" y="0"/>
-          <a:ext cx="0" cy="0"/>
-          <a:chOff x="0" y="0"/>
-          <a:chExt cx="0" cy="0"/>
-        </a:xfrm>
-      </p:grpSpPr>
-      <p:sp>
-        <p:nvSpPr>
-          <p:cNvPr id="2" name="Title 1"/>
-          <p:cNvSpPr>
-            <a:spLocks noGrp="1"/>
-          </p:cNvSpPr>
-          <p:nvPr>
-            <p:ph type="title"/>
-          </p:nvPr>
-        </p:nvSpPr>
-        <p:spPr/>
-        <p:txBody>
-          <a:bodyPr>
-            <a:normAutofit/>
-          </a:bodyPr>
-          <a:lstStyle/>
-          <a:p>
-            <a:r>
-              <a:rPr lang="en-US" sz="4500" dirty="0"/>
-              <a:t>Results Summary</a:t>
-            </a:r>
-          </a:p>
-        </p:txBody>
-      </p:sp>
-      <p:sp>
-        <p:nvSpPr>
-          <p:cNvPr id="3" name="Content Placeholder 2"/>
-          <p:cNvSpPr>
-            <a:spLocks noGrp="1"/>
-          </p:cNvSpPr>
-          <p:nvPr>
-            <p:ph idx="1"/>
-          </p:nvPr>
-        </p:nvSpPr>
-        <p:spPr/>
-        <p:txBody>
-          <a:bodyPr>
-            <a:normAutofit/>
-          </a:bodyPr>
-          <a:lstStyle/>
-          <a:p>
-            <a:r>
-              <a:rPr lang="en-US" sz="2700" dirty="0"/>
-              <a:t>Across the board the log counts performed better than raw counts</a:t>
-            </a:r>
-          </a:p>
-          <a:p>
-            <a:endParaRPr lang="en-US" sz="2700" dirty="0"/>
-          </a:p>
-          <a:p>
-            <a:r>
-              <a:rPr lang="en-US" sz="2700" dirty="0"/>
-              <a:t>None of the weights performed better than the </a:t>
-            </a:r>
-            <a:r>
-              <a:rPr lang="en-US" sz="2700" dirty="0" err="1"/>
-              <a:t>unweighted</a:t>
-            </a:r>
-            <a:r>
-              <a:rPr lang="en-US" sz="2700" dirty="0"/>
-              <a:t> </a:t>
-            </a:r>
-            <a:r>
-              <a:rPr lang="en-US" sz="2700" dirty="0" err="1"/>
-              <a:t>kNN</a:t>
-            </a:r>
-            <a:r>
-              <a:rPr lang="en-US" sz="2700" dirty="0"/>
-              <a:t> algorithm</a:t>
-            </a:r>
-          </a:p>
-          <a:p>
-            <a:endParaRPr lang="en-US" sz="2700" dirty="0"/>
-          </a:p>
-          <a:p>
-            <a:r>
-              <a:rPr lang="en-US" sz="2700" dirty="0"/>
-              <a:t>Even the bad weighting schemes beat the matrix factorization recommender by about k=8</a:t>
-            </a:r>
-          </a:p>
-          <a:p>
-            <a:pPr marL="0" indent="0">
-              <a:buNone/>
-            </a:pPr>
-            <a:endParaRPr lang="en-US" dirty="0" smtClean="0"/>
-          </a:p>
-        </p:txBody>
-      </p:sp>
-    </p:spTree>
-    <p:extLst>
-      <p:ext uri="{BB962C8B-B14F-4D97-AF65-F5344CB8AC3E}">
-        <p14:creationId xmlns:p14="http://schemas.microsoft.com/office/powerpoint/2010/main" val="3367499311"/>
-      </p:ext>
-    </p:extLst>
-  </p:cSld>
-  <p:clrMapOvr>
-    <a:masterClrMapping/>
-  </p:clrMapOvr>
-</p:sld>
-</file>
-
-<file path=ppt/slides/slide23.xml><?xml version="1.0" encoding="utf-8"?>
-<p:sld xmlns:a="http://schemas.openxmlformats.org/drawingml/2006/main" xmlns:r="http://schemas.openxmlformats.org/officeDocument/2006/relationships" xmlns:p="http://schemas.openxmlformats.org/presentationml/2006/main">
-  <p:cSld>
-    <p:spTree>
-      <p:nvGrpSpPr>
-        <p:cNvPr id="1" name=""/>
-        <p:cNvGrpSpPr/>
-        <p:nvPr/>
-      </p:nvGrpSpPr>
-      <p:grpSpPr>
-        <a:xfrm>
-          <a:off x="0" y="0"/>
-          <a:ext cx="0" cy="0"/>
-          <a:chOff x="0" y="0"/>
-          <a:chExt cx="0" cy="0"/>
-        </a:xfrm>
-      </p:grpSpPr>
-      <p:sp>
-        <p:nvSpPr>
-          <p:cNvPr id="2" name="Title 1"/>
-          <p:cNvSpPr>
-            <a:spLocks noGrp="1"/>
-          </p:cNvSpPr>
-          <p:nvPr>
-            <p:ph type="title"/>
-          </p:nvPr>
-        </p:nvSpPr>
-        <p:spPr/>
-        <p:txBody>
-          <a:bodyPr>
-            <a:normAutofit/>
-          </a:bodyPr>
-          <a:lstStyle/>
-          <a:p>
-            <a:r>
-              <a:rPr lang="en-US" sz="4050" dirty="0"/>
-              <a:t>The takeaway:</a:t>
-            </a:r>
-          </a:p>
-        </p:txBody>
-      </p:sp>
-      <p:sp>
-        <p:nvSpPr>
-          <p:cNvPr id="3" name="Content Placeholder 2"/>
-          <p:cNvSpPr>
-            <a:spLocks noGrp="1"/>
-          </p:cNvSpPr>
-          <p:nvPr>
-            <p:ph idx="1"/>
-          </p:nvPr>
-        </p:nvSpPr>
-        <p:spPr/>
-        <p:txBody>
-          <a:bodyPr/>
-          <a:lstStyle/>
-          <a:p>
-            <a:pPr marL="0" indent="0" algn="ctr">
-              <a:buNone/>
-            </a:pPr>
-            <a:endParaRPr lang="en-US" sz="6600" dirty="0"/>
-          </a:p>
-          <a:p>
-            <a:pPr marL="0" indent="0" algn="ctr">
-              <a:buNone/>
-            </a:pPr>
-            <a:r>
-              <a:rPr lang="en-US" sz="6600" dirty="0"/>
-              <a:t>Keep it simple!!</a:t>
-            </a:r>
-          </a:p>
-          <a:p>
-            <a:endParaRPr lang="en-US" dirty="0"/>
-          </a:p>
-        </p:txBody>
-      </p:sp>
-    </p:spTree>
-    <p:extLst>
-      <p:ext uri="{BB962C8B-B14F-4D97-AF65-F5344CB8AC3E}">
-        <p14:creationId xmlns:p14="http://schemas.microsoft.com/office/powerpoint/2010/main" val="2878416231"/>
-      </p:ext>
-    </p:extLst>
-  </p:cSld>
-  <p:clrMapOvr>
-    <a:masterClrMapping/>
-  </p:clrMapOvr>
-</p:sld>
-</file>
-
-<file path=ppt/slides/slide3.xml><?xml version="1.0" encoding="utf-8"?>
+<file path=ppt/slides/slide4.xml><?xml version="1.0" encoding="utf-8"?>
 <p:sld xmlns:a="http://schemas.openxmlformats.org/drawingml/2006/main" xmlns:r="http://schemas.openxmlformats.org/officeDocument/2006/relationships" xmlns:p="http://schemas.openxmlformats.org/presentationml/2006/main">
   <p:cSld>
     <p:spTree>
@@ -7629,10 +8441,17 @@
   <p:clrMapOvr>
     <a:masterClrMapping/>
   </p:clrMapOvr>
+  <p:timing>
+    <p:tnLst>
+      <p:par>
+        <p:cTn xmlns:p14="http://schemas.microsoft.com/office/powerpoint/2010/main" id="1" dur="indefinite" restart="never" nodeType="tmRoot"/>
+      </p:par>
+    </p:tnLst>
+  </p:timing>
 </p:sld>
 </file>
 
-<file path=ppt/slides/slide4.xml><?xml version="1.0" encoding="utf-8"?>
+<file path=ppt/slides/slide5.xml><?xml version="1.0" encoding="utf-8"?>
 <p:sld xmlns:a="http://schemas.openxmlformats.org/drawingml/2006/main" xmlns:r="http://schemas.openxmlformats.org/officeDocument/2006/relationships" xmlns:p="http://schemas.openxmlformats.org/presentationml/2006/main">
   <p:cSld>
     <p:spTree>
@@ -7706,10 +8525,17 @@
   <p:clrMapOvr>
     <a:masterClrMapping/>
   </p:clrMapOvr>
+  <p:timing>
+    <p:tnLst>
+      <p:par>
+        <p:cTn xmlns:p14="http://schemas.microsoft.com/office/powerpoint/2010/main" id="1" dur="indefinite" restart="never" nodeType="tmRoot"/>
+      </p:par>
+    </p:tnLst>
+  </p:timing>
 </p:sld>
 </file>
 
-<file path=ppt/slides/slide5.xml><?xml version="1.0" encoding="utf-8"?>
+<file path=ppt/slides/slide6.xml><?xml version="1.0" encoding="utf-8"?>
 <p:sld xmlns:a="http://schemas.openxmlformats.org/drawingml/2006/main" xmlns:r="http://schemas.openxmlformats.org/officeDocument/2006/relationships" xmlns:p="http://schemas.openxmlformats.org/presentationml/2006/main">
   <p:cSld>
     <p:spTree>
@@ -7783,10 +8609,17 @@
   <p:clrMapOvr>
     <a:masterClrMapping/>
   </p:clrMapOvr>
+  <p:timing>
+    <p:tnLst>
+      <p:par>
+        <p:cTn xmlns:p14="http://schemas.microsoft.com/office/powerpoint/2010/main" id="1" dur="indefinite" restart="never" nodeType="tmRoot"/>
+      </p:par>
+    </p:tnLst>
+  </p:timing>
 </p:sld>
 </file>
 
-<file path=ppt/slides/slide6.xml><?xml version="1.0" encoding="utf-8"?>
+<file path=ppt/slides/slide7.xml><?xml version="1.0" encoding="utf-8"?>
 <p:sld xmlns:a="http://schemas.openxmlformats.org/drawingml/2006/main" xmlns:r="http://schemas.openxmlformats.org/officeDocument/2006/relationships" xmlns:p="http://schemas.openxmlformats.org/presentationml/2006/main">
   <p:cSld>
     <p:spTree>
@@ -7894,64 +8727,13 @@
   <p:clrMapOvr>
     <a:masterClrMapping/>
   </p:clrMapOvr>
-</p:sld>
-</file>
-
-<file path=ppt/slides/slide7.xml><?xml version="1.0" encoding="utf-8"?>
-<p:sld xmlns:a="http://schemas.openxmlformats.org/drawingml/2006/main" xmlns:r="http://schemas.openxmlformats.org/officeDocument/2006/relationships" xmlns:p="http://schemas.openxmlformats.org/presentationml/2006/main">
-  <p:cSld>
-    <p:spTree>
-      <p:nvGrpSpPr>
-        <p:cNvPr id="1" name=""/>
-        <p:cNvGrpSpPr/>
-        <p:nvPr/>
-      </p:nvGrpSpPr>
-      <p:grpSpPr>
-        <a:xfrm>
-          <a:off x="0" y="0"/>
-          <a:ext cx="0" cy="0"/>
-          <a:chOff x="0" y="0"/>
-          <a:chExt cx="0" cy="0"/>
-        </a:xfrm>
-      </p:grpSpPr>
-      <p:sp>
-        <p:nvSpPr>
-          <p:cNvPr id="2" name="Title 1"/>
-          <p:cNvSpPr>
-            <a:spLocks noGrp="1"/>
-          </p:cNvSpPr>
-          <p:nvPr>
-            <p:ph type="title"/>
-          </p:nvPr>
-        </p:nvSpPr>
-        <p:spPr>
-          <a:xfrm>
-            <a:off x="457200" y="2514600"/>
-            <a:ext cx="8229600" cy="1143000"/>
-          </a:xfrm>
-        </p:spPr>
-        <p:txBody>
-          <a:bodyPr/>
-          <a:lstStyle/>
-          <a:p>
-            <a:r>
-              <a:rPr lang="en-US" dirty="0" smtClean="0"/>
-              <a:t>Yelp and Social Networking</a:t>
-            </a:r>
-            <a:endParaRPr lang="en-US" dirty="0"/>
-          </a:p>
-        </p:txBody>
-      </p:sp>
-    </p:spTree>
-    <p:extLst>
-      <p:ext uri="{BB962C8B-B14F-4D97-AF65-F5344CB8AC3E}">
-        <p14:creationId xmlns:p14="http://schemas.microsoft.com/office/powerpoint/2010/main" val="1967785219"/>
-      </p:ext>
-    </p:extLst>
-  </p:cSld>
-  <p:clrMapOvr>
-    <a:masterClrMapping/>
-  </p:clrMapOvr>
+  <p:timing>
+    <p:tnLst>
+      <p:par>
+        <p:cTn xmlns:p14="http://schemas.microsoft.com/office/powerpoint/2010/main" id="1" dur="indefinite" restart="never" nodeType="tmRoot"/>
+      </p:par>
+    </p:tnLst>
+  </p:timing>
 </p:sld>
 </file>
 
@@ -7982,71 +8764,41 @@
             <p:ph type="title"/>
           </p:nvPr>
         </p:nvSpPr>
-        <p:spPr/>
+        <p:spPr>
+          <a:xfrm>
+            <a:off x="457200" y="2514600"/>
+            <a:ext cx="8229600" cy="1143000"/>
+          </a:xfrm>
+        </p:spPr>
         <p:txBody>
           <a:bodyPr/>
           <a:lstStyle/>
           <a:p>
             <a:r>
-              <a:rPr lang="en-US" dirty="0" smtClean="0">
-                <a:solidFill>
-                  <a:srgbClr val="FF0000"/>
-                </a:solidFill>
-              </a:rPr>
-              <a:t>Data</a:t>
-            </a:r>
-            <a:r>
               <a:rPr lang="en-US" dirty="0" smtClean="0"/>
-              <a:t> </a:t>
-            </a:r>
-            <a:r>
-              <a:rPr lang="en-US" dirty="0" smtClean="0">
-                <a:solidFill>
-                  <a:srgbClr val="FF0000"/>
-                </a:solidFill>
-              </a:rPr>
-              <a:t>Structure</a:t>
-            </a:r>
-            <a:endParaRPr lang="en-US" dirty="0">
-              <a:solidFill>
-                <a:srgbClr val="FF0000"/>
-              </a:solidFill>
-            </a:endParaRPr>
-          </a:p>
-        </p:txBody>
-      </p:sp>
-      <p:pic>
-        <p:nvPicPr>
-          <p:cNvPr id="4" name="Content Placeholder 3"/>
-          <p:cNvPicPr>
-            <a:picLocks noGrp="1" noChangeAspect="1"/>
-          </p:cNvPicPr>
-          <p:nvPr>
-            <p:ph idx="1"/>
-          </p:nvPr>
-        </p:nvPicPr>
-        <p:blipFill rotWithShape="1">
-          <a:blip r:embed="rId2"/>
-          <a:srcRect l="1" r="-19599"/>
-          <a:stretch/>
-        </p:blipFill>
-        <p:spPr>
-          <a:xfrm>
-            <a:off x="2116739" y="1417638"/>
-            <a:ext cx="5795610" cy="4541373"/>
-          </a:xfrm>
-        </p:spPr>
-      </p:pic>
+              <a:t>Yelp and Social Networking</a:t>
+            </a:r>
+            <a:endParaRPr lang="en-US" dirty="0"/>
+          </a:p>
+        </p:txBody>
+      </p:sp>
     </p:spTree>
     <p:extLst>
       <p:ext uri="{BB962C8B-B14F-4D97-AF65-F5344CB8AC3E}">
-        <p14:creationId xmlns:p14="http://schemas.microsoft.com/office/powerpoint/2010/main" val="3031189573"/>
+        <p14:creationId xmlns:p14="http://schemas.microsoft.com/office/powerpoint/2010/main" val="1967785219"/>
       </p:ext>
     </p:extLst>
   </p:cSld>
   <p:clrMapOvr>
     <a:masterClrMapping/>
   </p:clrMapOvr>
+  <p:timing>
+    <p:tnLst>
+      <p:par>
+        <p:cTn xmlns:p14="http://schemas.microsoft.com/office/powerpoint/2010/main" id="1" dur="indefinite" restart="never" nodeType="tmRoot"/>
+      </p:par>
+    </p:tnLst>
+  </p:timing>
 </p:sld>
 </file>
 
@@ -8067,72 +8819,6 @@
           <a:chExt cx="0" cy="0"/>
         </a:xfrm>
       </p:grpSpPr>
-      <p:graphicFrame>
-        <p:nvGraphicFramePr>
-          <p:cNvPr id="8" name="Table 7"/>
-          <p:cNvGraphicFramePr>
-            <a:graphicFrameLocks noGrp="1"/>
-          </p:cNvGraphicFramePr>
-          <p:nvPr>
-            <p:extLst>
-              <p:ext uri="{D42A27DB-BD31-4B8C-83A1-F6EECF244321}">
-                <p14:modId xmlns:p14="http://schemas.microsoft.com/office/powerpoint/2010/main" val="2630716927"/>
-              </p:ext>
-            </p:extLst>
-          </p:nvPr>
-        </p:nvGraphicFramePr>
-        <p:xfrm>
-          <a:off x="485605" y="1593870"/>
-          <a:ext cx="3847484" cy="3648469"/>
-        </p:xfrm>
-        <a:graphic>
-          <a:graphicData uri="http://schemas.openxmlformats.org/drawingml/2006/table">
-            <a:tbl>
-              <a:tblPr/>
-              <a:tblGrid>
-                <a:gridCol w="3847484"/>
-              </a:tblGrid>
-              <a:tr h="3648469">
-                <a:tc>
-                  <a:txBody>
-                    <a:bodyPr/>
-                    <a:lstStyle/>
-                    <a:p>
-                      <a:endParaRPr lang="en-US" dirty="0"/>
-                    </a:p>
-                  </a:txBody>
-                  <a:tcPr>
-                    <a:lnL w="12700" cmpd="sng">
-                      <a:solidFill>
-                        <a:scrgbClr r="0" g="0" b="0"/>
-                      </a:solidFill>
-                      <a:prstDash val="solid"/>
-                    </a:lnL>
-                    <a:lnR w="12700" cmpd="sng">
-                      <a:solidFill>
-                        <a:scrgbClr r="0" g="0" b="0"/>
-                      </a:solidFill>
-                      <a:prstDash val="solid"/>
-                    </a:lnR>
-                    <a:lnT w="12700" cmpd="sng">
-                      <a:solidFill>
-                        <a:scrgbClr r="0" g="0" b="0"/>
-                      </a:solidFill>
-                      <a:prstDash val="solid"/>
-                    </a:lnT>
-                    <a:lnB w="12700" cmpd="sng">
-                      <a:solidFill>
-                        <a:scrgbClr r="0" g="0" b="0"/>
-                      </a:solidFill>
-                      <a:prstDash val="solid"/>
-                    </a:lnB>
-                  </a:tcPr>
-                </a:tc>
-              </a:tr>
-            </a:tbl>
-          </a:graphicData>
-        </a:graphic>
-      </p:graphicFrame>
       <p:sp>
         <p:nvSpPr>
           <p:cNvPr id="2" name="Title 1"/>
@@ -8154,7 +8840,19 @@
                   <a:srgbClr val="FF0000"/>
                 </a:solidFill>
               </a:rPr>
-              <a:t>Transformation</a:t>
+              <a:t>Data</a:t>
+            </a:r>
+            <a:r>
+              <a:rPr lang="en-US" dirty="0" smtClean="0"/>
+              <a:t> </a:t>
+            </a:r>
+            <a:r>
+              <a:rPr lang="en-US" dirty="0" smtClean="0">
+                <a:solidFill>
+                  <a:srgbClr val="FF0000"/>
+                </a:solidFill>
+              </a:rPr>
+              <a:t>Structure</a:t>
             </a:r>
             <a:endParaRPr lang="en-US" dirty="0">
               <a:solidFill>
@@ -8164,494 +8862,32 @@
           </a:p>
         </p:txBody>
       </p:sp>
-      <p:sp>
-        <p:nvSpPr>
-          <p:cNvPr id="3" name="Content Placeholder 2"/>
-          <p:cNvSpPr>
-            <a:spLocks noGrp="1"/>
-          </p:cNvSpPr>
-          <p:nvPr>
-            <p:ph idx="1"/>
-          </p:nvPr>
-        </p:nvSpPr>
-        <p:spPr>
-          <a:xfrm>
-            <a:off x="457200" y="1600200"/>
-            <a:ext cx="3938146" cy="3654591"/>
-          </a:xfrm>
-        </p:spPr>
-        <p:txBody>
-          <a:bodyPr>
-            <a:normAutofit/>
-          </a:bodyPr>
-          <a:lstStyle/>
-          <a:p>
-            <a:pPr marL="0" indent="0">
-              <a:buNone/>
-            </a:pPr>
-            <a:r>
-              <a:rPr lang="en-US" sz="1200" dirty="0" err="1" smtClean="0"/>
-              <a:t>longedge</a:t>
-            </a:r>
-            <a:r>
-              <a:rPr lang="en-US" sz="1200" dirty="0" smtClean="0"/>
-              <a:t> &lt;- function(</a:t>
-            </a:r>
-            <a:r>
-              <a:rPr lang="en-US" sz="1200" dirty="0" err="1" smtClean="0"/>
-              <a:t>edgelist</a:t>
-            </a:r>
-            <a:r>
-              <a:rPr lang="en-US" sz="1200" dirty="0" smtClean="0"/>
-              <a:t>){</a:t>
-            </a:r>
-          </a:p>
-          <a:p>
-            <a:pPr marL="0" indent="0">
-              <a:buNone/>
-            </a:pPr>
-            <a:r>
-              <a:rPr lang="en-US" sz="1200" dirty="0" smtClean="0"/>
-              <a:t>  user &lt;- </a:t>
-            </a:r>
-            <a:r>
-              <a:rPr lang="en-US" sz="1200" dirty="0" err="1" smtClean="0"/>
-              <a:t>edgelist$user_id</a:t>
-            </a:r>
-            <a:endParaRPr lang="en-US" sz="1200" dirty="0" smtClean="0"/>
-          </a:p>
-          <a:p>
-            <a:pPr marL="0" indent="0">
-              <a:buNone/>
-            </a:pPr>
-            <a:r>
-              <a:rPr lang="en-US" sz="1200" dirty="0" smtClean="0"/>
-              <a:t>  </a:t>
-            </a:r>
-            <a:r>
-              <a:rPr lang="en-US" sz="1200" dirty="0" err="1" smtClean="0"/>
-              <a:t>cnx</a:t>
-            </a:r>
-            <a:r>
-              <a:rPr lang="en-US" sz="1200" dirty="0" smtClean="0"/>
-              <a:t> &lt;- </a:t>
-            </a:r>
-            <a:r>
-              <a:rPr lang="en-US" sz="1200" dirty="0" err="1" smtClean="0"/>
-              <a:t>edgelist$friends</a:t>
-            </a:r>
-            <a:endParaRPr lang="en-US" sz="1200" dirty="0" smtClean="0"/>
-          </a:p>
-          <a:p>
-            <a:pPr marL="0" indent="0">
-              <a:buNone/>
-            </a:pPr>
-            <a:r>
-              <a:rPr lang="en-US" sz="1200" dirty="0" smtClean="0"/>
-              <a:t>  split &lt;- </a:t>
-            </a:r>
-            <a:r>
-              <a:rPr lang="en-US" sz="1200" dirty="0" err="1" smtClean="0"/>
-              <a:t>as.data.frame</a:t>
-            </a:r>
-            <a:r>
-              <a:rPr lang="en-US" sz="1200" dirty="0" smtClean="0"/>
-              <a:t>(</a:t>
-            </a:r>
-            <a:r>
-              <a:rPr lang="en-US" sz="1200" dirty="0" err="1" smtClean="0"/>
-              <a:t>ifelse</a:t>
-            </a:r>
-            <a:r>
-              <a:rPr lang="en-US" sz="1200" dirty="0" smtClean="0"/>
-              <a:t>(</a:t>
-            </a:r>
-            <a:r>
-              <a:rPr lang="en-US" sz="1200" dirty="0" err="1" smtClean="0"/>
-              <a:t>cnx</a:t>
-            </a:r>
-            <a:r>
-              <a:rPr lang="en-US" sz="1200" dirty="0" smtClean="0"/>
-              <a:t>=="",</a:t>
-            </a:r>
-            <a:r>
-              <a:rPr lang="en-US" sz="1200" dirty="0" err="1" smtClean="0"/>
-              <a:t>NA,str_split</a:t>
-            </a:r>
-            <a:r>
-              <a:rPr lang="en-US" sz="1200" dirty="0" smtClean="0"/>
-              <a:t>(</a:t>
-            </a:r>
-            <a:r>
-              <a:rPr lang="en-US" sz="1200" dirty="0" err="1" smtClean="0"/>
-              <a:t>cnx</a:t>
-            </a:r>
-            <a:r>
-              <a:rPr lang="en-US" sz="1200" dirty="0" smtClean="0"/>
-              <a:t>,", ")))</a:t>
-            </a:r>
-          </a:p>
-          <a:p>
-            <a:pPr marL="0" indent="0">
-              <a:buNone/>
-            </a:pPr>
-            <a:r>
-              <a:rPr lang="en-US" sz="1200" dirty="0" smtClean="0"/>
-              <a:t>  combine &lt;- </a:t>
-            </a:r>
-            <a:r>
-              <a:rPr lang="en-US" sz="1200" dirty="0" err="1" smtClean="0"/>
-              <a:t>as.data.frame</a:t>
-            </a:r>
-            <a:r>
-              <a:rPr lang="en-US" sz="1200" dirty="0" smtClean="0"/>
-              <a:t>(</a:t>
-            </a:r>
-            <a:r>
-              <a:rPr lang="en-US" sz="1200" dirty="0" err="1" smtClean="0"/>
-              <a:t>cbind</a:t>
-            </a:r>
-            <a:r>
-              <a:rPr lang="en-US" sz="1200" dirty="0" smtClean="0"/>
-              <a:t>(</a:t>
-            </a:r>
-            <a:r>
-              <a:rPr lang="en-US" sz="1200" dirty="0" err="1" smtClean="0"/>
-              <a:t>user,split</a:t>
-            </a:r>
-            <a:r>
-              <a:rPr lang="en-US" sz="1200" dirty="0" smtClean="0"/>
-              <a:t>))</a:t>
-            </a:r>
-          </a:p>
-          <a:p>
-            <a:pPr marL="0" indent="0">
-              <a:buNone/>
-            </a:pPr>
-            <a:r>
-              <a:rPr lang="en-US" sz="1200" dirty="0" smtClean="0"/>
-              <a:t>  </a:t>
-            </a:r>
-            <a:r>
-              <a:rPr lang="en-US" sz="1200" dirty="0" err="1" smtClean="0"/>
-              <a:t>colnames</a:t>
-            </a:r>
-            <a:r>
-              <a:rPr lang="en-US" sz="1200" dirty="0" smtClean="0"/>
-              <a:t>(combine) &lt;- c("</a:t>
-            </a:r>
-            <a:r>
-              <a:rPr lang="en-US" sz="1200" dirty="0" err="1" smtClean="0"/>
-              <a:t>user_id</a:t>
-            </a:r>
-            <a:r>
-              <a:rPr lang="en-US" sz="1200" dirty="0" smtClean="0"/>
-              <a:t>", "friend")</a:t>
-            </a:r>
-          </a:p>
-          <a:p>
-            <a:pPr marL="0" indent="0">
-              <a:buNone/>
-            </a:pPr>
-            <a:r>
-              <a:rPr lang="en-US" sz="1200" dirty="0" smtClean="0"/>
-              <a:t>  </a:t>
-            </a:r>
-            <a:r>
-              <a:rPr lang="en-US" sz="1200" dirty="0" err="1" smtClean="0"/>
-              <a:t>combine$user_id</a:t>
-            </a:r>
-            <a:r>
-              <a:rPr lang="en-US" sz="1200" dirty="0" smtClean="0"/>
-              <a:t> &lt;- </a:t>
-            </a:r>
-            <a:r>
-              <a:rPr lang="en-US" sz="1200" dirty="0" err="1" smtClean="0"/>
-              <a:t>as.character</a:t>
-            </a:r>
-            <a:r>
-              <a:rPr lang="en-US" sz="1200" dirty="0" smtClean="0"/>
-              <a:t>(</a:t>
-            </a:r>
-            <a:r>
-              <a:rPr lang="en-US" sz="1200" dirty="0" err="1" smtClean="0"/>
-              <a:t>combine$user_id</a:t>
-            </a:r>
-            <a:r>
-              <a:rPr lang="en-US" sz="1200" dirty="0" smtClean="0"/>
-              <a:t>)</a:t>
-            </a:r>
-          </a:p>
-          <a:p>
-            <a:pPr marL="0" indent="0">
-              <a:buNone/>
-            </a:pPr>
-            <a:r>
-              <a:rPr lang="en-US" sz="1200" dirty="0" smtClean="0"/>
-              <a:t>  </a:t>
-            </a:r>
-            <a:r>
-              <a:rPr lang="en-US" sz="1200" dirty="0" err="1" smtClean="0"/>
-              <a:t>combine$friend</a:t>
-            </a:r>
-            <a:r>
-              <a:rPr lang="en-US" sz="1200" dirty="0" smtClean="0"/>
-              <a:t> &lt;- </a:t>
-            </a:r>
-            <a:r>
-              <a:rPr lang="en-US" sz="1200" dirty="0" err="1" smtClean="0"/>
-              <a:t>as.character</a:t>
-            </a:r>
-            <a:r>
-              <a:rPr lang="en-US" sz="1200" dirty="0" smtClean="0"/>
-              <a:t>(</a:t>
-            </a:r>
-            <a:r>
-              <a:rPr lang="en-US" sz="1200" dirty="0" err="1" smtClean="0"/>
-              <a:t>combine$friend</a:t>
-            </a:r>
-            <a:r>
-              <a:rPr lang="en-US" sz="1200" dirty="0" smtClean="0"/>
-              <a:t>)</a:t>
-            </a:r>
-          </a:p>
-          <a:p>
-            <a:pPr marL="0" indent="0">
-              <a:buNone/>
-            </a:pPr>
-            <a:r>
-              <a:rPr lang="en-US" sz="1200" dirty="0" smtClean="0"/>
-              <a:t>  return(combine)</a:t>
-            </a:r>
-          </a:p>
-          <a:p>
-            <a:pPr marL="0" indent="0">
-              <a:buNone/>
-            </a:pPr>
-            <a:r>
-              <a:rPr lang="en-US" sz="1200" dirty="0" smtClean="0"/>
-              <a:t>}</a:t>
-            </a:r>
-          </a:p>
-          <a:p>
-            <a:pPr marL="0" indent="0">
-              <a:buNone/>
-            </a:pPr>
-            <a:endParaRPr lang="en-US" sz="1200" dirty="0" smtClean="0"/>
-          </a:p>
-          <a:p>
-            <a:pPr marL="0" indent="0">
-              <a:buNone/>
-            </a:pPr>
-            <a:r>
-              <a:rPr lang="en-US" sz="1200" dirty="0" smtClean="0"/>
-              <a:t># Creating long </a:t>
-            </a:r>
-            <a:r>
-              <a:rPr lang="en-US" sz="1200" dirty="0" err="1" smtClean="0"/>
-              <a:t>edgelist</a:t>
-            </a:r>
-            <a:endParaRPr lang="en-US" sz="1200" dirty="0" smtClean="0"/>
-          </a:p>
-          <a:p>
-            <a:pPr marL="0" indent="0">
-              <a:buNone/>
-            </a:pPr>
-            <a:r>
-              <a:rPr lang="en-US" sz="1200" dirty="0" err="1" smtClean="0"/>
-              <a:t>az.edgelist</a:t>
-            </a:r>
-            <a:r>
-              <a:rPr lang="en-US" sz="1200" dirty="0" smtClean="0"/>
-              <a:t> &lt;- social_1 %&gt;%</a:t>
-            </a:r>
-          </a:p>
-          <a:p>
-            <a:pPr marL="0" indent="0">
-              <a:buNone/>
-            </a:pPr>
-            <a:r>
-              <a:rPr lang="en-US" sz="1200" dirty="0" smtClean="0"/>
-              <a:t>  </a:t>
-            </a:r>
-            <a:r>
-              <a:rPr lang="en-US" sz="1200" dirty="0" err="1" smtClean="0"/>
-              <a:t>rowwise</a:t>
-            </a:r>
-            <a:r>
-              <a:rPr lang="en-US" sz="1200" dirty="0" smtClean="0"/>
-              <a:t>() %&gt;%</a:t>
-            </a:r>
-          </a:p>
-          <a:p>
-            <a:pPr marL="0" indent="0">
-              <a:buNone/>
-            </a:pPr>
-            <a:r>
-              <a:rPr lang="en-US" sz="1200" dirty="0" smtClean="0"/>
-              <a:t>  do(</a:t>
-            </a:r>
-            <a:r>
-              <a:rPr lang="en-US" sz="1200" dirty="0" err="1" smtClean="0"/>
-              <a:t>longedge</a:t>
-            </a:r>
-            <a:r>
-              <a:rPr lang="en-US" sz="1200" dirty="0" smtClean="0"/>
-              <a:t>(.)) %&gt;%</a:t>
-            </a:r>
-          </a:p>
-          <a:p>
-            <a:pPr marL="0" indent="0">
-              <a:buNone/>
-            </a:pPr>
-            <a:r>
-              <a:rPr lang="en-US" sz="1200" dirty="0" smtClean="0"/>
-              <a:t>  </a:t>
-            </a:r>
-            <a:r>
-              <a:rPr lang="en-US" sz="1200" dirty="0" err="1" smtClean="0"/>
-              <a:t>rbind</a:t>
-            </a:r>
-            <a:r>
-              <a:rPr lang="en-US" sz="1200" dirty="0" smtClean="0"/>
-              <a:t>()</a:t>
-            </a:r>
-            <a:endParaRPr lang="en-US" sz="1200" dirty="0"/>
-          </a:p>
-        </p:txBody>
-      </p:sp>
       <p:pic>
         <p:nvPicPr>
-          <p:cNvPr id="7" name="Picture 6"/>
+          <p:cNvPr id="4" name="Content Placeholder 3"/>
           <p:cNvPicPr>
-            <a:picLocks noChangeAspect="1"/>
+            <a:picLocks noGrp="1" noChangeAspect="1"/>
           </p:cNvPicPr>
-          <p:nvPr/>
+          <p:nvPr>
+            <p:ph idx="1"/>
+          </p:nvPr>
         </p:nvPicPr>
-        <p:blipFill>
+        <p:blipFill rotWithShape="1">
           <a:blip r:embed="rId2"/>
-          <a:stretch>
-            <a:fillRect/>
-          </a:stretch>
+          <a:srcRect l="1" r="-19599"/>
+          <a:stretch/>
         </p:blipFill>
         <p:spPr>
           <a:xfrm>
-            <a:off x="4864523" y="1612652"/>
-            <a:ext cx="3822277" cy="3642139"/>
+            <a:off x="2116739" y="1417638"/>
+            <a:ext cx="5795610" cy="4541373"/>
           </a:xfrm>
-          <a:prstGeom prst="rect">
-            <a:avLst/>
-          </a:prstGeom>
         </p:spPr>
       </p:pic>
-      <p:graphicFrame>
-        <p:nvGraphicFramePr>
-          <p:cNvPr id="9" name="Table 8"/>
-          <p:cNvGraphicFramePr>
-            <a:graphicFrameLocks noGrp="1"/>
-          </p:cNvGraphicFramePr>
-          <p:nvPr>
-            <p:extLst>
-              <p:ext uri="{D42A27DB-BD31-4B8C-83A1-F6EECF244321}">
-                <p14:modId xmlns:p14="http://schemas.microsoft.com/office/powerpoint/2010/main" val="3210468082"/>
-              </p:ext>
-            </p:extLst>
-          </p:nvPr>
-        </p:nvGraphicFramePr>
-        <p:xfrm>
-          <a:off x="4829848" y="1593870"/>
-          <a:ext cx="3847484" cy="3648469"/>
-        </p:xfrm>
-        <a:graphic>
-          <a:graphicData uri="http://schemas.openxmlformats.org/drawingml/2006/table">
-            <a:tbl>
-              <a:tblPr/>
-              <a:tblGrid>
-                <a:gridCol w="3847484"/>
-              </a:tblGrid>
-              <a:tr h="3648469">
-                <a:tc>
-                  <a:txBody>
-                    <a:bodyPr/>
-                    <a:lstStyle/>
-                    <a:p>
-                      <a:endParaRPr lang="en-US" dirty="0"/>
-                    </a:p>
-                  </a:txBody>
-                  <a:tcPr>
-                    <a:lnL w="12700" cmpd="sng">
-                      <a:solidFill>
-                        <a:scrgbClr r="0" g="0" b="0"/>
-                      </a:solidFill>
-                      <a:prstDash val="solid"/>
-                    </a:lnL>
-                    <a:lnR w="12700" cmpd="sng">
-                      <a:solidFill>
-                        <a:scrgbClr r="0" g="0" b="0"/>
-                      </a:solidFill>
-                      <a:prstDash val="solid"/>
-                    </a:lnR>
-                    <a:lnT w="12700" cmpd="sng">
-                      <a:solidFill>
-                        <a:scrgbClr r="0" g="0" b="0"/>
-                      </a:solidFill>
-                      <a:prstDash val="solid"/>
-                    </a:lnT>
-                    <a:lnB w="12700" cmpd="sng">
-                      <a:solidFill>
-                        <a:scrgbClr r="0" g="0" b="0"/>
-                      </a:solidFill>
-                      <a:prstDash val="solid"/>
-                    </a:lnB>
-                  </a:tcPr>
-                </a:tc>
-              </a:tr>
-            </a:tbl>
-          </a:graphicData>
-        </a:graphic>
-      </p:graphicFrame>
-      <p:sp>
-        <p:nvSpPr>
-          <p:cNvPr id="5" name="Striped Right Arrow 4"/>
-          <p:cNvSpPr/>
-          <p:nvPr/>
-        </p:nvSpPr>
-        <p:spPr>
-          <a:xfrm>
-            <a:off x="4021218" y="2689096"/>
-            <a:ext cx="1046503" cy="1544622"/>
-          </a:xfrm>
-          <a:prstGeom prst="stripedRightArrow">
-            <a:avLst/>
-          </a:prstGeom>
-          <a:ln/>
-        </p:spPr>
-        <p:style>
-          <a:lnRef idx="1">
-            <a:schemeClr val="accent2"/>
-          </a:lnRef>
-          <a:fillRef idx="3">
-            <a:schemeClr val="accent2"/>
-          </a:fillRef>
-          <a:effectRef idx="2">
-            <a:schemeClr val="accent2"/>
-          </a:effectRef>
-          <a:fontRef idx="minor">
-            <a:schemeClr val="lt1"/>
-          </a:fontRef>
-        </p:style>
-        <p:txBody>
-          <a:bodyPr/>
-          <a:lstStyle/>
-          <a:p>
-            <a:endParaRPr lang="en-US"/>
-          </a:p>
-        </p:txBody>
-      </p:sp>
     </p:spTree>
     <p:extLst>
       <p:ext uri="{BB962C8B-B14F-4D97-AF65-F5344CB8AC3E}">
-        <p14:creationId xmlns:p14="http://schemas.microsoft.com/office/powerpoint/2010/main" val="2080838348"/>
+        <p14:creationId xmlns:p14="http://schemas.microsoft.com/office/powerpoint/2010/main" val="3031189573"/>
       </p:ext>
     </p:extLst>
   </p:cSld>
@@ -9208,7 +9444,7 @@
   <a:extraClrSchemeLst/>
   <a:extLst>
     <a:ext uri="{05A4C25C-085E-4340-85A3-A5531E510DB2}">
-      <thm15:themeFamily xmlns:thm15="http://schemas.microsoft.com/office/thememl/2012/main" xmlns="" name="Office Theme" id="{62F939B6-93AF-4DB8-9C6B-D6C7DFDC589F}" vid="{4A3C46E8-61CC-4603-A589-7422A47A8E4A}"/>
+      <thm15:themeFamily xmlns="" xmlns:thm15="http://schemas.microsoft.com/office/thememl/2012/main" name="Office Theme" id="{62F939B6-93AF-4DB8-9C6B-D6C7DFDC589F}" vid="{4A3C46E8-61CC-4603-A589-7422A47A8E4A}"/>
     </a:ext>
   </a:extLst>
 </a:theme>
